--- a/Presentation/HypoFigs.pptx
+++ b/Presentation/HypoFigs.pptx
@@ -4,17 +4,27 @@
   <p:sldMasterIdLst>
     <p:sldMasterId id="2147483696" r:id="rId1"/>
   </p:sldMasterIdLst>
+  <p:notesMasterIdLst>
+    <p:notesMasterId r:id="rId19"/>
+  </p:notesMasterIdLst>
   <p:sldIdLst>
     <p:sldId id="257" r:id="rId2"/>
-    <p:sldId id="258" r:id="rId3"/>
-    <p:sldId id="260" r:id="rId4"/>
-    <p:sldId id="259" r:id="rId5"/>
-    <p:sldId id="261" r:id="rId6"/>
-    <p:sldId id="262" r:id="rId7"/>
-    <p:sldId id="263" r:id="rId8"/>
-    <p:sldId id="264" r:id="rId9"/>
-    <p:sldId id="265" r:id="rId10"/>
-    <p:sldId id="266" r:id="rId11"/>
+    <p:sldId id="561" r:id="rId3"/>
+    <p:sldId id="558" r:id="rId4"/>
+    <p:sldId id="560" r:id="rId5"/>
+    <p:sldId id="559" r:id="rId6"/>
+    <p:sldId id="260" r:id="rId7"/>
+    <p:sldId id="259" r:id="rId8"/>
+    <p:sldId id="261" r:id="rId9"/>
+    <p:sldId id="262" r:id="rId10"/>
+    <p:sldId id="263" r:id="rId11"/>
+    <p:sldId id="264" r:id="rId12"/>
+    <p:sldId id="265" r:id="rId13"/>
+    <p:sldId id="266" r:id="rId14"/>
+    <p:sldId id="484" r:id="rId15"/>
+    <p:sldId id="556" r:id="rId16"/>
+    <p:sldId id="530" r:id="rId17"/>
+    <p:sldId id="557" r:id="rId18"/>
   </p:sldIdLst>
   <p:sldSz cx="11520488" cy="6119813"/>
   <p:notesSz cx="6858000" cy="9144000"/>
@@ -121,6 +131,855 @@
 </p:presentation>
 </file>
 
+<file path=ppt/notesMasters/notesMaster1.xml><?xml version="1.0" encoding="utf-8"?>
+<p:notesMaster xmlns:a="http://schemas.openxmlformats.org/drawingml/2006/main" xmlns:r="http://schemas.openxmlformats.org/officeDocument/2006/relationships" xmlns:p="http://schemas.openxmlformats.org/presentationml/2006/main">
+  <p:cSld>
+    <p:bg>
+      <p:bgRef idx="1001">
+        <a:schemeClr val="bg1"/>
+      </p:bgRef>
+    </p:bg>
+    <p:spTree>
+      <p:nvGrpSpPr>
+        <p:cNvPr id="1" name=""/>
+        <p:cNvGrpSpPr/>
+        <p:nvPr/>
+      </p:nvGrpSpPr>
+      <p:grpSpPr>
+        <a:xfrm>
+          <a:off x="0" y="0"/>
+          <a:ext cx="0" cy="0"/>
+          <a:chOff x="0" y="0"/>
+          <a:chExt cx="0" cy="0"/>
+        </a:xfrm>
+      </p:grpSpPr>
+      <p:sp>
+        <p:nvSpPr>
+          <p:cNvPr id="2" name="Header Placeholder 1"/>
+          <p:cNvSpPr>
+            <a:spLocks noGrp="1"/>
+          </p:cNvSpPr>
+          <p:nvPr>
+            <p:ph type="hdr" sz="quarter"/>
+          </p:nvPr>
+        </p:nvSpPr>
+        <p:spPr>
+          <a:xfrm>
+            <a:off x="0" y="0"/>
+            <a:ext cx="2971800" cy="458788"/>
+          </a:xfrm>
+          <a:prstGeom prst="rect">
+            <a:avLst/>
+          </a:prstGeom>
+        </p:spPr>
+        <p:txBody>
+          <a:bodyPr vert="horz" lIns="91440" tIns="45720" rIns="91440" bIns="45720" rtlCol="0"/>
+          <a:lstStyle>
+            <a:lvl1pPr algn="l">
+              <a:defRPr sz="1200"/>
+            </a:lvl1pPr>
+          </a:lstStyle>
+          <a:p>
+            <a:endParaRPr lang="en-US"/>
+          </a:p>
+        </p:txBody>
+      </p:sp>
+      <p:sp>
+        <p:nvSpPr>
+          <p:cNvPr id="3" name="Date Placeholder 2"/>
+          <p:cNvSpPr>
+            <a:spLocks noGrp="1"/>
+          </p:cNvSpPr>
+          <p:nvPr>
+            <p:ph type="dt" idx="1"/>
+          </p:nvPr>
+        </p:nvSpPr>
+        <p:spPr>
+          <a:xfrm>
+            <a:off x="3884613" y="0"/>
+            <a:ext cx="2971800" cy="458788"/>
+          </a:xfrm>
+          <a:prstGeom prst="rect">
+            <a:avLst/>
+          </a:prstGeom>
+        </p:spPr>
+        <p:txBody>
+          <a:bodyPr vert="horz" lIns="91440" tIns="45720" rIns="91440" bIns="45720" rtlCol="0"/>
+          <a:lstStyle>
+            <a:lvl1pPr algn="r">
+              <a:defRPr sz="1200"/>
+            </a:lvl1pPr>
+          </a:lstStyle>
+          <a:p>
+            <a:fld id="{27EF3FF2-EB12-4B4D-B269-04BCAABB5705}" type="datetimeFigureOut">
+              <a:rPr lang="en-US" smtClean="0"/>
+              <a:t>1/8/2020</a:t>
+            </a:fld>
+            <a:endParaRPr lang="en-US"/>
+          </a:p>
+        </p:txBody>
+      </p:sp>
+      <p:sp>
+        <p:nvSpPr>
+          <p:cNvPr id="4" name="Slide Image Placeholder 3"/>
+          <p:cNvSpPr>
+            <a:spLocks noGrp="1" noRot="1" noChangeAspect="1"/>
+          </p:cNvSpPr>
+          <p:nvPr>
+            <p:ph type="sldImg" idx="2"/>
+          </p:nvPr>
+        </p:nvSpPr>
+        <p:spPr>
+          <a:xfrm>
+            <a:off x="525463" y="1143000"/>
+            <a:ext cx="5807075" cy="3086100"/>
+          </a:xfrm>
+          <a:prstGeom prst="rect">
+            <a:avLst/>
+          </a:prstGeom>
+          <a:noFill/>
+          <a:ln w="12700">
+            <a:solidFill>
+              <a:prstClr val="black"/>
+            </a:solidFill>
+          </a:ln>
+        </p:spPr>
+        <p:txBody>
+          <a:bodyPr vert="horz" lIns="91440" tIns="45720" rIns="91440" bIns="45720" rtlCol="0" anchor="ctr"/>
+          <a:lstStyle/>
+          <a:p>
+            <a:endParaRPr lang="en-US"/>
+          </a:p>
+        </p:txBody>
+      </p:sp>
+      <p:sp>
+        <p:nvSpPr>
+          <p:cNvPr id="5" name="Notes Placeholder 4"/>
+          <p:cNvSpPr>
+            <a:spLocks noGrp="1"/>
+          </p:cNvSpPr>
+          <p:nvPr>
+            <p:ph type="body" sz="quarter" idx="3"/>
+          </p:nvPr>
+        </p:nvSpPr>
+        <p:spPr>
+          <a:xfrm>
+            <a:off x="685800" y="4400550"/>
+            <a:ext cx="5486400" cy="3600450"/>
+          </a:xfrm>
+          <a:prstGeom prst="rect">
+            <a:avLst/>
+          </a:prstGeom>
+        </p:spPr>
+        <p:txBody>
+          <a:bodyPr vert="horz" lIns="91440" tIns="45720" rIns="91440" bIns="45720" rtlCol="0"/>
+          <a:lstStyle/>
+          <a:p>
+            <a:pPr lvl="0"/>
+            <a:r>
+              <a:rPr lang="en-US"/>
+              <a:t>Click to edit Master text styles</a:t>
+            </a:r>
+          </a:p>
+          <a:p>
+            <a:pPr lvl="1"/>
+            <a:r>
+              <a:rPr lang="en-US"/>
+              <a:t>Second level</a:t>
+            </a:r>
+          </a:p>
+          <a:p>
+            <a:pPr lvl="2"/>
+            <a:r>
+              <a:rPr lang="en-US"/>
+              <a:t>Third level</a:t>
+            </a:r>
+          </a:p>
+          <a:p>
+            <a:pPr lvl="3"/>
+            <a:r>
+              <a:rPr lang="en-US"/>
+              <a:t>Fourth level</a:t>
+            </a:r>
+          </a:p>
+          <a:p>
+            <a:pPr lvl="4"/>
+            <a:r>
+              <a:rPr lang="en-US"/>
+              <a:t>Fifth level</a:t>
+            </a:r>
+          </a:p>
+        </p:txBody>
+      </p:sp>
+      <p:sp>
+        <p:nvSpPr>
+          <p:cNvPr id="6" name="Footer Placeholder 5"/>
+          <p:cNvSpPr>
+            <a:spLocks noGrp="1"/>
+          </p:cNvSpPr>
+          <p:nvPr>
+            <p:ph type="ftr" sz="quarter" idx="4"/>
+          </p:nvPr>
+        </p:nvSpPr>
+        <p:spPr>
+          <a:xfrm>
+            <a:off x="0" y="8685213"/>
+            <a:ext cx="2971800" cy="458787"/>
+          </a:xfrm>
+          <a:prstGeom prst="rect">
+            <a:avLst/>
+          </a:prstGeom>
+        </p:spPr>
+        <p:txBody>
+          <a:bodyPr vert="horz" lIns="91440" tIns="45720" rIns="91440" bIns="45720" rtlCol="0" anchor="b"/>
+          <a:lstStyle>
+            <a:lvl1pPr algn="l">
+              <a:defRPr sz="1200"/>
+            </a:lvl1pPr>
+          </a:lstStyle>
+          <a:p>
+            <a:endParaRPr lang="en-US"/>
+          </a:p>
+        </p:txBody>
+      </p:sp>
+      <p:sp>
+        <p:nvSpPr>
+          <p:cNvPr id="7" name="Slide Number Placeholder 6"/>
+          <p:cNvSpPr>
+            <a:spLocks noGrp="1"/>
+          </p:cNvSpPr>
+          <p:nvPr>
+            <p:ph type="sldNum" sz="quarter" idx="5"/>
+          </p:nvPr>
+        </p:nvSpPr>
+        <p:spPr>
+          <a:xfrm>
+            <a:off x="3884613" y="8685213"/>
+            <a:ext cx="2971800" cy="458787"/>
+          </a:xfrm>
+          <a:prstGeom prst="rect">
+            <a:avLst/>
+          </a:prstGeom>
+        </p:spPr>
+        <p:txBody>
+          <a:bodyPr vert="horz" lIns="91440" tIns="45720" rIns="91440" bIns="45720" rtlCol="0" anchor="b"/>
+          <a:lstStyle>
+            <a:lvl1pPr algn="r">
+              <a:defRPr sz="1200"/>
+            </a:lvl1pPr>
+          </a:lstStyle>
+          <a:p>
+            <a:fld id="{25CC3733-24E5-4CD1-94AB-5C254C33DD62}" type="slidenum">
+              <a:rPr lang="en-US" smtClean="0"/>
+              <a:t>‹#›</a:t>
+            </a:fld>
+            <a:endParaRPr lang="en-US"/>
+          </a:p>
+        </p:txBody>
+      </p:sp>
+    </p:spTree>
+    <p:extLst>
+      <p:ext uri="{BB962C8B-B14F-4D97-AF65-F5344CB8AC3E}">
+        <p14:creationId xmlns:p14="http://schemas.microsoft.com/office/powerpoint/2010/main" val="1521413852"/>
+      </p:ext>
+    </p:extLst>
+  </p:cSld>
+  <p:clrMap bg1="lt1" tx1="dk1" bg2="lt2" tx2="dk2" accent1="accent1" accent2="accent2" accent3="accent3" accent4="accent4" accent5="accent5" accent6="accent6" hlink="hlink" folHlink="folHlink"/>
+  <p:notesStyle>
+    <a:lvl1pPr marL="0" algn="l" defTabSz="914400" rtl="0" eaLnBrk="1" latinLnBrk="0" hangingPunct="1">
+      <a:defRPr sz="1200" kern="1200">
+        <a:solidFill>
+          <a:schemeClr val="tx1"/>
+        </a:solidFill>
+        <a:latin typeface="+mn-lt"/>
+        <a:ea typeface="+mn-ea"/>
+        <a:cs typeface="+mn-cs"/>
+      </a:defRPr>
+    </a:lvl1pPr>
+    <a:lvl2pPr marL="457200" algn="l" defTabSz="914400" rtl="0" eaLnBrk="1" latinLnBrk="0" hangingPunct="1">
+      <a:defRPr sz="1200" kern="1200">
+        <a:solidFill>
+          <a:schemeClr val="tx1"/>
+        </a:solidFill>
+        <a:latin typeface="+mn-lt"/>
+        <a:ea typeface="+mn-ea"/>
+        <a:cs typeface="+mn-cs"/>
+      </a:defRPr>
+    </a:lvl2pPr>
+    <a:lvl3pPr marL="914400" algn="l" defTabSz="914400" rtl="0" eaLnBrk="1" latinLnBrk="0" hangingPunct="1">
+      <a:defRPr sz="1200" kern="1200">
+        <a:solidFill>
+          <a:schemeClr val="tx1"/>
+        </a:solidFill>
+        <a:latin typeface="+mn-lt"/>
+        <a:ea typeface="+mn-ea"/>
+        <a:cs typeface="+mn-cs"/>
+      </a:defRPr>
+    </a:lvl3pPr>
+    <a:lvl4pPr marL="1371600" algn="l" defTabSz="914400" rtl="0" eaLnBrk="1" latinLnBrk="0" hangingPunct="1">
+      <a:defRPr sz="1200" kern="1200">
+        <a:solidFill>
+          <a:schemeClr val="tx1"/>
+        </a:solidFill>
+        <a:latin typeface="+mn-lt"/>
+        <a:ea typeface="+mn-ea"/>
+        <a:cs typeface="+mn-cs"/>
+      </a:defRPr>
+    </a:lvl4pPr>
+    <a:lvl5pPr marL="1828800" algn="l" defTabSz="914400" rtl="0" eaLnBrk="1" latinLnBrk="0" hangingPunct="1">
+      <a:defRPr sz="1200" kern="1200">
+        <a:solidFill>
+          <a:schemeClr val="tx1"/>
+        </a:solidFill>
+        <a:latin typeface="+mn-lt"/>
+        <a:ea typeface="+mn-ea"/>
+        <a:cs typeface="+mn-cs"/>
+      </a:defRPr>
+    </a:lvl5pPr>
+    <a:lvl6pPr marL="2286000" algn="l" defTabSz="914400" rtl="0" eaLnBrk="1" latinLnBrk="0" hangingPunct="1">
+      <a:defRPr sz="1200" kern="1200">
+        <a:solidFill>
+          <a:schemeClr val="tx1"/>
+        </a:solidFill>
+        <a:latin typeface="+mn-lt"/>
+        <a:ea typeface="+mn-ea"/>
+        <a:cs typeface="+mn-cs"/>
+      </a:defRPr>
+    </a:lvl6pPr>
+    <a:lvl7pPr marL="2743200" algn="l" defTabSz="914400" rtl="0" eaLnBrk="1" latinLnBrk="0" hangingPunct="1">
+      <a:defRPr sz="1200" kern="1200">
+        <a:solidFill>
+          <a:schemeClr val="tx1"/>
+        </a:solidFill>
+        <a:latin typeface="+mn-lt"/>
+        <a:ea typeface="+mn-ea"/>
+        <a:cs typeface="+mn-cs"/>
+      </a:defRPr>
+    </a:lvl7pPr>
+    <a:lvl8pPr marL="3200400" algn="l" defTabSz="914400" rtl="0" eaLnBrk="1" latinLnBrk="0" hangingPunct="1">
+      <a:defRPr sz="1200" kern="1200">
+        <a:solidFill>
+          <a:schemeClr val="tx1"/>
+        </a:solidFill>
+        <a:latin typeface="+mn-lt"/>
+        <a:ea typeface="+mn-ea"/>
+        <a:cs typeface="+mn-cs"/>
+      </a:defRPr>
+    </a:lvl8pPr>
+    <a:lvl9pPr marL="3657600" algn="l" defTabSz="914400" rtl="0" eaLnBrk="1" latinLnBrk="0" hangingPunct="1">
+      <a:defRPr sz="1200" kern="1200">
+        <a:solidFill>
+          <a:schemeClr val="tx1"/>
+        </a:solidFill>
+        <a:latin typeface="+mn-lt"/>
+        <a:ea typeface="+mn-ea"/>
+        <a:cs typeface="+mn-cs"/>
+      </a:defRPr>
+    </a:lvl9pPr>
+  </p:notesStyle>
+</p:notesMaster>
+</file>
+
+<file path=ppt/notesSlides/notesSlide1.xml><?xml version="1.0" encoding="utf-8"?>
+<p:notes xmlns:a="http://schemas.openxmlformats.org/drawingml/2006/main" xmlns:r="http://schemas.openxmlformats.org/officeDocument/2006/relationships" xmlns:p="http://schemas.openxmlformats.org/presentationml/2006/main">
+  <p:cSld>
+    <p:spTree>
+      <p:nvGrpSpPr>
+        <p:cNvPr id="1" name=""/>
+        <p:cNvGrpSpPr/>
+        <p:nvPr/>
+      </p:nvGrpSpPr>
+      <p:grpSpPr>
+        <a:xfrm>
+          <a:off x="0" y="0"/>
+          <a:ext cx="0" cy="0"/>
+          <a:chOff x="0" y="0"/>
+          <a:chExt cx="0" cy="0"/>
+        </a:xfrm>
+      </p:grpSpPr>
+      <p:sp>
+        <p:nvSpPr>
+          <p:cNvPr id="2" name="Slide Image Placeholder 1"/>
+          <p:cNvSpPr>
+            <a:spLocks noGrp="1" noRot="1" noChangeAspect="1"/>
+          </p:cNvSpPr>
+          <p:nvPr>
+            <p:ph type="sldImg"/>
+          </p:nvPr>
+        </p:nvSpPr>
+        <p:spPr>
+          <a:xfrm>
+            <a:off x="523875" y="1143000"/>
+            <a:ext cx="5810250" cy="3086100"/>
+          </a:xfrm>
+        </p:spPr>
+      </p:sp>
+      <p:sp>
+        <p:nvSpPr>
+          <p:cNvPr id="3" name="Notes Placeholder 2"/>
+          <p:cNvSpPr>
+            <a:spLocks noGrp="1"/>
+          </p:cNvSpPr>
+          <p:nvPr>
+            <p:ph type="body" idx="1"/>
+          </p:nvPr>
+        </p:nvSpPr>
+        <p:spPr/>
+        <p:txBody>
+          <a:bodyPr/>
+          <a:lstStyle/>
+          <a:p>
+            <a:r>
+              <a:rPr lang="en-US" altLang="zh-TW" dirty="0"/>
+              <a:t>For example, there are 500+ studies that have manipulated some aspects of biodiversity of plants either at the level of genes, species, or functional traits, </a:t>
+            </a:r>
+          </a:p>
+          <a:p>
+            <a:endParaRPr lang="en-US" altLang="zh-TW" dirty="0"/>
+          </a:p>
+          <a:p>
+            <a:r>
+              <a:rPr lang="en-US" altLang="zh-TW" dirty="0"/>
+              <a:t>And the overwhelming majority showed that the processes performed in those ecosystems that regulated the capture of resources like nutrient or light., the production of biomass by the plants, decomposition and recycling of nutrients </a:t>
+            </a:r>
+            <a:r>
+              <a:rPr lang="en-US" altLang="zh-TW" b="1" dirty="0"/>
+              <a:t>that keep the system to function efficiently </a:t>
+            </a:r>
+          </a:p>
+          <a:p>
+            <a:endParaRPr lang="en-US" altLang="zh-TW" dirty="0"/>
+          </a:p>
+          <a:p>
+            <a:r>
+              <a:rPr lang="en-US" altLang="zh-TW" dirty="0"/>
+              <a:t>Those functions are almost positively related to biodiversity. </a:t>
+            </a:r>
+          </a:p>
+          <a:p>
+            <a:endParaRPr lang="en-US" altLang="zh-TW" dirty="0"/>
+          </a:p>
+          <a:p>
+            <a:pPr marL="0" marR="0" lvl="0" indent="0" algn="l" defTabSz="914400" rtl="0" eaLnBrk="1" fontAlgn="auto" latinLnBrk="0" hangingPunct="1">
+              <a:lnSpc>
+                <a:spcPct val="100000"/>
+              </a:lnSpc>
+              <a:spcBef>
+                <a:spcPts val="0"/>
+              </a:spcBef>
+              <a:spcAft>
+                <a:spcPts val="0"/>
+              </a:spcAft>
+              <a:buClrTx/>
+              <a:buSzTx/>
+              <a:buFontTx/>
+              <a:buNone/>
+              <a:tabLst/>
+              <a:defRPr/>
+            </a:pPr>
+            <a:r>
+              <a:rPr lang="en-US" altLang="zh-TW" dirty="0"/>
+              <a:t>These study also infer that the main mechanism underlying this positive relationship is resource partitioning. </a:t>
+            </a:r>
+          </a:p>
+          <a:p>
+            <a:endParaRPr lang="en-US" altLang="zh-TW" dirty="0"/>
+          </a:p>
+          <a:p>
+            <a:r>
+              <a:rPr lang="en-US" altLang="zh-TW" dirty="0"/>
+              <a:t>As this theoretical study demonstrates, if we illustrate the ecosystem with different resource axes like temperature and soil </a:t>
+            </a:r>
+            <a:r>
+              <a:rPr lang="en-US" altLang="zh-TW" dirty="0" err="1"/>
+              <a:t>ph</a:t>
+            </a:r>
+            <a:r>
+              <a:rPr lang="en-US" altLang="zh-TW" dirty="0"/>
+              <a:t>, and use white discs to represent the resources used or occupied by species. When there more species in the systems, together they can capture the resource more efficiently. </a:t>
+            </a:r>
+          </a:p>
+          <a:p>
+            <a:endParaRPr lang="en-US" altLang="zh-TW" dirty="0"/>
+          </a:p>
+          <a:p>
+            <a:r>
+              <a:rPr lang="en-US" altLang="zh-TW" b="1" dirty="0"/>
+              <a:t>The implication of this positive relationship is that if we lose species of plants, the ecosystem is going to be less efficient and less productive. </a:t>
+            </a:r>
+          </a:p>
+          <a:p>
+            <a:pPr marL="0" indent="0">
+              <a:buFont typeface="Arial" panose="020B0604020202020204" pitchFamily="34" charset="0"/>
+              <a:buNone/>
+            </a:pPr>
+            <a:r>
+              <a:rPr lang="en-US" altLang="zh-TW" b="0" dirty="0"/>
+              <a:t>(The implication of this is that if we were to lose species of plants in the Anthropocene, we are going to see the reduction of efficiency and productivity  of the whole entire ecosystem. )</a:t>
+            </a:r>
+          </a:p>
+          <a:p>
+            <a:pPr marL="0" indent="0">
+              <a:buFont typeface="Arial" panose="020B0604020202020204" pitchFamily="34" charset="0"/>
+              <a:buNone/>
+            </a:pPr>
+            <a:endParaRPr lang="en-US" altLang="zh-TW" dirty="0"/>
+          </a:p>
+          <a:p>
+            <a:pPr marL="0" indent="0">
+              <a:buFont typeface="Arial" panose="020B0604020202020204" pitchFamily="34" charset="0"/>
+              <a:buNone/>
+            </a:pPr>
+            <a:r>
+              <a:rPr lang="en-US" altLang="zh-TW" dirty="0"/>
+              <a:t>However, this positive relationship and the inferred mechanisms are concluded from studies dominated by plant communities.</a:t>
+            </a:r>
+          </a:p>
+          <a:p>
+            <a:endParaRPr lang="en-US" altLang="zh-TW" dirty="0"/>
+          </a:p>
+          <a:p>
+            <a:endParaRPr lang="en-US" altLang="zh-TW" dirty="0"/>
+          </a:p>
+        </p:txBody>
+      </p:sp>
+      <p:sp>
+        <p:nvSpPr>
+          <p:cNvPr id="4" name="Slide Number Placeholder 3"/>
+          <p:cNvSpPr>
+            <a:spLocks noGrp="1"/>
+          </p:cNvSpPr>
+          <p:nvPr>
+            <p:ph type="sldNum" sz="quarter" idx="10"/>
+          </p:nvPr>
+        </p:nvSpPr>
+        <p:spPr/>
+        <p:txBody>
+          <a:bodyPr/>
+          <a:lstStyle/>
+          <a:p>
+            <a:fld id="{5ED0FF79-06C6-4FDB-BFD0-6FF1D5A95033}" type="slidenum">
+              <a:rPr lang="zh-TW" altLang="en-US" smtClean="0"/>
+              <a:t>14</a:t>
+            </a:fld>
+            <a:endParaRPr lang="zh-TW" altLang="en-US"/>
+          </a:p>
+        </p:txBody>
+      </p:sp>
+    </p:spTree>
+    <p:extLst>
+      <p:ext uri="{BB962C8B-B14F-4D97-AF65-F5344CB8AC3E}">
+        <p14:creationId xmlns:p14="http://schemas.microsoft.com/office/powerpoint/2010/main" val="4078001800"/>
+      </p:ext>
+    </p:extLst>
+  </p:cSld>
+  <p:clrMapOvr>
+    <a:masterClrMapping/>
+  </p:clrMapOvr>
+</p:notes>
+</file>
+
+<file path=ppt/notesSlides/notesSlide2.xml><?xml version="1.0" encoding="utf-8"?>
+<p:notes xmlns:a="http://schemas.openxmlformats.org/drawingml/2006/main" xmlns:r="http://schemas.openxmlformats.org/officeDocument/2006/relationships" xmlns:p="http://schemas.openxmlformats.org/presentationml/2006/main">
+  <p:cSld>
+    <p:spTree>
+      <p:nvGrpSpPr>
+        <p:cNvPr id="1" name=""/>
+        <p:cNvGrpSpPr/>
+        <p:nvPr/>
+      </p:nvGrpSpPr>
+      <p:grpSpPr>
+        <a:xfrm>
+          <a:off x="0" y="0"/>
+          <a:ext cx="0" cy="0"/>
+          <a:chOff x="0" y="0"/>
+          <a:chExt cx="0" cy="0"/>
+        </a:xfrm>
+      </p:grpSpPr>
+      <p:sp>
+        <p:nvSpPr>
+          <p:cNvPr id="2" name="Slide Image Placeholder 1"/>
+          <p:cNvSpPr>
+            <a:spLocks noGrp="1" noRot="1" noChangeAspect="1"/>
+          </p:cNvSpPr>
+          <p:nvPr>
+            <p:ph type="sldImg"/>
+          </p:nvPr>
+        </p:nvSpPr>
+        <p:spPr>
+          <a:xfrm>
+            <a:off x="523875" y="1143000"/>
+            <a:ext cx="5810250" cy="3086100"/>
+          </a:xfrm>
+        </p:spPr>
+      </p:sp>
+      <p:sp>
+        <p:nvSpPr>
+          <p:cNvPr id="3" name="Notes Placeholder 2"/>
+          <p:cNvSpPr>
+            <a:spLocks noGrp="1"/>
+          </p:cNvSpPr>
+          <p:nvPr>
+            <p:ph type="body" idx="1"/>
+          </p:nvPr>
+        </p:nvSpPr>
+        <p:spPr/>
+        <p:txBody>
+          <a:bodyPr/>
+          <a:lstStyle/>
+          <a:p>
+            <a:r>
+              <a:rPr lang="en-US" dirty="0"/>
+              <a:t>And that is the conclusion we seem to reach consistently whether we are doing experiments or whether we are looking at unmanipulated observational studies.</a:t>
+            </a:r>
+          </a:p>
+          <a:p>
+            <a:endParaRPr lang="en-US" dirty="0"/>
+          </a:p>
+          <a:p>
+            <a:r>
+              <a:rPr lang="en-US" dirty="0"/>
+              <a:t>For example , this meta-analysis published last year quantifies the effects of algal species richness on algal biomass,</a:t>
+            </a:r>
+          </a:p>
+          <a:p>
+            <a:endParaRPr lang="en-US" dirty="0"/>
+          </a:p>
+          <a:p>
+            <a:r>
+              <a:rPr lang="en-US" dirty="0"/>
+              <a:t>The effects of grass and tree species richness on their productivity</a:t>
+            </a:r>
+          </a:p>
+          <a:p>
+            <a:endParaRPr lang="en-US" dirty="0"/>
+          </a:p>
+          <a:p>
+            <a:r>
+              <a:rPr lang="en-US" dirty="0"/>
+              <a:t>in experimental system, which is labeled in red and in more natural systems, which is labeled in blue</a:t>
+            </a:r>
+          </a:p>
+          <a:p>
+            <a:endParaRPr lang="en-US" dirty="0"/>
+          </a:p>
+          <a:p>
+            <a:r>
+              <a:rPr lang="en-US" dirty="0"/>
+              <a:t>They found that either in the experimental studies or in natural observational studies, the relationship between primary producer diversity and EF are positive. </a:t>
+            </a:r>
+          </a:p>
+          <a:p>
+            <a:endParaRPr lang="en-US" dirty="0"/>
+          </a:p>
+          <a:p>
+            <a:r>
+              <a:rPr lang="en-US" b="1" dirty="0"/>
+              <a:t>The implication here is that we are always expecting to lose ecosystem functions when losing plant species </a:t>
+            </a:r>
+          </a:p>
+          <a:p>
+            <a:endParaRPr lang="en-US" dirty="0"/>
+          </a:p>
+          <a:p>
+            <a:r>
+              <a:rPr lang="en-US" b="1" dirty="0"/>
+              <a:t>And we have consistent evidences from the manipulative experiments or the observational studies. </a:t>
+            </a:r>
+          </a:p>
+          <a:p>
+            <a:endParaRPr lang="en-US" dirty="0"/>
+          </a:p>
+          <a:p>
+            <a:endParaRPr lang="en-US" dirty="0"/>
+          </a:p>
+        </p:txBody>
+      </p:sp>
+      <p:sp>
+        <p:nvSpPr>
+          <p:cNvPr id="4" name="Slide Number Placeholder 3"/>
+          <p:cNvSpPr>
+            <a:spLocks noGrp="1"/>
+          </p:cNvSpPr>
+          <p:nvPr>
+            <p:ph type="sldNum" sz="quarter" idx="5"/>
+          </p:nvPr>
+        </p:nvSpPr>
+        <p:spPr/>
+        <p:txBody>
+          <a:bodyPr/>
+          <a:lstStyle/>
+          <a:p>
+            <a:fld id="{5ED0FF79-06C6-4FDB-BFD0-6FF1D5A95033}" type="slidenum">
+              <a:rPr lang="zh-TW" altLang="en-US" smtClean="0"/>
+              <a:t>15</a:t>
+            </a:fld>
+            <a:endParaRPr lang="zh-TW" altLang="en-US"/>
+          </a:p>
+        </p:txBody>
+      </p:sp>
+    </p:spTree>
+    <p:extLst>
+      <p:ext uri="{BB962C8B-B14F-4D97-AF65-F5344CB8AC3E}">
+        <p14:creationId xmlns:p14="http://schemas.microsoft.com/office/powerpoint/2010/main" val="2635248325"/>
+      </p:ext>
+    </p:extLst>
+  </p:cSld>
+  <p:clrMapOvr>
+    <a:masterClrMapping/>
+  </p:clrMapOvr>
+</p:notes>
+</file>
+
+<file path=ppt/notesSlides/notesSlide3.xml><?xml version="1.0" encoding="utf-8"?>
+<p:notes xmlns:a="http://schemas.openxmlformats.org/drawingml/2006/main" xmlns:r="http://schemas.openxmlformats.org/officeDocument/2006/relationships" xmlns:p="http://schemas.openxmlformats.org/presentationml/2006/main">
+  <p:cSld>
+    <p:spTree>
+      <p:nvGrpSpPr>
+        <p:cNvPr id="1" name=""/>
+        <p:cNvGrpSpPr/>
+        <p:nvPr/>
+      </p:nvGrpSpPr>
+      <p:grpSpPr>
+        <a:xfrm>
+          <a:off x="0" y="0"/>
+          <a:ext cx="0" cy="0"/>
+          <a:chOff x="0" y="0"/>
+          <a:chExt cx="0" cy="0"/>
+        </a:xfrm>
+      </p:grpSpPr>
+      <p:sp>
+        <p:nvSpPr>
+          <p:cNvPr id="2" name="Slide Image Placeholder 1"/>
+          <p:cNvSpPr>
+            <a:spLocks noGrp="1" noRot="1" noChangeAspect="1"/>
+          </p:cNvSpPr>
+          <p:nvPr>
+            <p:ph type="sldImg"/>
+          </p:nvPr>
+        </p:nvSpPr>
+        <p:spPr>
+          <a:xfrm>
+            <a:off x="523875" y="1143000"/>
+            <a:ext cx="5810250" cy="3086100"/>
+          </a:xfrm>
+        </p:spPr>
+      </p:sp>
+      <p:sp>
+        <p:nvSpPr>
+          <p:cNvPr id="3" name="Notes Placeholder 2"/>
+          <p:cNvSpPr>
+            <a:spLocks noGrp="1"/>
+          </p:cNvSpPr>
+          <p:nvPr>
+            <p:ph type="body" idx="1"/>
+          </p:nvPr>
+        </p:nvSpPr>
+        <p:spPr/>
+        <p:txBody>
+          <a:bodyPr/>
+          <a:lstStyle/>
+          <a:p>
+            <a:r>
+              <a:rPr lang="en-US" altLang="zh-TW" dirty="0"/>
+              <a:t>However, when it comes to consumer or animal communities, the relationship between resource prey consumption and consumer diversity becomes less consistent.  </a:t>
+            </a:r>
+          </a:p>
+          <a:p>
+            <a:endParaRPr lang="en-US" altLang="zh-TW" dirty="0"/>
+          </a:p>
+          <a:p>
+            <a:r>
+              <a:rPr lang="en-US" altLang="zh-TW" dirty="0"/>
+              <a:t>Here, this </a:t>
+            </a:r>
+            <a:r>
+              <a:rPr lang="en-US" altLang="zh-TW" dirty="0" err="1"/>
+              <a:t>metaanalysis</a:t>
+            </a:r>
+            <a:r>
+              <a:rPr lang="en-US" altLang="zh-TW" dirty="0"/>
+              <a:t> plot the effects of consumer diversity on ecosystem functions [the consumption of resource prey], and rank them from the smallest to the largest. </a:t>
+            </a:r>
+          </a:p>
+          <a:p>
+            <a:endParaRPr lang="en-US" altLang="zh-TW" dirty="0"/>
+          </a:p>
+          <a:p>
+            <a:r>
+              <a:rPr lang="en-US" altLang="zh-TW" dirty="0"/>
+              <a:t>An the green dots here represent significantly positive effects of consumer diversity</a:t>
+            </a:r>
+          </a:p>
+          <a:p>
+            <a:endParaRPr lang="en-US" altLang="zh-TW" dirty="0"/>
+          </a:p>
+          <a:p>
+            <a:r>
+              <a:rPr lang="en-US" altLang="zh-TW" dirty="0"/>
+              <a:t>The yellow dots mean the non-significant effects</a:t>
+            </a:r>
+          </a:p>
+          <a:p>
+            <a:endParaRPr lang="en-US" altLang="zh-TW" dirty="0"/>
+          </a:p>
+          <a:p>
+            <a:r>
+              <a:rPr lang="en-US" altLang="zh-TW" dirty="0"/>
+              <a:t>And red dots represent negative relationship between consumer diversity and consumption of resource prey. </a:t>
+            </a:r>
+          </a:p>
+          <a:p>
+            <a:endParaRPr lang="en-US" altLang="zh-TW" dirty="0"/>
+          </a:p>
+          <a:p>
+            <a:r>
+              <a:rPr lang="en-US" altLang="zh-TW" b="1" dirty="0"/>
+              <a:t>This meta-analysis show that, </a:t>
+            </a:r>
+            <a:r>
+              <a:rPr lang="en-US" altLang="zh-TW" b="1" baseline="0" dirty="0"/>
+              <a:t>there are far more variable relationships between consumer diversity and the consumption of resource prey than there are in plants. </a:t>
+            </a:r>
+          </a:p>
+        </p:txBody>
+      </p:sp>
+      <p:sp>
+        <p:nvSpPr>
+          <p:cNvPr id="4" name="Slide Number Placeholder 3"/>
+          <p:cNvSpPr>
+            <a:spLocks noGrp="1"/>
+          </p:cNvSpPr>
+          <p:nvPr>
+            <p:ph type="sldNum" sz="quarter" idx="10"/>
+          </p:nvPr>
+        </p:nvSpPr>
+        <p:spPr/>
+        <p:txBody>
+          <a:bodyPr/>
+          <a:lstStyle/>
+          <a:p>
+            <a:fld id="{5ED0FF79-06C6-4FDB-BFD0-6FF1D5A95033}" type="slidenum">
+              <a:rPr lang="zh-TW" altLang="en-US" smtClean="0"/>
+              <a:t>16</a:t>
+            </a:fld>
+            <a:endParaRPr lang="zh-TW" altLang="en-US"/>
+          </a:p>
+        </p:txBody>
+      </p:sp>
+    </p:spTree>
+    <p:extLst>
+      <p:ext uri="{BB962C8B-B14F-4D97-AF65-F5344CB8AC3E}">
+        <p14:creationId xmlns:p14="http://schemas.microsoft.com/office/powerpoint/2010/main" val="1360916091"/>
+      </p:ext>
+    </p:extLst>
+  </p:cSld>
+  <p:clrMapOvr>
+    <a:masterClrMapping/>
+  </p:clrMapOvr>
+</p:notes>
+</file>
+
 <file path=ppt/slideLayouts/slideLayout1.xml><?xml version="1.0" encoding="utf-8"?>
 <p:sldLayout xmlns:a="http://schemas.openxmlformats.org/drawingml/2006/main" xmlns:r="http://schemas.openxmlformats.org/officeDocument/2006/relationships" xmlns:p="http://schemas.openxmlformats.org/presentationml/2006/main" type="title" preserve="1">
   <p:cSld name="標題投影片">
@@ -163,7 +1022,7 @@
           </a:lstStyle>
           <a:p>
             <a:r>
-              <a:rPr lang="zh-TW" altLang="en-US" smtClean="0"/>
+              <a:rPr lang="zh-TW" altLang="en-US"/>
               <a:t>按一下以編輯母片標題樣式</a:t>
             </a:r>
             <a:endParaRPr lang="en-US" dirty="0"/>
@@ -182,7 +1041,7 @@
         </p:nvSpPr>
         <p:spPr>
           <a:xfrm>
-            <a:off x="1440061" y="3214319"/>
+            <a:off x="1440061" y="3214322"/>
             <a:ext cx="8640366" cy="1477538"/>
           </a:xfrm>
         </p:spPr>
@@ -228,7 +1087,7 @@
           </a:lstStyle>
           <a:p>
             <a:r>
-              <a:rPr lang="zh-TW" altLang="en-US" smtClean="0"/>
+              <a:rPr lang="zh-TW" altLang="en-US"/>
               <a:t>按一下以編輯母片副標題樣式</a:t>
             </a:r>
             <a:endParaRPr lang="en-US" dirty="0"/>
@@ -252,7 +1111,7 @@
           <a:p>
             <a:fld id="{F155834A-1E99-4FF8-940D-88A71EEE7BA3}" type="datetimeFigureOut">
               <a:rPr lang="en-US" smtClean="0"/>
-              <a:t>2019-12-30</a:t>
+              <a:t>1/8/2020</a:t>
             </a:fld>
             <a:endParaRPr lang="en-US"/>
           </a:p>
@@ -346,7 +1205,7 @@
           <a:lstStyle/>
           <a:p>
             <a:r>
-              <a:rPr lang="zh-TW" altLang="en-US" smtClean="0"/>
+              <a:rPr lang="zh-TW" altLang="en-US"/>
               <a:t>按一下以編輯母片標題樣式</a:t>
             </a:r>
             <a:endParaRPr lang="en-US" dirty="0"/>
@@ -370,35 +1229,35 @@
           <a:p>
             <a:pPr lvl="0"/>
             <a:r>
-              <a:rPr lang="zh-TW" altLang="en-US" smtClean="0"/>
+              <a:rPr lang="zh-TW" altLang="en-US"/>
               <a:t>按一下以編輯母片文字樣式</a:t>
             </a:r>
           </a:p>
           <a:p>
             <a:pPr lvl="1"/>
             <a:r>
-              <a:rPr lang="zh-TW" altLang="en-US" smtClean="0"/>
+              <a:rPr lang="zh-TW" altLang="en-US"/>
               <a:t>第二層</a:t>
             </a:r>
           </a:p>
           <a:p>
             <a:pPr lvl="2"/>
             <a:r>
-              <a:rPr lang="zh-TW" altLang="en-US" smtClean="0"/>
+              <a:rPr lang="zh-TW" altLang="en-US"/>
               <a:t>第三層</a:t>
             </a:r>
           </a:p>
           <a:p>
             <a:pPr lvl="3"/>
             <a:r>
-              <a:rPr lang="zh-TW" altLang="en-US" smtClean="0"/>
+              <a:rPr lang="zh-TW" altLang="en-US"/>
               <a:t>第四層</a:t>
             </a:r>
           </a:p>
           <a:p>
             <a:pPr lvl="4"/>
             <a:r>
-              <a:rPr lang="zh-TW" altLang="en-US" smtClean="0"/>
+              <a:rPr lang="zh-TW" altLang="en-US"/>
               <a:t>第五層</a:t>
             </a:r>
             <a:endParaRPr lang="en-US" dirty="0"/>
@@ -422,7 +1281,7 @@
           <a:p>
             <a:fld id="{F155834A-1E99-4FF8-940D-88A71EEE7BA3}" type="datetimeFigureOut">
               <a:rPr lang="en-US" smtClean="0"/>
-              <a:t>2019-12-30</a:t>
+              <a:t>1/8/2020</a:t>
             </a:fld>
             <a:endParaRPr lang="en-US"/>
           </a:p>
@@ -512,8 +1371,8 @@
         </p:nvSpPr>
         <p:spPr>
           <a:xfrm>
-            <a:off x="8244349" y="325823"/>
-            <a:ext cx="2484105" cy="5186259"/>
+            <a:off x="8244353" y="325827"/>
+            <a:ext cx="2484105" cy="5186258"/>
           </a:xfrm>
         </p:spPr>
         <p:txBody>
@@ -521,7 +1380,7 @@
           <a:lstStyle/>
           <a:p>
             <a:r>
-              <a:rPr lang="zh-TW" altLang="en-US" smtClean="0"/>
+              <a:rPr lang="zh-TW" altLang="en-US"/>
               <a:t>按一下以編輯母片標題樣式</a:t>
             </a:r>
             <a:endParaRPr lang="en-US" dirty="0"/>
@@ -540,8 +1399,8 @@
         </p:nvSpPr>
         <p:spPr>
           <a:xfrm>
-            <a:off x="792033" y="325823"/>
-            <a:ext cx="7308310" cy="5186259"/>
+            <a:off x="792033" y="325827"/>
+            <a:ext cx="7308310" cy="5186258"/>
           </a:xfrm>
         </p:spPr>
         <p:txBody>
@@ -550,35 +1409,35 @@
           <a:p>
             <a:pPr lvl="0"/>
             <a:r>
-              <a:rPr lang="zh-TW" altLang="en-US" smtClean="0"/>
+              <a:rPr lang="zh-TW" altLang="en-US"/>
               <a:t>按一下以編輯母片文字樣式</a:t>
             </a:r>
           </a:p>
           <a:p>
             <a:pPr lvl="1"/>
             <a:r>
-              <a:rPr lang="zh-TW" altLang="en-US" smtClean="0"/>
+              <a:rPr lang="zh-TW" altLang="en-US"/>
               <a:t>第二層</a:t>
             </a:r>
           </a:p>
           <a:p>
             <a:pPr lvl="2"/>
             <a:r>
-              <a:rPr lang="zh-TW" altLang="en-US" smtClean="0"/>
+              <a:rPr lang="zh-TW" altLang="en-US"/>
               <a:t>第三層</a:t>
             </a:r>
           </a:p>
           <a:p>
             <a:pPr lvl="3"/>
             <a:r>
-              <a:rPr lang="zh-TW" altLang="en-US" smtClean="0"/>
+              <a:rPr lang="zh-TW" altLang="en-US"/>
               <a:t>第四層</a:t>
             </a:r>
           </a:p>
           <a:p>
             <a:pPr lvl="4"/>
             <a:r>
-              <a:rPr lang="zh-TW" altLang="en-US" smtClean="0"/>
+              <a:rPr lang="zh-TW" altLang="en-US"/>
               <a:t>第五層</a:t>
             </a:r>
             <a:endParaRPr lang="en-US" dirty="0"/>
@@ -602,7 +1461,7 @@
           <a:p>
             <a:fld id="{F155834A-1E99-4FF8-940D-88A71EEE7BA3}" type="datetimeFigureOut">
               <a:rPr lang="en-US" smtClean="0"/>
-              <a:t>2019-12-30</a:t>
+              <a:t>1/8/2020</a:t>
             </a:fld>
             <a:endParaRPr lang="en-US"/>
           </a:p>
@@ -696,7 +1555,7 @@
           <a:lstStyle/>
           <a:p>
             <a:r>
-              <a:rPr lang="zh-TW" altLang="en-US" smtClean="0"/>
+              <a:rPr lang="zh-TW" altLang="en-US"/>
               <a:t>按一下以編輯母片標題樣式</a:t>
             </a:r>
             <a:endParaRPr lang="en-US" dirty="0"/>
@@ -720,35 +1579,35 @@
           <a:p>
             <a:pPr lvl="0"/>
             <a:r>
-              <a:rPr lang="zh-TW" altLang="en-US" smtClean="0"/>
+              <a:rPr lang="zh-TW" altLang="en-US"/>
               <a:t>按一下以編輯母片文字樣式</a:t>
             </a:r>
           </a:p>
           <a:p>
             <a:pPr lvl="1"/>
             <a:r>
-              <a:rPr lang="zh-TW" altLang="en-US" smtClean="0"/>
+              <a:rPr lang="zh-TW" altLang="en-US"/>
               <a:t>第二層</a:t>
             </a:r>
           </a:p>
           <a:p>
             <a:pPr lvl="2"/>
             <a:r>
-              <a:rPr lang="zh-TW" altLang="en-US" smtClean="0"/>
+              <a:rPr lang="zh-TW" altLang="en-US"/>
               <a:t>第三層</a:t>
             </a:r>
           </a:p>
           <a:p>
             <a:pPr lvl="3"/>
             <a:r>
-              <a:rPr lang="zh-TW" altLang="en-US" smtClean="0"/>
+              <a:rPr lang="zh-TW" altLang="en-US"/>
               <a:t>第四層</a:t>
             </a:r>
           </a:p>
           <a:p>
             <a:pPr lvl="4"/>
             <a:r>
-              <a:rPr lang="zh-TW" altLang="en-US" smtClean="0"/>
+              <a:rPr lang="zh-TW" altLang="en-US"/>
               <a:t>第五層</a:t>
             </a:r>
             <a:endParaRPr lang="en-US" dirty="0"/>
@@ -772,7 +1631,7 @@
           <a:p>
             <a:fld id="{F155834A-1E99-4FF8-940D-88A71EEE7BA3}" type="datetimeFigureOut">
               <a:rPr lang="en-US" smtClean="0"/>
-              <a:t>2019-12-30</a:t>
+              <a:t>1/8/2020</a:t>
             </a:fld>
             <a:endParaRPr lang="en-US"/>
           </a:p>
@@ -862,7 +1721,7 @@
         </p:nvSpPr>
         <p:spPr>
           <a:xfrm>
-            <a:off x="786033" y="1525704"/>
+            <a:off x="786037" y="1525705"/>
             <a:ext cx="9936421" cy="2545672"/>
           </a:xfrm>
         </p:spPr>
@@ -875,7 +1734,7 @@
           </a:lstStyle>
           <a:p>
             <a:r>
-              <a:rPr lang="zh-TW" altLang="en-US" smtClean="0"/>
+              <a:rPr lang="zh-TW" altLang="en-US"/>
               <a:t>按一下以編輯母片標題樣式</a:t>
             </a:r>
             <a:endParaRPr lang="en-US" dirty="0"/>
@@ -894,7 +1753,7 @@
         </p:nvSpPr>
         <p:spPr>
           <a:xfrm>
-            <a:off x="786033" y="4095459"/>
+            <a:off x="786037" y="4095462"/>
             <a:ext cx="9936421" cy="1338709"/>
           </a:xfrm>
         </p:spPr>
@@ -995,7 +1854,7 @@
           <a:p>
             <a:pPr lvl="0"/>
             <a:r>
-              <a:rPr lang="zh-TW" altLang="en-US" smtClean="0"/>
+              <a:rPr lang="zh-TW" altLang="en-US"/>
               <a:t>按一下以編輯母片文字樣式</a:t>
             </a:r>
           </a:p>
@@ -1018,7 +1877,7 @@
           <a:p>
             <a:fld id="{F155834A-1E99-4FF8-940D-88A71EEE7BA3}" type="datetimeFigureOut">
               <a:rPr lang="en-US" smtClean="0"/>
-              <a:t>2019-12-30</a:t>
+              <a:t>1/8/2020</a:t>
             </a:fld>
             <a:endParaRPr lang="en-US"/>
           </a:p>
@@ -1112,7 +1971,7 @@
           <a:lstStyle/>
           <a:p>
             <a:r>
-              <a:rPr lang="zh-TW" altLang="en-US" smtClean="0"/>
+              <a:rPr lang="zh-TW" altLang="en-US"/>
               <a:t>按一下以編輯母片標題樣式</a:t>
             </a:r>
             <a:endParaRPr lang="en-US" dirty="0"/>
@@ -1132,7 +1991,7 @@
         <p:spPr>
           <a:xfrm>
             <a:off x="792034" y="1629117"/>
-            <a:ext cx="4896207" cy="3882965"/>
+            <a:ext cx="4896207" cy="3882967"/>
           </a:xfrm>
         </p:spPr>
         <p:txBody>
@@ -1141,35 +2000,35 @@
           <a:p>
             <a:pPr lvl="0"/>
             <a:r>
-              <a:rPr lang="zh-TW" altLang="en-US" smtClean="0"/>
+              <a:rPr lang="zh-TW" altLang="en-US"/>
               <a:t>按一下以編輯母片文字樣式</a:t>
             </a:r>
           </a:p>
           <a:p>
             <a:pPr lvl="1"/>
             <a:r>
-              <a:rPr lang="zh-TW" altLang="en-US" smtClean="0"/>
+              <a:rPr lang="zh-TW" altLang="en-US"/>
               <a:t>第二層</a:t>
             </a:r>
           </a:p>
           <a:p>
             <a:pPr lvl="2"/>
             <a:r>
-              <a:rPr lang="zh-TW" altLang="en-US" smtClean="0"/>
+              <a:rPr lang="zh-TW" altLang="en-US"/>
               <a:t>第三層</a:t>
             </a:r>
           </a:p>
           <a:p>
             <a:pPr lvl="3"/>
             <a:r>
-              <a:rPr lang="zh-TW" altLang="en-US" smtClean="0"/>
+              <a:rPr lang="zh-TW" altLang="en-US"/>
               <a:t>第四層</a:t>
             </a:r>
           </a:p>
           <a:p>
             <a:pPr lvl="4"/>
             <a:r>
-              <a:rPr lang="zh-TW" altLang="en-US" smtClean="0"/>
+              <a:rPr lang="zh-TW" altLang="en-US"/>
               <a:t>第五層</a:t>
             </a:r>
             <a:endParaRPr lang="en-US" dirty="0"/>
@@ -1188,8 +2047,8 @@
         </p:nvSpPr>
         <p:spPr>
           <a:xfrm>
-            <a:off x="5832247" y="1629117"/>
-            <a:ext cx="4896207" cy="3882965"/>
+            <a:off x="5832251" y="1629117"/>
+            <a:ext cx="4896207" cy="3882967"/>
           </a:xfrm>
         </p:spPr>
         <p:txBody>
@@ -1198,35 +2057,35 @@
           <a:p>
             <a:pPr lvl="0"/>
             <a:r>
-              <a:rPr lang="zh-TW" altLang="en-US" smtClean="0"/>
+              <a:rPr lang="zh-TW" altLang="en-US"/>
               <a:t>按一下以編輯母片文字樣式</a:t>
             </a:r>
           </a:p>
           <a:p>
             <a:pPr lvl="1"/>
             <a:r>
-              <a:rPr lang="zh-TW" altLang="en-US" smtClean="0"/>
+              <a:rPr lang="zh-TW" altLang="en-US"/>
               <a:t>第二層</a:t>
             </a:r>
           </a:p>
           <a:p>
             <a:pPr lvl="2"/>
             <a:r>
-              <a:rPr lang="zh-TW" altLang="en-US" smtClean="0"/>
+              <a:rPr lang="zh-TW" altLang="en-US"/>
               <a:t>第三層</a:t>
             </a:r>
           </a:p>
           <a:p>
             <a:pPr lvl="3"/>
             <a:r>
-              <a:rPr lang="zh-TW" altLang="en-US" smtClean="0"/>
+              <a:rPr lang="zh-TW" altLang="en-US"/>
               <a:t>第四層</a:t>
             </a:r>
           </a:p>
           <a:p>
             <a:pPr lvl="4"/>
             <a:r>
-              <a:rPr lang="zh-TW" altLang="en-US" smtClean="0"/>
+              <a:rPr lang="zh-TW" altLang="en-US"/>
               <a:t>第五層</a:t>
             </a:r>
             <a:endParaRPr lang="en-US" dirty="0"/>
@@ -1250,7 +2109,7 @@
           <a:p>
             <a:fld id="{F155834A-1E99-4FF8-940D-88A71EEE7BA3}" type="datetimeFigureOut">
               <a:rPr lang="en-US" smtClean="0"/>
-              <a:t>2019-12-30</a:t>
+              <a:t>1/8/2020</a:t>
             </a:fld>
             <a:endParaRPr lang="en-US"/>
           </a:p>
@@ -1340,7 +2199,7 @@
         </p:nvSpPr>
         <p:spPr>
           <a:xfrm>
-            <a:off x="793534" y="325824"/>
+            <a:off x="793538" y="325826"/>
             <a:ext cx="9936421" cy="1182881"/>
           </a:xfrm>
         </p:spPr>
@@ -1349,7 +2208,7 @@
           <a:lstStyle/>
           <a:p>
             <a:r>
-              <a:rPr lang="zh-TW" altLang="en-US" smtClean="0"/>
+              <a:rPr lang="zh-TW" altLang="en-US"/>
               <a:t>按一下以編輯母片標題樣式</a:t>
             </a:r>
             <a:endParaRPr lang="en-US" dirty="0"/>
@@ -1368,8 +2227,8 @@
         </p:nvSpPr>
         <p:spPr>
           <a:xfrm>
-            <a:off x="793535" y="1500205"/>
-            <a:ext cx="4873706" cy="735227"/>
+            <a:off x="793535" y="1500207"/>
+            <a:ext cx="4873706" cy="735228"/>
           </a:xfrm>
         </p:spPr>
         <p:txBody>
@@ -1415,7 +2274,7 @@
           <a:p>
             <a:pPr lvl="0"/>
             <a:r>
-              <a:rPr lang="zh-TW" altLang="en-US" smtClean="0"/>
+              <a:rPr lang="zh-TW" altLang="en-US"/>
               <a:t>按一下以編輯母片文字樣式</a:t>
             </a:r>
           </a:p>
@@ -1433,7 +2292,7 @@
         </p:nvSpPr>
         <p:spPr>
           <a:xfrm>
-            <a:off x="793535" y="2235432"/>
+            <a:off x="793535" y="2235435"/>
             <a:ext cx="4873706" cy="3287983"/>
           </a:xfrm>
         </p:spPr>
@@ -1443,35 +2302,35 @@
           <a:p>
             <a:pPr lvl="0"/>
             <a:r>
-              <a:rPr lang="zh-TW" altLang="en-US" smtClean="0"/>
+              <a:rPr lang="zh-TW" altLang="en-US"/>
               <a:t>按一下以編輯母片文字樣式</a:t>
             </a:r>
           </a:p>
           <a:p>
             <a:pPr lvl="1"/>
             <a:r>
-              <a:rPr lang="zh-TW" altLang="en-US" smtClean="0"/>
+              <a:rPr lang="zh-TW" altLang="en-US"/>
               <a:t>第二層</a:t>
             </a:r>
           </a:p>
           <a:p>
             <a:pPr lvl="2"/>
             <a:r>
-              <a:rPr lang="zh-TW" altLang="en-US" smtClean="0"/>
+              <a:rPr lang="zh-TW" altLang="en-US"/>
               <a:t>第三層</a:t>
             </a:r>
           </a:p>
           <a:p>
             <a:pPr lvl="3"/>
             <a:r>
-              <a:rPr lang="zh-TW" altLang="en-US" smtClean="0"/>
+              <a:rPr lang="zh-TW" altLang="en-US"/>
               <a:t>第四層</a:t>
             </a:r>
           </a:p>
           <a:p>
             <a:pPr lvl="4"/>
             <a:r>
-              <a:rPr lang="zh-TW" altLang="en-US" smtClean="0"/>
+              <a:rPr lang="zh-TW" altLang="en-US"/>
               <a:t>第五層</a:t>
             </a:r>
             <a:endParaRPr lang="en-US" dirty="0"/>
@@ -1490,8 +2349,8 @@
         </p:nvSpPr>
         <p:spPr>
           <a:xfrm>
-            <a:off x="5832247" y="1500205"/>
-            <a:ext cx="4897708" cy="735227"/>
+            <a:off x="5832247" y="1500207"/>
+            <a:ext cx="4897708" cy="735228"/>
           </a:xfrm>
         </p:spPr>
         <p:txBody>
@@ -1537,7 +2396,7 @@
           <a:p>
             <a:pPr lvl="0"/>
             <a:r>
-              <a:rPr lang="zh-TW" altLang="en-US" smtClean="0"/>
+              <a:rPr lang="zh-TW" altLang="en-US"/>
               <a:t>按一下以編輯母片文字樣式</a:t>
             </a:r>
           </a:p>
@@ -1555,7 +2414,7 @@
         </p:nvSpPr>
         <p:spPr>
           <a:xfrm>
-            <a:off x="5832247" y="2235432"/>
+            <a:off x="5832247" y="2235435"/>
             <a:ext cx="4897708" cy="3287983"/>
           </a:xfrm>
         </p:spPr>
@@ -1565,35 +2424,35 @@
           <a:p>
             <a:pPr lvl="0"/>
             <a:r>
-              <a:rPr lang="zh-TW" altLang="en-US" smtClean="0"/>
+              <a:rPr lang="zh-TW" altLang="en-US"/>
               <a:t>按一下以編輯母片文字樣式</a:t>
             </a:r>
           </a:p>
           <a:p>
             <a:pPr lvl="1"/>
             <a:r>
-              <a:rPr lang="zh-TW" altLang="en-US" smtClean="0"/>
+              <a:rPr lang="zh-TW" altLang="en-US"/>
               <a:t>第二層</a:t>
             </a:r>
           </a:p>
           <a:p>
             <a:pPr lvl="2"/>
             <a:r>
-              <a:rPr lang="zh-TW" altLang="en-US" smtClean="0"/>
+              <a:rPr lang="zh-TW" altLang="en-US"/>
               <a:t>第三層</a:t>
             </a:r>
           </a:p>
           <a:p>
             <a:pPr lvl="3"/>
             <a:r>
-              <a:rPr lang="zh-TW" altLang="en-US" smtClean="0"/>
+              <a:rPr lang="zh-TW" altLang="en-US"/>
               <a:t>第四層</a:t>
             </a:r>
           </a:p>
           <a:p>
             <a:pPr lvl="4"/>
             <a:r>
-              <a:rPr lang="zh-TW" altLang="en-US" smtClean="0"/>
+              <a:rPr lang="zh-TW" altLang="en-US"/>
               <a:t>第五層</a:t>
             </a:r>
             <a:endParaRPr lang="en-US" dirty="0"/>
@@ -1617,7 +2476,7 @@
           <a:p>
             <a:fld id="{F155834A-1E99-4FF8-940D-88A71EEE7BA3}" type="datetimeFigureOut">
               <a:rPr lang="en-US" smtClean="0"/>
-              <a:t>2019-12-30</a:t>
+              <a:t>1/8/2020</a:t>
             </a:fld>
             <a:endParaRPr lang="en-US"/>
           </a:p>
@@ -1711,7 +2570,7 @@
           <a:lstStyle/>
           <a:p>
             <a:r>
-              <a:rPr lang="zh-TW" altLang="en-US" smtClean="0"/>
+              <a:rPr lang="zh-TW" altLang="en-US"/>
               <a:t>按一下以編輯母片標題樣式</a:t>
             </a:r>
             <a:endParaRPr lang="en-US" dirty="0"/>
@@ -1735,7 +2594,7 @@
           <a:p>
             <a:fld id="{F155834A-1E99-4FF8-940D-88A71EEE7BA3}" type="datetimeFigureOut">
               <a:rPr lang="en-US" smtClean="0"/>
-              <a:t>2019-12-30</a:t>
+              <a:t>1/8/2020</a:t>
             </a:fld>
             <a:endParaRPr lang="en-US"/>
           </a:p>
@@ -1830,7 +2689,7 @@
           <a:p>
             <a:fld id="{F155834A-1E99-4FF8-940D-88A71EEE7BA3}" type="datetimeFigureOut">
               <a:rPr lang="en-US" smtClean="0"/>
-              <a:t>2019-12-30</a:t>
+              <a:t>1/8/2020</a:t>
             </a:fld>
             <a:endParaRPr lang="en-US"/>
           </a:p>
@@ -1920,7 +2779,7 @@
         </p:nvSpPr>
         <p:spPr>
           <a:xfrm>
-            <a:off x="793535" y="407988"/>
+            <a:off x="793539" y="407988"/>
             <a:ext cx="3715657" cy="1427956"/>
           </a:xfrm>
         </p:spPr>
@@ -1933,7 +2792,7 @@
           </a:lstStyle>
           <a:p>
             <a:r>
-              <a:rPr lang="zh-TW" altLang="en-US" smtClean="0"/>
+              <a:rPr lang="zh-TW" altLang="en-US"/>
               <a:t>按一下以編輯母片標題樣式</a:t>
             </a:r>
             <a:endParaRPr lang="en-US" dirty="0"/>
@@ -1952,7 +2811,7 @@
         </p:nvSpPr>
         <p:spPr>
           <a:xfrm>
-            <a:off x="4897708" y="881140"/>
+            <a:off x="4897712" y="881142"/>
             <a:ext cx="5832247" cy="4349034"/>
           </a:xfrm>
         </p:spPr>
@@ -1990,35 +2849,35 @@
           <a:p>
             <a:pPr lvl="0"/>
             <a:r>
-              <a:rPr lang="zh-TW" altLang="en-US" smtClean="0"/>
+              <a:rPr lang="zh-TW" altLang="en-US"/>
               <a:t>按一下以編輯母片文字樣式</a:t>
             </a:r>
           </a:p>
           <a:p>
             <a:pPr lvl="1"/>
             <a:r>
-              <a:rPr lang="zh-TW" altLang="en-US" smtClean="0"/>
+              <a:rPr lang="zh-TW" altLang="en-US"/>
               <a:t>第二層</a:t>
             </a:r>
           </a:p>
           <a:p>
             <a:pPr lvl="2"/>
             <a:r>
-              <a:rPr lang="zh-TW" altLang="en-US" smtClean="0"/>
+              <a:rPr lang="zh-TW" altLang="en-US"/>
               <a:t>第三層</a:t>
             </a:r>
           </a:p>
           <a:p>
             <a:pPr lvl="3"/>
             <a:r>
-              <a:rPr lang="zh-TW" altLang="en-US" smtClean="0"/>
+              <a:rPr lang="zh-TW" altLang="en-US"/>
               <a:t>第四層</a:t>
             </a:r>
           </a:p>
           <a:p>
             <a:pPr lvl="4"/>
             <a:r>
-              <a:rPr lang="zh-TW" altLang="en-US" smtClean="0"/>
+              <a:rPr lang="zh-TW" altLang="en-US"/>
               <a:t>第五層</a:t>
             </a:r>
             <a:endParaRPr lang="en-US" dirty="0"/>
@@ -2037,7 +2896,7 @@
         </p:nvSpPr>
         <p:spPr>
           <a:xfrm>
-            <a:off x="793535" y="1835944"/>
+            <a:off x="793539" y="1835947"/>
             <a:ext cx="3715657" cy="3401313"/>
           </a:xfrm>
         </p:spPr>
@@ -2084,7 +2943,7 @@
           <a:p>
             <a:pPr lvl="0"/>
             <a:r>
-              <a:rPr lang="zh-TW" altLang="en-US" smtClean="0"/>
+              <a:rPr lang="zh-TW" altLang="en-US"/>
               <a:t>按一下以編輯母片文字樣式</a:t>
             </a:r>
           </a:p>
@@ -2107,7 +2966,7 @@
           <a:p>
             <a:fld id="{F155834A-1E99-4FF8-940D-88A71EEE7BA3}" type="datetimeFigureOut">
               <a:rPr lang="en-US" smtClean="0"/>
-              <a:t>2019-12-30</a:t>
+              <a:t>1/8/2020</a:t>
             </a:fld>
             <a:endParaRPr lang="en-US"/>
           </a:p>
@@ -2197,7 +3056,7 @@
         </p:nvSpPr>
         <p:spPr>
           <a:xfrm>
-            <a:off x="793535" y="407988"/>
+            <a:off x="793539" y="407988"/>
             <a:ext cx="3715657" cy="1427956"/>
           </a:xfrm>
         </p:spPr>
@@ -2210,7 +3069,7 @@
           </a:lstStyle>
           <a:p>
             <a:r>
-              <a:rPr lang="zh-TW" altLang="en-US" smtClean="0"/>
+              <a:rPr lang="zh-TW" altLang="en-US"/>
               <a:t>按一下以編輯母片標題樣式</a:t>
             </a:r>
             <a:endParaRPr lang="en-US" dirty="0"/>
@@ -2229,7 +3088,7 @@
         </p:nvSpPr>
         <p:spPr>
           <a:xfrm>
-            <a:off x="4897708" y="881140"/>
+            <a:off x="4897712" y="881142"/>
             <a:ext cx="5832247" cy="4349034"/>
           </a:xfrm>
         </p:spPr>
@@ -2275,7 +3134,7 @@
           </a:lstStyle>
           <a:p>
             <a:r>
-              <a:rPr lang="zh-TW" altLang="en-US" smtClean="0"/>
+              <a:rPr lang="zh-TW" altLang="en-US"/>
               <a:t>按一下圖示以新增圖片</a:t>
             </a:r>
             <a:endParaRPr lang="en-US" dirty="0"/>
@@ -2294,7 +3153,7 @@
         </p:nvSpPr>
         <p:spPr>
           <a:xfrm>
-            <a:off x="793535" y="1835944"/>
+            <a:off x="793539" y="1835947"/>
             <a:ext cx="3715657" cy="3401313"/>
           </a:xfrm>
         </p:spPr>
@@ -2341,7 +3200,7 @@
           <a:p>
             <a:pPr lvl="0"/>
             <a:r>
-              <a:rPr lang="zh-TW" altLang="en-US" smtClean="0"/>
+              <a:rPr lang="zh-TW" altLang="en-US"/>
               <a:t>按一下以編輯母片文字樣式</a:t>
             </a:r>
           </a:p>
@@ -2364,7 +3223,7 @@
           <a:p>
             <a:fld id="{F155834A-1E99-4FF8-940D-88A71EEE7BA3}" type="datetimeFigureOut">
               <a:rPr lang="en-US" smtClean="0"/>
-              <a:t>2019-12-30</a:t>
+              <a:t>1/8/2020</a:t>
             </a:fld>
             <a:endParaRPr lang="en-US"/>
           </a:p>
@@ -2459,7 +3318,7 @@
         </p:nvSpPr>
         <p:spPr>
           <a:xfrm>
-            <a:off x="792034" y="325824"/>
+            <a:off x="792037" y="325826"/>
             <a:ext cx="9936421" cy="1182881"/>
           </a:xfrm>
           <a:prstGeom prst="rect">
@@ -2473,7 +3332,7 @@
           <a:lstStyle/>
           <a:p>
             <a:r>
-              <a:rPr lang="zh-TW" altLang="en-US" smtClean="0"/>
+              <a:rPr lang="zh-TW" altLang="en-US"/>
               <a:t>按一下以編輯母片標題樣式</a:t>
             </a:r>
             <a:endParaRPr lang="en-US" dirty="0"/>
@@ -2492,8 +3351,8 @@
         </p:nvSpPr>
         <p:spPr>
           <a:xfrm>
-            <a:off x="792034" y="1629117"/>
-            <a:ext cx="9936421" cy="3882965"/>
+            <a:off x="792037" y="1629117"/>
+            <a:ext cx="9936421" cy="3882967"/>
           </a:xfrm>
           <a:prstGeom prst="rect">
             <a:avLst/>
@@ -2507,35 +3366,35 @@
           <a:p>
             <a:pPr lvl="0"/>
             <a:r>
-              <a:rPr lang="zh-TW" altLang="en-US" smtClean="0"/>
+              <a:rPr lang="zh-TW" altLang="en-US"/>
               <a:t>按一下以編輯母片文字樣式</a:t>
             </a:r>
           </a:p>
           <a:p>
             <a:pPr lvl="1"/>
             <a:r>
-              <a:rPr lang="zh-TW" altLang="en-US" smtClean="0"/>
+              <a:rPr lang="zh-TW" altLang="en-US"/>
               <a:t>第二層</a:t>
             </a:r>
           </a:p>
           <a:p>
             <a:pPr lvl="2"/>
             <a:r>
-              <a:rPr lang="zh-TW" altLang="en-US" smtClean="0"/>
+              <a:rPr lang="zh-TW" altLang="en-US"/>
               <a:t>第三層</a:t>
             </a:r>
           </a:p>
           <a:p>
             <a:pPr lvl="3"/>
             <a:r>
-              <a:rPr lang="zh-TW" altLang="en-US" smtClean="0"/>
+              <a:rPr lang="zh-TW" altLang="en-US"/>
               <a:t>第四層</a:t>
             </a:r>
           </a:p>
           <a:p>
             <a:pPr lvl="4"/>
             <a:r>
-              <a:rPr lang="zh-TW" altLang="en-US" smtClean="0"/>
+              <a:rPr lang="zh-TW" altLang="en-US"/>
               <a:t>第五層</a:t>
             </a:r>
             <a:endParaRPr lang="en-US" dirty="0"/>
@@ -2554,7 +3413,7 @@
         </p:nvSpPr>
         <p:spPr>
           <a:xfrm>
-            <a:off x="792033" y="5672161"/>
+            <a:off x="792033" y="5672162"/>
             <a:ext cx="2592110" cy="325823"/>
           </a:xfrm>
           <a:prstGeom prst="rect">
@@ -2577,7 +3436,7 @@
           <a:p>
             <a:fld id="{F155834A-1E99-4FF8-940D-88A71EEE7BA3}" type="datetimeFigureOut">
               <a:rPr lang="en-US" smtClean="0"/>
-              <a:t>2019-12-30</a:t>
+              <a:t>1/8/2020</a:t>
             </a:fld>
             <a:endParaRPr lang="en-US"/>
           </a:p>
@@ -2595,7 +3454,7 @@
         </p:nvSpPr>
         <p:spPr>
           <a:xfrm>
-            <a:off x="3816162" y="5672161"/>
+            <a:off x="3816165" y="5672162"/>
             <a:ext cx="3888165" cy="325823"/>
           </a:xfrm>
           <a:prstGeom prst="rect">
@@ -2632,7 +3491,7 @@
         </p:nvSpPr>
         <p:spPr>
           <a:xfrm>
-            <a:off x="8136345" y="5672161"/>
+            <a:off x="8136345" y="5672162"/>
             <a:ext cx="2592110" cy="325823"/>
           </a:xfrm>
           <a:prstGeom prst="rect">
@@ -2990,14 +3849,14 @@
         </p:nvSpPr>
         <p:spPr>
           <a:xfrm>
-            <a:off x="121443" y="109226"/>
+            <a:off x="121443" y="1947359"/>
             <a:ext cx="3060000" cy="720000"/>
           </a:xfrm>
           <a:prstGeom prst="roundRect">
             <a:avLst/>
           </a:prstGeom>
           <a:noFill/>
-          <a:ln w="38100">
+          <a:ln w="63500">
             <a:solidFill>
               <a:schemeClr val="tx1"/>
             </a:solidFill>
@@ -3025,14 +3884,14 @@
           <a:p>
             <a:pPr algn="ctr"/>
             <a:r>
-              <a:rPr lang="en-US" altLang="zh-TW" dirty="0">
+              <a:rPr lang="en-US" altLang="zh-TW" sz="2000" b="1" dirty="0">
                 <a:solidFill>
                   <a:schemeClr val="tx1"/>
                 </a:solidFill>
               </a:rPr>
-              <a:t>Bacteria diversity</a:t>
-            </a:r>
-            <a:endParaRPr lang="zh-TW" altLang="en-US" dirty="0">
+              <a:t>Prey diversity</a:t>
+            </a:r>
+            <a:endParaRPr lang="zh-TW" altLang="en-US" sz="2000" b="1" dirty="0">
               <a:solidFill>
                 <a:schemeClr val="tx1"/>
               </a:solidFill>
@@ -3048,14 +3907,14 @@
         </p:nvSpPr>
         <p:spPr>
           <a:xfrm>
-            <a:off x="8351043" y="127704"/>
+            <a:off x="8351043" y="1965837"/>
             <a:ext cx="3060000" cy="720000"/>
           </a:xfrm>
           <a:prstGeom prst="roundRect">
             <a:avLst/>
           </a:prstGeom>
           <a:noFill/>
-          <a:ln w="38100">
+          <a:ln w="63500">
             <a:solidFill>
               <a:schemeClr val="tx1"/>
             </a:solidFill>
@@ -3083,14 +3942,14 @@
           <a:p>
             <a:pPr algn="ctr"/>
             <a:r>
-              <a:rPr lang="en-US" altLang="zh-TW" dirty="0">
+              <a:rPr lang="en-US" altLang="zh-TW" sz="2000" b="1" dirty="0">
                 <a:solidFill>
                   <a:schemeClr val="tx1"/>
                 </a:solidFill>
               </a:rPr>
-              <a:t>HNF diversity</a:t>
-            </a:r>
-            <a:endParaRPr lang="zh-TW" altLang="en-US" dirty="0">
+              <a:t>Predator diversity</a:t>
+            </a:r>
+            <a:endParaRPr lang="zh-TW" altLang="en-US" sz="2000" b="1" dirty="0">
               <a:solidFill>
                 <a:schemeClr val="tx1"/>
               </a:solidFill>
@@ -3109,17 +3968,17 @@
         </p:nvCxnSpPr>
         <p:spPr>
           <a:xfrm>
-            <a:off x="3181443" y="469226"/>
+            <a:off x="3181443" y="2307359"/>
             <a:ext cx="5169600" cy="18478"/>
           </a:xfrm>
           <a:prstGeom prst="straightConnector1">
             <a:avLst/>
           </a:prstGeom>
-          <a:ln w="38100">
-            <a:solidFill>
-              <a:schemeClr val="tx1"/>
-            </a:solidFill>
-            <a:prstDash val="sysDot"/>
+          <a:ln w="63500">
+            <a:solidFill>
+              <a:schemeClr val="tx1"/>
+            </a:solidFill>
+            <a:prstDash val="solid"/>
             <a:headEnd type="arrow"/>
             <a:tailEnd type="arrow" w="med" len="lg"/>
           </a:ln>
@@ -3141,23 +4000,30 @@
       </p:cxnSp>
       <p:sp>
         <p:nvSpPr>
-          <p:cNvPr id="19" name="圓角矩形 18"/>
+          <p:cNvPr id="21" name="圓角矩形 7">
+            <a:extLst>
+              <a:ext uri="{FF2B5EF4-FFF2-40B4-BE49-F238E27FC236}">
+                <a16:creationId xmlns:a16="http://schemas.microsoft.com/office/drawing/2014/main" id="{D8B43AA2-6DA3-47E7-B208-A6ED3F8C450C}"/>
+              </a:ext>
+            </a:extLst>
+          </p:cNvPr>
           <p:cNvSpPr/>
           <p:nvPr/>
         </p:nvSpPr>
         <p:spPr>
           <a:xfrm>
-            <a:off x="121444" y="1996826"/>
-            <a:ext cx="3060000" cy="900000"/>
+            <a:off x="4230244" y="665833"/>
+            <a:ext cx="3060000" cy="720000"/>
           </a:xfrm>
           <a:prstGeom prst="roundRect">
             <a:avLst/>
           </a:prstGeom>
           <a:noFill/>
-          <a:ln w="38100">
-            <a:solidFill>
-              <a:schemeClr val="tx1"/>
-            </a:solidFill>
+          <a:ln w="25400">
+            <a:solidFill>
+              <a:schemeClr val="tx1"/>
+            </a:solidFill>
+            <a:prstDash val="solid"/>
           </a:ln>
         </p:spPr>
         <p:style>
@@ -3182,25 +4048,14 @@
           <a:p>
             <a:pPr algn="ctr"/>
             <a:r>
-              <a:rPr lang="en-US" altLang="zh-TW" dirty="0">
+              <a:rPr lang="en-US" altLang="zh-TW" sz="2000" dirty="0">
                 <a:solidFill>
                   <a:schemeClr val="tx1"/>
                 </a:solidFill>
               </a:rPr>
-              <a:t>Deterministic assembly processes of </a:t>
-            </a:r>
-          </a:p>
-          <a:p>
-            <a:pPr algn="ctr"/>
-            <a:r>
-              <a:rPr lang="en-US" altLang="zh-TW" b="1" dirty="0">
-                <a:solidFill>
-                  <a:schemeClr val="tx1"/>
-                </a:solidFill>
-              </a:rPr>
-              <a:t>HNF community</a:t>
-            </a:r>
-            <a:endParaRPr lang="zh-TW" altLang="en-US" b="1" dirty="0">
+              <a:t>Ecosystem functioning</a:t>
+            </a:r>
+            <a:endParaRPr lang="zh-TW" altLang="en-US" sz="2000" dirty="0">
               <a:solidFill>
                 <a:schemeClr val="tx1"/>
               </a:solidFill>
@@ -3210,144 +4065,29 @@
       </p:sp>
       <p:cxnSp>
         <p:nvCxnSpPr>
-          <p:cNvPr id="12" name="直線單箭頭接點 11"/>
-          <p:cNvCxnSpPr>
-            <a:cxnSpLocks/>
-            <a:stCxn id="8" idx="2"/>
-            <a:endCxn id="19" idx="0"/>
-          </p:cNvCxnSpPr>
-          <p:nvPr/>
-        </p:nvCxnSpPr>
-        <p:spPr>
-          <a:xfrm>
-            <a:off x="1651447" y="829226"/>
-            <a:ext cx="1" cy="1167600"/>
-          </a:xfrm>
-          <a:prstGeom prst="straightConnector1">
-            <a:avLst/>
-          </a:prstGeom>
-          <a:ln w="38100">
-            <a:solidFill>
-              <a:schemeClr val="tx1"/>
-            </a:solidFill>
-            <a:tailEnd type="arrow" w="med" len="lg"/>
-          </a:ln>
-        </p:spPr>
-        <p:style>
-          <a:lnRef idx="1">
-            <a:schemeClr val="accent1"/>
-          </a:lnRef>
-          <a:fillRef idx="0">
-            <a:schemeClr val="accent1"/>
-          </a:fillRef>
-          <a:effectRef idx="0">
-            <a:schemeClr val="accent1"/>
-          </a:effectRef>
-          <a:fontRef idx="minor">
-            <a:schemeClr val="tx1"/>
-          </a:fontRef>
-        </p:style>
-      </p:cxnSp>
-      <p:sp>
-        <p:nvSpPr>
-          <p:cNvPr id="18" name="圓角矩形 18">
+          <p:cNvPr id="23" name="直線單箭頭接點 11">
             <a:extLst>
               <a:ext uri="{FF2B5EF4-FFF2-40B4-BE49-F238E27FC236}">
-                <a16:creationId xmlns:a16="http://schemas.microsoft.com/office/drawing/2014/main" xmlns="" id="{47DE1866-A6CF-489C-848E-A4D8C003E3C0}"/>
-              </a:ext>
-            </a:extLst>
-          </p:cNvPr>
-          <p:cNvSpPr/>
-          <p:nvPr/>
-        </p:nvSpPr>
-        <p:spPr>
-          <a:xfrm>
-            <a:off x="8351043" y="1999931"/>
-            <a:ext cx="3060000" cy="900000"/>
-          </a:xfrm>
-          <a:prstGeom prst="roundRect">
-            <a:avLst/>
-          </a:prstGeom>
-          <a:noFill/>
-          <a:ln w="38100">
-            <a:solidFill>
-              <a:schemeClr val="tx1"/>
-            </a:solidFill>
-          </a:ln>
-        </p:spPr>
-        <p:style>
-          <a:lnRef idx="2">
-            <a:schemeClr val="accent1">
-              <a:shade val="50000"/>
-            </a:schemeClr>
-          </a:lnRef>
-          <a:fillRef idx="1">
-            <a:schemeClr val="accent1"/>
-          </a:fillRef>
-          <a:effectRef idx="0">
-            <a:schemeClr val="accent1"/>
-          </a:effectRef>
-          <a:fontRef idx="minor">
-            <a:schemeClr val="lt1"/>
-          </a:fontRef>
-        </p:style>
-        <p:txBody>
-          <a:bodyPr rtlCol="0" anchor="ctr"/>
-          <a:lstStyle/>
-          <a:p>
-            <a:pPr algn="ctr"/>
-            <a:r>
-              <a:rPr lang="en-US" altLang="zh-TW" dirty="0">
-                <a:solidFill>
-                  <a:schemeClr val="tx1"/>
-                </a:solidFill>
-              </a:rPr>
-              <a:t>Deterministic assembly processes of </a:t>
-            </a:r>
-          </a:p>
-          <a:p>
-            <a:pPr algn="ctr"/>
-            <a:r>
-              <a:rPr lang="en-US" altLang="zh-TW" b="1" dirty="0">
-                <a:solidFill>
-                  <a:schemeClr val="tx1"/>
-                </a:solidFill>
-              </a:rPr>
-              <a:t>Bacteria community</a:t>
-            </a:r>
-            <a:endParaRPr lang="zh-TW" altLang="en-US" b="1" dirty="0">
-              <a:solidFill>
-                <a:schemeClr val="tx1"/>
-              </a:solidFill>
-            </a:endParaRPr>
-          </a:p>
-        </p:txBody>
-      </p:sp>
-      <p:cxnSp>
-        <p:nvCxnSpPr>
-          <p:cNvPr id="28" name="直線單箭頭接點 11">
-            <a:extLst>
-              <a:ext uri="{FF2B5EF4-FFF2-40B4-BE49-F238E27FC236}">
-                <a16:creationId xmlns:a16="http://schemas.microsoft.com/office/drawing/2014/main" xmlns="" id="{2F63CEA1-FDB0-4466-9AF7-10C6638C7A69}"/>
+                <a16:creationId xmlns:a16="http://schemas.microsoft.com/office/drawing/2014/main" id="{60B38ADB-0745-4326-B0DE-032DC0C3E836}"/>
               </a:ext>
             </a:extLst>
           </p:cNvPr>
           <p:cNvCxnSpPr>
             <a:cxnSpLocks/>
-            <a:stCxn id="16" idx="2"/>
-            <a:endCxn id="18" idx="0"/>
+            <a:stCxn id="8" idx="0"/>
+            <a:endCxn id="21" idx="2"/>
           </p:cNvCxnSpPr>
           <p:nvPr/>
         </p:nvCxnSpPr>
         <p:spPr>
-          <a:xfrm>
-            <a:off x="9881043" y="847708"/>
-            <a:ext cx="0" cy="1152227"/>
+          <a:xfrm flipV="1">
+            <a:off x="1651445" y="1385833"/>
+            <a:ext cx="4108801" cy="561526"/>
           </a:xfrm>
           <a:prstGeom prst="straightConnector1">
             <a:avLst/>
           </a:prstGeom>
-          <a:ln w="38100">
+          <a:ln w="25400">
             <a:solidFill>
               <a:schemeClr val="tx1"/>
             </a:solidFill>
@@ -3371,29 +4111,29 @@
       </p:cxnSp>
       <p:cxnSp>
         <p:nvCxnSpPr>
-          <p:cNvPr id="33" name="直線單箭頭接點 11">
+          <p:cNvPr id="29" name="直線單箭頭接點 11">
             <a:extLst>
               <a:ext uri="{FF2B5EF4-FFF2-40B4-BE49-F238E27FC236}">
-                <a16:creationId xmlns:a16="http://schemas.microsoft.com/office/drawing/2014/main" xmlns="" id="{F0875757-B921-4728-87AA-413F44467B51}"/>
+                <a16:creationId xmlns:a16="http://schemas.microsoft.com/office/drawing/2014/main" id="{ECB2489C-D9C3-4B73-884B-D2804ADF73DE}"/>
               </a:ext>
             </a:extLst>
           </p:cNvPr>
           <p:cNvCxnSpPr>
             <a:cxnSpLocks/>
-            <a:stCxn id="19" idx="3"/>
-            <a:endCxn id="16" idx="1"/>
+            <a:stCxn id="16" idx="0"/>
+            <a:endCxn id="21" idx="2"/>
           </p:cNvCxnSpPr>
           <p:nvPr/>
         </p:nvCxnSpPr>
         <p:spPr>
-          <a:xfrm flipV="1">
-            <a:off x="3181449" y="487704"/>
-            <a:ext cx="5169599" cy="1959122"/>
+          <a:xfrm flipH="1" flipV="1">
+            <a:off x="5760246" y="1385833"/>
+            <a:ext cx="4120799" cy="580004"/>
           </a:xfrm>
           <a:prstGeom prst="straightConnector1">
             <a:avLst/>
           </a:prstGeom>
-          <a:ln w="38100">
+          <a:ln w="25400">
             <a:solidFill>
               <a:schemeClr val="tx1"/>
             </a:solidFill>
@@ -3415,450 +4155,6 @@
           </a:fontRef>
         </p:style>
       </p:cxnSp>
-      <p:cxnSp>
-        <p:nvCxnSpPr>
-          <p:cNvPr id="34" name="直線單箭頭接點 11">
-            <a:extLst>
-              <a:ext uri="{FF2B5EF4-FFF2-40B4-BE49-F238E27FC236}">
-                <a16:creationId xmlns:a16="http://schemas.microsoft.com/office/drawing/2014/main" xmlns="" id="{7DB4E6F1-6E32-4553-A7DF-D1C5A6D92F70}"/>
-              </a:ext>
-            </a:extLst>
-          </p:cNvPr>
-          <p:cNvCxnSpPr>
-            <a:cxnSpLocks/>
-            <a:stCxn id="18" idx="1"/>
-            <a:endCxn id="8" idx="3"/>
-          </p:cNvCxnSpPr>
-          <p:nvPr/>
-        </p:nvCxnSpPr>
-        <p:spPr>
-          <a:xfrm flipH="1" flipV="1">
-            <a:off x="3181443" y="469231"/>
-            <a:ext cx="5169600" cy="1980705"/>
-          </a:xfrm>
-          <a:prstGeom prst="straightConnector1">
-            <a:avLst/>
-          </a:prstGeom>
-          <a:ln w="38100">
-            <a:solidFill>
-              <a:schemeClr val="tx1"/>
-            </a:solidFill>
-            <a:tailEnd type="arrow" w="med" len="lg"/>
-          </a:ln>
-        </p:spPr>
-        <p:style>
-          <a:lnRef idx="1">
-            <a:schemeClr val="accent1"/>
-          </a:lnRef>
-          <a:fillRef idx="0">
-            <a:schemeClr val="accent1"/>
-          </a:fillRef>
-          <a:effectRef idx="0">
-            <a:schemeClr val="accent1"/>
-          </a:effectRef>
-          <a:fontRef idx="minor">
-            <a:schemeClr val="tx1"/>
-          </a:fontRef>
-        </p:style>
-      </p:cxnSp>
-      <p:cxnSp>
-        <p:nvCxnSpPr>
-          <p:cNvPr id="13" name="直線單箭頭接點 11">
-            <a:extLst>
-              <a:ext uri="{FF2B5EF4-FFF2-40B4-BE49-F238E27FC236}">
-                <a16:creationId xmlns:a16="http://schemas.microsoft.com/office/drawing/2014/main" xmlns="" id="{7DB4E6F1-6E32-4553-A7DF-D1C5A6D92F70}"/>
-              </a:ext>
-            </a:extLst>
-          </p:cNvPr>
-          <p:cNvCxnSpPr>
-            <a:cxnSpLocks/>
-          </p:cNvCxnSpPr>
-          <p:nvPr/>
-        </p:nvCxnSpPr>
-        <p:spPr>
-          <a:xfrm flipH="1" flipV="1">
-            <a:off x="1470210" y="3196044"/>
-            <a:ext cx="17412" cy="2246813"/>
-          </a:xfrm>
-          <a:prstGeom prst="straightConnector1">
-            <a:avLst/>
-          </a:prstGeom>
-          <a:ln w="38100">
-            <a:solidFill>
-              <a:schemeClr val="tx1"/>
-            </a:solidFill>
-            <a:tailEnd type="arrow" w="med" len="lg"/>
-          </a:ln>
-        </p:spPr>
-        <p:style>
-          <a:lnRef idx="1">
-            <a:schemeClr val="accent1"/>
-          </a:lnRef>
-          <a:fillRef idx="0">
-            <a:schemeClr val="accent1"/>
-          </a:fillRef>
-          <a:effectRef idx="0">
-            <a:schemeClr val="accent1"/>
-          </a:effectRef>
-          <a:fontRef idx="minor">
-            <a:schemeClr val="tx1"/>
-          </a:fontRef>
-        </p:style>
-      </p:cxnSp>
-      <p:cxnSp>
-        <p:nvCxnSpPr>
-          <p:cNvPr id="15" name="直線單箭頭接點 11">
-            <a:extLst>
-              <a:ext uri="{FF2B5EF4-FFF2-40B4-BE49-F238E27FC236}">
-                <a16:creationId xmlns:a16="http://schemas.microsoft.com/office/drawing/2014/main" xmlns="" id="{7DB4E6F1-6E32-4553-A7DF-D1C5A6D92F70}"/>
-              </a:ext>
-            </a:extLst>
-          </p:cNvPr>
-          <p:cNvCxnSpPr>
-            <a:cxnSpLocks/>
-          </p:cNvCxnSpPr>
-          <p:nvPr/>
-        </p:nvCxnSpPr>
-        <p:spPr>
-          <a:xfrm>
-            <a:off x="1470210" y="5434147"/>
-            <a:ext cx="4007482" cy="0"/>
-          </a:xfrm>
-          <a:prstGeom prst="straightConnector1">
-            <a:avLst/>
-          </a:prstGeom>
-          <a:ln w="38100">
-            <a:solidFill>
-              <a:schemeClr val="tx1"/>
-            </a:solidFill>
-            <a:tailEnd type="arrow" w="med" len="lg"/>
-          </a:ln>
-        </p:spPr>
-        <p:style>
-          <a:lnRef idx="1">
-            <a:schemeClr val="accent1"/>
-          </a:lnRef>
-          <a:fillRef idx="0">
-            <a:schemeClr val="accent1"/>
-          </a:fillRef>
-          <a:effectRef idx="0">
-            <a:schemeClr val="accent1"/>
-          </a:effectRef>
-          <a:fontRef idx="minor">
-            <a:schemeClr val="tx1"/>
-          </a:fontRef>
-        </p:style>
-      </p:cxnSp>
-      <p:cxnSp>
-        <p:nvCxnSpPr>
-          <p:cNvPr id="14" name="直線接點 13"/>
-          <p:cNvCxnSpPr/>
-          <p:nvPr/>
-        </p:nvCxnSpPr>
-        <p:spPr>
-          <a:xfrm flipV="1">
-            <a:off x="1758359" y="3996950"/>
-            <a:ext cx="3448595" cy="1132114"/>
-          </a:xfrm>
-          <a:prstGeom prst="line">
-            <a:avLst/>
-          </a:prstGeom>
-          <a:ln w="38100">
-            <a:solidFill>
-              <a:schemeClr val="tx1"/>
-            </a:solidFill>
-          </a:ln>
-        </p:spPr>
-        <p:style>
-          <a:lnRef idx="1">
-            <a:schemeClr val="accent1"/>
-          </a:lnRef>
-          <a:fillRef idx="0">
-            <a:schemeClr val="accent1"/>
-          </a:fillRef>
-          <a:effectRef idx="0">
-            <a:schemeClr val="accent1"/>
-          </a:effectRef>
-          <a:fontRef idx="minor">
-            <a:schemeClr val="tx1"/>
-          </a:fontRef>
-        </p:style>
-      </p:cxnSp>
-      <p:sp>
-        <p:nvSpPr>
-          <p:cNvPr id="17" name="矩形 16"/>
-          <p:cNvSpPr/>
-          <p:nvPr/>
-        </p:nvSpPr>
-        <p:spPr>
-          <a:xfrm>
-            <a:off x="2322771" y="5563578"/>
-            <a:ext cx="1972976" cy="317459"/>
-          </a:xfrm>
-          <a:prstGeom prst="rect">
-            <a:avLst/>
-          </a:prstGeom>
-        </p:spPr>
-        <p:txBody>
-          <a:bodyPr wrap="none">
-            <a:spAutoFit/>
-          </a:bodyPr>
-          <a:lstStyle/>
-          <a:p>
-            <a:pPr algn="ctr"/>
-            <a:r>
-              <a:rPr lang="en-US" altLang="zh-TW" dirty="0" smtClean="0"/>
-              <a:t>Bacteria (HNF) diversity</a:t>
-            </a:r>
-            <a:endParaRPr lang="zh-TW" altLang="en-US" dirty="0"/>
-          </a:p>
-        </p:txBody>
-      </p:sp>
-      <p:sp>
-        <p:nvSpPr>
-          <p:cNvPr id="20" name="矩形 19"/>
-          <p:cNvSpPr/>
-          <p:nvPr/>
-        </p:nvSpPr>
-        <p:spPr>
-          <a:xfrm rot="-5400000">
-            <a:off x="-307890" y="4048158"/>
-            <a:ext cx="2776593" cy="542584"/>
-          </a:xfrm>
-          <a:prstGeom prst="rect">
-            <a:avLst/>
-          </a:prstGeom>
-        </p:spPr>
-        <p:txBody>
-          <a:bodyPr wrap="none">
-            <a:spAutoFit/>
-          </a:bodyPr>
-          <a:lstStyle/>
-          <a:p>
-            <a:pPr algn="ctr"/>
-            <a:r>
-              <a:rPr lang="en-US" altLang="zh-TW" dirty="0"/>
-              <a:t>Deterministic assembly processes </a:t>
-            </a:r>
-            <a:endParaRPr lang="en-US" altLang="zh-TW" dirty="0" smtClean="0"/>
-          </a:p>
-          <a:p>
-            <a:pPr algn="ctr"/>
-            <a:r>
-              <a:rPr lang="en-US" altLang="zh-TW" dirty="0"/>
-              <a:t>o</a:t>
-            </a:r>
-            <a:r>
-              <a:rPr lang="en-US" altLang="zh-TW" dirty="0" smtClean="0"/>
-              <a:t>f HNF (Bacteria) </a:t>
-            </a:r>
-            <a:r>
-              <a:rPr lang="en-US" altLang="zh-TW" dirty="0"/>
-              <a:t>community</a:t>
-            </a:r>
-            <a:endParaRPr lang="zh-TW" altLang="en-US" dirty="0"/>
-          </a:p>
-        </p:txBody>
-      </p:sp>
-      <p:cxnSp>
-        <p:nvCxnSpPr>
-          <p:cNvPr id="24" name="直線單箭頭接點 11">
-            <a:extLst>
-              <a:ext uri="{FF2B5EF4-FFF2-40B4-BE49-F238E27FC236}">
-                <a16:creationId xmlns:a16="http://schemas.microsoft.com/office/drawing/2014/main" xmlns="" id="{7DB4E6F1-6E32-4553-A7DF-D1C5A6D92F70}"/>
-              </a:ext>
-            </a:extLst>
-          </p:cNvPr>
-          <p:cNvCxnSpPr>
-            <a:cxnSpLocks/>
-          </p:cNvCxnSpPr>
-          <p:nvPr/>
-        </p:nvCxnSpPr>
-        <p:spPr>
-          <a:xfrm flipH="1" flipV="1">
-            <a:off x="6743250" y="3196043"/>
-            <a:ext cx="17412" cy="2246813"/>
-          </a:xfrm>
-          <a:prstGeom prst="straightConnector1">
-            <a:avLst/>
-          </a:prstGeom>
-          <a:ln w="38100">
-            <a:solidFill>
-              <a:schemeClr val="tx1"/>
-            </a:solidFill>
-            <a:tailEnd type="arrow" w="med" len="lg"/>
-          </a:ln>
-        </p:spPr>
-        <p:style>
-          <a:lnRef idx="1">
-            <a:schemeClr val="accent1"/>
-          </a:lnRef>
-          <a:fillRef idx="0">
-            <a:schemeClr val="accent1"/>
-          </a:fillRef>
-          <a:effectRef idx="0">
-            <a:schemeClr val="accent1"/>
-          </a:effectRef>
-          <a:fontRef idx="minor">
-            <a:schemeClr val="tx1"/>
-          </a:fontRef>
-        </p:style>
-      </p:cxnSp>
-      <p:cxnSp>
-        <p:nvCxnSpPr>
-          <p:cNvPr id="25" name="直線單箭頭接點 11">
-            <a:extLst>
-              <a:ext uri="{FF2B5EF4-FFF2-40B4-BE49-F238E27FC236}">
-                <a16:creationId xmlns:a16="http://schemas.microsoft.com/office/drawing/2014/main" xmlns="" id="{7DB4E6F1-6E32-4553-A7DF-D1C5A6D92F70}"/>
-              </a:ext>
-            </a:extLst>
-          </p:cNvPr>
-          <p:cNvCxnSpPr>
-            <a:cxnSpLocks/>
-          </p:cNvCxnSpPr>
-          <p:nvPr/>
-        </p:nvCxnSpPr>
-        <p:spPr>
-          <a:xfrm>
-            <a:off x="6743250" y="5434146"/>
-            <a:ext cx="4007482" cy="0"/>
-          </a:xfrm>
-          <a:prstGeom prst="straightConnector1">
-            <a:avLst/>
-          </a:prstGeom>
-          <a:ln w="38100">
-            <a:solidFill>
-              <a:schemeClr val="tx1"/>
-            </a:solidFill>
-            <a:tailEnd type="arrow" w="med" len="lg"/>
-          </a:ln>
-        </p:spPr>
-        <p:style>
-          <a:lnRef idx="1">
-            <a:schemeClr val="accent1"/>
-          </a:lnRef>
-          <a:fillRef idx="0">
-            <a:schemeClr val="accent1"/>
-          </a:fillRef>
-          <a:effectRef idx="0">
-            <a:schemeClr val="accent1"/>
-          </a:effectRef>
-          <a:fontRef idx="minor">
-            <a:schemeClr val="tx1"/>
-          </a:fontRef>
-        </p:style>
-      </p:cxnSp>
-      <p:cxnSp>
-        <p:nvCxnSpPr>
-          <p:cNvPr id="26" name="直線接點 25"/>
-          <p:cNvCxnSpPr/>
-          <p:nvPr/>
-        </p:nvCxnSpPr>
-        <p:spPr>
-          <a:xfrm flipV="1">
-            <a:off x="7031399" y="3996949"/>
-            <a:ext cx="3448595" cy="1132114"/>
-          </a:xfrm>
-          <a:prstGeom prst="line">
-            <a:avLst/>
-          </a:prstGeom>
-          <a:ln w="38100">
-            <a:solidFill>
-              <a:schemeClr val="tx1"/>
-            </a:solidFill>
-          </a:ln>
-        </p:spPr>
-        <p:style>
-          <a:lnRef idx="1">
-            <a:schemeClr val="accent1"/>
-          </a:lnRef>
-          <a:fillRef idx="0">
-            <a:schemeClr val="accent1"/>
-          </a:fillRef>
-          <a:effectRef idx="0">
-            <a:schemeClr val="accent1"/>
-          </a:effectRef>
-          <a:fontRef idx="minor">
-            <a:schemeClr val="tx1"/>
-          </a:fontRef>
-        </p:style>
-      </p:cxnSp>
-      <p:sp>
-        <p:nvSpPr>
-          <p:cNvPr id="27" name="矩形 26"/>
-          <p:cNvSpPr/>
-          <p:nvPr/>
-        </p:nvSpPr>
-        <p:spPr>
-          <a:xfrm rot="-5400000">
-            <a:off x="5385255" y="4160719"/>
-            <a:ext cx="2014654" cy="317459"/>
-          </a:xfrm>
-          <a:prstGeom prst="rect">
-            <a:avLst/>
-          </a:prstGeom>
-        </p:spPr>
-        <p:txBody>
-          <a:bodyPr wrap="none">
-            <a:spAutoFit/>
-          </a:bodyPr>
-          <a:lstStyle/>
-          <a:p>
-            <a:pPr algn="ctr"/>
-            <a:r>
-              <a:rPr lang="en-US" altLang="zh-TW" dirty="0" smtClean="0"/>
-              <a:t>HNF (Bacteria) diversity</a:t>
-            </a:r>
-            <a:endParaRPr lang="zh-TW" altLang="en-US" dirty="0"/>
-          </a:p>
-        </p:txBody>
-      </p:sp>
-      <p:sp>
-        <p:nvSpPr>
-          <p:cNvPr id="37" name="矩形 36"/>
-          <p:cNvSpPr/>
-          <p:nvPr/>
-        </p:nvSpPr>
-        <p:spPr>
-          <a:xfrm>
-            <a:off x="7367399" y="5455307"/>
-            <a:ext cx="2776593" cy="542584"/>
-          </a:xfrm>
-          <a:prstGeom prst="rect">
-            <a:avLst/>
-          </a:prstGeom>
-        </p:spPr>
-        <p:txBody>
-          <a:bodyPr wrap="none">
-            <a:spAutoFit/>
-          </a:bodyPr>
-          <a:lstStyle/>
-          <a:p>
-            <a:pPr algn="ctr"/>
-            <a:r>
-              <a:rPr lang="en-US" altLang="zh-TW" dirty="0"/>
-              <a:t>Deterministic assembly processes </a:t>
-            </a:r>
-            <a:endParaRPr lang="en-US" altLang="zh-TW" dirty="0" smtClean="0"/>
-          </a:p>
-          <a:p>
-            <a:pPr algn="ctr"/>
-            <a:r>
-              <a:rPr lang="en-US" altLang="zh-TW" dirty="0"/>
-              <a:t>o</a:t>
-            </a:r>
-            <a:r>
-              <a:rPr lang="en-US" altLang="zh-TW" dirty="0" smtClean="0"/>
-              <a:t>f HNF (Bacteria) </a:t>
-            </a:r>
-            <a:r>
-              <a:rPr lang="en-US" altLang="zh-TW" dirty="0"/>
-              <a:t>community</a:t>
-            </a:r>
-            <a:endParaRPr lang="zh-TW" altLang="en-US" dirty="0"/>
-          </a:p>
-        </p:txBody>
-      </p:sp>
     </p:spTree>
     <p:extLst>
       <p:ext uri="{BB962C8B-B14F-4D97-AF65-F5344CB8AC3E}">
@@ -3937,89 +4233,65 @@
                   <a:schemeClr val="tx1"/>
                 </a:solidFill>
               </a:rPr>
-              <a:t>Bacteria </a:t>
-            </a:r>
+              <a:t>Bacteria species richness</a:t>
+            </a:r>
+            <a:endParaRPr lang="zh-TW" altLang="en-US" dirty="0">
+              <a:solidFill>
+                <a:schemeClr val="tx1"/>
+              </a:solidFill>
+            </a:endParaRPr>
+          </a:p>
+        </p:txBody>
+      </p:sp>
+      <p:sp>
+        <p:nvSpPr>
+          <p:cNvPr id="16" name="圓角矩形 15"/>
+          <p:cNvSpPr/>
+          <p:nvPr/>
+        </p:nvSpPr>
+        <p:spPr>
+          <a:xfrm>
+            <a:off x="7272244" y="1926000"/>
+            <a:ext cx="3060000" cy="720000"/>
+          </a:xfrm>
+          <a:prstGeom prst="roundRect">
+            <a:avLst/>
+          </a:prstGeom>
+          <a:noFill/>
+          <a:ln w="38100">
+            <a:solidFill>
+              <a:schemeClr val="tx1"/>
+            </a:solidFill>
+          </a:ln>
+        </p:spPr>
+        <p:style>
+          <a:lnRef idx="2">
+            <a:schemeClr val="accent1">
+              <a:shade val="50000"/>
+            </a:schemeClr>
+          </a:lnRef>
+          <a:fillRef idx="1">
+            <a:schemeClr val="accent1"/>
+          </a:fillRef>
+          <a:effectRef idx="0">
+            <a:schemeClr val="accent1"/>
+          </a:effectRef>
+          <a:fontRef idx="minor">
+            <a:schemeClr val="lt1"/>
+          </a:fontRef>
+        </p:style>
+        <p:txBody>
+          <a:bodyPr rtlCol="0" anchor="ctr"/>
+          <a:lstStyle/>
+          <a:p>
+            <a:pPr algn="ctr"/>
             <a:r>
               <a:rPr lang="en-US" altLang="zh-TW" dirty="0">
                 <a:solidFill>
                   <a:schemeClr val="tx1"/>
                 </a:solidFill>
               </a:rPr>
-              <a:t>species richness</a:t>
-            </a:r>
-            <a:endParaRPr lang="zh-TW" altLang="en-US" dirty="0">
-              <a:solidFill>
-                <a:schemeClr val="tx1"/>
-              </a:solidFill>
-            </a:endParaRPr>
-          </a:p>
-        </p:txBody>
-      </p:sp>
-      <p:sp>
-        <p:nvSpPr>
-          <p:cNvPr id="16" name="圓角矩形 15"/>
-          <p:cNvSpPr/>
-          <p:nvPr/>
-        </p:nvSpPr>
-        <p:spPr>
-          <a:xfrm>
-            <a:off x="7272244" y="1926000"/>
-            <a:ext cx="3060000" cy="720000"/>
-          </a:xfrm>
-          <a:prstGeom prst="roundRect">
-            <a:avLst/>
-          </a:prstGeom>
-          <a:noFill/>
-          <a:ln w="38100">
-            <a:solidFill>
-              <a:schemeClr val="tx1"/>
-            </a:solidFill>
-          </a:ln>
-        </p:spPr>
-        <p:style>
-          <a:lnRef idx="2">
-            <a:schemeClr val="accent1">
-              <a:shade val="50000"/>
-            </a:schemeClr>
-          </a:lnRef>
-          <a:fillRef idx="1">
-            <a:schemeClr val="accent1"/>
-          </a:fillRef>
-          <a:effectRef idx="0">
-            <a:schemeClr val="accent1"/>
-          </a:effectRef>
-          <a:fontRef idx="minor">
-            <a:schemeClr val="lt1"/>
-          </a:fontRef>
-        </p:style>
-        <p:txBody>
-          <a:bodyPr rtlCol="0" anchor="ctr"/>
-          <a:lstStyle/>
-          <a:p>
-            <a:pPr algn="ctr"/>
-            <a:r>
-              <a:rPr lang="en-US" altLang="zh-TW" dirty="0">
-                <a:solidFill>
-                  <a:schemeClr val="tx1"/>
-                </a:solidFill>
-              </a:rPr>
-              <a:t>HNF </a:t>
-            </a:r>
-            <a:r>
-              <a:rPr lang="en-US" altLang="zh-TW" dirty="0">
-                <a:solidFill>
-                  <a:schemeClr val="tx1"/>
-                </a:solidFill>
-              </a:rPr>
-              <a:t>Simpson </a:t>
-            </a:r>
-            <a:r>
-              <a:rPr lang="en-US" altLang="zh-TW" dirty="0" smtClean="0">
-                <a:solidFill>
-                  <a:schemeClr val="tx1"/>
-                </a:solidFill>
-              </a:rPr>
-              <a:t>diversity</a:t>
+              <a:t>HNF Shannon diversity</a:t>
             </a:r>
             <a:endParaRPr lang="zh-TW" altLang="en-US" dirty="0">
               <a:solidFill>
@@ -4040,7 +4312,7 @@
         </p:nvCxnSpPr>
         <p:spPr>
           <a:xfrm flipV="1">
-            <a:off x="4248244" y="2286000"/>
+            <a:off x="4248244" y="2286004"/>
             <a:ext cx="3024000" cy="449"/>
           </a:xfrm>
           <a:prstGeom prst="straightConnector1">
@@ -4129,15 +4401,7 @@
                   <a:schemeClr val="tx1"/>
                 </a:solidFill>
               </a:rPr>
-              <a:t>HNF </a:t>
-            </a:r>
-            <a:r>
-              <a:rPr lang="en-US" altLang="zh-TW" b="1" dirty="0" smtClean="0">
-                <a:solidFill>
-                  <a:schemeClr val="tx1"/>
-                </a:solidFill>
-              </a:rPr>
-              <a:t>community</a:t>
+              <a:t>HNF community</a:t>
             </a:r>
             <a:endParaRPr lang="zh-TW" altLang="en-US" b="1" dirty="0">
               <a:solidFill>
@@ -4159,7 +4423,7 @@
         </p:nvCxnSpPr>
         <p:spPr>
           <a:xfrm>
-            <a:off x="2718244" y="2646449"/>
+            <a:off x="2718244" y="2646453"/>
             <a:ext cx="1080000" cy="719551"/>
           </a:xfrm>
           <a:prstGeom prst="straightConnector1">
@@ -4193,7 +4457,7 @@
           <p:cNvPr id="18" name="圓角矩形 18">
             <a:extLst>
               <a:ext uri="{FF2B5EF4-FFF2-40B4-BE49-F238E27FC236}">
-                <a16:creationId xmlns:a16="http://schemas.microsoft.com/office/drawing/2014/main" xmlns="" id="{47DE1866-A6CF-489C-848E-A4D8C003E3C0}"/>
+                <a16:creationId xmlns:a16="http://schemas.microsoft.com/office/drawing/2014/main" id="{47DE1866-A6CF-489C-848E-A4D8C003E3C0}"/>
               </a:ext>
             </a:extLst>
           </p:cNvPr>
@@ -4268,7 +4532,7 @@
           <p:cNvPr id="28" name="直線單箭頭接點 11">
             <a:extLst>
               <a:ext uri="{FF2B5EF4-FFF2-40B4-BE49-F238E27FC236}">
-                <a16:creationId xmlns:a16="http://schemas.microsoft.com/office/drawing/2014/main" xmlns="" id="{2F63CEA1-FDB0-4466-9AF7-10C6638C7A69}"/>
+                <a16:creationId xmlns:a16="http://schemas.microsoft.com/office/drawing/2014/main" id="{2F63CEA1-FDB0-4466-9AF7-10C6638C7A69}"/>
               </a:ext>
             </a:extLst>
           </p:cNvPr>
@@ -4315,7 +4579,7 @@
           <p:cNvPr id="33" name="直線單箭頭接點 11">
             <a:extLst>
               <a:ext uri="{FF2B5EF4-FFF2-40B4-BE49-F238E27FC236}">
-                <a16:creationId xmlns:a16="http://schemas.microsoft.com/office/drawing/2014/main" xmlns="" id="{F0875757-B921-4728-87AA-413F44467B51}"/>
+                <a16:creationId xmlns:a16="http://schemas.microsoft.com/office/drawing/2014/main" id="{F0875757-B921-4728-87AA-413F44467B51}"/>
               </a:ext>
             </a:extLst>
           </p:cNvPr>
@@ -4362,7 +4626,7 @@
           <p:cNvPr id="34" name="直線單箭頭接點 11">
             <a:extLst>
               <a:ext uri="{FF2B5EF4-FFF2-40B4-BE49-F238E27FC236}">
-                <a16:creationId xmlns:a16="http://schemas.microsoft.com/office/drawing/2014/main" xmlns="" id="{7DB4E6F1-6E32-4553-A7DF-D1C5A6D92F70}"/>
+                <a16:creationId xmlns:a16="http://schemas.microsoft.com/office/drawing/2014/main" id="{7DB4E6F1-6E32-4553-A7DF-D1C5A6D92F70}"/>
               </a:ext>
             </a:extLst>
           </p:cNvPr>
@@ -4375,7 +4639,7 @@
         </p:nvCxnSpPr>
         <p:spPr>
           <a:xfrm flipH="1" flipV="1">
-            <a:off x="4248244" y="2286449"/>
+            <a:off x="4248244" y="2286453"/>
             <a:ext cx="1944000" cy="1529551"/>
           </a:xfrm>
           <a:prstGeom prst="straightConnector1">
@@ -4412,7 +4676,7 @@
         </p:nvSpPr>
         <p:spPr>
           <a:xfrm>
-            <a:off x="5444051" y="1944373"/>
+            <a:off x="5444051" y="1944377"/>
             <a:ext cx="516488" cy="317459"/>
           </a:xfrm>
           <a:prstGeom prst="rect">
@@ -4427,7 +4691,7 @@
           <a:p>
             <a:pPr algn="ctr"/>
             <a:r>
-              <a:rPr lang="en-US" altLang="zh-TW" dirty="0" smtClean="0"/>
+              <a:rPr lang="en-US" altLang="zh-TW" dirty="0"/>
               <a:t>0.22</a:t>
             </a:r>
             <a:endParaRPr lang="zh-TW" altLang="en-US" dirty="0"/>
@@ -4477,7 +4741,7 @@
           <a:p>
             <a:pPr algn="ctr"/>
             <a:r>
-              <a:rPr lang="en-US" altLang="zh-TW" dirty="0" smtClean="0">
+              <a:rPr lang="en-US" altLang="zh-TW" dirty="0">
                 <a:solidFill>
                   <a:schemeClr val="tx1"/>
                 </a:solidFill>
@@ -4535,7 +4799,7 @@
           <a:p>
             <a:pPr algn="ctr"/>
             <a:r>
-              <a:rPr lang="en-US" altLang="zh-TW" dirty="0" err="1" smtClean="0">
+              <a:rPr lang="en-US" altLang="zh-TW" dirty="0" err="1">
                 <a:solidFill>
                   <a:schemeClr val="tx1"/>
                 </a:solidFill>
@@ -4593,7 +4857,7 @@
           <a:p>
             <a:pPr algn="ctr"/>
             <a:r>
-              <a:rPr lang="en-US" altLang="zh-TW" dirty="0" smtClean="0">
+              <a:rPr lang="en-US" altLang="zh-TW" dirty="0">
                 <a:solidFill>
                   <a:schemeClr val="tx1"/>
                 </a:solidFill>
@@ -4651,7 +4915,7 @@
           <a:p>
             <a:pPr algn="ctr"/>
             <a:r>
-              <a:rPr lang="en-US" altLang="zh-TW" dirty="0" smtClean="0">
+              <a:rPr lang="en-US" altLang="zh-TW" dirty="0">
                 <a:solidFill>
                   <a:schemeClr val="tx1"/>
                 </a:solidFill>
@@ -4709,7 +4973,7 @@
           <a:p>
             <a:pPr algn="ctr"/>
             <a:r>
-              <a:rPr lang="en-US" altLang="zh-TW" dirty="0" smtClean="0">
+              <a:rPr lang="en-US" altLang="zh-TW" dirty="0">
                 <a:solidFill>
                   <a:schemeClr val="tx1"/>
                 </a:solidFill>
@@ -4767,7 +5031,7 @@
           <a:p>
             <a:pPr algn="ctr"/>
             <a:r>
-              <a:rPr lang="en-US" altLang="zh-TW" dirty="0" smtClean="0">
+              <a:rPr lang="en-US" altLang="zh-TW" dirty="0">
                 <a:solidFill>
                   <a:schemeClr val="tx1"/>
                 </a:solidFill>
@@ -4787,7 +5051,7 @@
           <p:cNvPr id="117" name="直線單箭頭接點 11">
             <a:extLst>
               <a:ext uri="{FF2B5EF4-FFF2-40B4-BE49-F238E27FC236}">
-                <a16:creationId xmlns:a16="http://schemas.microsoft.com/office/drawing/2014/main" xmlns="" id="{F0875757-B921-4728-87AA-413F44467B51}"/>
+                <a16:creationId xmlns:a16="http://schemas.microsoft.com/office/drawing/2014/main" id="{F0875757-B921-4728-87AA-413F44467B51}"/>
               </a:ext>
             </a:extLst>
           </p:cNvPr>
@@ -4800,7 +5064,7 @@
         </p:nvCxnSpPr>
         <p:spPr>
           <a:xfrm flipH="1" flipV="1">
-            <a:off x="8802244" y="2646000"/>
+            <a:off x="8802244" y="2646004"/>
             <a:ext cx="1745756" cy="2358071"/>
           </a:xfrm>
           <a:prstGeom prst="straightConnector1">
@@ -4834,7 +5098,7 @@
           <p:cNvPr id="121" name="直線單箭頭接點 11">
             <a:extLst>
               <a:ext uri="{FF2B5EF4-FFF2-40B4-BE49-F238E27FC236}">
-                <a16:creationId xmlns:a16="http://schemas.microsoft.com/office/drawing/2014/main" xmlns="" id="{F0875757-B921-4728-87AA-413F44467B51}"/>
+                <a16:creationId xmlns:a16="http://schemas.microsoft.com/office/drawing/2014/main" id="{F0875757-B921-4728-87AA-413F44467B51}"/>
               </a:ext>
             </a:extLst>
           </p:cNvPr>
@@ -4847,7 +5111,7 @@
         </p:nvCxnSpPr>
         <p:spPr>
           <a:xfrm flipH="1" flipV="1">
-            <a:off x="7722244" y="4266000"/>
+            <a:off x="7722244" y="4266004"/>
             <a:ext cx="917756" cy="738071"/>
           </a:xfrm>
           <a:prstGeom prst="straightConnector1">
@@ -4924,15 +5188,7 @@
                   <a:schemeClr val="tx1"/>
                 </a:solidFill>
               </a:rPr>
-              <a:t>HNF </a:t>
-            </a:r>
-            <a:r>
-              <a:rPr lang="en-US" altLang="zh-TW" dirty="0" smtClean="0">
-                <a:solidFill>
-                  <a:schemeClr val="tx1"/>
-                </a:solidFill>
-              </a:rPr>
-              <a:t>biomass</a:t>
+              <a:t>HNF biomass</a:t>
             </a:r>
             <a:endParaRPr lang="zh-TW" altLang="en-US" dirty="0">
               <a:solidFill>
@@ -4985,7 +5241,7 @@
           <a:p>
             <a:pPr algn="ctr"/>
             <a:r>
-              <a:rPr lang="en-US" altLang="zh-TW" dirty="0" smtClean="0">
+              <a:rPr lang="en-US" altLang="zh-TW" dirty="0">
                 <a:solidFill>
                   <a:schemeClr val="tx1"/>
                 </a:solidFill>
@@ -5008,7 +5264,7 @@
         </p:nvSpPr>
         <p:spPr>
           <a:xfrm>
-            <a:off x="8646850" y="1233996"/>
+            <a:off x="8646854" y="1233996"/>
             <a:ext cx="2514805" cy="3773010"/>
           </a:xfrm>
           <a:custGeom>
@@ -5093,7 +5349,7 @@
         </p:nvSpPr>
         <p:spPr>
           <a:xfrm>
-            <a:off x="6729274" y="1233996"/>
+            <a:off x="6729278" y="1233996"/>
             <a:ext cx="4734199" cy="3773010"/>
           </a:xfrm>
           <a:custGeom>
@@ -5388,7 +5644,7 @@
       </p:cxnSp>
       <p:cxnSp>
         <p:nvCxnSpPr>
-          <p:cNvPr id="29" name="直線單箭頭接點 28"/>
+          <p:cNvPr id="30" name="直線單箭頭接點 29"/>
           <p:cNvCxnSpPr>
             <a:cxnSpLocks/>
             <a:stCxn id="124" idx="2"/>
@@ -5429,7 +5685,7 @@
       </p:cxnSp>
       <p:cxnSp>
         <p:nvCxnSpPr>
-          <p:cNvPr id="41" name="直線單箭頭接點 40"/>
+          <p:cNvPr id="31" name="直線單箭頭接點 30"/>
           <p:cNvCxnSpPr>
             <a:cxnSpLocks/>
             <a:stCxn id="125" idx="2"/>
@@ -5471,7 +5727,7 @@
     </p:spTree>
     <p:extLst>
       <p:ext uri="{BB962C8B-B14F-4D97-AF65-F5344CB8AC3E}">
-        <p14:creationId xmlns:p14="http://schemas.microsoft.com/office/powerpoint/2010/main" val="3277249656"/>
+        <p14:creationId xmlns:p14="http://schemas.microsoft.com/office/powerpoint/2010/main" val="1329579060"/>
       </p:ext>
     </p:extLst>
   </p:cSld>
@@ -5481,7 +5737,7 @@
 </p:sld>
 </file>
 
-<file path=ppt/slides/slide2.xml><?xml version="1.0" encoding="utf-8"?>
+<file path=ppt/slides/slide11.xml><?xml version="1.0" encoding="utf-8"?>
 <p:sld xmlns:a="http://schemas.openxmlformats.org/drawingml/2006/main" xmlns:r="http://schemas.openxmlformats.org/officeDocument/2006/relationships" xmlns:p="http://schemas.openxmlformats.org/presentationml/2006/main">
   <p:cSld>
     <p:spTree>
@@ -5546,15 +5802,7 @@
                   <a:schemeClr val="tx1"/>
                 </a:solidFill>
               </a:rPr>
-              <a:t>Bacteria </a:t>
-            </a:r>
-            <a:r>
-              <a:rPr lang="en-US" altLang="zh-TW" dirty="0" smtClean="0">
-                <a:solidFill>
-                  <a:schemeClr val="tx1"/>
-                </a:solidFill>
-              </a:rPr>
-              <a:t>species richness</a:t>
+              <a:t>Bacteria species richness</a:t>
             </a:r>
             <a:endParaRPr lang="zh-TW" altLang="en-US" dirty="0">
               <a:solidFill>
@@ -5612,15 +5860,7 @@
                   <a:schemeClr val="tx1"/>
                 </a:solidFill>
               </a:rPr>
-              <a:t>HNF </a:t>
-            </a:r>
-            <a:r>
-              <a:rPr lang="en-US" altLang="zh-TW" dirty="0">
-                <a:solidFill>
-                  <a:schemeClr val="tx1"/>
-                </a:solidFill>
-              </a:rPr>
-              <a:t>species richness</a:t>
+              <a:t>HNF Simpson diversity</a:t>
             </a:r>
             <a:endParaRPr lang="zh-TW" altLang="en-US" dirty="0">
               <a:solidFill>
@@ -5641,7 +5881,7 @@
         </p:nvCxnSpPr>
         <p:spPr>
           <a:xfrm flipV="1">
-            <a:off x="4248244" y="2286000"/>
+            <a:off x="4248244" y="2286004"/>
             <a:ext cx="3024000" cy="449"/>
           </a:xfrm>
           <a:prstGeom prst="straightConnector1">
@@ -5651,7 +5891,7 @@
             <a:solidFill>
               <a:schemeClr val="tx1"/>
             </a:solidFill>
-            <a:prstDash val="sysDot"/>
+            <a:prstDash val="solid"/>
             <a:headEnd type="arrow"/>
             <a:tailEnd type="arrow" w="med" len="lg"/>
           </a:ln>
@@ -5730,15 +5970,7 @@
                   <a:schemeClr val="tx1"/>
                 </a:solidFill>
               </a:rPr>
-              <a:t>HNF </a:t>
-            </a:r>
-            <a:r>
-              <a:rPr lang="en-US" altLang="zh-TW" b="1" dirty="0" smtClean="0">
-                <a:solidFill>
-                  <a:schemeClr val="tx1"/>
-                </a:solidFill>
-              </a:rPr>
-              <a:t>community</a:t>
+              <a:t>HNF community</a:t>
             </a:r>
             <a:endParaRPr lang="zh-TW" altLang="en-US" b="1" dirty="0">
               <a:solidFill>
@@ -5760,7 +5992,7 @@
         </p:nvCxnSpPr>
         <p:spPr>
           <a:xfrm>
-            <a:off x="2718244" y="2646449"/>
+            <a:off x="2718244" y="2646453"/>
             <a:ext cx="1080000" cy="719551"/>
           </a:xfrm>
           <a:prstGeom prst="straightConnector1">
@@ -5794,7 +6026,7 @@
           <p:cNvPr id="18" name="圓角矩形 18">
             <a:extLst>
               <a:ext uri="{FF2B5EF4-FFF2-40B4-BE49-F238E27FC236}">
-                <a16:creationId xmlns:a16="http://schemas.microsoft.com/office/drawing/2014/main" xmlns="" id="{47DE1866-A6CF-489C-848E-A4D8C003E3C0}"/>
+                <a16:creationId xmlns:a16="http://schemas.microsoft.com/office/drawing/2014/main" id="{47DE1866-A6CF-489C-848E-A4D8C003E3C0}"/>
               </a:ext>
             </a:extLst>
           </p:cNvPr>
@@ -5869,7 +6101,7 @@
           <p:cNvPr id="28" name="直線單箭頭接點 11">
             <a:extLst>
               <a:ext uri="{FF2B5EF4-FFF2-40B4-BE49-F238E27FC236}">
-                <a16:creationId xmlns:a16="http://schemas.microsoft.com/office/drawing/2014/main" xmlns="" id="{2F63CEA1-FDB0-4466-9AF7-10C6638C7A69}"/>
+                <a16:creationId xmlns:a16="http://schemas.microsoft.com/office/drawing/2014/main" id="{2F63CEA1-FDB0-4466-9AF7-10C6638C7A69}"/>
               </a:ext>
             </a:extLst>
           </p:cNvPr>
@@ -5916,7 +6148,7 @@
           <p:cNvPr id="33" name="直線單箭頭接點 11">
             <a:extLst>
               <a:ext uri="{FF2B5EF4-FFF2-40B4-BE49-F238E27FC236}">
-                <a16:creationId xmlns:a16="http://schemas.microsoft.com/office/drawing/2014/main" xmlns="" id="{F0875757-B921-4728-87AA-413F44467B51}"/>
+                <a16:creationId xmlns:a16="http://schemas.microsoft.com/office/drawing/2014/main" id="{F0875757-B921-4728-87AA-413F44467B51}"/>
               </a:ext>
             </a:extLst>
           </p:cNvPr>
@@ -5939,7 +6171,7 @@
             <a:solidFill>
               <a:schemeClr val="tx1"/>
             </a:solidFill>
-            <a:prstDash val="solid"/>
+            <a:prstDash val="sysDot"/>
             <a:tailEnd type="arrow" w="med" len="lg"/>
           </a:ln>
         </p:spPr>
@@ -5963,7 +6195,7 @@
           <p:cNvPr id="34" name="直線單箭頭接點 11">
             <a:extLst>
               <a:ext uri="{FF2B5EF4-FFF2-40B4-BE49-F238E27FC236}">
-                <a16:creationId xmlns:a16="http://schemas.microsoft.com/office/drawing/2014/main" xmlns="" id="{7DB4E6F1-6E32-4553-A7DF-D1C5A6D92F70}"/>
+                <a16:creationId xmlns:a16="http://schemas.microsoft.com/office/drawing/2014/main" id="{7DB4E6F1-6E32-4553-A7DF-D1C5A6D92F70}"/>
               </a:ext>
             </a:extLst>
           </p:cNvPr>
@@ -5976,7 +6208,7 @@
         </p:nvCxnSpPr>
         <p:spPr>
           <a:xfrm flipH="1" flipV="1">
-            <a:off x="4248244" y="2286449"/>
+            <a:off x="4248244" y="2286453"/>
             <a:ext cx="1944000" cy="1529551"/>
           </a:xfrm>
           <a:prstGeom prst="straightConnector1">
@@ -6007,13 +6239,13 @@
       </p:cxnSp>
       <p:sp>
         <p:nvSpPr>
-          <p:cNvPr id="152" name="矩形 151"/>
+          <p:cNvPr id="167" name="矩形 166"/>
           <p:cNvSpPr/>
           <p:nvPr/>
         </p:nvSpPr>
         <p:spPr>
           <a:xfrm>
-            <a:off x="6379680" y="2847719"/>
+            <a:off x="5016851" y="1944377"/>
             <a:ext cx="1370888" cy="317459"/>
           </a:xfrm>
           <a:prstGeom prst="rect">
@@ -6028,38 +6260,8 @@
           <a:p>
             <a:pPr algn="ctr"/>
             <a:r>
-              <a:rPr lang="en-US" altLang="zh-TW" dirty="0" smtClean="0"/>
-              <a:t>0.223 (p = 0.07)</a:t>
-            </a:r>
-            <a:endParaRPr lang="zh-TW" altLang="en-US" dirty="0"/>
-          </a:p>
-        </p:txBody>
-      </p:sp>
-      <p:sp>
-        <p:nvSpPr>
-          <p:cNvPr id="167" name="矩形 166"/>
-          <p:cNvSpPr/>
-          <p:nvPr/>
-        </p:nvSpPr>
-        <p:spPr>
-          <a:xfrm>
-            <a:off x="5016850" y="1944373"/>
-            <a:ext cx="1370888" cy="317459"/>
-          </a:xfrm>
-          <a:prstGeom prst="rect">
-            <a:avLst/>
-          </a:prstGeom>
-        </p:spPr>
-        <p:txBody>
-          <a:bodyPr wrap="none">
-            <a:spAutoFit/>
-          </a:bodyPr>
-          <a:lstStyle/>
-          <a:p>
-            <a:pPr algn="ctr"/>
-            <a:r>
-              <a:rPr lang="en-US" altLang="zh-TW" dirty="0" smtClean="0"/>
-              <a:t>0.106 (p = 0.17)</a:t>
+              <a:rPr lang="en-US" altLang="zh-TW" dirty="0"/>
+              <a:t>0.126 (p = 0.13)</a:t>
             </a:r>
             <a:endParaRPr lang="zh-TW" altLang="en-US" dirty="0"/>
           </a:p>
@@ -6068,7 +6270,7 @@
     </p:spTree>
     <p:extLst>
       <p:ext uri="{BB962C8B-B14F-4D97-AF65-F5344CB8AC3E}">
-        <p14:creationId xmlns:p14="http://schemas.microsoft.com/office/powerpoint/2010/main" val="2488904504"/>
+        <p14:creationId xmlns:p14="http://schemas.microsoft.com/office/powerpoint/2010/main" val="2840606312"/>
       </p:ext>
     </p:extLst>
   </p:cSld>
@@ -6078,7 +6280,7 @@
 </p:sld>
 </file>
 
-<file path=ppt/slides/slide3.xml><?xml version="1.0" encoding="utf-8"?>
+<file path=ppt/slides/slide12.xml><?xml version="1.0" encoding="utf-8"?>
 <p:sld xmlns:a="http://schemas.openxmlformats.org/drawingml/2006/main" xmlns:r="http://schemas.openxmlformats.org/officeDocument/2006/relationships" xmlns:p="http://schemas.openxmlformats.org/presentationml/2006/main">
   <p:cSld>
     <p:spTree>
@@ -6143,81 +6345,65 @@
                   <a:schemeClr val="tx1"/>
                 </a:solidFill>
               </a:rPr>
-              <a:t>Bacteria </a:t>
-            </a:r>
+              <a:t>Bacteria species richness</a:t>
+            </a:r>
+            <a:endParaRPr lang="zh-TW" altLang="en-US" dirty="0">
+              <a:solidFill>
+                <a:schemeClr val="tx1"/>
+              </a:solidFill>
+            </a:endParaRPr>
+          </a:p>
+        </p:txBody>
+      </p:sp>
+      <p:sp>
+        <p:nvSpPr>
+          <p:cNvPr id="16" name="圓角矩形 15"/>
+          <p:cNvSpPr/>
+          <p:nvPr/>
+        </p:nvSpPr>
+        <p:spPr>
+          <a:xfrm>
+            <a:off x="7272244" y="1926000"/>
+            <a:ext cx="3060000" cy="720000"/>
+          </a:xfrm>
+          <a:prstGeom prst="roundRect">
+            <a:avLst/>
+          </a:prstGeom>
+          <a:noFill/>
+          <a:ln w="38100">
+            <a:solidFill>
+              <a:schemeClr val="tx1"/>
+            </a:solidFill>
+          </a:ln>
+        </p:spPr>
+        <p:style>
+          <a:lnRef idx="2">
+            <a:schemeClr val="accent1">
+              <a:shade val="50000"/>
+            </a:schemeClr>
+          </a:lnRef>
+          <a:fillRef idx="1">
+            <a:schemeClr val="accent1"/>
+          </a:fillRef>
+          <a:effectRef idx="0">
+            <a:schemeClr val="accent1"/>
+          </a:effectRef>
+          <a:fontRef idx="minor">
+            <a:schemeClr val="lt1"/>
+          </a:fontRef>
+        </p:style>
+        <p:txBody>
+          <a:bodyPr rtlCol="0" anchor="ctr"/>
+          <a:lstStyle/>
+          <a:p>
+            <a:pPr algn="ctr"/>
             <a:r>
               <a:rPr lang="en-US" altLang="zh-TW" dirty="0">
                 <a:solidFill>
                   <a:schemeClr val="tx1"/>
                 </a:solidFill>
               </a:rPr>
-              <a:t>species richness</a:t>
-            </a:r>
-            <a:endParaRPr lang="zh-TW" altLang="en-US" dirty="0">
-              <a:solidFill>
-                <a:schemeClr val="tx1"/>
-              </a:solidFill>
-            </a:endParaRPr>
-          </a:p>
-        </p:txBody>
-      </p:sp>
-      <p:sp>
-        <p:nvSpPr>
-          <p:cNvPr id="16" name="圓角矩形 15"/>
-          <p:cNvSpPr/>
-          <p:nvPr/>
-        </p:nvSpPr>
-        <p:spPr>
-          <a:xfrm>
-            <a:off x="7272244" y="1926000"/>
-            <a:ext cx="3060000" cy="720000"/>
-          </a:xfrm>
-          <a:prstGeom prst="roundRect">
-            <a:avLst/>
-          </a:prstGeom>
-          <a:noFill/>
-          <a:ln w="38100">
-            <a:solidFill>
-              <a:schemeClr val="tx1"/>
-            </a:solidFill>
-          </a:ln>
-        </p:spPr>
-        <p:style>
-          <a:lnRef idx="2">
-            <a:schemeClr val="accent1">
-              <a:shade val="50000"/>
-            </a:schemeClr>
-          </a:lnRef>
-          <a:fillRef idx="1">
-            <a:schemeClr val="accent1"/>
-          </a:fillRef>
-          <a:effectRef idx="0">
-            <a:schemeClr val="accent1"/>
-          </a:effectRef>
-          <a:fontRef idx="minor">
-            <a:schemeClr val="lt1"/>
-          </a:fontRef>
-        </p:style>
-        <p:txBody>
-          <a:bodyPr rtlCol="0" anchor="ctr"/>
-          <a:lstStyle/>
-          <a:p>
-            <a:pPr algn="ctr"/>
-            <a:r>
-              <a:rPr lang="en-US" altLang="zh-TW" dirty="0">
-                <a:solidFill>
-                  <a:schemeClr val="tx1"/>
-                </a:solidFill>
-              </a:rPr>
-              <a:t>HNF </a:t>
-            </a:r>
-            <a:r>
-              <a:rPr lang="en-US" altLang="zh-TW" dirty="0">
-                <a:solidFill>
-                  <a:schemeClr val="tx1"/>
-                </a:solidFill>
-              </a:rPr>
-              <a:t>species richness</a:t>
+              <a:t>HNF Simpson diversity</a:t>
             </a:r>
             <a:endParaRPr lang="zh-TW" altLang="en-US" dirty="0">
               <a:solidFill>
@@ -6238,7 +6424,7 @@
         </p:nvCxnSpPr>
         <p:spPr>
           <a:xfrm flipV="1">
-            <a:off x="4248244" y="2286000"/>
+            <a:off x="4248244" y="2286004"/>
             <a:ext cx="3024000" cy="449"/>
           </a:xfrm>
           <a:prstGeom prst="straightConnector1">
@@ -6248,7 +6434,7 @@
             <a:solidFill>
               <a:schemeClr val="tx1"/>
             </a:solidFill>
-            <a:prstDash val="sysDot"/>
+            <a:prstDash val="solid"/>
             <a:headEnd type="arrow"/>
             <a:tailEnd type="arrow" w="med" len="lg"/>
           </a:ln>
@@ -6327,15 +6513,7 @@
                   <a:schemeClr val="tx1"/>
                 </a:solidFill>
               </a:rPr>
-              <a:t>HNF </a:t>
-            </a:r>
-            <a:r>
-              <a:rPr lang="en-US" altLang="zh-TW" b="1" dirty="0" smtClean="0">
-                <a:solidFill>
-                  <a:schemeClr val="tx1"/>
-                </a:solidFill>
-              </a:rPr>
-              <a:t>community</a:t>
+              <a:t>HNF community</a:t>
             </a:r>
             <a:endParaRPr lang="zh-TW" altLang="en-US" b="1" dirty="0">
               <a:solidFill>
@@ -6357,7 +6535,7 @@
         </p:nvCxnSpPr>
         <p:spPr>
           <a:xfrm>
-            <a:off x="2718244" y="2646449"/>
+            <a:off x="2718244" y="2646453"/>
             <a:ext cx="1080000" cy="719551"/>
           </a:xfrm>
           <a:prstGeom prst="straightConnector1">
@@ -6391,7 +6569,7 @@
           <p:cNvPr id="18" name="圓角矩形 18">
             <a:extLst>
               <a:ext uri="{FF2B5EF4-FFF2-40B4-BE49-F238E27FC236}">
-                <a16:creationId xmlns:a16="http://schemas.microsoft.com/office/drawing/2014/main" xmlns="" id="{47DE1866-A6CF-489C-848E-A4D8C003E3C0}"/>
+                <a16:creationId xmlns:a16="http://schemas.microsoft.com/office/drawing/2014/main" id="{47DE1866-A6CF-489C-848E-A4D8C003E3C0}"/>
               </a:ext>
             </a:extLst>
           </p:cNvPr>
@@ -6466,7 +6644,7 @@
           <p:cNvPr id="28" name="直線單箭頭接點 11">
             <a:extLst>
               <a:ext uri="{FF2B5EF4-FFF2-40B4-BE49-F238E27FC236}">
-                <a16:creationId xmlns:a16="http://schemas.microsoft.com/office/drawing/2014/main" xmlns="" id="{2F63CEA1-FDB0-4466-9AF7-10C6638C7A69}"/>
+                <a16:creationId xmlns:a16="http://schemas.microsoft.com/office/drawing/2014/main" id="{2F63CEA1-FDB0-4466-9AF7-10C6638C7A69}"/>
               </a:ext>
             </a:extLst>
           </p:cNvPr>
@@ -6513,7 +6691,7 @@
           <p:cNvPr id="33" name="直線單箭頭接點 11">
             <a:extLst>
               <a:ext uri="{FF2B5EF4-FFF2-40B4-BE49-F238E27FC236}">
-                <a16:creationId xmlns:a16="http://schemas.microsoft.com/office/drawing/2014/main" xmlns="" id="{F0875757-B921-4728-87AA-413F44467B51}"/>
+                <a16:creationId xmlns:a16="http://schemas.microsoft.com/office/drawing/2014/main" id="{F0875757-B921-4728-87AA-413F44467B51}"/>
               </a:ext>
             </a:extLst>
           </p:cNvPr>
@@ -6536,7 +6714,7 @@
             <a:solidFill>
               <a:schemeClr val="tx1"/>
             </a:solidFill>
-            <a:prstDash val="solid"/>
+            <a:prstDash val="sysDot"/>
             <a:tailEnd type="arrow" w="med" len="lg"/>
           </a:ln>
         </p:spPr>
@@ -6560,7 +6738,7 @@
           <p:cNvPr id="34" name="直線單箭頭接點 11">
             <a:extLst>
               <a:ext uri="{FF2B5EF4-FFF2-40B4-BE49-F238E27FC236}">
-                <a16:creationId xmlns:a16="http://schemas.microsoft.com/office/drawing/2014/main" xmlns="" id="{7DB4E6F1-6E32-4553-A7DF-D1C5A6D92F70}"/>
+                <a16:creationId xmlns:a16="http://schemas.microsoft.com/office/drawing/2014/main" id="{7DB4E6F1-6E32-4553-A7DF-D1C5A6D92F70}"/>
               </a:ext>
             </a:extLst>
           </p:cNvPr>
@@ -6573,7 +6751,7 @@
         </p:nvCxnSpPr>
         <p:spPr>
           <a:xfrm flipH="1" flipV="1">
-            <a:off x="4248244" y="2286449"/>
+            <a:off x="4248244" y="2286453"/>
             <a:ext cx="1944000" cy="1529551"/>
           </a:xfrm>
           <a:prstGeom prst="straightConnector1">
@@ -6610,8 +6788,8 @@
         </p:nvSpPr>
         <p:spPr>
           <a:xfrm>
-            <a:off x="5064139" y="1944373"/>
-            <a:ext cx="1276311" cy="317459"/>
+            <a:off x="5016851" y="1944377"/>
+            <a:ext cx="1370888" cy="317459"/>
           </a:xfrm>
           <a:prstGeom prst="rect">
             <a:avLst/>
@@ -6625,8 +6803,8 @@
           <a:p>
             <a:pPr algn="ctr"/>
             <a:r>
-              <a:rPr lang="en-US" altLang="zh-TW" dirty="0" smtClean="0"/>
-              <a:t>0.09 (p = 0.22)</a:t>
+              <a:rPr lang="en-US" altLang="zh-TW" dirty="0"/>
+              <a:t>0.134 (p = 0.13)</a:t>
             </a:r>
             <a:endParaRPr lang="zh-TW" altLang="en-US" dirty="0"/>
           </a:p>
@@ -6680,15 +6858,7 @@
                   <a:schemeClr val="tx1"/>
                 </a:solidFill>
               </a:rPr>
-              <a:t>HNF </a:t>
-            </a:r>
-            <a:r>
-              <a:rPr lang="en-US" altLang="zh-TW" dirty="0" smtClean="0">
-                <a:solidFill>
-                  <a:schemeClr val="tx1"/>
-                </a:solidFill>
-              </a:rPr>
-              <a:t>biomass</a:t>
+              <a:t>HNF biomass</a:t>
             </a:r>
             <a:endParaRPr lang="zh-TW" altLang="en-US" dirty="0">
               <a:solidFill>
@@ -6741,48 +6911,18 @@
           <a:p>
             <a:pPr algn="ctr"/>
             <a:r>
-              <a:rPr lang="en-US" altLang="zh-TW" dirty="0" smtClean="0">
+              <a:rPr lang="en-US" altLang="zh-TW" dirty="0">
                 <a:solidFill>
                   <a:schemeClr val="tx1"/>
                 </a:solidFill>
               </a:rPr>
-              <a:t>Bacteria biomass</a:t>
+              <a:t>HNF biomass</a:t>
             </a:r>
             <a:endParaRPr lang="zh-TW" altLang="en-US" dirty="0">
               <a:solidFill>
                 <a:schemeClr val="tx1"/>
               </a:solidFill>
             </a:endParaRPr>
-          </a:p>
-        </p:txBody>
-      </p:sp>
-      <p:sp>
-        <p:nvSpPr>
-          <p:cNvPr id="152" name="矩形 151"/>
-          <p:cNvSpPr/>
-          <p:nvPr/>
-        </p:nvSpPr>
-        <p:spPr>
-          <a:xfrm>
-            <a:off x="6379680" y="2847719"/>
-            <a:ext cx="1370888" cy="317459"/>
-          </a:xfrm>
-          <a:prstGeom prst="rect">
-            <a:avLst/>
-          </a:prstGeom>
-        </p:spPr>
-        <p:txBody>
-          <a:bodyPr wrap="none">
-            <a:spAutoFit/>
-          </a:bodyPr>
-          <a:lstStyle/>
-          <a:p>
-            <a:pPr algn="ctr"/>
-            <a:r>
-              <a:rPr lang="en-US" altLang="zh-TW" dirty="0" smtClean="0"/>
-              <a:t>0.213 (p = 0.08)</a:t>
-            </a:r>
-            <a:endParaRPr lang="zh-TW" altLang="en-US" dirty="0"/>
           </a:p>
         </p:txBody>
       </p:sp>
@@ -6952,7 +7092,7 @@
       </p:cxnSp>
       <p:cxnSp>
         <p:nvCxnSpPr>
-          <p:cNvPr id="22" name="直線單箭頭接點 21"/>
+          <p:cNvPr id="20" name="直線單箭頭接點 19"/>
           <p:cNvCxnSpPr>
             <a:cxnSpLocks/>
             <a:stCxn id="125" idx="2"/>
@@ -6994,7 +7134,7 @@
     </p:spTree>
     <p:extLst>
       <p:ext uri="{BB962C8B-B14F-4D97-AF65-F5344CB8AC3E}">
-        <p14:creationId xmlns:p14="http://schemas.microsoft.com/office/powerpoint/2010/main" val="3538407241"/>
+        <p14:creationId xmlns:p14="http://schemas.microsoft.com/office/powerpoint/2010/main" val="2530947197"/>
       </p:ext>
     </p:extLst>
   </p:cSld>
@@ -7004,7 +7144,7 @@
 </p:sld>
 </file>
 
-<file path=ppt/slides/slide4.xml><?xml version="1.0" encoding="utf-8"?>
+<file path=ppt/slides/slide13.xml><?xml version="1.0" encoding="utf-8"?>
 <p:sld xmlns:a="http://schemas.openxmlformats.org/drawingml/2006/main" xmlns:r="http://schemas.openxmlformats.org/officeDocument/2006/relationships" xmlns:p="http://schemas.openxmlformats.org/presentationml/2006/main">
   <p:cSld>
     <p:spTree>
@@ -7069,81 +7209,65 @@
                   <a:schemeClr val="tx1"/>
                 </a:solidFill>
               </a:rPr>
-              <a:t>Bacteria </a:t>
-            </a:r>
+              <a:t>Bacteria species richness</a:t>
+            </a:r>
+            <a:endParaRPr lang="zh-TW" altLang="en-US" dirty="0">
+              <a:solidFill>
+                <a:schemeClr val="tx1"/>
+              </a:solidFill>
+            </a:endParaRPr>
+          </a:p>
+        </p:txBody>
+      </p:sp>
+      <p:sp>
+        <p:nvSpPr>
+          <p:cNvPr id="16" name="圓角矩形 15"/>
+          <p:cNvSpPr/>
+          <p:nvPr/>
+        </p:nvSpPr>
+        <p:spPr>
+          <a:xfrm>
+            <a:off x="7272244" y="1926000"/>
+            <a:ext cx="3060000" cy="720000"/>
+          </a:xfrm>
+          <a:prstGeom prst="roundRect">
+            <a:avLst/>
+          </a:prstGeom>
+          <a:noFill/>
+          <a:ln w="38100">
+            <a:solidFill>
+              <a:schemeClr val="tx1"/>
+            </a:solidFill>
+          </a:ln>
+        </p:spPr>
+        <p:style>
+          <a:lnRef idx="2">
+            <a:schemeClr val="accent1">
+              <a:shade val="50000"/>
+            </a:schemeClr>
+          </a:lnRef>
+          <a:fillRef idx="1">
+            <a:schemeClr val="accent1"/>
+          </a:fillRef>
+          <a:effectRef idx="0">
+            <a:schemeClr val="accent1"/>
+          </a:effectRef>
+          <a:fontRef idx="minor">
+            <a:schemeClr val="lt1"/>
+          </a:fontRef>
+        </p:style>
+        <p:txBody>
+          <a:bodyPr rtlCol="0" anchor="ctr"/>
+          <a:lstStyle/>
+          <a:p>
+            <a:pPr algn="ctr"/>
             <a:r>
               <a:rPr lang="en-US" altLang="zh-TW" dirty="0">
                 <a:solidFill>
                   <a:schemeClr val="tx1"/>
                 </a:solidFill>
               </a:rPr>
-              <a:t>species richness</a:t>
-            </a:r>
-            <a:endParaRPr lang="zh-TW" altLang="en-US" dirty="0">
-              <a:solidFill>
-                <a:schemeClr val="tx1"/>
-              </a:solidFill>
-            </a:endParaRPr>
-          </a:p>
-        </p:txBody>
-      </p:sp>
-      <p:sp>
-        <p:nvSpPr>
-          <p:cNvPr id="16" name="圓角矩形 15"/>
-          <p:cNvSpPr/>
-          <p:nvPr/>
-        </p:nvSpPr>
-        <p:spPr>
-          <a:xfrm>
-            <a:off x="7272244" y="1926000"/>
-            <a:ext cx="3060000" cy="720000"/>
-          </a:xfrm>
-          <a:prstGeom prst="roundRect">
-            <a:avLst/>
-          </a:prstGeom>
-          <a:noFill/>
-          <a:ln w="38100">
-            <a:solidFill>
-              <a:schemeClr val="tx1"/>
-            </a:solidFill>
-          </a:ln>
-        </p:spPr>
-        <p:style>
-          <a:lnRef idx="2">
-            <a:schemeClr val="accent1">
-              <a:shade val="50000"/>
-            </a:schemeClr>
-          </a:lnRef>
-          <a:fillRef idx="1">
-            <a:schemeClr val="accent1"/>
-          </a:fillRef>
-          <a:effectRef idx="0">
-            <a:schemeClr val="accent1"/>
-          </a:effectRef>
-          <a:fontRef idx="minor">
-            <a:schemeClr val="lt1"/>
-          </a:fontRef>
-        </p:style>
-        <p:txBody>
-          <a:bodyPr rtlCol="0" anchor="ctr"/>
-          <a:lstStyle/>
-          <a:p>
-            <a:pPr algn="ctr"/>
-            <a:r>
-              <a:rPr lang="en-US" altLang="zh-TW" dirty="0">
-                <a:solidFill>
-                  <a:schemeClr val="tx1"/>
-                </a:solidFill>
-              </a:rPr>
-              <a:t>HNF </a:t>
-            </a:r>
-            <a:r>
-              <a:rPr lang="en-US" altLang="zh-TW" dirty="0">
-                <a:solidFill>
-                  <a:schemeClr val="tx1"/>
-                </a:solidFill>
-              </a:rPr>
-              <a:t>species richness</a:t>
+              <a:t>HNF Simpson diversity</a:t>
             </a:r>
             <a:endParaRPr lang="zh-TW" altLang="en-US" dirty="0">
               <a:solidFill>
@@ -7164,7 +7288,7 @@
         </p:nvCxnSpPr>
         <p:spPr>
           <a:xfrm flipV="1">
-            <a:off x="4248244" y="2286000"/>
+            <a:off x="4248244" y="2286004"/>
             <a:ext cx="3024000" cy="449"/>
           </a:xfrm>
           <a:prstGeom prst="straightConnector1">
@@ -7253,15 +7377,7 @@
                   <a:schemeClr val="tx1"/>
                 </a:solidFill>
               </a:rPr>
-              <a:t>HNF </a:t>
-            </a:r>
-            <a:r>
-              <a:rPr lang="en-US" altLang="zh-TW" b="1" dirty="0" smtClean="0">
-                <a:solidFill>
-                  <a:schemeClr val="tx1"/>
-                </a:solidFill>
-              </a:rPr>
-              <a:t>community</a:t>
+              <a:t>HNF community</a:t>
             </a:r>
             <a:endParaRPr lang="zh-TW" altLang="en-US" b="1" dirty="0">
               <a:solidFill>
@@ -7283,7 +7399,7 @@
         </p:nvCxnSpPr>
         <p:spPr>
           <a:xfrm>
-            <a:off x="2718244" y="2646449"/>
+            <a:off x="2718244" y="2646453"/>
             <a:ext cx="1080000" cy="719551"/>
           </a:xfrm>
           <a:prstGeom prst="straightConnector1">
@@ -7317,7 +7433,7 @@
           <p:cNvPr id="18" name="圓角矩形 18">
             <a:extLst>
               <a:ext uri="{FF2B5EF4-FFF2-40B4-BE49-F238E27FC236}">
-                <a16:creationId xmlns:a16="http://schemas.microsoft.com/office/drawing/2014/main" xmlns="" id="{47DE1866-A6CF-489C-848E-A4D8C003E3C0}"/>
+                <a16:creationId xmlns:a16="http://schemas.microsoft.com/office/drawing/2014/main" id="{47DE1866-A6CF-489C-848E-A4D8C003E3C0}"/>
               </a:ext>
             </a:extLst>
           </p:cNvPr>
@@ -7392,7 +7508,7 @@
           <p:cNvPr id="28" name="直線單箭頭接點 11">
             <a:extLst>
               <a:ext uri="{FF2B5EF4-FFF2-40B4-BE49-F238E27FC236}">
-                <a16:creationId xmlns:a16="http://schemas.microsoft.com/office/drawing/2014/main" xmlns="" id="{2F63CEA1-FDB0-4466-9AF7-10C6638C7A69}"/>
+                <a16:creationId xmlns:a16="http://schemas.microsoft.com/office/drawing/2014/main" id="{2F63CEA1-FDB0-4466-9AF7-10C6638C7A69}"/>
               </a:ext>
             </a:extLst>
           </p:cNvPr>
@@ -7439,7 +7555,7 @@
           <p:cNvPr id="33" name="直線單箭頭接點 11">
             <a:extLst>
               <a:ext uri="{FF2B5EF4-FFF2-40B4-BE49-F238E27FC236}">
-                <a16:creationId xmlns:a16="http://schemas.microsoft.com/office/drawing/2014/main" xmlns="" id="{F0875757-B921-4728-87AA-413F44467B51}"/>
+                <a16:creationId xmlns:a16="http://schemas.microsoft.com/office/drawing/2014/main" id="{F0875757-B921-4728-87AA-413F44467B51}"/>
               </a:ext>
             </a:extLst>
           </p:cNvPr>
@@ -7462,7 +7578,7 @@
             <a:solidFill>
               <a:schemeClr val="tx1"/>
             </a:solidFill>
-            <a:prstDash val="solid"/>
+            <a:prstDash val="sysDot"/>
             <a:tailEnd type="arrow" w="med" len="lg"/>
           </a:ln>
         </p:spPr>
@@ -7486,7 +7602,7 @@
           <p:cNvPr id="34" name="直線單箭頭接點 11">
             <a:extLst>
               <a:ext uri="{FF2B5EF4-FFF2-40B4-BE49-F238E27FC236}">
-                <a16:creationId xmlns:a16="http://schemas.microsoft.com/office/drawing/2014/main" xmlns="" id="{7DB4E6F1-6E32-4553-A7DF-D1C5A6D92F70}"/>
+                <a16:creationId xmlns:a16="http://schemas.microsoft.com/office/drawing/2014/main" id="{7DB4E6F1-6E32-4553-A7DF-D1C5A6D92F70}"/>
               </a:ext>
             </a:extLst>
           </p:cNvPr>
@@ -7499,7 +7615,7 @@
         </p:nvCxnSpPr>
         <p:spPr>
           <a:xfrm flipH="1" flipV="1">
-            <a:off x="4248244" y="2286449"/>
+            <a:off x="4248244" y="2286453"/>
             <a:ext cx="1944000" cy="1529551"/>
           </a:xfrm>
           <a:prstGeom prst="straightConnector1">
@@ -7536,8 +7652,8 @@
         </p:nvSpPr>
         <p:spPr>
           <a:xfrm>
-            <a:off x="5016850" y="1944373"/>
-            <a:ext cx="1370888" cy="317459"/>
+            <a:off x="5444051" y="1944377"/>
+            <a:ext cx="516488" cy="317459"/>
           </a:xfrm>
           <a:prstGeom prst="rect">
             <a:avLst/>
@@ -7551,8 +7667,8 @@
           <a:p>
             <a:pPr algn="ctr"/>
             <a:r>
-              <a:rPr lang="en-US" altLang="zh-TW" dirty="0" smtClean="0"/>
-              <a:t>0.172 (p = 0.06)</a:t>
+              <a:rPr lang="en-US" altLang="zh-TW" dirty="0"/>
+              <a:t>0.22</a:t>
             </a:r>
             <a:endParaRPr lang="zh-TW" altLang="en-US" dirty="0"/>
           </a:p>
@@ -7601,7 +7717,7 @@
           <a:p>
             <a:pPr algn="ctr"/>
             <a:r>
-              <a:rPr lang="en-US" altLang="zh-TW" dirty="0" smtClean="0">
+              <a:rPr lang="en-US" altLang="zh-TW" dirty="0">
                 <a:solidFill>
                   <a:schemeClr val="tx1"/>
                 </a:solidFill>
@@ -7659,7 +7775,7 @@
           <a:p>
             <a:pPr algn="ctr"/>
             <a:r>
-              <a:rPr lang="en-US" altLang="zh-TW" dirty="0" err="1" smtClean="0">
+              <a:rPr lang="en-US" altLang="zh-TW" dirty="0" err="1">
                 <a:solidFill>
                   <a:schemeClr val="tx1"/>
                 </a:solidFill>
@@ -7717,7 +7833,7 @@
           <a:p>
             <a:pPr algn="ctr"/>
             <a:r>
-              <a:rPr lang="en-US" altLang="zh-TW" dirty="0" smtClean="0">
+              <a:rPr lang="en-US" altLang="zh-TW" dirty="0">
                 <a:solidFill>
                   <a:schemeClr val="tx1"/>
                 </a:solidFill>
@@ -7775,7 +7891,7 @@
           <a:p>
             <a:pPr algn="ctr"/>
             <a:r>
-              <a:rPr lang="en-US" altLang="zh-TW" dirty="0" smtClean="0">
+              <a:rPr lang="en-US" altLang="zh-TW" dirty="0">
                 <a:solidFill>
                   <a:schemeClr val="tx1"/>
                 </a:solidFill>
@@ -7833,7 +7949,7 @@
           <a:p>
             <a:pPr algn="ctr"/>
             <a:r>
-              <a:rPr lang="en-US" altLang="zh-TW" dirty="0" smtClean="0">
+              <a:rPr lang="en-US" altLang="zh-TW" dirty="0">
                 <a:solidFill>
                   <a:schemeClr val="tx1"/>
                 </a:solidFill>
@@ -7891,7 +8007,7 @@
           <a:p>
             <a:pPr algn="ctr"/>
             <a:r>
-              <a:rPr lang="en-US" altLang="zh-TW" dirty="0" smtClean="0">
+              <a:rPr lang="en-US" altLang="zh-TW" dirty="0">
                 <a:solidFill>
                   <a:schemeClr val="tx1"/>
                 </a:solidFill>
@@ -7911,7 +8027,7 @@
           <p:cNvPr id="117" name="直線單箭頭接點 11">
             <a:extLst>
               <a:ext uri="{FF2B5EF4-FFF2-40B4-BE49-F238E27FC236}">
-                <a16:creationId xmlns:a16="http://schemas.microsoft.com/office/drawing/2014/main" xmlns="" id="{F0875757-B921-4728-87AA-413F44467B51}"/>
+                <a16:creationId xmlns:a16="http://schemas.microsoft.com/office/drawing/2014/main" id="{F0875757-B921-4728-87AA-413F44467B51}"/>
               </a:ext>
             </a:extLst>
           </p:cNvPr>
@@ -7924,7 +8040,7 @@
         </p:nvCxnSpPr>
         <p:spPr>
           <a:xfrm flipH="1" flipV="1">
-            <a:off x="8802244" y="2646000"/>
+            <a:off x="8802244" y="2646004"/>
             <a:ext cx="1745756" cy="2358071"/>
           </a:xfrm>
           <a:prstGeom prst="straightConnector1">
@@ -7958,7 +8074,7 @@
           <p:cNvPr id="121" name="直線單箭頭接點 11">
             <a:extLst>
               <a:ext uri="{FF2B5EF4-FFF2-40B4-BE49-F238E27FC236}">
-                <a16:creationId xmlns:a16="http://schemas.microsoft.com/office/drawing/2014/main" xmlns="" id="{F0875757-B921-4728-87AA-413F44467B51}"/>
+                <a16:creationId xmlns:a16="http://schemas.microsoft.com/office/drawing/2014/main" id="{F0875757-B921-4728-87AA-413F44467B51}"/>
               </a:ext>
             </a:extLst>
           </p:cNvPr>
@@ -7971,7 +8087,7 @@
         </p:nvCxnSpPr>
         <p:spPr>
           <a:xfrm flipH="1" flipV="1">
-            <a:off x="7722244" y="4266000"/>
+            <a:off x="7722244" y="4266004"/>
             <a:ext cx="917756" cy="738071"/>
           </a:xfrm>
           <a:prstGeom prst="straightConnector1">
@@ -8048,15 +8164,7 @@
                   <a:schemeClr val="tx1"/>
                 </a:solidFill>
               </a:rPr>
-              <a:t>HNF </a:t>
-            </a:r>
-            <a:r>
-              <a:rPr lang="en-US" altLang="zh-TW" dirty="0" smtClean="0">
-                <a:solidFill>
-                  <a:schemeClr val="tx1"/>
-                </a:solidFill>
-              </a:rPr>
-              <a:t>biomass</a:t>
+              <a:t>HNF biomass</a:t>
             </a:r>
             <a:endParaRPr lang="zh-TW" altLang="en-US" dirty="0">
               <a:solidFill>
@@ -8109,7 +8217,7 @@
           <a:p>
             <a:pPr algn="ctr"/>
             <a:r>
-              <a:rPr lang="en-US" altLang="zh-TW" dirty="0" smtClean="0">
+              <a:rPr lang="en-US" altLang="zh-TW" dirty="0">
                 <a:solidFill>
                   <a:schemeClr val="tx1"/>
                 </a:solidFill>
@@ -8132,7 +8240,7 @@
         </p:nvSpPr>
         <p:spPr>
           <a:xfrm>
-            <a:off x="8646850" y="1233996"/>
+            <a:off x="8646854" y="1233996"/>
             <a:ext cx="2514805" cy="3773010"/>
           </a:xfrm>
           <a:custGeom>
@@ -8209,53 +8317,6 @@
           </a:p>
         </p:txBody>
       </p:sp>
-      <p:cxnSp>
-        <p:nvCxnSpPr>
-          <p:cNvPr id="146" name="直線單箭頭接點 11">
-            <a:extLst>
-              <a:ext uri="{FF2B5EF4-FFF2-40B4-BE49-F238E27FC236}">
-                <a16:creationId xmlns:a16="http://schemas.microsoft.com/office/drawing/2014/main" xmlns="" id="{F0875757-B921-4728-87AA-413F44467B51}"/>
-              </a:ext>
-            </a:extLst>
-          </p:cNvPr>
-          <p:cNvCxnSpPr>
-            <a:cxnSpLocks/>
-            <a:stCxn id="38" idx="0"/>
-            <a:endCxn id="18" idx="2"/>
-          </p:cNvCxnSpPr>
-          <p:nvPr/>
-        </p:nvCxnSpPr>
-        <p:spPr>
-          <a:xfrm flipV="1">
-            <a:off x="6732000" y="4266000"/>
-            <a:ext cx="990244" cy="738071"/>
-          </a:xfrm>
-          <a:prstGeom prst="straightConnector1">
-            <a:avLst/>
-          </a:prstGeom>
-          <a:ln w="12700">
-            <a:solidFill>
-              <a:schemeClr val="tx1"/>
-            </a:solidFill>
-            <a:prstDash val="solid"/>
-            <a:tailEnd type="arrow" w="med" len="lg"/>
-          </a:ln>
-        </p:spPr>
-        <p:style>
-          <a:lnRef idx="1">
-            <a:schemeClr val="accent1"/>
-          </a:lnRef>
-          <a:fillRef idx="0">
-            <a:schemeClr val="accent1"/>
-          </a:fillRef>
-          <a:effectRef idx="0">
-            <a:schemeClr val="accent1"/>
-          </a:effectRef>
-          <a:fontRef idx="minor">
-            <a:schemeClr val="tx1"/>
-          </a:fontRef>
-        </p:style>
-      </p:cxnSp>
       <p:sp>
         <p:nvSpPr>
           <p:cNvPr id="151" name="手繪多邊形 150"/>
@@ -8264,7 +8325,7 @@
         </p:nvSpPr>
         <p:spPr>
           <a:xfrm>
-            <a:off x="6729274" y="1233996"/>
+            <a:off x="6729278" y="1233996"/>
             <a:ext cx="4734199" cy="3773010"/>
           </a:xfrm>
           <a:custGeom>
@@ -8338,36 +8399,6 @@
           <a:p>
             <a:pPr algn="ctr"/>
             <a:endParaRPr lang="zh-TW" altLang="en-US"/>
-          </a:p>
-        </p:txBody>
-      </p:sp>
-      <p:sp>
-        <p:nvSpPr>
-          <p:cNvPr id="152" name="矩形 151"/>
-          <p:cNvSpPr/>
-          <p:nvPr/>
-        </p:nvSpPr>
-        <p:spPr>
-          <a:xfrm>
-            <a:off x="6379679" y="2847719"/>
-            <a:ext cx="1370888" cy="317459"/>
-          </a:xfrm>
-          <a:prstGeom prst="rect">
-            <a:avLst/>
-          </a:prstGeom>
-        </p:spPr>
-        <p:txBody>
-          <a:bodyPr wrap="none">
-            <a:spAutoFit/>
-          </a:bodyPr>
-          <a:lstStyle/>
-          <a:p>
-            <a:pPr algn="ctr"/>
-            <a:r>
-              <a:rPr lang="en-US" altLang="zh-TW" dirty="0" smtClean="0"/>
-              <a:t>0.212 (p = 0.08)</a:t>
-            </a:r>
-            <a:endParaRPr lang="zh-TW" altLang="en-US" dirty="0"/>
           </a:p>
         </p:txBody>
       </p:sp>
@@ -8589,7 +8620,48 @@
       </p:cxnSp>
       <p:cxnSp>
         <p:nvCxnSpPr>
-          <p:cNvPr id="30" name="直線單箭頭接點 29"/>
+          <p:cNvPr id="29" name="直線單箭頭接點 28"/>
+          <p:cNvCxnSpPr>
+            <a:cxnSpLocks/>
+            <a:stCxn id="124" idx="2"/>
+            <a:endCxn id="8" idx="0"/>
+          </p:cNvCxnSpPr>
+          <p:nvPr/>
+        </p:nvCxnSpPr>
+        <p:spPr>
+          <a:xfrm flipH="1">
+            <a:off x="2718244" y="1206000"/>
+            <a:ext cx="7074000" cy="720449"/>
+          </a:xfrm>
+          <a:prstGeom prst="straightConnector1">
+            <a:avLst/>
+          </a:prstGeom>
+          <a:ln w="38100">
+            <a:solidFill>
+              <a:schemeClr val="tx1"/>
+            </a:solidFill>
+            <a:prstDash val="sysDot"/>
+            <a:tailEnd type="arrow" w="med" len="lg"/>
+          </a:ln>
+        </p:spPr>
+        <p:style>
+          <a:lnRef idx="1">
+            <a:schemeClr val="accent1"/>
+          </a:lnRef>
+          <a:fillRef idx="0">
+            <a:schemeClr val="accent1"/>
+          </a:fillRef>
+          <a:effectRef idx="0">
+            <a:schemeClr val="accent1"/>
+          </a:effectRef>
+          <a:fontRef idx="minor">
+            <a:schemeClr val="tx1"/>
+          </a:fontRef>
+        </p:style>
+      </p:cxnSp>
+      <p:cxnSp>
+        <p:nvCxnSpPr>
+          <p:cNvPr id="41" name="直線單箭頭接點 40"/>
           <p:cNvCxnSpPr>
             <a:cxnSpLocks/>
             <a:stCxn id="125" idx="2"/>
@@ -8631,7 +8703,2988 @@
     </p:spTree>
     <p:extLst>
       <p:ext uri="{BB962C8B-B14F-4D97-AF65-F5344CB8AC3E}">
-        <p14:creationId xmlns:p14="http://schemas.microsoft.com/office/powerpoint/2010/main" val="1225394546"/>
+        <p14:creationId xmlns:p14="http://schemas.microsoft.com/office/powerpoint/2010/main" val="3277249656"/>
+      </p:ext>
+    </p:extLst>
+  </p:cSld>
+  <p:clrMapOvr>
+    <a:masterClrMapping/>
+  </p:clrMapOvr>
+</p:sld>
+</file>
+
+<file path=ppt/slides/slide14.xml><?xml version="1.0" encoding="utf-8"?>
+<p:sld xmlns:a="http://schemas.openxmlformats.org/drawingml/2006/main" xmlns:r="http://schemas.openxmlformats.org/officeDocument/2006/relationships" xmlns:p="http://schemas.openxmlformats.org/presentationml/2006/main">
+  <p:cSld>
+    <p:spTree>
+      <p:nvGrpSpPr>
+        <p:cNvPr id="1" name=""/>
+        <p:cNvGrpSpPr/>
+        <p:nvPr/>
+      </p:nvGrpSpPr>
+      <p:grpSpPr>
+        <a:xfrm>
+          <a:off x="0" y="0"/>
+          <a:ext cx="0" cy="0"/>
+          <a:chOff x="0" y="0"/>
+          <a:chExt cx="0" cy="0"/>
+        </a:xfrm>
+      </p:grpSpPr>
+      <p:pic>
+        <p:nvPicPr>
+          <p:cNvPr id="2" name="Picture 1"/>
+          <p:cNvPicPr>
+            <a:picLocks noChangeAspect="1"/>
+          </p:cNvPicPr>
+          <p:nvPr/>
+        </p:nvPicPr>
+        <p:blipFill rotWithShape="1">
+          <a:blip r:embed="rId3"/>
+          <a:srcRect t="9972"/>
+          <a:stretch/>
+        </p:blipFill>
+        <p:spPr>
+          <a:xfrm>
+            <a:off x="1052280" y="374895"/>
+            <a:ext cx="8152394" cy="5370022"/>
+          </a:xfrm>
+          <a:prstGeom prst="rect">
+            <a:avLst/>
+          </a:prstGeom>
+        </p:spPr>
+      </p:pic>
+    </p:spTree>
+    <p:extLst>
+      <p:ext uri="{BB962C8B-B14F-4D97-AF65-F5344CB8AC3E}">
+        <p14:creationId xmlns:p14="http://schemas.microsoft.com/office/powerpoint/2010/main" val="1165480878"/>
+      </p:ext>
+    </p:extLst>
+  </p:cSld>
+  <p:clrMapOvr>
+    <a:masterClrMapping/>
+  </p:clrMapOvr>
+</p:sld>
+</file>
+
+<file path=ppt/slides/slide15.xml><?xml version="1.0" encoding="utf-8"?>
+<p:sld xmlns:a="http://schemas.openxmlformats.org/drawingml/2006/main" xmlns:r="http://schemas.openxmlformats.org/officeDocument/2006/relationships" xmlns:p="http://schemas.openxmlformats.org/presentationml/2006/main">
+  <p:cSld>
+    <p:spTree>
+      <p:nvGrpSpPr>
+        <p:cNvPr id="1" name=""/>
+        <p:cNvGrpSpPr/>
+        <p:nvPr/>
+      </p:nvGrpSpPr>
+      <p:grpSpPr>
+        <a:xfrm>
+          <a:off x="0" y="0"/>
+          <a:ext cx="0" cy="0"/>
+          <a:chOff x="0" y="0"/>
+          <a:chExt cx="0" cy="0"/>
+        </a:xfrm>
+      </p:grpSpPr>
+      <p:pic>
+        <p:nvPicPr>
+          <p:cNvPr id="7" name="Picture 6">
+            <a:extLst>
+              <a:ext uri="{FF2B5EF4-FFF2-40B4-BE49-F238E27FC236}">
+                <a16:creationId xmlns:a16="http://schemas.microsoft.com/office/drawing/2014/main" id="{5FAFF63A-EB00-4C74-A6D7-FAB21549D90E}"/>
+              </a:ext>
+            </a:extLst>
+          </p:cNvPr>
+          <p:cNvPicPr>
+            <a:picLocks noChangeAspect="1"/>
+          </p:cNvPicPr>
+          <p:nvPr/>
+        </p:nvPicPr>
+        <p:blipFill rotWithShape="1">
+          <a:blip r:embed="rId3"/>
+          <a:srcRect b="31303"/>
+          <a:stretch/>
+        </p:blipFill>
+        <p:spPr>
+          <a:xfrm>
+            <a:off x="1256470" y="370319"/>
+            <a:ext cx="9713920" cy="4729626"/>
+          </a:xfrm>
+          <a:prstGeom prst="rect">
+            <a:avLst/>
+          </a:prstGeom>
+        </p:spPr>
+      </p:pic>
+      <p:pic>
+        <p:nvPicPr>
+          <p:cNvPr id="8" name="Picture 7">
+            <a:extLst>
+              <a:ext uri="{FF2B5EF4-FFF2-40B4-BE49-F238E27FC236}">
+                <a16:creationId xmlns:a16="http://schemas.microsoft.com/office/drawing/2014/main" id="{ED7FA0B9-9890-4B46-B3CE-1B25E96D6CB0}"/>
+              </a:ext>
+            </a:extLst>
+          </p:cNvPr>
+          <p:cNvPicPr>
+            <a:picLocks noChangeAspect="1"/>
+          </p:cNvPicPr>
+          <p:nvPr/>
+        </p:nvPicPr>
+        <p:blipFill rotWithShape="1">
+          <a:blip r:embed="rId3"/>
+          <a:srcRect t="85944"/>
+          <a:stretch/>
+        </p:blipFill>
+        <p:spPr>
+          <a:xfrm>
+            <a:off x="1256468" y="4804991"/>
+            <a:ext cx="9713920" cy="967730"/>
+          </a:xfrm>
+          <a:prstGeom prst="rect">
+            <a:avLst/>
+          </a:prstGeom>
+        </p:spPr>
+      </p:pic>
+      <p:sp>
+        <p:nvSpPr>
+          <p:cNvPr id="2" name="Slide Number Placeholder 1">
+            <a:extLst>
+              <a:ext uri="{FF2B5EF4-FFF2-40B4-BE49-F238E27FC236}">
+                <a16:creationId xmlns:a16="http://schemas.microsoft.com/office/drawing/2014/main" id="{223BCD1E-0998-4956-8A79-24AAB1D08911}"/>
+              </a:ext>
+            </a:extLst>
+          </p:cNvPr>
+          <p:cNvSpPr>
+            <a:spLocks noGrp="1"/>
+          </p:cNvSpPr>
+          <p:nvPr>
+            <p:ph type="sldNum" sz="quarter" idx="12"/>
+          </p:nvPr>
+        </p:nvSpPr>
+        <p:spPr/>
+        <p:txBody>
+          <a:bodyPr/>
+          <a:lstStyle/>
+          <a:p>
+            <a:fld id="{4BBE0176-11DF-4C9F-80F9-6E9A5F74818C}" type="slidenum">
+              <a:rPr lang="zh-TW" altLang="en-US" smtClean="0"/>
+              <a:t>15</a:t>
+            </a:fld>
+            <a:endParaRPr lang="zh-TW" altLang="en-US"/>
+          </a:p>
+        </p:txBody>
+      </p:sp>
+      <p:sp>
+        <p:nvSpPr>
+          <p:cNvPr id="3" name="TextBox 2">
+            <a:extLst>
+              <a:ext uri="{FF2B5EF4-FFF2-40B4-BE49-F238E27FC236}">
+                <a16:creationId xmlns:a16="http://schemas.microsoft.com/office/drawing/2014/main" id="{67B4EAA5-EA3A-4ACD-8F78-80D52C63396E}"/>
+              </a:ext>
+            </a:extLst>
+          </p:cNvPr>
+          <p:cNvSpPr txBox="1"/>
+          <p:nvPr/>
+        </p:nvSpPr>
+        <p:spPr>
+          <a:xfrm>
+            <a:off x="4076538" y="5282592"/>
+            <a:ext cx="3626215" cy="531812"/>
+          </a:xfrm>
+          <a:prstGeom prst="rect">
+            <a:avLst/>
+          </a:prstGeom>
+          <a:solidFill>
+            <a:schemeClr val="bg1"/>
+          </a:solidFill>
+        </p:spPr>
+        <p:txBody>
+          <a:bodyPr wrap="square" rtlCol="0">
+            <a:spAutoFit/>
+          </a:bodyPr>
+          <a:lstStyle/>
+          <a:p>
+            <a:pPr algn="ctr"/>
+            <a:r>
+              <a:rPr lang="en-US" sz="2856" dirty="0"/>
+              <a:t>Diversity effect</a:t>
+            </a:r>
+          </a:p>
+        </p:txBody>
+      </p:sp>
+      <p:sp>
+        <p:nvSpPr>
+          <p:cNvPr id="9" name="TextBox 8">
+            <a:extLst>
+              <a:ext uri="{FF2B5EF4-FFF2-40B4-BE49-F238E27FC236}">
+                <a16:creationId xmlns:a16="http://schemas.microsoft.com/office/drawing/2014/main" id="{05EDCCAB-AA70-4990-AFF0-9C0554B2E1BC}"/>
+              </a:ext>
+            </a:extLst>
+          </p:cNvPr>
+          <p:cNvSpPr txBox="1"/>
+          <p:nvPr/>
+        </p:nvSpPr>
+        <p:spPr>
+          <a:xfrm>
+            <a:off x="917171" y="1413411"/>
+            <a:ext cx="4752142" cy="971292"/>
+          </a:xfrm>
+          <a:prstGeom prst="rect">
+            <a:avLst/>
+          </a:prstGeom>
+          <a:solidFill>
+            <a:schemeClr val="bg1"/>
+          </a:solidFill>
+        </p:spPr>
+        <p:txBody>
+          <a:bodyPr wrap="square" rtlCol="0">
+            <a:spAutoFit/>
+          </a:bodyPr>
+          <a:lstStyle/>
+          <a:p>
+            <a:pPr algn="ctr"/>
+            <a:r>
+              <a:rPr lang="en-US" sz="2856" dirty="0"/>
+              <a:t>Effect of algal species richness on algal biomass</a:t>
+            </a:r>
+          </a:p>
+        </p:txBody>
+      </p:sp>
+      <p:sp>
+        <p:nvSpPr>
+          <p:cNvPr id="10" name="TextBox 9">
+            <a:extLst>
+              <a:ext uri="{FF2B5EF4-FFF2-40B4-BE49-F238E27FC236}">
+                <a16:creationId xmlns:a16="http://schemas.microsoft.com/office/drawing/2014/main" id="{210C47E1-2055-444B-9E04-806F81DBE041}"/>
+              </a:ext>
+            </a:extLst>
+          </p:cNvPr>
+          <p:cNvSpPr txBox="1"/>
+          <p:nvPr/>
+        </p:nvSpPr>
+        <p:spPr>
+          <a:xfrm>
+            <a:off x="917171" y="2677878"/>
+            <a:ext cx="4752142" cy="971292"/>
+          </a:xfrm>
+          <a:prstGeom prst="rect">
+            <a:avLst/>
+          </a:prstGeom>
+          <a:solidFill>
+            <a:schemeClr val="bg1"/>
+          </a:solidFill>
+        </p:spPr>
+        <p:txBody>
+          <a:bodyPr wrap="square" rtlCol="0">
+            <a:spAutoFit/>
+          </a:bodyPr>
+          <a:lstStyle/>
+          <a:p>
+            <a:pPr algn="ctr"/>
+            <a:r>
+              <a:rPr lang="en-US" sz="2856" dirty="0"/>
+              <a:t>Effect of grass species richness on grassland productivity</a:t>
+            </a:r>
+          </a:p>
+        </p:txBody>
+      </p:sp>
+      <p:sp>
+        <p:nvSpPr>
+          <p:cNvPr id="11" name="TextBox 10">
+            <a:extLst>
+              <a:ext uri="{FF2B5EF4-FFF2-40B4-BE49-F238E27FC236}">
+                <a16:creationId xmlns:a16="http://schemas.microsoft.com/office/drawing/2014/main" id="{33E224D0-EB03-4275-98CE-F4D31B4A72D0}"/>
+              </a:ext>
+            </a:extLst>
+          </p:cNvPr>
+          <p:cNvSpPr txBox="1"/>
+          <p:nvPr/>
+        </p:nvSpPr>
+        <p:spPr>
+          <a:xfrm>
+            <a:off x="917171" y="3881449"/>
+            <a:ext cx="4752142" cy="971292"/>
+          </a:xfrm>
+          <a:prstGeom prst="rect">
+            <a:avLst/>
+          </a:prstGeom>
+          <a:solidFill>
+            <a:schemeClr val="bg1"/>
+          </a:solidFill>
+        </p:spPr>
+        <p:txBody>
+          <a:bodyPr wrap="square" rtlCol="0">
+            <a:spAutoFit/>
+          </a:bodyPr>
+          <a:lstStyle/>
+          <a:p>
+            <a:pPr algn="ctr"/>
+            <a:r>
+              <a:rPr lang="en-US" sz="2856" dirty="0"/>
+              <a:t>Effect of tree species richness on forest productivity</a:t>
+            </a:r>
+          </a:p>
+        </p:txBody>
+      </p:sp>
+    </p:spTree>
+    <p:extLst>
+      <p:ext uri="{BB962C8B-B14F-4D97-AF65-F5344CB8AC3E}">
+        <p14:creationId xmlns:p14="http://schemas.microsoft.com/office/powerpoint/2010/main" val="3041261760"/>
+      </p:ext>
+    </p:extLst>
+  </p:cSld>
+  <p:clrMapOvr>
+    <a:masterClrMapping/>
+  </p:clrMapOvr>
+</p:sld>
+</file>
+
+<file path=ppt/slides/slide16.xml><?xml version="1.0" encoding="utf-8"?>
+<p:sld xmlns:a="http://schemas.openxmlformats.org/drawingml/2006/main" xmlns:r="http://schemas.openxmlformats.org/officeDocument/2006/relationships" xmlns:p="http://schemas.openxmlformats.org/presentationml/2006/main">
+  <p:cSld>
+    <p:spTree>
+      <p:nvGrpSpPr>
+        <p:cNvPr id="1" name=""/>
+        <p:cNvGrpSpPr/>
+        <p:nvPr/>
+      </p:nvGrpSpPr>
+      <p:grpSpPr>
+        <a:xfrm>
+          <a:off x="0" y="0"/>
+          <a:ext cx="0" cy="0"/>
+          <a:chOff x="0" y="0"/>
+          <a:chExt cx="0" cy="0"/>
+        </a:xfrm>
+      </p:grpSpPr>
+      <p:sp>
+        <p:nvSpPr>
+          <p:cNvPr id="2" name="Slide Number Placeholder 1">
+            <a:extLst>
+              <a:ext uri="{FF2B5EF4-FFF2-40B4-BE49-F238E27FC236}">
+                <a16:creationId xmlns:a16="http://schemas.microsoft.com/office/drawing/2014/main" id="{5F058FF8-9013-4D3A-853B-7DB328A53188}"/>
+              </a:ext>
+            </a:extLst>
+          </p:cNvPr>
+          <p:cNvSpPr>
+            <a:spLocks noGrp="1"/>
+          </p:cNvSpPr>
+          <p:nvPr>
+            <p:ph type="sldNum" sz="quarter" idx="12"/>
+          </p:nvPr>
+        </p:nvSpPr>
+        <p:spPr/>
+        <p:txBody>
+          <a:bodyPr/>
+          <a:lstStyle/>
+          <a:p>
+            <a:fld id="{4BBE0176-11DF-4C9F-80F9-6E9A5F74818C}" type="slidenum">
+              <a:rPr lang="zh-TW" altLang="en-US" smtClean="0"/>
+              <a:t>16</a:t>
+            </a:fld>
+            <a:endParaRPr lang="zh-TW" altLang="en-US"/>
+          </a:p>
+        </p:txBody>
+      </p:sp>
+      <p:grpSp>
+        <p:nvGrpSpPr>
+          <p:cNvPr id="5" name="Group 4">
+            <a:extLst>
+              <a:ext uri="{FF2B5EF4-FFF2-40B4-BE49-F238E27FC236}">
+                <a16:creationId xmlns:a16="http://schemas.microsoft.com/office/drawing/2014/main" id="{83748F19-9E9A-44A1-813D-A29754E713B4}"/>
+              </a:ext>
+            </a:extLst>
+          </p:cNvPr>
+          <p:cNvGrpSpPr/>
+          <p:nvPr/>
+        </p:nvGrpSpPr>
+        <p:grpSpPr>
+          <a:xfrm>
+            <a:off x="1764069" y="560300"/>
+            <a:ext cx="7853756" cy="5111863"/>
+            <a:chOff x="359219" y="1488443"/>
+            <a:chExt cx="6661944" cy="4449614"/>
+          </a:xfrm>
+        </p:grpSpPr>
+        <p:grpSp>
+          <p:nvGrpSpPr>
+            <p:cNvPr id="3" name="Group 2">
+              <a:extLst>
+                <a:ext uri="{FF2B5EF4-FFF2-40B4-BE49-F238E27FC236}">
+                  <a16:creationId xmlns:a16="http://schemas.microsoft.com/office/drawing/2014/main" id="{983BE45F-4F1C-4F2E-9775-112FF4B9019C}"/>
+                </a:ext>
+              </a:extLst>
+            </p:cNvPr>
+            <p:cNvGrpSpPr/>
+            <p:nvPr/>
+          </p:nvGrpSpPr>
+          <p:grpSpPr>
+            <a:xfrm>
+              <a:off x="359219" y="1488443"/>
+              <a:ext cx="6661944" cy="4449614"/>
+              <a:chOff x="2066926" y="1204912"/>
+              <a:chExt cx="7465525" cy="4986338"/>
+            </a:xfrm>
+          </p:grpSpPr>
+          <p:sp>
+            <p:nvSpPr>
+              <p:cNvPr id="11" name="Content Placeholder 2"/>
+              <p:cNvSpPr txBox="1">
+                <a:spLocks/>
+              </p:cNvSpPr>
+              <p:nvPr/>
+            </p:nvSpPr>
+            <p:spPr>
+              <a:xfrm>
+                <a:off x="2909887" y="5653087"/>
+                <a:ext cx="6622564" cy="538163"/>
+              </a:xfrm>
+              <a:prstGeom prst="rect">
+                <a:avLst/>
+              </a:prstGeom>
+            </p:spPr>
+            <p:txBody>
+              <a:bodyPr vert="horz" lIns="81598" tIns="40799" rIns="81598" bIns="40799" rtlCol="0">
+                <a:normAutofit/>
+              </a:bodyPr>
+              <a:lstStyle>
+                <a:lvl1pPr marL="228600" indent="-228600" algn="l" defTabSz="914400" rtl="0" eaLnBrk="1" latinLnBrk="0" hangingPunct="1">
+                  <a:lnSpc>
+                    <a:spcPct val="90000"/>
+                  </a:lnSpc>
+                  <a:spcBef>
+                    <a:spcPts val="1000"/>
+                  </a:spcBef>
+                  <a:buFont typeface="Arial" panose="020B0604020202020204" pitchFamily="34" charset="0"/>
+                  <a:buChar char="•"/>
+                  <a:defRPr sz="2800" kern="1200">
+                    <a:solidFill>
+                      <a:schemeClr val="tx1"/>
+                    </a:solidFill>
+                    <a:latin typeface="+mn-lt"/>
+                    <a:ea typeface="+mn-ea"/>
+                    <a:cs typeface="+mn-cs"/>
+                  </a:defRPr>
+                </a:lvl1pPr>
+                <a:lvl2pPr marL="685800" indent="-228600" algn="l" defTabSz="914400" rtl="0" eaLnBrk="1" latinLnBrk="0" hangingPunct="1">
+                  <a:lnSpc>
+                    <a:spcPct val="90000"/>
+                  </a:lnSpc>
+                  <a:spcBef>
+                    <a:spcPts val="500"/>
+                  </a:spcBef>
+                  <a:buFont typeface="Arial" panose="020B0604020202020204" pitchFamily="34" charset="0"/>
+                  <a:buChar char="•"/>
+                  <a:defRPr sz="2400" kern="1200">
+                    <a:solidFill>
+                      <a:schemeClr val="tx1"/>
+                    </a:solidFill>
+                    <a:latin typeface="+mn-lt"/>
+                    <a:ea typeface="+mn-ea"/>
+                    <a:cs typeface="+mn-cs"/>
+                  </a:defRPr>
+                </a:lvl2pPr>
+                <a:lvl3pPr marL="1143000" indent="-228600" algn="l" defTabSz="914400" rtl="0" eaLnBrk="1" latinLnBrk="0" hangingPunct="1">
+                  <a:lnSpc>
+                    <a:spcPct val="90000"/>
+                  </a:lnSpc>
+                  <a:spcBef>
+                    <a:spcPts val="500"/>
+                  </a:spcBef>
+                  <a:buFont typeface="Arial" panose="020B0604020202020204" pitchFamily="34" charset="0"/>
+                  <a:buChar char="•"/>
+                  <a:defRPr sz="2000" kern="1200">
+                    <a:solidFill>
+                      <a:schemeClr val="tx1"/>
+                    </a:solidFill>
+                    <a:latin typeface="+mn-lt"/>
+                    <a:ea typeface="+mn-ea"/>
+                    <a:cs typeface="+mn-cs"/>
+                  </a:defRPr>
+                </a:lvl3pPr>
+                <a:lvl4pPr marL="1600200" indent="-228600" algn="l" defTabSz="914400" rtl="0" eaLnBrk="1" latinLnBrk="0" hangingPunct="1">
+                  <a:lnSpc>
+                    <a:spcPct val="90000"/>
+                  </a:lnSpc>
+                  <a:spcBef>
+                    <a:spcPts val="500"/>
+                  </a:spcBef>
+                  <a:buFont typeface="Arial" panose="020B0604020202020204" pitchFamily="34" charset="0"/>
+                  <a:buChar char="•"/>
+                  <a:defRPr sz="1800" kern="1200">
+                    <a:solidFill>
+                      <a:schemeClr val="tx1"/>
+                    </a:solidFill>
+                    <a:latin typeface="+mn-lt"/>
+                    <a:ea typeface="+mn-ea"/>
+                    <a:cs typeface="+mn-cs"/>
+                  </a:defRPr>
+                </a:lvl4pPr>
+                <a:lvl5pPr marL="2057400" indent="-228600" algn="l" defTabSz="914400" rtl="0" eaLnBrk="1" latinLnBrk="0" hangingPunct="1">
+                  <a:lnSpc>
+                    <a:spcPct val="90000"/>
+                  </a:lnSpc>
+                  <a:spcBef>
+                    <a:spcPts val="500"/>
+                  </a:spcBef>
+                  <a:buFont typeface="Arial" panose="020B0604020202020204" pitchFamily="34" charset="0"/>
+                  <a:buChar char="•"/>
+                  <a:defRPr sz="1800" kern="1200">
+                    <a:solidFill>
+                      <a:schemeClr val="tx1"/>
+                    </a:solidFill>
+                    <a:latin typeface="+mn-lt"/>
+                    <a:ea typeface="+mn-ea"/>
+                    <a:cs typeface="+mn-cs"/>
+                  </a:defRPr>
+                </a:lvl5pPr>
+                <a:lvl6pPr marL="2514600" indent="-228600" algn="l" defTabSz="914400" rtl="0" eaLnBrk="1" latinLnBrk="0" hangingPunct="1">
+                  <a:lnSpc>
+                    <a:spcPct val="90000"/>
+                  </a:lnSpc>
+                  <a:spcBef>
+                    <a:spcPts val="500"/>
+                  </a:spcBef>
+                  <a:buFont typeface="Arial" panose="020B0604020202020204" pitchFamily="34" charset="0"/>
+                  <a:buChar char="•"/>
+                  <a:defRPr sz="1800" kern="1200">
+                    <a:solidFill>
+                      <a:schemeClr val="tx1"/>
+                    </a:solidFill>
+                    <a:latin typeface="+mn-lt"/>
+                    <a:ea typeface="+mn-ea"/>
+                    <a:cs typeface="+mn-cs"/>
+                  </a:defRPr>
+                </a:lvl6pPr>
+                <a:lvl7pPr marL="2971800" indent="-228600" algn="l" defTabSz="914400" rtl="0" eaLnBrk="1" latinLnBrk="0" hangingPunct="1">
+                  <a:lnSpc>
+                    <a:spcPct val="90000"/>
+                  </a:lnSpc>
+                  <a:spcBef>
+                    <a:spcPts val="500"/>
+                  </a:spcBef>
+                  <a:buFont typeface="Arial" panose="020B0604020202020204" pitchFamily="34" charset="0"/>
+                  <a:buChar char="•"/>
+                  <a:defRPr sz="1800" kern="1200">
+                    <a:solidFill>
+                      <a:schemeClr val="tx1"/>
+                    </a:solidFill>
+                    <a:latin typeface="+mn-lt"/>
+                    <a:ea typeface="+mn-ea"/>
+                    <a:cs typeface="+mn-cs"/>
+                  </a:defRPr>
+                </a:lvl7pPr>
+                <a:lvl8pPr marL="3429000" indent="-228600" algn="l" defTabSz="914400" rtl="0" eaLnBrk="1" latinLnBrk="0" hangingPunct="1">
+                  <a:lnSpc>
+                    <a:spcPct val="90000"/>
+                  </a:lnSpc>
+                  <a:spcBef>
+                    <a:spcPts val="500"/>
+                  </a:spcBef>
+                  <a:buFont typeface="Arial" panose="020B0604020202020204" pitchFamily="34" charset="0"/>
+                  <a:buChar char="•"/>
+                  <a:defRPr sz="1800" kern="1200">
+                    <a:solidFill>
+                      <a:schemeClr val="tx1"/>
+                    </a:solidFill>
+                    <a:latin typeface="+mn-lt"/>
+                    <a:ea typeface="+mn-ea"/>
+                    <a:cs typeface="+mn-cs"/>
+                  </a:defRPr>
+                </a:lvl8pPr>
+                <a:lvl9pPr marL="3886200" indent="-228600" algn="l" defTabSz="914400" rtl="0" eaLnBrk="1" latinLnBrk="0" hangingPunct="1">
+                  <a:lnSpc>
+                    <a:spcPct val="90000"/>
+                  </a:lnSpc>
+                  <a:spcBef>
+                    <a:spcPts val="500"/>
+                  </a:spcBef>
+                  <a:buFont typeface="Arial" panose="020B0604020202020204" pitchFamily="34" charset="0"/>
+                  <a:buChar char="•"/>
+                  <a:defRPr sz="1800" kern="1200">
+                    <a:solidFill>
+                      <a:schemeClr val="tx1"/>
+                    </a:solidFill>
+                    <a:latin typeface="+mn-lt"/>
+                    <a:ea typeface="+mn-ea"/>
+                    <a:cs typeface="+mn-cs"/>
+                  </a:defRPr>
+                </a:lvl9pPr>
+              </a:lstStyle>
+              <a:p>
+                <a:pPr marL="0" indent="0" algn="ctr">
+                  <a:buNone/>
+                </a:pPr>
+                <a:r>
+                  <a:rPr lang="en-US" altLang="zh-TW" sz="2856" dirty="0"/>
+                  <a:t>Studies</a:t>
+                </a:r>
+              </a:p>
+            </p:txBody>
+          </p:sp>
+          <p:pic>
+            <p:nvPicPr>
+              <p:cNvPr id="6" name="Picture 5">
+                <a:extLst>
+                  <a:ext uri="{FF2B5EF4-FFF2-40B4-BE49-F238E27FC236}">
+                    <a16:creationId xmlns:a16="http://schemas.microsoft.com/office/drawing/2014/main" id="{60647B14-BDF3-4CA1-93F1-F80FFBB4FFBF}"/>
+                  </a:ext>
+                </a:extLst>
+              </p:cNvPr>
+              <p:cNvPicPr>
+                <a:picLocks noChangeAspect="1"/>
+              </p:cNvPicPr>
+              <p:nvPr/>
+            </p:nvPicPr>
+            <p:blipFill>
+              <a:blip r:embed="rId3"/>
+              <a:stretch>
+                <a:fillRect/>
+              </a:stretch>
+            </p:blipFill>
+            <p:spPr>
+              <a:xfrm>
+                <a:off x="2909887" y="1204912"/>
+                <a:ext cx="6372225" cy="4448175"/>
+              </a:xfrm>
+              <a:prstGeom prst="rect">
+                <a:avLst/>
+              </a:prstGeom>
+            </p:spPr>
+          </p:pic>
+          <p:sp>
+            <p:nvSpPr>
+              <p:cNvPr id="12" name="Content Placeholder 2">
+                <a:extLst>
+                  <a:ext uri="{FF2B5EF4-FFF2-40B4-BE49-F238E27FC236}">
+                    <a16:creationId xmlns:a16="http://schemas.microsoft.com/office/drawing/2014/main" id="{9B77090C-E7A2-42A4-B4E8-A08FA2C5F534}"/>
+                  </a:ext>
+                </a:extLst>
+              </p:cNvPr>
+              <p:cNvSpPr txBox="1">
+                <a:spLocks/>
+              </p:cNvSpPr>
+              <p:nvPr/>
+            </p:nvSpPr>
+            <p:spPr>
+              <a:xfrm rot="16200000">
+                <a:off x="404812" y="3033713"/>
+                <a:ext cx="4152903" cy="828676"/>
+              </a:xfrm>
+              <a:prstGeom prst="rect">
+                <a:avLst/>
+              </a:prstGeom>
+            </p:spPr>
+            <p:txBody>
+              <a:bodyPr vert="horz" lIns="81598" tIns="40799" rIns="81598" bIns="40799" rtlCol="0">
+                <a:noAutofit/>
+              </a:bodyPr>
+              <a:lstStyle>
+                <a:lvl1pPr marL="228600" indent="-228600" algn="l" defTabSz="914400" rtl="0" eaLnBrk="1" latinLnBrk="0" hangingPunct="1">
+                  <a:lnSpc>
+                    <a:spcPct val="90000"/>
+                  </a:lnSpc>
+                  <a:spcBef>
+                    <a:spcPts val="1000"/>
+                  </a:spcBef>
+                  <a:buFont typeface="Arial" panose="020B0604020202020204" pitchFamily="34" charset="0"/>
+                  <a:buChar char="•"/>
+                  <a:defRPr sz="2800" kern="1200">
+                    <a:solidFill>
+                      <a:schemeClr val="tx1"/>
+                    </a:solidFill>
+                    <a:latin typeface="+mn-lt"/>
+                    <a:ea typeface="+mn-ea"/>
+                    <a:cs typeface="+mn-cs"/>
+                  </a:defRPr>
+                </a:lvl1pPr>
+                <a:lvl2pPr marL="685800" indent="-228600" algn="l" defTabSz="914400" rtl="0" eaLnBrk="1" latinLnBrk="0" hangingPunct="1">
+                  <a:lnSpc>
+                    <a:spcPct val="90000"/>
+                  </a:lnSpc>
+                  <a:spcBef>
+                    <a:spcPts val="500"/>
+                  </a:spcBef>
+                  <a:buFont typeface="Arial" panose="020B0604020202020204" pitchFamily="34" charset="0"/>
+                  <a:buChar char="•"/>
+                  <a:defRPr sz="2400" kern="1200">
+                    <a:solidFill>
+                      <a:schemeClr val="tx1"/>
+                    </a:solidFill>
+                    <a:latin typeface="+mn-lt"/>
+                    <a:ea typeface="+mn-ea"/>
+                    <a:cs typeface="+mn-cs"/>
+                  </a:defRPr>
+                </a:lvl2pPr>
+                <a:lvl3pPr marL="1143000" indent="-228600" algn="l" defTabSz="914400" rtl="0" eaLnBrk="1" latinLnBrk="0" hangingPunct="1">
+                  <a:lnSpc>
+                    <a:spcPct val="90000"/>
+                  </a:lnSpc>
+                  <a:spcBef>
+                    <a:spcPts val="500"/>
+                  </a:spcBef>
+                  <a:buFont typeface="Arial" panose="020B0604020202020204" pitchFamily="34" charset="0"/>
+                  <a:buChar char="•"/>
+                  <a:defRPr sz="2000" kern="1200">
+                    <a:solidFill>
+                      <a:schemeClr val="tx1"/>
+                    </a:solidFill>
+                    <a:latin typeface="+mn-lt"/>
+                    <a:ea typeface="+mn-ea"/>
+                    <a:cs typeface="+mn-cs"/>
+                  </a:defRPr>
+                </a:lvl3pPr>
+                <a:lvl4pPr marL="1600200" indent="-228600" algn="l" defTabSz="914400" rtl="0" eaLnBrk="1" latinLnBrk="0" hangingPunct="1">
+                  <a:lnSpc>
+                    <a:spcPct val="90000"/>
+                  </a:lnSpc>
+                  <a:spcBef>
+                    <a:spcPts val="500"/>
+                  </a:spcBef>
+                  <a:buFont typeface="Arial" panose="020B0604020202020204" pitchFamily="34" charset="0"/>
+                  <a:buChar char="•"/>
+                  <a:defRPr sz="1800" kern="1200">
+                    <a:solidFill>
+                      <a:schemeClr val="tx1"/>
+                    </a:solidFill>
+                    <a:latin typeface="+mn-lt"/>
+                    <a:ea typeface="+mn-ea"/>
+                    <a:cs typeface="+mn-cs"/>
+                  </a:defRPr>
+                </a:lvl4pPr>
+                <a:lvl5pPr marL="2057400" indent="-228600" algn="l" defTabSz="914400" rtl="0" eaLnBrk="1" latinLnBrk="0" hangingPunct="1">
+                  <a:lnSpc>
+                    <a:spcPct val="90000"/>
+                  </a:lnSpc>
+                  <a:spcBef>
+                    <a:spcPts val="500"/>
+                  </a:spcBef>
+                  <a:buFont typeface="Arial" panose="020B0604020202020204" pitchFamily="34" charset="0"/>
+                  <a:buChar char="•"/>
+                  <a:defRPr sz="1800" kern="1200">
+                    <a:solidFill>
+                      <a:schemeClr val="tx1"/>
+                    </a:solidFill>
+                    <a:latin typeface="+mn-lt"/>
+                    <a:ea typeface="+mn-ea"/>
+                    <a:cs typeface="+mn-cs"/>
+                  </a:defRPr>
+                </a:lvl5pPr>
+                <a:lvl6pPr marL="2514600" indent="-228600" algn="l" defTabSz="914400" rtl="0" eaLnBrk="1" latinLnBrk="0" hangingPunct="1">
+                  <a:lnSpc>
+                    <a:spcPct val="90000"/>
+                  </a:lnSpc>
+                  <a:spcBef>
+                    <a:spcPts val="500"/>
+                  </a:spcBef>
+                  <a:buFont typeface="Arial" panose="020B0604020202020204" pitchFamily="34" charset="0"/>
+                  <a:buChar char="•"/>
+                  <a:defRPr sz="1800" kern="1200">
+                    <a:solidFill>
+                      <a:schemeClr val="tx1"/>
+                    </a:solidFill>
+                    <a:latin typeface="+mn-lt"/>
+                    <a:ea typeface="+mn-ea"/>
+                    <a:cs typeface="+mn-cs"/>
+                  </a:defRPr>
+                </a:lvl6pPr>
+                <a:lvl7pPr marL="2971800" indent="-228600" algn="l" defTabSz="914400" rtl="0" eaLnBrk="1" latinLnBrk="0" hangingPunct="1">
+                  <a:lnSpc>
+                    <a:spcPct val="90000"/>
+                  </a:lnSpc>
+                  <a:spcBef>
+                    <a:spcPts val="500"/>
+                  </a:spcBef>
+                  <a:buFont typeface="Arial" panose="020B0604020202020204" pitchFamily="34" charset="0"/>
+                  <a:buChar char="•"/>
+                  <a:defRPr sz="1800" kern="1200">
+                    <a:solidFill>
+                      <a:schemeClr val="tx1"/>
+                    </a:solidFill>
+                    <a:latin typeface="+mn-lt"/>
+                    <a:ea typeface="+mn-ea"/>
+                    <a:cs typeface="+mn-cs"/>
+                  </a:defRPr>
+                </a:lvl7pPr>
+                <a:lvl8pPr marL="3429000" indent="-228600" algn="l" defTabSz="914400" rtl="0" eaLnBrk="1" latinLnBrk="0" hangingPunct="1">
+                  <a:lnSpc>
+                    <a:spcPct val="90000"/>
+                  </a:lnSpc>
+                  <a:spcBef>
+                    <a:spcPts val="500"/>
+                  </a:spcBef>
+                  <a:buFont typeface="Arial" panose="020B0604020202020204" pitchFamily="34" charset="0"/>
+                  <a:buChar char="•"/>
+                  <a:defRPr sz="1800" kern="1200">
+                    <a:solidFill>
+                      <a:schemeClr val="tx1"/>
+                    </a:solidFill>
+                    <a:latin typeface="+mn-lt"/>
+                    <a:ea typeface="+mn-ea"/>
+                    <a:cs typeface="+mn-cs"/>
+                  </a:defRPr>
+                </a:lvl8pPr>
+                <a:lvl9pPr marL="3886200" indent="-228600" algn="l" defTabSz="914400" rtl="0" eaLnBrk="1" latinLnBrk="0" hangingPunct="1">
+                  <a:lnSpc>
+                    <a:spcPct val="90000"/>
+                  </a:lnSpc>
+                  <a:spcBef>
+                    <a:spcPts val="500"/>
+                  </a:spcBef>
+                  <a:buFont typeface="Arial" panose="020B0604020202020204" pitchFamily="34" charset="0"/>
+                  <a:buChar char="•"/>
+                  <a:defRPr sz="1800" kern="1200">
+                    <a:solidFill>
+                      <a:schemeClr val="tx1"/>
+                    </a:solidFill>
+                    <a:latin typeface="+mn-lt"/>
+                    <a:ea typeface="+mn-ea"/>
+                    <a:cs typeface="+mn-cs"/>
+                  </a:defRPr>
+                </a:lvl9pPr>
+              </a:lstStyle>
+              <a:p>
+                <a:pPr marL="0" indent="0" algn="ctr">
+                  <a:buNone/>
+                </a:pPr>
+                <a:r>
+                  <a:rPr lang="en-US" altLang="zh-TW" sz="2856" dirty="0"/>
+                  <a:t>Effects of </a:t>
+                </a:r>
+              </a:p>
+              <a:p>
+                <a:pPr marL="0" indent="0" algn="ctr">
+                  <a:buNone/>
+                </a:pPr>
+                <a:r>
+                  <a:rPr lang="en-US" altLang="zh-TW" sz="2856" dirty="0"/>
+                  <a:t>predator diversity</a:t>
+                </a:r>
+              </a:p>
+            </p:txBody>
+          </p:sp>
+        </p:grpSp>
+        <p:sp>
+          <p:nvSpPr>
+            <p:cNvPr id="4" name="Oval 3">
+              <a:extLst>
+                <a:ext uri="{FF2B5EF4-FFF2-40B4-BE49-F238E27FC236}">
+                  <a16:creationId xmlns:a16="http://schemas.microsoft.com/office/drawing/2014/main" id="{71CAFE07-4AED-47A9-BEBD-2ADBF5E699A5}"/>
+                </a:ext>
+              </a:extLst>
+            </p:cNvPr>
+            <p:cNvSpPr/>
+            <p:nvPr/>
+          </p:nvSpPr>
+          <p:spPr>
+            <a:xfrm>
+              <a:off x="2523543" y="2609528"/>
+              <a:ext cx="123945" cy="134274"/>
+            </a:xfrm>
+            <a:prstGeom prst="ellipse">
+              <a:avLst/>
+            </a:prstGeom>
+            <a:solidFill>
+              <a:srgbClr val="00CC00"/>
+            </a:solidFill>
+            <a:ln>
+              <a:noFill/>
+            </a:ln>
+          </p:spPr>
+          <p:style>
+            <a:lnRef idx="2">
+              <a:schemeClr val="accent1">
+                <a:shade val="50000"/>
+              </a:schemeClr>
+            </a:lnRef>
+            <a:fillRef idx="1">
+              <a:schemeClr val="accent1"/>
+            </a:fillRef>
+            <a:effectRef idx="0">
+              <a:schemeClr val="accent1"/>
+            </a:effectRef>
+            <a:fontRef idx="minor">
+              <a:schemeClr val="lt1"/>
+            </a:fontRef>
+          </p:style>
+          <p:txBody>
+            <a:bodyPr rtlCol="0" anchor="ctr"/>
+            <a:lstStyle/>
+            <a:p>
+              <a:pPr algn="ctr"/>
+              <a:endParaRPr lang="en-US" sz="1306"/>
+            </a:p>
+          </p:txBody>
+        </p:sp>
+        <p:sp>
+          <p:nvSpPr>
+            <p:cNvPr id="9" name="Oval 8">
+              <a:extLst>
+                <a:ext uri="{FF2B5EF4-FFF2-40B4-BE49-F238E27FC236}">
+                  <a16:creationId xmlns:a16="http://schemas.microsoft.com/office/drawing/2014/main" id="{003A1B40-65D4-4A3A-9F0B-721A44A9667A}"/>
+                </a:ext>
+              </a:extLst>
+            </p:cNvPr>
+            <p:cNvSpPr/>
+            <p:nvPr/>
+          </p:nvSpPr>
+          <p:spPr>
+            <a:xfrm>
+              <a:off x="2523543" y="2334136"/>
+              <a:ext cx="123945" cy="134274"/>
+            </a:xfrm>
+            <a:prstGeom prst="ellipse">
+              <a:avLst/>
+            </a:prstGeom>
+            <a:solidFill>
+              <a:srgbClr val="FFC000"/>
+            </a:solidFill>
+            <a:ln>
+              <a:noFill/>
+            </a:ln>
+          </p:spPr>
+          <p:style>
+            <a:lnRef idx="2">
+              <a:schemeClr val="accent1">
+                <a:shade val="50000"/>
+              </a:schemeClr>
+            </a:lnRef>
+            <a:fillRef idx="1">
+              <a:schemeClr val="accent1"/>
+            </a:fillRef>
+            <a:effectRef idx="0">
+              <a:schemeClr val="accent1"/>
+            </a:effectRef>
+            <a:fontRef idx="minor">
+              <a:schemeClr val="lt1"/>
+            </a:fontRef>
+          </p:style>
+          <p:txBody>
+            <a:bodyPr rtlCol="0" anchor="ctr"/>
+            <a:lstStyle/>
+            <a:p>
+              <a:pPr algn="ctr"/>
+              <a:endParaRPr lang="en-US" sz="1306"/>
+            </a:p>
+          </p:txBody>
+        </p:sp>
+        <p:sp>
+          <p:nvSpPr>
+            <p:cNvPr id="10" name="Oval 9">
+              <a:extLst>
+                <a:ext uri="{FF2B5EF4-FFF2-40B4-BE49-F238E27FC236}">
+                  <a16:creationId xmlns:a16="http://schemas.microsoft.com/office/drawing/2014/main" id="{B981F563-A670-4ED1-A9F3-42902909A48A}"/>
+                </a:ext>
+              </a:extLst>
+            </p:cNvPr>
+            <p:cNvSpPr/>
+            <p:nvPr/>
+          </p:nvSpPr>
+          <p:spPr>
+            <a:xfrm>
+              <a:off x="2523543" y="2075744"/>
+              <a:ext cx="123945" cy="134274"/>
+            </a:xfrm>
+            <a:prstGeom prst="ellipse">
+              <a:avLst/>
+            </a:prstGeom>
+            <a:solidFill>
+              <a:srgbClr val="FF0000"/>
+            </a:solidFill>
+            <a:ln>
+              <a:noFill/>
+            </a:ln>
+          </p:spPr>
+          <p:style>
+            <a:lnRef idx="2">
+              <a:schemeClr val="accent1">
+                <a:shade val="50000"/>
+              </a:schemeClr>
+            </a:lnRef>
+            <a:fillRef idx="1">
+              <a:schemeClr val="accent1"/>
+            </a:fillRef>
+            <a:effectRef idx="0">
+              <a:schemeClr val="accent1"/>
+            </a:effectRef>
+            <a:fontRef idx="minor">
+              <a:schemeClr val="lt1"/>
+            </a:fontRef>
+          </p:style>
+          <p:txBody>
+            <a:bodyPr rtlCol="0" anchor="ctr"/>
+            <a:lstStyle/>
+            <a:p>
+              <a:pPr algn="ctr"/>
+              <a:endParaRPr lang="en-US" sz="1306"/>
+            </a:p>
+          </p:txBody>
+        </p:sp>
+      </p:grpSp>
+    </p:spTree>
+    <p:extLst>
+      <p:ext uri="{BB962C8B-B14F-4D97-AF65-F5344CB8AC3E}">
+        <p14:creationId xmlns:p14="http://schemas.microsoft.com/office/powerpoint/2010/main" val="2545104055"/>
+      </p:ext>
+    </p:extLst>
+  </p:cSld>
+  <p:clrMapOvr>
+    <a:masterClrMapping/>
+  </p:clrMapOvr>
+</p:sld>
+</file>
+
+<file path=ppt/slides/slide17.xml><?xml version="1.0" encoding="utf-8"?>
+<p:sld xmlns:a="http://schemas.openxmlformats.org/drawingml/2006/main" xmlns:r="http://schemas.openxmlformats.org/officeDocument/2006/relationships" xmlns:p="http://schemas.openxmlformats.org/presentationml/2006/main">
+  <p:cSld>
+    <p:spTree>
+      <p:nvGrpSpPr>
+        <p:cNvPr id="1" name=""/>
+        <p:cNvGrpSpPr/>
+        <p:nvPr/>
+      </p:nvGrpSpPr>
+      <p:grpSpPr>
+        <a:xfrm>
+          <a:off x="0" y="0"/>
+          <a:ext cx="0" cy="0"/>
+          <a:chOff x="0" y="0"/>
+          <a:chExt cx="0" cy="0"/>
+        </a:xfrm>
+      </p:grpSpPr>
+      <p:pic>
+        <p:nvPicPr>
+          <p:cNvPr id="5" name="Picture 4">
+            <a:extLst>
+              <a:ext uri="{FF2B5EF4-FFF2-40B4-BE49-F238E27FC236}">
+                <a16:creationId xmlns:a16="http://schemas.microsoft.com/office/drawing/2014/main" id="{7A864975-EC40-4DB7-A7C9-6F30DF830C21}"/>
+              </a:ext>
+            </a:extLst>
+          </p:cNvPr>
+          <p:cNvPicPr>
+            <a:picLocks noChangeAspect="1"/>
+          </p:cNvPicPr>
+          <p:nvPr/>
+        </p:nvPicPr>
+        <p:blipFill>
+          <a:blip r:embed="rId2"/>
+          <a:stretch>
+            <a:fillRect/>
+          </a:stretch>
+        </p:blipFill>
+        <p:spPr>
+          <a:xfrm>
+            <a:off x="2345256" y="-1"/>
+            <a:ext cx="6829983" cy="6119813"/>
+          </a:xfrm>
+          <a:prstGeom prst="rect">
+            <a:avLst/>
+          </a:prstGeom>
+        </p:spPr>
+      </p:pic>
+    </p:spTree>
+    <p:extLst>
+      <p:ext uri="{BB962C8B-B14F-4D97-AF65-F5344CB8AC3E}">
+        <p14:creationId xmlns:p14="http://schemas.microsoft.com/office/powerpoint/2010/main" val="2337042713"/>
+      </p:ext>
+    </p:extLst>
+  </p:cSld>
+  <p:clrMapOvr>
+    <a:masterClrMapping/>
+  </p:clrMapOvr>
+</p:sld>
+</file>
+
+<file path=ppt/slides/slide2.xml><?xml version="1.0" encoding="utf-8"?>
+<p:sld xmlns:a="http://schemas.openxmlformats.org/drawingml/2006/main" xmlns:r="http://schemas.openxmlformats.org/officeDocument/2006/relationships" xmlns:p="http://schemas.openxmlformats.org/presentationml/2006/main">
+  <p:cSld>
+    <p:spTree>
+      <p:nvGrpSpPr>
+        <p:cNvPr id="1" name=""/>
+        <p:cNvGrpSpPr/>
+        <p:nvPr/>
+      </p:nvGrpSpPr>
+      <p:grpSpPr>
+        <a:xfrm>
+          <a:off x="0" y="0"/>
+          <a:ext cx="0" cy="0"/>
+          <a:chOff x="0" y="0"/>
+          <a:chExt cx="0" cy="0"/>
+        </a:xfrm>
+      </p:grpSpPr>
+      <p:pic>
+        <p:nvPicPr>
+          <p:cNvPr id="2" name="Picture 1">
+            <a:extLst>
+              <a:ext uri="{FF2B5EF4-FFF2-40B4-BE49-F238E27FC236}">
+                <a16:creationId xmlns:a16="http://schemas.microsoft.com/office/drawing/2014/main" id="{9D535B80-E56E-47F2-B8BC-3B90B0A86AA4}"/>
+              </a:ext>
+            </a:extLst>
+          </p:cNvPr>
+          <p:cNvPicPr>
+            <a:picLocks noChangeAspect="1"/>
+          </p:cNvPicPr>
+          <p:nvPr/>
+        </p:nvPicPr>
+        <p:blipFill>
+          <a:blip r:embed="rId2"/>
+          <a:stretch>
+            <a:fillRect/>
+          </a:stretch>
+        </p:blipFill>
+        <p:spPr>
+          <a:xfrm>
+            <a:off x="0" y="1204212"/>
+            <a:ext cx="11520488" cy="3711391"/>
+          </a:xfrm>
+          <a:prstGeom prst="rect">
+            <a:avLst/>
+          </a:prstGeom>
+        </p:spPr>
+      </p:pic>
+    </p:spTree>
+    <p:extLst>
+      <p:ext uri="{BB962C8B-B14F-4D97-AF65-F5344CB8AC3E}">
+        <p14:creationId xmlns:p14="http://schemas.microsoft.com/office/powerpoint/2010/main" val="1533090521"/>
+      </p:ext>
+    </p:extLst>
+  </p:cSld>
+  <p:clrMapOvr>
+    <a:masterClrMapping/>
+  </p:clrMapOvr>
+</p:sld>
+</file>
+
+<file path=ppt/slides/slide3.xml><?xml version="1.0" encoding="utf-8"?>
+<p:sld xmlns:a="http://schemas.openxmlformats.org/drawingml/2006/main" xmlns:r="http://schemas.openxmlformats.org/officeDocument/2006/relationships" xmlns:p="http://schemas.openxmlformats.org/presentationml/2006/main">
+  <p:cSld>
+    <p:spTree>
+      <p:nvGrpSpPr>
+        <p:cNvPr id="1" name=""/>
+        <p:cNvGrpSpPr/>
+        <p:nvPr/>
+      </p:nvGrpSpPr>
+      <p:grpSpPr>
+        <a:xfrm>
+          <a:off x="0" y="0"/>
+          <a:ext cx="0" cy="0"/>
+          <a:chOff x="0" y="0"/>
+          <a:chExt cx="0" cy="0"/>
+        </a:xfrm>
+      </p:grpSpPr>
+      <p:sp>
+        <p:nvSpPr>
+          <p:cNvPr id="8" name="圓角矩形 7"/>
+          <p:cNvSpPr/>
+          <p:nvPr/>
+        </p:nvSpPr>
+        <p:spPr>
+          <a:xfrm>
+            <a:off x="121443" y="109226"/>
+            <a:ext cx="3060000" cy="900000"/>
+          </a:xfrm>
+          <a:prstGeom prst="roundRect">
+            <a:avLst/>
+          </a:prstGeom>
+          <a:noFill/>
+          <a:ln w="38100">
+            <a:solidFill>
+              <a:schemeClr val="tx1"/>
+            </a:solidFill>
+          </a:ln>
+        </p:spPr>
+        <p:style>
+          <a:lnRef idx="2">
+            <a:schemeClr val="accent1">
+              <a:shade val="50000"/>
+            </a:schemeClr>
+          </a:lnRef>
+          <a:fillRef idx="1">
+            <a:schemeClr val="accent1"/>
+          </a:fillRef>
+          <a:effectRef idx="0">
+            <a:schemeClr val="accent1"/>
+          </a:effectRef>
+          <a:fontRef idx="minor">
+            <a:schemeClr val="lt1"/>
+          </a:fontRef>
+        </p:style>
+        <p:txBody>
+          <a:bodyPr rtlCol="0" anchor="ctr"/>
+          <a:lstStyle/>
+          <a:p>
+            <a:pPr algn="ctr"/>
+            <a:r>
+              <a:rPr lang="en-US" altLang="zh-TW" sz="2000" dirty="0">
+                <a:solidFill>
+                  <a:schemeClr val="tx1"/>
+                </a:solidFill>
+              </a:rPr>
+              <a:t>Bacteria diversity</a:t>
+            </a:r>
+            <a:endParaRPr lang="zh-TW" altLang="en-US" sz="2000" dirty="0">
+              <a:solidFill>
+                <a:schemeClr val="tx1"/>
+              </a:solidFill>
+            </a:endParaRPr>
+          </a:p>
+        </p:txBody>
+      </p:sp>
+      <p:sp>
+        <p:nvSpPr>
+          <p:cNvPr id="16" name="圓角矩形 15"/>
+          <p:cNvSpPr/>
+          <p:nvPr/>
+        </p:nvSpPr>
+        <p:spPr>
+          <a:xfrm>
+            <a:off x="8351043" y="127704"/>
+            <a:ext cx="3060000" cy="914400"/>
+          </a:xfrm>
+          <a:prstGeom prst="roundRect">
+            <a:avLst/>
+          </a:prstGeom>
+          <a:noFill/>
+          <a:ln w="38100">
+            <a:solidFill>
+              <a:schemeClr val="tx1"/>
+            </a:solidFill>
+          </a:ln>
+        </p:spPr>
+        <p:style>
+          <a:lnRef idx="2">
+            <a:schemeClr val="accent1">
+              <a:shade val="50000"/>
+            </a:schemeClr>
+          </a:lnRef>
+          <a:fillRef idx="1">
+            <a:schemeClr val="accent1"/>
+          </a:fillRef>
+          <a:effectRef idx="0">
+            <a:schemeClr val="accent1"/>
+          </a:effectRef>
+          <a:fontRef idx="minor">
+            <a:schemeClr val="lt1"/>
+          </a:fontRef>
+        </p:style>
+        <p:txBody>
+          <a:bodyPr rtlCol="0" anchor="ctr"/>
+          <a:lstStyle/>
+          <a:p>
+            <a:pPr algn="ctr"/>
+            <a:r>
+              <a:rPr lang="en-US" altLang="zh-TW" sz="2000" dirty="0">
+                <a:solidFill>
+                  <a:schemeClr val="tx1"/>
+                </a:solidFill>
+              </a:rPr>
+              <a:t>Hetero-trophic </a:t>
+            </a:r>
+            <a:r>
+              <a:rPr lang="en-US" altLang="zh-TW" sz="2000" dirty="0" err="1">
+                <a:solidFill>
+                  <a:schemeClr val="tx1"/>
+                </a:solidFill>
+              </a:rPr>
+              <a:t>nano</a:t>
+            </a:r>
+            <a:r>
+              <a:rPr lang="en-US" altLang="zh-TW" sz="2000" dirty="0">
+                <a:solidFill>
+                  <a:schemeClr val="tx1"/>
+                </a:solidFill>
+              </a:rPr>
+              <a:t>-flagellate (HNF) diversity</a:t>
+            </a:r>
+            <a:endParaRPr lang="zh-TW" altLang="en-US" sz="2000" dirty="0">
+              <a:solidFill>
+                <a:schemeClr val="tx1"/>
+              </a:solidFill>
+            </a:endParaRPr>
+          </a:p>
+        </p:txBody>
+      </p:sp>
+      <p:cxnSp>
+        <p:nvCxnSpPr>
+          <p:cNvPr id="10" name="直線單箭頭接點 9"/>
+          <p:cNvCxnSpPr>
+            <a:stCxn id="8" idx="3"/>
+            <a:endCxn id="16" idx="1"/>
+          </p:cNvCxnSpPr>
+          <p:nvPr/>
+        </p:nvCxnSpPr>
+        <p:spPr>
+          <a:xfrm>
+            <a:off x="3181443" y="559226"/>
+            <a:ext cx="5169600" cy="25678"/>
+          </a:xfrm>
+          <a:prstGeom prst="straightConnector1">
+            <a:avLst/>
+          </a:prstGeom>
+          <a:ln w="38100">
+            <a:solidFill>
+              <a:schemeClr val="tx1"/>
+            </a:solidFill>
+            <a:prstDash val="sysDot"/>
+            <a:headEnd type="arrow"/>
+            <a:tailEnd type="arrow" w="med" len="lg"/>
+          </a:ln>
+        </p:spPr>
+        <p:style>
+          <a:lnRef idx="1">
+            <a:schemeClr val="accent1"/>
+          </a:lnRef>
+          <a:fillRef idx="0">
+            <a:schemeClr val="accent1"/>
+          </a:fillRef>
+          <a:effectRef idx="0">
+            <a:schemeClr val="accent1"/>
+          </a:effectRef>
+          <a:fontRef idx="minor">
+            <a:schemeClr val="tx1"/>
+          </a:fontRef>
+        </p:style>
+      </p:cxnSp>
+      <p:sp>
+        <p:nvSpPr>
+          <p:cNvPr id="19" name="圓角矩形 18"/>
+          <p:cNvSpPr/>
+          <p:nvPr/>
+        </p:nvSpPr>
+        <p:spPr>
+          <a:xfrm>
+            <a:off x="121444" y="1996826"/>
+            <a:ext cx="3060000" cy="914400"/>
+          </a:xfrm>
+          <a:prstGeom prst="roundRect">
+            <a:avLst/>
+          </a:prstGeom>
+          <a:noFill/>
+          <a:ln w="38100">
+            <a:solidFill>
+              <a:schemeClr val="tx1"/>
+            </a:solidFill>
+          </a:ln>
+        </p:spPr>
+        <p:style>
+          <a:lnRef idx="2">
+            <a:schemeClr val="accent1">
+              <a:shade val="50000"/>
+            </a:schemeClr>
+          </a:lnRef>
+          <a:fillRef idx="1">
+            <a:schemeClr val="accent1"/>
+          </a:fillRef>
+          <a:effectRef idx="0">
+            <a:schemeClr val="accent1"/>
+          </a:effectRef>
+          <a:fontRef idx="minor">
+            <a:schemeClr val="lt1"/>
+          </a:fontRef>
+        </p:style>
+        <p:txBody>
+          <a:bodyPr rtlCol="0" anchor="ctr"/>
+          <a:lstStyle/>
+          <a:p>
+            <a:pPr algn="ctr"/>
+            <a:r>
+              <a:rPr lang="en-US" altLang="zh-TW" sz="2000" dirty="0">
+                <a:solidFill>
+                  <a:schemeClr val="tx1"/>
+                </a:solidFill>
+              </a:rPr>
+              <a:t>Deterministic </a:t>
+            </a:r>
+          </a:p>
+          <a:p>
+            <a:pPr algn="ctr"/>
+            <a:r>
+              <a:rPr lang="en-US" altLang="zh-TW" sz="2000" dirty="0">
+                <a:solidFill>
+                  <a:schemeClr val="tx1"/>
+                </a:solidFill>
+              </a:rPr>
+              <a:t>assembly processes of </a:t>
+            </a:r>
+          </a:p>
+          <a:p>
+            <a:pPr algn="ctr"/>
+            <a:r>
+              <a:rPr lang="en-US" altLang="zh-TW" sz="2000" b="1" dirty="0">
+                <a:solidFill>
+                  <a:schemeClr val="tx1"/>
+                </a:solidFill>
+              </a:rPr>
+              <a:t>HNF community</a:t>
+            </a:r>
+            <a:endParaRPr lang="zh-TW" altLang="en-US" sz="2000" b="1" dirty="0">
+              <a:solidFill>
+                <a:schemeClr val="tx1"/>
+              </a:solidFill>
+            </a:endParaRPr>
+          </a:p>
+        </p:txBody>
+      </p:sp>
+      <p:cxnSp>
+        <p:nvCxnSpPr>
+          <p:cNvPr id="12" name="直線單箭頭接點 11"/>
+          <p:cNvCxnSpPr>
+            <a:cxnSpLocks/>
+            <a:stCxn id="8" idx="2"/>
+            <a:endCxn id="19" idx="0"/>
+          </p:cNvCxnSpPr>
+          <p:nvPr/>
+        </p:nvCxnSpPr>
+        <p:spPr>
+          <a:xfrm>
+            <a:off x="1651443" y="1009226"/>
+            <a:ext cx="1" cy="987600"/>
+          </a:xfrm>
+          <a:prstGeom prst="straightConnector1">
+            <a:avLst/>
+          </a:prstGeom>
+          <a:ln w="38100">
+            <a:solidFill>
+              <a:schemeClr val="tx1"/>
+            </a:solidFill>
+            <a:tailEnd type="arrow" w="med" len="lg"/>
+          </a:ln>
+        </p:spPr>
+        <p:style>
+          <a:lnRef idx="1">
+            <a:schemeClr val="accent1"/>
+          </a:lnRef>
+          <a:fillRef idx="0">
+            <a:schemeClr val="accent1"/>
+          </a:fillRef>
+          <a:effectRef idx="0">
+            <a:schemeClr val="accent1"/>
+          </a:effectRef>
+          <a:fontRef idx="minor">
+            <a:schemeClr val="tx1"/>
+          </a:fontRef>
+        </p:style>
+      </p:cxnSp>
+      <p:sp>
+        <p:nvSpPr>
+          <p:cNvPr id="18" name="圓角矩形 18">
+            <a:extLst>
+              <a:ext uri="{FF2B5EF4-FFF2-40B4-BE49-F238E27FC236}">
+                <a16:creationId xmlns:a16="http://schemas.microsoft.com/office/drawing/2014/main" id="{47DE1866-A6CF-489C-848E-A4D8C003E3C0}"/>
+              </a:ext>
+            </a:extLst>
+          </p:cNvPr>
+          <p:cNvSpPr/>
+          <p:nvPr/>
+        </p:nvSpPr>
+        <p:spPr>
+          <a:xfrm>
+            <a:off x="8351043" y="1999931"/>
+            <a:ext cx="3060000" cy="900000"/>
+          </a:xfrm>
+          <a:prstGeom prst="roundRect">
+            <a:avLst/>
+          </a:prstGeom>
+          <a:noFill/>
+          <a:ln w="38100">
+            <a:solidFill>
+              <a:schemeClr val="tx1"/>
+            </a:solidFill>
+          </a:ln>
+        </p:spPr>
+        <p:style>
+          <a:lnRef idx="2">
+            <a:schemeClr val="accent1">
+              <a:shade val="50000"/>
+            </a:schemeClr>
+          </a:lnRef>
+          <a:fillRef idx="1">
+            <a:schemeClr val="accent1"/>
+          </a:fillRef>
+          <a:effectRef idx="0">
+            <a:schemeClr val="accent1"/>
+          </a:effectRef>
+          <a:fontRef idx="minor">
+            <a:schemeClr val="lt1"/>
+          </a:fontRef>
+        </p:style>
+        <p:txBody>
+          <a:bodyPr rtlCol="0" anchor="ctr"/>
+          <a:lstStyle/>
+          <a:p>
+            <a:pPr algn="ctr"/>
+            <a:r>
+              <a:rPr lang="en-US" altLang="zh-TW" sz="2000" dirty="0">
+                <a:solidFill>
+                  <a:schemeClr val="tx1"/>
+                </a:solidFill>
+              </a:rPr>
+              <a:t>Deterministic </a:t>
+            </a:r>
+          </a:p>
+          <a:p>
+            <a:pPr algn="ctr"/>
+            <a:r>
+              <a:rPr lang="en-US" altLang="zh-TW" sz="2000" dirty="0">
+                <a:solidFill>
+                  <a:schemeClr val="tx1"/>
+                </a:solidFill>
+              </a:rPr>
+              <a:t>assembly processes of </a:t>
+            </a:r>
+          </a:p>
+          <a:p>
+            <a:pPr algn="ctr"/>
+            <a:r>
+              <a:rPr lang="en-US" altLang="zh-TW" sz="2000" b="1" dirty="0">
+                <a:solidFill>
+                  <a:schemeClr val="tx1"/>
+                </a:solidFill>
+              </a:rPr>
+              <a:t>bacteria community</a:t>
+            </a:r>
+            <a:endParaRPr lang="zh-TW" altLang="en-US" sz="2000" b="1" dirty="0">
+              <a:solidFill>
+                <a:schemeClr val="tx1"/>
+              </a:solidFill>
+            </a:endParaRPr>
+          </a:p>
+        </p:txBody>
+      </p:sp>
+      <p:cxnSp>
+        <p:nvCxnSpPr>
+          <p:cNvPr id="28" name="直線單箭頭接點 11">
+            <a:extLst>
+              <a:ext uri="{FF2B5EF4-FFF2-40B4-BE49-F238E27FC236}">
+                <a16:creationId xmlns:a16="http://schemas.microsoft.com/office/drawing/2014/main" id="{2F63CEA1-FDB0-4466-9AF7-10C6638C7A69}"/>
+              </a:ext>
+            </a:extLst>
+          </p:cNvPr>
+          <p:cNvCxnSpPr>
+            <a:cxnSpLocks/>
+            <a:stCxn id="16" idx="2"/>
+            <a:endCxn id="18" idx="0"/>
+          </p:cNvCxnSpPr>
+          <p:nvPr/>
+        </p:nvCxnSpPr>
+        <p:spPr>
+          <a:xfrm>
+            <a:off x="9881043" y="1042104"/>
+            <a:ext cx="0" cy="957827"/>
+          </a:xfrm>
+          <a:prstGeom prst="straightConnector1">
+            <a:avLst/>
+          </a:prstGeom>
+          <a:ln w="38100">
+            <a:solidFill>
+              <a:schemeClr val="tx1"/>
+            </a:solidFill>
+            <a:tailEnd type="arrow" w="med" len="lg"/>
+          </a:ln>
+        </p:spPr>
+        <p:style>
+          <a:lnRef idx="1">
+            <a:schemeClr val="accent1"/>
+          </a:lnRef>
+          <a:fillRef idx="0">
+            <a:schemeClr val="accent1"/>
+          </a:fillRef>
+          <a:effectRef idx="0">
+            <a:schemeClr val="accent1"/>
+          </a:effectRef>
+          <a:fontRef idx="minor">
+            <a:schemeClr val="tx1"/>
+          </a:fontRef>
+        </p:style>
+      </p:cxnSp>
+      <p:cxnSp>
+        <p:nvCxnSpPr>
+          <p:cNvPr id="33" name="直線單箭頭接點 11">
+            <a:extLst>
+              <a:ext uri="{FF2B5EF4-FFF2-40B4-BE49-F238E27FC236}">
+                <a16:creationId xmlns:a16="http://schemas.microsoft.com/office/drawing/2014/main" id="{F0875757-B921-4728-87AA-413F44467B51}"/>
+              </a:ext>
+            </a:extLst>
+          </p:cNvPr>
+          <p:cNvCxnSpPr>
+            <a:cxnSpLocks/>
+            <a:stCxn id="19" idx="3"/>
+            <a:endCxn id="16" idx="1"/>
+          </p:cNvCxnSpPr>
+          <p:nvPr/>
+        </p:nvCxnSpPr>
+        <p:spPr>
+          <a:xfrm flipV="1">
+            <a:off x="3181444" y="584904"/>
+            <a:ext cx="5169599" cy="1869122"/>
+          </a:xfrm>
+          <a:prstGeom prst="straightConnector1">
+            <a:avLst/>
+          </a:prstGeom>
+          <a:ln w="38100">
+            <a:solidFill>
+              <a:schemeClr val="tx1"/>
+            </a:solidFill>
+            <a:tailEnd type="arrow" w="med" len="lg"/>
+          </a:ln>
+        </p:spPr>
+        <p:style>
+          <a:lnRef idx="1">
+            <a:schemeClr val="accent1"/>
+          </a:lnRef>
+          <a:fillRef idx="0">
+            <a:schemeClr val="accent1"/>
+          </a:fillRef>
+          <a:effectRef idx="0">
+            <a:schemeClr val="accent1"/>
+          </a:effectRef>
+          <a:fontRef idx="minor">
+            <a:schemeClr val="tx1"/>
+          </a:fontRef>
+        </p:style>
+      </p:cxnSp>
+      <p:cxnSp>
+        <p:nvCxnSpPr>
+          <p:cNvPr id="34" name="直線單箭頭接點 11">
+            <a:extLst>
+              <a:ext uri="{FF2B5EF4-FFF2-40B4-BE49-F238E27FC236}">
+                <a16:creationId xmlns:a16="http://schemas.microsoft.com/office/drawing/2014/main" id="{7DB4E6F1-6E32-4553-A7DF-D1C5A6D92F70}"/>
+              </a:ext>
+            </a:extLst>
+          </p:cNvPr>
+          <p:cNvCxnSpPr>
+            <a:cxnSpLocks/>
+            <a:stCxn id="18" idx="1"/>
+            <a:endCxn id="8" idx="3"/>
+          </p:cNvCxnSpPr>
+          <p:nvPr/>
+        </p:nvCxnSpPr>
+        <p:spPr>
+          <a:xfrm flipH="1" flipV="1">
+            <a:off x="3181443" y="559226"/>
+            <a:ext cx="5169600" cy="1890705"/>
+          </a:xfrm>
+          <a:prstGeom prst="straightConnector1">
+            <a:avLst/>
+          </a:prstGeom>
+          <a:ln w="38100">
+            <a:solidFill>
+              <a:schemeClr val="tx1"/>
+            </a:solidFill>
+            <a:tailEnd type="arrow" w="med" len="lg"/>
+          </a:ln>
+        </p:spPr>
+        <p:style>
+          <a:lnRef idx="1">
+            <a:schemeClr val="accent1"/>
+          </a:lnRef>
+          <a:fillRef idx="0">
+            <a:schemeClr val="accent1"/>
+          </a:fillRef>
+          <a:effectRef idx="0">
+            <a:schemeClr val="accent1"/>
+          </a:effectRef>
+          <a:fontRef idx="minor">
+            <a:schemeClr val="tx1"/>
+          </a:fontRef>
+        </p:style>
+      </p:cxnSp>
+      <p:cxnSp>
+        <p:nvCxnSpPr>
+          <p:cNvPr id="13" name="直線單箭頭接點 11">
+            <a:extLst>
+              <a:ext uri="{FF2B5EF4-FFF2-40B4-BE49-F238E27FC236}">
+                <a16:creationId xmlns:a16="http://schemas.microsoft.com/office/drawing/2014/main" id="{7DB4E6F1-6E32-4553-A7DF-D1C5A6D92F70}"/>
+              </a:ext>
+            </a:extLst>
+          </p:cNvPr>
+          <p:cNvCxnSpPr>
+            <a:cxnSpLocks/>
+          </p:cNvCxnSpPr>
+          <p:nvPr/>
+        </p:nvCxnSpPr>
+        <p:spPr>
+          <a:xfrm flipH="1" flipV="1">
+            <a:off x="1619504" y="3252030"/>
+            <a:ext cx="17412" cy="2246813"/>
+          </a:xfrm>
+          <a:prstGeom prst="straightConnector1">
+            <a:avLst/>
+          </a:prstGeom>
+          <a:ln w="38100">
+            <a:solidFill>
+              <a:schemeClr val="tx1"/>
+            </a:solidFill>
+            <a:tailEnd type="arrow" w="med" len="lg"/>
+          </a:ln>
+        </p:spPr>
+        <p:style>
+          <a:lnRef idx="1">
+            <a:schemeClr val="accent1"/>
+          </a:lnRef>
+          <a:fillRef idx="0">
+            <a:schemeClr val="accent1"/>
+          </a:fillRef>
+          <a:effectRef idx="0">
+            <a:schemeClr val="accent1"/>
+          </a:effectRef>
+          <a:fontRef idx="minor">
+            <a:schemeClr val="tx1"/>
+          </a:fontRef>
+        </p:style>
+      </p:cxnSp>
+      <p:cxnSp>
+        <p:nvCxnSpPr>
+          <p:cNvPr id="15" name="直線單箭頭接點 11">
+            <a:extLst>
+              <a:ext uri="{FF2B5EF4-FFF2-40B4-BE49-F238E27FC236}">
+                <a16:creationId xmlns:a16="http://schemas.microsoft.com/office/drawing/2014/main" id="{7DB4E6F1-6E32-4553-A7DF-D1C5A6D92F70}"/>
+              </a:ext>
+            </a:extLst>
+          </p:cNvPr>
+          <p:cNvCxnSpPr>
+            <a:cxnSpLocks/>
+          </p:cNvCxnSpPr>
+          <p:nvPr/>
+        </p:nvCxnSpPr>
+        <p:spPr>
+          <a:xfrm>
+            <a:off x="1619504" y="5490129"/>
+            <a:ext cx="4007482" cy="0"/>
+          </a:xfrm>
+          <a:prstGeom prst="straightConnector1">
+            <a:avLst/>
+          </a:prstGeom>
+          <a:ln w="38100">
+            <a:solidFill>
+              <a:schemeClr val="tx1"/>
+            </a:solidFill>
+            <a:tailEnd type="arrow" w="med" len="lg"/>
+          </a:ln>
+        </p:spPr>
+        <p:style>
+          <a:lnRef idx="1">
+            <a:schemeClr val="accent1"/>
+          </a:lnRef>
+          <a:fillRef idx="0">
+            <a:schemeClr val="accent1"/>
+          </a:fillRef>
+          <a:effectRef idx="0">
+            <a:schemeClr val="accent1"/>
+          </a:effectRef>
+          <a:fontRef idx="minor">
+            <a:schemeClr val="tx1"/>
+          </a:fontRef>
+        </p:style>
+      </p:cxnSp>
+      <p:cxnSp>
+        <p:nvCxnSpPr>
+          <p:cNvPr id="14" name="直線接點 13"/>
+          <p:cNvCxnSpPr/>
+          <p:nvPr/>
+        </p:nvCxnSpPr>
+        <p:spPr>
+          <a:xfrm flipV="1">
+            <a:off x="1907657" y="4052932"/>
+            <a:ext cx="3448595" cy="1132114"/>
+          </a:xfrm>
+          <a:prstGeom prst="line">
+            <a:avLst/>
+          </a:prstGeom>
+          <a:ln w="38100">
+            <a:solidFill>
+              <a:schemeClr val="tx1"/>
+            </a:solidFill>
+          </a:ln>
+        </p:spPr>
+        <p:style>
+          <a:lnRef idx="1">
+            <a:schemeClr val="accent1"/>
+          </a:lnRef>
+          <a:fillRef idx="0">
+            <a:schemeClr val="accent1"/>
+          </a:fillRef>
+          <a:effectRef idx="0">
+            <a:schemeClr val="accent1"/>
+          </a:effectRef>
+          <a:fontRef idx="minor">
+            <a:schemeClr val="tx1"/>
+          </a:fontRef>
+        </p:style>
+      </p:cxnSp>
+      <p:sp>
+        <p:nvSpPr>
+          <p:cNvPr id="17" name="矩形 16"/>
+          <p:cNvSpPr/>
+          <p:nvPr/>
+        </p:nvSpPr>
+        <p:spPr>
+          <a:xfrm>
+            <a:off x="2263707" y="5619560"/>
+            <a:ext cx="2389693" cy="369332"/>
+          </a:xfrm>
+          <a:prstGeom prst="rect">
+            <a:avLst/>
+          </a:prstGeom>
+        </p:spPr>
+        <p:txBody>
+          <a:bodyPr wrap="none">
+            <a:spAutoFit/>
+          </a:bodyPr>
+          <a:lstStyle/>
+          <a:p>
+            <a:pPr algn="ctr"/>
+            <a:r>
+              <a:rPr lang="en-US" altLang="zh-TW" sz="1800" dirty="0"/>
+              <a:t>Bacteria (HNF) diversity</a:t>
+            </a:r>
+            <a:endParaRPr lang="zh-TW" altLang="en-US" sz="1800" dirty="0"/>
+          </a:p>
+        </p:txBody>
+      </p:sp>
+      <p:sp>
+        <p:nvSpPr>
+          <p:cNvPr id="20" name="矩形 19"/>
+          <p:cNvSpPr/>
+          <p:nvPr/>
+        </p:nvSpPr>
+        <p:spPr>
+          <a:xfrm rot="-5400000">
+            <a:off x="-466375" y="3913768"/>
+            <a:ext cx="2906950" cy="923330"/>
+          </a:xfrm>
+          <a:prstGeom prst="rect">
+            <a:avLst/>
+          </a:prstGeom>
+        </p:spPr>
+        <p:txBody>
+          <a:bodyPr wrap="none">
+            <a:spAutoFit/>
+          </a:bodyPr>
+          <a:lstStyle/>
+          <a:p>
+            <a:pPr algn="ctr"/>
+            <a:r>
+              <a:rPr lang="en-US" altLang="zh-TW" sz="1800" dirty="0"/>
+              <a:t>Deterministic </a:t>
+            </a:r>
+          </a:p>
+          <a:p>
+            <a:pPr algn="ctr"/>
+            <a:r>
+              <a:rPr lang="en-US" altLang="zh-TW" sz="1800" dirty="0"/>
+              <a:t>assembly processes </a:t>
+            </a:r>
+          </a:p>
+          <a:p>
+            <a:pPr algn="ctr"/>
+            <a:r>
+              <a:rPr lang="en-US" altLang="zh-TW" sz="1800" dirty="0"/>
+              <a:t>of HNF (Bacteria) community</a:t>
+            </a:r>
+            <a:endParaRPr lang="zh-TW" altLang="en-US" sz="1800" dirty="0"/>
+          </a:p>
+        </p:txBody>
+      </p:sp>
+      <p:cxnSp>
+        <p:nvCxnSpPr>
+          <p:cNvPr id="24" name="直線單箭頭接點 11">
+            <a:extLst>
+              <a:ext uri="{FF2B5EF4-FFF2-40B4-BE49-F238E27FC236}">
+                <a16:creationId xmlns:a16="http://schemas.microsoft.com/office/drawing/2014/main" id="{7DB4E6F1-6E32-4553-A7DF-D1C5A6D92F70}"/>
+              </a:ext>
+            </a:extLst>
+          </p:cNvPr>
+          <p:cNvCxnSpPr>
+            <a:cxnSpLocks/>
+          </p:cNvCxnSpPr>
+          <p:nvPr/>
+        </p:nvCxnSpPr>
+        <p:spPr>
+          <a:xfrm flipH="1" flipV="1">
+            <a:off x="6892544" y="3252029"/>
+            <a:ext cx="17412" cy="2246813"/>
+          </a:xfrm>
+          <a:prstGeom prst="straightConnector1">
+            <a:avLst/>
+          </a:prstGeom>
+          <a:ln w="38100">
+            <a:solidFill>
+              <a:schemeClr val="tx1"/>
+            </a:solidFill>
+            <a:tailEnd type="arrow" w="med" len="lg"/>
+          </a:ln>
+        </p:spPr>
+        <p:style>
+          <a:lnRef idx="1">
+            <a:schemeClr val="accent1"/>
+          </a:lnRef>
+          <a:fillRef idx="0">
+            <a:schemeClr val="accent1"/>
+          </a:fillRef>
+          <a:effectRef idx="0">
+            <a:schemeClr val="accent1"/>
+          </a:effectRef>
+          <a:fontRef idx="minor">
+            <a:schemeClr val="tx1"/>
+          </a:fontRef>
+        </p:style>
+      </p:cxnSp>
+      <p:cxnSp>
+        <p:nvCxnSpPr>
+          <p:cNvPr id="25" name="直線單箭頭接點 11">
+            <a:extLst>
+              <a:ext uri="{FF2B5EF4-FFF2-40B4-BE49-F238E27FC236}">
+                <a16:creationId xmlns:a16="http://schemas.microsoft.com/office/drawing/2014/main" id="{7DB4E6F1-6E32-4553-A7DF-D1C5A6D92F70}"/>
+              </a:ext>
+            </a:extLst>
+          </p:cNvPr>
+          <p:cNvCxnSpPr>
+            <a:cxnSpLocks/>
+          </p:cNvCxnSpPr>
+          <p:nvPr/>
+        </p:nvCxnSpPr>
+        <p:spPr>
+          <a:xfrm>
+            <a:off x="6892544" y="5490128"/>
+            <a:ext cx="4007482" cy="0"/>
+          </a:xfrm>
+          <a:prstGeom prst="straightConnector1">
+            <a:avLst/>
+          </a:prstGeom>
+          <a:ln w="38100">
+            <a:solidFill>
+              <a:schemeClr val="tx1"/>
+            </a:solidFill>
+            <a:tailEnd type="arrow" w="med" len="lg"/>
+          </a:ln>
+        </p:spPr>
+        <p:style>
+          <a:lnRef idx="1">
+            <a:schemeClr val="accent1"/>
+          </a:lnRef>
+          <a:fillRef idx="0">
+            <a:schemeClr val="accent1"/>
+          </a:fillRef>
+          <a:effectRef idx="0">
+            <a:schemeClr val="accent1"/>
+          </a:effectRef>
+          <a:fontRef idx="minor">
+            <a:schemeClr val="tx1"/>
+          </a:fontRef>
+        </p:style>
+      </p:cxnSp>
+      <p:cxnSp>
+        <p:nvCxnSpPr>
+          <p:cNvPr id="26" name="直線接點 25"/>
+          <p:cNvCxnSpPr/>
+          <p:nvPr/>
+        </p:nvCxnSpPr>
+        <p:spPr>
+          <a:xfrm flipV="1">
+            <a:off x="7180697" y="4052931"/>
+            <a:ext cx="3448595" cy="1132114"/>
+          </a:xfrm>
+          <a:prstGeom prst="line">
+            <a:avLst/>
+          </a:prstGeom>
+          <a:ln w="38100">
+            <a:solidFill>
+              <a:schemeClr val="tx1"/>
+            </a:solidFill>
+          </a:ln>
+        </p:spPr>
+        <p:style>
+          <a:lnRef idx="1">
+            <a:schemeClr val="accent1"/>
+          </a:lnRef>
+          <a:fillRef idx="0">
+            <a:schemeClr val="accent1"/>
+          </a:fillRef>
+          <a:effectRef idx="0">
+            <a:schemeClr val="accent1"/>
+          </a:effectRef>
+          <a:fontRef idx="minor">
+            <a:schemeClr val="tx1"/>
+          </a:fontRef>
+        </p:style>
+      </p:cxnSp>
+      <p:sp>
+        <p:nvSpPr>
+          <p:cNvPr id="27" name="矩形 26"/>
+          <p:cNvSpPr/>
+          <p:nvPr/>
+        </p:nvSpPr>
+        <p:spPr>
+          <a:xfrm rot="-5400000">
+            <a:off x="5347035" y="4190765"/>
+            <a:ext cx="2389693" cy="369332"/>
+          </a:xfrm>
+          <a:prstGeom prst="rect">
+            <a:avLst/>
+          </a:prstGeom>
+        </p:spPr>
+        <p:txBody>
+          <a:bodyPr wrap="none">
+            <a:spAutoFit/>
+          </a:bodyPr>
+          <a:lstStyle/>
+          <a:p>
+            <a:pPr algn="ctr"/>
+            <a:r>
+              <a:rPr lang="en-US" altLang="zh-TW" sz="1800" dirty="0"/>
+              <a:t>HNF (Bacteria) diversity</a:t>
+            </a:r>
+            <a:endParaRPr lang="zh-TW" altLang="en-US" sz="1800" dirty="0"/>
+          </a:p>
+        </p:txBody>
+      </p:sp>
+      <p:sp>
+        <p:nvSpPr>
+          <p:cNvPr id="37" name="矩形 36"/>
+          <p:cNvSpPr/>
+          <p:nvPr/>
+        </p:nvSpPr>
+        <p:spPr>
+          <a:xfrm>
+            <a:off x="7213052" y="5511289"/>
+            <a:ext cx="3383875" cy="646331"/>
+          </a:xfrm>
+          <a:prstGeom prst="rect">
+            <a:avLst/>
+          </a:prstGeom>
+        </p:spPr>
+        <p:txBody>
+          <a:bodyPr wrap="none">
+            <a:spAutoFit/>
+          </a:bodyPr>
+          <a:lstStyle/>
+          <a:p>
+            <a:pPr algn="ctr"/>
+            <a:r>
+              <a:rPr lang="en-US" altLang="zh-TW" sz="1800" dirty="0"/>
+              <a:t>Deterministic assembly processes </a:t>
+            </a:r>
+          </a:p>
+          <a:p>
+            <a:pPr algn="ctr"/>
+            <a:r>
+              <a:rPr lang="en-US" altLang="zh-TW" sz="1800" dirty="0"/>
+              <a:t>of HNF (Bacteria) community</a:t>
+            </a:r>
+            <a:endParaRPr lang="zh-TW" altLang="en-US" sz="1800" dirty="0"/>
+          </a:p>
+        </p:txBody>
+      </p:sp>
+    </p:spTree>
+    <p:extLst>
+      <p:ext uri="{BB962C8B-B14F-4D97-AF65-F5344CB8AC3E}">
+        <p14:creationId xmlns:p14="http://schemas.microsoft.com/office/powerpoint/2010/main" val="224653392"/>
+      </p:ext>
+    </p:extLst>
+  </p:cSld>
+  <p:clrMapOvr>
+    <a:masterClrMapping/>
+  </p:clrMapOvr>
+</p:sld>
+</file>
+
+<file path=ppt/slides/slide4.xml><?xml version="1.0" encoding="utf-8"?>
+<p:sld xmlns:a="http://schemas.openxmlformats.org/drawingml/2006/main" xmlns:r="http://schemas.openxmlformats.org/officeDocument/2006/relationships" xmlns:p="http://schemas.openxmlformats.org/presentationml/2006/main">
+  <p:cSld>
+    <p:spTree>
+      <p:nvGrpSpPr>
+        <p:cNvPr id="1" name=""/>
+        <p:cNvGrpSpPr/>
+        <p:nvPr/>
+      </p:nvGrpSpPr>
+      <p:grpSpPr>
+        <a:xfrm>
+          <a:off x="0" y="0"/>
+          <a:ext cx="0" cy="0"/>
+          <a:chOff x="0" y="0"/>
+          <a:chExt cx="0" cy="0"/>
+        </a:xfrm>
+      </p:grpSpPr>
+      <p:sp>
+        <p:nvSpPr>
+          <p:cNvPr id="8" name="圓角矩形 7"/>
+          <p:cNvSpPr/>
+          <p:nvPr/>
+        </p:nvSpPr>
+        <p:spPr>
+          <a:xfrm>
+            <a:off x="121443" y="109226"/>
+            <a:ext cx="3060000" cy="720000"/>
+          </a:xfrm>
+          <a:prstGeom prst="roundRect">
+            <a:avLst/>
+          </a:prstGeom>
+          <a:noFill/>
+          <a:ln w="38100">
+            <a:solidFill>
+              <a:schemeClr val="tx1"/>
+            </a:solidFill>
+          </a:ln>
+        </p:spPr>
+        <p:style>
+          <a:lnRef idx="2">
+            <a:schemeClr val="accent1">
+              <a:shade val="50000"/>
+            </a:schemeClr>
+          </a:lnRef>
+          <a:fillRef idx="1">
+            <a:schemeClr val="accent1"/>
+          </a:fillRef>
+          <a:effectRef idx="0">
+            <a:schemeClr val="accent1"/>
+          </a:effectRef>
+          <a:fontRef idx="minor">
+            <a:schemeClr val="lt1"/>
+          </a:fontRef>
+        </p:style>
+        <p:txBody>
+          <a:bodyPr rtlCol="0" anchor="ctr"/>
+          <a:lstStyle/>
+          <a:p>
+            <a:pPr algn="ctr"/>
+            <a:r>
+              <a:rPr lang="en-US" altLang="zh-TW" sz="1600" dirty="0">
+                <a:solidFill>
+                  <a:schemeClr val="tx1"/>
+                </a:solidFill>
+              </a:rPr>
+              <a:t>Bacteria diversity</a:t>
+            </a:r>
+            <a:endParaRPr lang="zh-TW" altLang="en-US" sz="1600" dirty="0">
+              <a:solidFill>
+                <a:schemeClr val="tx1"/>
+              </a:solidFill>
+            </a:endParaRPr>
+          </a:p>
+        </p:txBody>
+      </p:sp>
+      <p:sp>
+        <p:nvSpPr>
+          <p:cNvPr id="16" name="圓角矩形 15"/>
+          <p:cNvSpPr/>
+          <p:nvPr/>
+        </p:nvSpPr>
+        <p:spPr>
+          <a:xfrm>
+            <a:off x="8351043" y="127704"/>
+            <a:ext cx="3060000" cy="720000"/>
+          </a:xfrm>
+          <a:prstGeom prst="roundRect">
+            <a:avLst/>
+          </a:prstGeom>
+          <a:noFill/>
+          <a:ln w="38100">
+            <a:solidFill>
+              <a:schemeClr val="tx1"/>
+            </a:solidFill>
+          </a:ln>
+        </p:spPr>
+        <p:style>
+          <a:lnRef idx="2">
+            <a:schemeClr val="accent1">
+              <a:shade val="50000"/>
+            </a:schemeClr>
+          </a:lnRef>
+          <a:fillRef idx="1">
+            <a:schemeClr val="accent1"/>
+          </a:fillRef>
+          <a:effectRef idx="0">
+            <a:schemeClr val="accent1"/>
+          </a:effectRef>
+          <a:fontRef idx="minor">
+            <a:schemeClr val="lt1"/>
+          </a:fontRef>
+        </p:style>
+        <p:txBody>
+          <a:bodyPr rtlCol="0" anchor="ctr"/>
+          <a:lstStyle/>
+          <a:p>
+            <a:pPr algn="ctr"/>
+            <a:r>
+              <a:rPr lang="en-US" altLang="zh-TW" sz="1600" dirty="0">
+                <a:solidFill>
+                  <a:schemeClr val="tx1"/>
+                </a:solidFill>
+              </a:rPr>
+              <a:t>HNF diversity</a:t>
+            </a:r>
+            <a:endParaRPr lang="zh-TW" altLang="en-US" sz="1600" dirty="0">
+              <a:solidFill>
+                <a:schemeClr val="tx1"/>
+              </a:solidFill>
+            </a:endParaRPr>
+          </a:p>
+        </p:txBody>
+      </p:sp>
+      <p:cxnSp>
+        <p:nvCxnSpPr>
+          <p:cNvPr id="10" name="直線單箭頭接點 9"/>
+          <p:cNvCxnSpPr>
+            <a:stCxn id="8" idx="3"/>
+            <a:endCxn id="16" idx="1"/>
+          </p:cNvCxnSpPr>
+          <p:nvPr/>
+        </p:nvCxnSpPr>
+        <p:spPr>
+          <a:xfrm>
+            <a:off x="3181443" y="469226"/>
+            <a:ext cx="5169600" cy="18478"/>
+          </a:xfrm>
+          <a:prstGeom prst="straightConnector1">
+            <a:avLst/>
+          </a:prstGeom>
+          <a:ln w="38100">
+            <a:solidFill>
+              <a:schemeClr val="tx1"/>
+            </a:solidFill>
+            <a:prstDash val="sysDot"/>
+            <a:headEnd type="arrow"/>
+            <a:tailEnd type="arrow" w="med" len="lg"/>
+          </a:ln>
+        </p:spPr>
+        <p:style>
+          <a:lnRef idx="1">
+            <a:schemeClr val="accent1"/>
+          </a:lnRef>
+          <a:fillRef idx="0">
+            <a:schemeClr val="accent1"/>
+          </a:fillRef>
+          <a:effectRef idx="0">
+            <a:schemeClr val="accent1"/>
+          </a:effectRef>
+          <a:fontRef idx="minor">
+            <a:schemeClr val="tx1"/>
+          </a:fontRef>
+        </p:style>
+      </p:cxnSp>
+      <p:sp>
+        <p:nvSpPr>
+          <p:cNvPr id="19" name="圓角矩形 18"/>
+          <p:cNvSpPr/>
+          <p:nvPr/>
+        </p:nvSpPr>
+        <p:spPr>
+          <a:xfrm>
+            <a:off x="121444" y="1996826"/>
+            <a:ext cx="3060000" cy="900000"/>
+          </a:xfrm>
+          <a:prstGeom prst="roundRect">
+            <a:avLst/>
+          </a:prstGeom>
+          <a:noFill/>
+          <a:ln w="38100">
+            <a:solidFill>
+              <a:schemeClr val="tx1"/>
+            </a:solidFill>
+          </a:ln>
+        </p:spPr>
+        <p:style>
+          <a:lnRef idx="2">
+            <a:schemeClr val="accent1">
+              <a:shade val="50000"/>
+            </a:schemeClr>
+          </a:lnRef>
+          <a:fillRef idx="1">
+            <a:schemeClr val="accent1"/>
+          </a:fillRef>
+          <a:effectRef idx="0">
+            <a:schemeClr val="accent1"/>
+          </a:effectRef>
+          <a:fontRef idx="minor">
+            <a:schemeClr val="lt1"/>
+          </a:fontRef>
+        </p:style>
+        <p:txBody>
+          <a:bodyPr rtlCol="0" anchor="ctr"/>
+          <a:lstStyle/>
+          <a:p>
+            <a:pPr algn="ctr"/>
+            <a:r>
+              <a:rPr lang="en-US" altLang="zh-TW" sz="1600" dirty="0">
+                <a:solidFill>
+                  <a:schemeClr val="tx1"/>
+                </a:solidFill>
+              </a:rPr>
+              <a:t>Deterministic </a:t>
+            </a:r>
+          </a:p>
+          <a:p>
+            <a:pPr algn="ctr"/>
+            <a:r>
+              <a:rPr lang="en-US" altLang="zh-TW" sz="1600" dirty="0">
+                <a:solidFill>
+                  <a:schemeClr val="tx1"/>
+                </a:solidFill>
+              </a:rPr>
+              <a:t>assembly processes of </a:t>
+            </a:r>
+          </a:p>
+          <a:p>
+            <a:pPr algn="ctr"/>
+            <a:r>
+              <a:rPr lang="en-US" altLang="zh-TW" sz="1600" b="1" dirty="0">
+                <a:solidFill>
+                  <a:schemeClr val="tx1"/>
+                </a:solidFill>
+              </a:rPr>
+              <a:t>HNF community</a:t>
+            </a:r>
+            <a:endParaRPr lang="zh-TW" altLang="en-US" sz="1600" b="1" dirty="0">
+              <a:solidFill>
+                <a:schemeClr val="tx1"/>
+              </a:solidFill>
+            </a:endParaRPr>
+          </a:p>
+        </p:txBody>
+      </p:sp>
+      <p:cxnSp>
+        <p:nvCxnSpPr>
+          <p:cNvPr id="12" name="直線單箭頭接點 11"/>
+          <p:cNvCxnSpPr>
+            <a:cxnSpLocks/>
+            <a:stCxn id="8" idx="2"/>
+            <a:endCxn id="19" idx="0"/>
+          </p:cNvCxnSpPr>
+          <p:nvPr/>
+        </p:nvCxnSpPr>
+        <p:spPr>
+          <a:xfrm>
+            <a:off x="1651447" y="829226"/>
+            <a:ext cx="1" cy="1167600"/>
+          </a:xfrm>
+          <a:prstGeom prst="straightConnector1">
+            <a:avLst/>
+          </a:prstGeom>
+          <a:ln w="38100">
+            <a:solidFill>
+              <a:schemeClr val="tx1"/>
+            </a:solidFill>
+            <a:tailEnd type="arrow" w="med" len="lg"/>
+          </a:ln>
+        </p:spPr>
+        <p:style>
+          <a:lnRef idx="1">
+            <a:schemeClr val="accent1"/>
+          </a:lnRef>
+          <a:fillRef idx="0">
+            <a:schemeClr val="accent1"/>
+          </a:fillRef>
+          <a:effectRef idx="0">
+            <a:schemeClr val="accent1"/>
+          </a:effectRef>
+          <a:fontRef idx="minor">
+            <a:schemeClr val="tx1"/>
+          </a:fontRef>
+        </p:style>
+      </p:cxnSp>
+      <p:sp>
+        <p:nvSpPr>
+          <p:cNvPr id="18" name="圓角矩形 18">
+            <a:extLst>
+              <a:ext uri="{FF2B5EF4-FFF2-40B4-BE49-F238E27FC236}">
+                <a16:creationId xmlns:a16="http://schemas.microsoft.com/office/drawing/2014/main" id="{47DE1866-A6CF-489C-848E-A4D8C003E3C0}"/>
+              </a:ext>
+            </a:extLst>
+          </p:cNvPr>
+          <p:cNvSpPr/>
+          <p:nvPr/>
+        </p:nvSpPr>
+        <p:spPr>
+          <a:xfrm>
+            <a:off x="8351043" y="1999931"/>
+            <a:ext cx="3060000" cy="900000"/>
+          </a:xfrm>
+          <a:prstGeom prst="roundRect">
+            <a:avLst/>
+          </a:prstGeom>
+          <a:noFill/>
+          <a:ln w="38100">
+            <a:solidFill>
+              <a:schemeClr val="tx1"/>
+            </a:solidFill>
+          </a:ln>
+        </p:spPr>
+        <p:style>
+          <a:lnRef idx="2">
+            <a:schemeClr val="accent1">
+              <a:shade val="50000"/>
+            </a:schemeClr>
+          </a:lnRef>
+          <a:fillRef idx="1">
+            <a:schemeClr val="accent1"/>
+          </a:fillRef>
+          <a:effectRef idx="0">
+            <a:schemeClr val="accent1"/>
+          </a:effectRef>
+          <a:fontRef idx="minor">
+            <a:schemeClr val="lt1"/>
+          </a:fontRef>
+        </p:style>
+        <p:txBody>
+          <a:bodyPr rtlCol="0" anchor="ctr"/>
+          <a:lstStyle/>
+          <a:p>
+            <a:pPr algn="ctr"/>
+            <a:r>
+              <a:rPr lang="en-US" altLang="zh-TW" sz="1600" dirty="0">
+                <a:solidFill>
+                  <a:schemeClr val="tx1"/>
+                </a:solidFill>
+              </a:rPr>
+              <a:t>Deterministic </a:t>
+            </a:r>
+          </a:p>
+          <a:p>
+            <a:pPr algn="ctr"/>
+            <a:r>
+              <a:rPr lang="en-US" altLang="zh-TW" sz="1600" dirty="0">
+                <a:solidFill>
+                  <a:schemeClr val="tx1"/>
+                </a:solidFill>
+              </a:rPr>
+              <a:t>assembly processes of </a:t>
+            </a:r>
+          </a:p>
+          <a:p>
+            <a:pPr algn="ctr"/>
+            <a:r>
+              <a:rPr lang="en-US" altLang="zh-TW" sz="1600" b="1" dirty="0">
+                <a:solidFill>
+                  <a:schemeClr val="tx1"/>
+                </a:solidFill>
+              </a:rPr>
+              <a:t>Bacteria community</a:t>
+            </a:r>
+            <a:endParaRPr lang="zh-TW" altLang="en-US" sz="1600" b="1" dirty="0">
+              <a:solidFill>
+                <a:schemeClr val="tx1"/>
+              </a:solidFill>
+            </a:endParaRPr>
+          </a:p>
+        </p:txBody>
+      </p:sp>
+      <p:cxnSp>
+        <p:nvCxnSpPr>
+          <p:cNvPr id="28" name="直線單箭頭接點 11">
+            <a:extLst>
+              <a:ext uri="{FF2B5EF4-FFF2-40B4-BE49-F238E27FC236}">
+                <a16:creationId xmlns:a16="http://schemas.microsoft.com/office/drawing/2014/main" id="{2F63CEA1-FDB0-4466-9AF7-10C6638C7A69}"/>
+              </a:ext>
+            </a:extLst>
+          </p:cNvPr>
+          <p:cNvCxnSpPr>
+            <a:cxnSpLocks/>
+            <a:stCxn id="16" idx="2"/>
+            <a:endCxn id="18" idx="0"/>
+          </p:cNvCxnSpPr>
+          <p:nvPr/>
+        </p:nvCxnSpPr>
+        <p:spPr>
+          <a:xfrm>
+            <a:off x="9881043" y="847708"/>
+            <a:ext cx="0" cy="1152227"/>
+          </a:xfrm>
+          <a:prstGeom prst="straightConnector1">
+            <a:avLst/>
+          </a:prstGeom>
+          <a:ln w="38100">
+            <a:solidFill>
+              <a:schemeClr val="tx1"/>
+            </a:solidFill>
+            <a:tailEnd type="arrow" w="med" len="lg"/>
+          </a:ln>
+        </p:spPr>
+        <p:style>
+          <a:lnRef idx="1">
+            <a:schemeClr val="accent1"/>
+          </a:lnRef>
+          <a:fillRef idx="0">
+            <a:schemeClr val="accent1"/>
+          </a:fillRef>
+          <a:effectRef idx="0">
+            <a:schemeClr val="accent1"/>
+          </a:effectRef>
+          <a:fontRef idx="minor">
+            <a:schemeClr val="tx1"/>
+          </a:fontRef>
+        </p:style>
+      </p:cxnSp>
+      <p:cxnSp>
+        <p:nvCxnSpPr>
+          <p:cNvPr id="33" name="直線單箭頭接點 11">
+            <a:extLst>
+              <a:ext uri="{FF2B5EF4-FFF2-40B4-BE49-F238E27FC236}">
+                <a16:creationId xmlns:a16="http://schemas.microsoft.com/office/drawing/2014/main" id="{F0875757-B921-4728-87AA-413F44467B51}"/>
+              </a:ext>
+            </a:extLst>
+          </p:cNvPr>
+          <p:cNvCxnSpPr>
+            <a:cxnSpLocks/>
+            <a:stCxn id="19" idx="3"/>
+            <a:endCxn id="16" idx="1"/>
+          </p:cNvCxnSpPr>
+          <p:nvPr/>
+        </p:nvCxnSpPr>
+        <p:spPr>
+          <a:xfrm flipV="1">
+            <a:off x="3181449" y="487704"/>
+            <a:ext cx="5169599" cy="1959122"/>
+          </a:xfrm>
+          <a:prstGeom prst="straightConnector1">
+            <a:avLst/>
+          </a:prstGeom>
+          <a:ln w="38100">
+            <a:solidFill>
+              <a:schemeClr val="tx1"/>
+            </a:solidFill>
+            <a:tailEnd type="arrow" w="med" len="lg"/>
+          </a:ln>
+        </p:spPr>
+        <p:style>
+          <a:lnRef idx="1">
+            <a:schemeClr val="accent1"/>
+          </a:lnRef>
+          <a:fillRef idx="0">
+            <a:schemeClr val="accent1"/>
+          </a:fillRef>
+          <a:effectRef idx="0">
+            <a:schemeClr val="accent1"/>
+          </a:effectRef>
+          <a:fontRef idx="minor">
+            <a:schemeClr val="tx1"/>
+          </a:fontRef>
+        </p:style>
+      </p:cxnSp>
+      <p:cxnSp>
+        <p:nvCxnSpPr>
+          <p:cNvPr id="34" name="直線單箭頭接點 11">
+            <a:extLst>
+              <a:ext uri="{FF2B5EF4-FFF2-40B4-BE49-F238E27FC236}">
+                <a16:creationId xmlns:a16="http://schemas.microsoft.com/office/drawing/2014/main" id="{7DB4E6F1-6E32-4553-A7DF-D1C5A6D92F70}"/>
+              </a:ext>
+            </a:extLst>
+          </p:cNvPr>
+          <p:cNvCxnSpPr>
+            <a:cxnSpLocks/>
+            <a:stCxn id="18" idx="1"/>
+            <a:endCxn id="8" idx="3"/>
+          </p:cNvCxnSpPr>
+          <p:nvPr/>
+        </p:nvCxnSpPr>
+        <p:spPr>
+          <a:xfrm flipH="1" flipV="1">
+            <a:off x="3181443" y="469231"/>
+            <a:ext cx="5169600" cy="1980705"/>
+          </a:xfrm>
+          <a:prstGeom prst="straightConnector1">
+            <a:avLst/>
+          </a:prstGeom>
+          <a:ln w="38100">
+            <a:solidFill>
+              <a:schemeClr val="tx1"/>
+            </a:solidFill>
+            <a:tailEnd type="arrow" w="med" len="lg"/>
+          </a:ln>
+        </p:spPr>
+        <p:style>
+          <a:lnRef idx="1">
+            <a:schemeClr val="accent1"/>
+          </a:lnRef>
+          <a:fillRef idx="0">
+            <a:schemeClr val="accent1"/>
+          </a:fillRef>
+          <a:effectRef idx="0">
+            <a:schemeClr val="accent1"/>
+          </a:effectRef>
+          <a:fontRef idx="minor">
+            <a:schemeClr val="tx1"/>
+          </a:fontRef>
+        </p:style>
+      </p:cxnSp>
+      <p:cxnSp>
+        <p:nvCxnSpPr>
+          <p:cNvPr id="13" name="直線單箭頭接點 11">
+            <a:extLst>
+              <a:ext uri="{FF2B5EF4-FFF2-40B4-BE49-F238E27FC236}">
+                <a16:creationId xmlns:a16="http://schemas.microsoft.com/office/drawing/2014/main" id="{7DB4E6F1-6E32-4553-A7DF-D1C5A6D92F70}"/>
+              </a:ext>
+            </a:extLst>
+          </p:cNvPr>
+          <p:cNvCxnSpPr>
+            <a:cxnSpLocks/>
+          </p:cNvCxnSpPr>
+          <p:nvPr/>
+        </p:nvCxnSpPr>
+        <p:spPr>
+          <a:xfrm flipH="1" flipV="1">
+            <a:off x="1470210" y="3196048"/>
+            <a:ext cx="17412" cy="2246813"/>
+          </a:xfrm>
+          <a:prstGeom prst="straightConnector1">
+            <a:avLst/>
+          </a:prstGeom>
+          <a:ln w="38100">
+            <a:solidFill>
+              <a:schemeClr val="tx1"/>
+            </a:solidFill>
+            <a:tailEnd type="arrow" w="med" len="lg"/>
+          </a:ln>
+        </p:spPr>
+        <p:style>
+          <a:lnRef idx="1">
+            <a:schemeClr val="accent1"/>
+          </a:lnRef>
+          <a:fillRef idx="0">
+            <a:schemeClr val="accent1"/>
+          </a:fillRef>
+          <a:effectRef idx="0">
+            <a:schemeClr val="accent1"/>
+          </a:effectRef>
+          <a:fontRef idx="minor">
+            <a:schemeClr val="tx1"/>
+          </a:fontRef>
+        </p:style>
+      </p:cxnSp>
+      <p:cxnSp>
+        <p:nvCxnSpPr>
+          <p:cNvPr id="15" name="直線單箭頭接點 11">
+            <a:extLst>
+              <a:ext uri="{FF2B5EF4-FFF2-40B4-BE49-F238E27FC236}">
+                <a16:creationId xmlns:a16="http://schemas.microsoft.com/office/drawing/2014/main" id="{7DB4E6F1-6E32-4553-A7DF-D1C5A6D92F70}"/>
+              </a:ext>
+            </a:extLst>
+          </p:cNvPr>
+          <p:cNvCxnSpPr>
+            <a:cxnSpLocks/>
+          </p:cNvCxnSpPr>
+          <p:nvPr/>
+        </p:nvCxnSpPr>
+        <p:spPr>
+          <a:xfrm>
+            <a:off x="1470210" y="5434147"/>
+            <a:ext cx="4007482" cy="0"/>
+          </a:xfrm>
+          <a:prstGeom prst="straightConnector1">
+            <a:avLst/>
+          </a:prstGeom>
+          <a:ln w="38100">
+            <a:solidFill>
+              <a:schemeClr val="tx1"/>
+            </a:solidFill>
+            <a:tailEnd type="arrow" w="med" len="lg"/>
+          </a:ln>
+        </p:spPr>
+        <p:style>
+          <a:lnRef idx="1">
+            <a:schemeClr val="accent1"/>
+          </a:lnRef>
+          <a:fillRef idx="0">
+            <a:schemeClr val="accent1"/>
+          </a:fillRef>
+          <a:effectRef idx="0">
+            <a:schemeClr val="accent1"/>
+          </a:effectRef>
+          <a:fontRef idx="minor">
+            <a:schemeClr val="tx1"/>
+          </a:fontRef>
+        </p:style>
+      </p:cxnSp>
+      <p:cxnSp>
+        <p:nvCxnSpPr>
+          <p:cNvPr id="14" name="直線接點 13"/>
+          <p:cNvCxnSpPr/>
+          <p:nvPr/>
+        </p:nvCxnSpPr>
+        <p:spPr>
+          <a:xfrm flipV="1">
+            <a:off x="1758363" y="3996950"/>
+            <a:ext cx="3448595" cy="1132114"/>
+          </a:xfrm>
+          <a:prstGeom prst="line">
+            <a:avLst/>
+          </a:prstGeom>
+          <a:ln w="38100">
+            <a:solidFill>
+              <a:schemeClr val="tx1"/>
+            </a:solidFill>
+          </a:ln>
+        </p:spPr>
+        <p:style>
+          <a:lnRef idx="1">
+            <a:schemeClr val="accent1"/>
+          </a:lnRef>
+          <a:fillRef idx="0">
+            <a:schemeClr val="accent1"/>
+          </a:fillRef>
+          <a:effectRef idx="0">
+            <a:schemeClr val="accent1"/>
+          </a:effectRef>
+          <a:fontRef idx="minor">
+            <a:schemeClr val="tx1"/>
+          </a:fontRef>
+        </p:style>
+      </p:cxnSp>
+      <p:sp>
+        <p:nvSpPr>
+          <p:cNvPr id="17" name="矩形 16"/>
+          <p:cNvSpPr/>
+          <p:nvPr/>
+        </p:nvSpPr>
+        <p:spPr>
+          <a:xfrm>
+            <a:off x="2322771" y="5563578"/>
+            <a:ext cx="1972976" cy="317459"/>
+          </a:xfrm>
+          <a:prstGeom prst="rect">
+            <a:avLst/>
+          </a:prstGeom>
+        </p:spPr>
+        <p:txBody>
+          <a:bodyPr wrap="none">
+            <a:spAutoFit/>
+          </a:bodyPr>
+          <a:lstStyle/>
+          <a:p>
+            <a:pPr algn="ctr"/>
+            <a:r>
+              <a:rPr lang="en-US" altLang="zh-TW" dirty="0"/>
+              <a:t>Bacteria (HNF) diversity</a:t>
+            </a:r>
+            <a:endParaRPr lang="zh-TW" altLang="en-US" dirty="0"/>
+          </a:p>
+        </p:txBody>
+      </p:sp>
+      <p:sp>
+        <p:nvSpPr>
+          <p:cNvPr id="20" name="矩形 19"/>
+          <p:cNvSpPr/>
+          <p:nvPr/>
+        </p:nvSpPr>
+        <p:spPr>
+          <a:xfrm rot="-5400000">
+            <a:off x="-307890" y="4048158"/>
+            <a:ext cx="2776593" cy="542584"/>
+          </a:xfrm>
+          <a:prstGeom prst="rect">
+            <a:avLst/>
+          </a:prstGeom>
+        </p:spPr>
+        <p:txBody>
+          <a:bodyPr wrap="none">
+            <a:spAutoFit/>
+          </a:bodyPr>
+          <a:lstStyle/>
+          <a:p>
+            <a:pPr algn="ctr"/>
+            <a:r>
+              <a:rPr lang="en-US" altLang="zh-TW" dirty="0"/>
+              <a:t>Deterministic assembly processes </a:t>
+            </a:r>
+          </a:p>
+          <a:p>
+            <a:pPr algn="ctr"/>
+            <a:r>
+              <a:rPr lang="en-US" altLang="zh-TW" dirty="0"/>
+              <a:t>of HNF (Bacteria) community</a:t>
+            </a:r>
+            <a:endParaRPr lang="zh-TW" altLang="en-US" dirty="0"/>
+          </a:p>
+        </p:txBody>
+      </p:sp>
+      <p:cxnSp>
+        <p:nvCxnSpPr>
+          <p:cNvPr id="24" name="直線單箭頭接點 11">
+            <a:extLst>
+              <a:ext uri="{FF2B5EF4-FFF2-40B4-BE49-F238E27FC236}">
+                <a16:creationId xmlns:a16="http://schemas.microsoft.com/office/drawing/2014/main" id="{7DB4E6F1-6E32-4553-A7DF-D1C5A6D92F70}"/>
+              </a:ext>
+            </a:extLst>
+          </p:cNvPr>
+          <p:cNvCxnSpPr>
+            <a:cxnSpLocks/>
+          </p:cNvCxnSpPr>
+          <p:nvPr/>
+        </p:nvCxnSpPr>
+        <p:spPr>
+          <a:xfrm flipH="1" flipV="1">
+            <a:off x="6743250" y="3196047"/>
+            <a:ext cx="17412" cy="2246813"/>
+          </a:xfrm>
+          <a:prstGeom prst="straightConnector1">
+            <a:avLst/>
+          </a:prstGeom>
+          <a:ln w="38100">
+            <a:solidFill>
+              <a:schemeClr val="tx1"/>
+            </a:solidFill>
+            <a:tailEnd type="arrow" w="med" len="lg"/>
+          </a:ln>
+        </p:spPr>
+        <p:style>
+          <a:lnRef idx="1">
+            <a:schemeClr val="accent1"/>
+          </a:lnRef>
+          <a:fillRef idx="0">
+            <a:schemeClr val="accent1"/>
+          </a:fillRef>
+          <a:effectRef idx="0">
+            <a:schemeClr val="accent1"/>
+          </a:effectRef>
+          <a:fontRef idx="minor">
+            <a:schemeClr val="tx1"/>
+          </a:fontRef>
+        </p:style>
+      </p:cxnSp>
+      <p:cxnSp>
+        <p:nvCxnSpPr>
+          <p:cNvPr id="25" name="直線單箭頭接點 11">
+            <a:extLst>
+              <a:ext uri="{FF2B5EF4-FFF2-40B4-BE49-F238E27FC236}">
+                <a16:creationId xmlns:a16="http://schemas.microsoft.com/office/drawing/2014/main" id="{7DB4E6F1-6E32-4553-A7DF-D1C5A6D92F70}"/>
+              </a:ext>
+            </a:extLst>
+          </p:cNvPr>
+          <p:cNvCxnSpPr>
+            <a:cxnSpLocks/>
+          </p:cNvCxnSpPr>
+          <p:nvPr/>
+        </p:nvCxnSpPr>
+        <p:spPr>
+          <a:xfrm>
+            <a:off x="6743250" y="5434146"/>
+            <a:ext cx="4007482" cy="0"/>
+          </a:xfrm>
+          <a:prstGeom prst="straightConnector1">
+            <a:avLst/>
+          </a:prstGeom>
+          <a:ln w="38100">
+            <a:solidFill>
+              <a:schemeClr val="tx1"/>
+            </a:solidFill>
+            <a:tailEnd type="arrow" w="med" len="lg"/>
+          </a:ln>
+        </p:spPr>
+        <p:style>
+          <a:lnRef idx="1">
+            <a:schemeClr val="accent1"/>
+          </a:lnRef>
+          <a:fillRef idx="0">
+            <a:schemeClr val="accent1"/>
+          </a:fillRef>
+          <a:effectRef idx="0">
+            <a:schemeClr val="accent1"/>
+          </a:effectRef>
+          <a:fontRef idx="minor">
+            <a:schemeClr val="tx1"/>
+          </a:fontRef>
+        </p:style>
+      </p:cxnSp>
+      <p:cxnSp>
+        <p:nvCxnSpPr>
+          <p:cNvPr id="26" name="直線接點 25"/>
+          <p:cNvCxnSpPr/>
+          <p:nvPr/>
+        </p:nvCxnSpPr>
+        <p:spPr>
+          <a:xfrm flipV="1">
+            <a:off x="7031403" y="3996949"/>
+            <a:ext cx="3448595" cy="1132114"/>
+          </a:xfrm>
+          <a:prstGeom prst="line">
+            <a:avLst/>
+          </a:prstGeom>
+          <a:ln w="38100">
+            <a:solidFill>
+              <a:schemeClr val="tx1"/>
+            </a:solidFill>
+          </a:ln>
+        </p:spPr>
+        <p:style>
+          <a:lnRef idx="1">
+            <a:schemeClr val="accent1"/>
+          </a:lnRef>
+          <a:fillRef idx="0">
+            <a:schemeClr val="accent1"/>
+          </a:fillRef>
+          <a:effectRef idx="0">
+            <a:schemeClr val="accent1"/>
+          </a:effectRef>
+          <a:fontRef idx="minor">
+            <a:schemeClr val="tx1"/>
+          </a:fontRef>
+        </p:style>
+      </p:cxnSp>
+      <p:sp>
+        <p:nvSpPr>
+          <p:cNvPr id="27" name="矩形 26"/>
+          <p:cNvSpPr/>
+          <p:nvPr/>
+        </p:nvSpPr>
+        <p:spPr>
+          <a:xfrm rot="-5400000">
+            <a:off x="5385255" y="4160723"/>
+            <a:ext cx="2014654" cy="317459"/>
+          </a:xfrm>
+          <a:prstGeom prst="rect">
+            <a:avLst/>
+          </a:prstGeom>
+        </p:spPr>
+        <p:txBody>
+          <a:bodyPr wrap="none">
+            <a:spAutoFit/>
+          </a:bodyPr>
+          <a:lstStyle/>
+          <a:p>
+            <a:pPr algn="ctr"/>
+            <a:r>
+              <a:rPr lang="en-US" altLang="zh-TW" dirty="0"/>
+              <a:t>HNF (Bacteria) diversity</a:t>
+            </a:r>
+            <a:endParaRPr lang="zh-TW" altLang="en-US" dirty="0"/>
+          </a:p>
+        </p:txBody>
+      </p:sp>
+      <p:sp>
+        <p:nvSpPr>
+          <p:cNvPr id="37" name="矩形 36"/>
+          <p:cNvSpPr/>
+          <p:nvPr/>
+        </p:nvSpPr>
+        <p:spPr>
+          <a:xfrm>
+            <a:off x="7367399" y="5455307"/>
+            <a:ext cx="2776593" cy="542584"/>
+          </a:xfrm>
+          <a:prstGeom prst="rect">
+            <a:avLst/>
+          </a:prstGeom>
+        </p:spPr>
+        <p:txBody>
+          <a:bodyPr wrap="none">
+            <a:spAutoFit/>
+          </a:bodyPr>
+          <a:lstStyle/>
+          <a:p>
+            <a:pPr algn="ctr"/>
+            <a:r>
+              <a:rPr lang="en-US" altLang="zh-TW" dirty="0"/>
+              <a:t>Deterministic assembly processes </a:t>
+            </a:r>
+          </a:p>
+          <a:p>
+            <a:pPr algn="ctr"/>
+            <a:r>
+              <a:rPr lang="en-US" altLang="zh-TW" dirty="0"/>
+              <a:t>of HNF (Bacteria) community</a:t>
+            </a:r>
+            <a:endParaRPr lang="zh-TW" altLang="en-US" dirty="0"/>
+          </a:p>
+        </p:txBody>
+      </p:sp>
+    </p:spTree>
+    <p:extLst>
+      <p:ext uri="{BB962C8B-B14F-4D97-AF65-F5344CB8AC3E}">
+        <p14:creationId xmlns:p14="http://schemas.microsoft.com/office/powerpoint/2010/main" val="2660351044"/>
       </p:ext>
     </p:extLst>
   </p:cSld>
@@ -8706,15 +11759,7 @@
                   <a:schemeClr val="tx1"/>
                 </a:solidFill>
               </a:rPr>
-              <a:t>Bacteria </a:t>
-            </a:r>
-            <a:r>
-              <a:rPr lang="en-US" altLang="zh-TW" dirty="0" smtClean="0">
-                <a:solidFill>
-                  <a:schemeClr val="tx1"/>
-                </a:solidFill>
-              </a:rPr>
-              <a:t>species richness</a:t>
+              <a:t>Bacteria species richness</a:t>
             </a:r>
             <a:endParaRPr lang="zh-TW" altLang="en-US" dirty="0">
               <a:solidFill>
@@ -8772,15 +11817,7 @@
                   <a:schemeClr val="tx1"/>
                 </a:solidFill>
               </a:rPr>
-              <a:t>HNF </a:t>
-            </a:r>
-            <a:r>
-              <a:rPr lang="en-US" altLang="zh-TW" dirty="0" smtClean="0">
-                <a:solidFill>
-                  <a:schemeClr val="tx1"/>
-                </a:solidFill>
-              </a:rPr>
-              <a:t>Shannon diversity</a:t>
+              <a:t>HNF species richness</a:t>
             </a:r>
             <a:endParaRPr lang="zh-TW" altLang="en-US" dirty="0">
               <a:solidFill>
@@ -8801,7 +11838,7 @@
         </p:nvCxnSpPr>
         <p:spPr>
           <a:xfrm flipV="1">
-            <a:off x="4248244" y="2286000"/>
+            <a:off x="4248244" y="2286004"/>
             <a:ext cx="3024000" cy="449"/>
           </a:xfrm>
           <a:prstGeom prst="straightConnector1">
@@ -8811,7 +11848,7 @@
             <a:solidFill>
               <a:schemeClr val="tx1"/>
             </a:solidFill>
-            <a:prstDash val="solid"/>
+            <a:prstDash val="sysDot"/>
             <a:headEnd type="arrow"/>
             <a:tailEnd type="arrow" w="med" len="lg"/>
           </a:ln>
@@ -8890,15 +11927,7 @@
                   <a:schemeClr val="tx1"/>
                 </a:solidFill>
               </a:rPr>
-              <a:t>HNF </a:t>
-            </a:r>
-            <a:r>
-              <a:rPr lang="en-US" altLang="zh-TW" b="1" dirty="0" smtClean="0">
-                <a:solidFill>
-                  <a:schemeClr val="tx1"/>
-                </a:solidFill>
-              </a:rPr>
-              <a:t>community</a:t>
+              <a:t>HNF community</a:t>
             </a:r>
             <a:endParaRPr lang="zh-TW" altLang="en-US" b="1" dirty="0">
               <a:solidFill>
@@ -8920,7 +11949,7 @@
         </p:nvCxnSpPr>
         <p:spPr>
           <a:xfrm>
-            <a:off x="2718244" y="2646449"/>
+            <a:off x="2718244" y="2646453"/>
             <a:ext cx="1080000" cy="719551"/>
           </a:xfrm>
           <a:prstGeom prst="straightConnector1">
@@ -8954,7 +11983,7 @@
           <p:cNvPr id="18" name="圓角矩形 18">
             <a:extLst>
               <a:ext uri="{FF2B5EF4-FFF2-40B4-BE49-F238E27FC236}">
-                <a16:creationId xmlns:a16="http://schemas.microsoft.com/office/drawing/2014/main" xmlns="" id="{47DE1866-A6CF-489C-848E-A4D8C003E3C0}"/>
+                <a16:creationId xmlns:a16="http://schemas.microsoft.com/office/drawing/2014/main" id="{47DE1866-A6CF-489C-848E-A4D8C003E3C0}"/>
               </a:ext>
             </a:extLst>
           </p:cNvPr>
@@ -9029,7 +12058,7 @@
           <p:cNvPr id="28" name="直線單箭頭接點 11">
             <a:extLst>
               <a:ext uri="{FF2B5EF4-FFF2-40B4-BE49-F238E27FC236}">
-                <a16:creationId xmlns:a16="http://schemas.microsoft.com/office/drawing/2014/main" xmlns="" id="{2F63CEA1-FDB0-4466-9AF7-10C6638C7A69}"/>
+                <a16:creationId xmlns:a16="http://schemas.microsoft.com/office/drawing/2014/main" id="{2F63CEA1-FDB0-4466-9AF7-10C6638C7A69}"/>
               </a:ext>
             </a:extLst>
           </p:cNvPr>
@@ -9076,7 +12105,7 @@
           <p:cNvPr id="33" name="直線單箭頭接點 11">
             <a:extLst>
               <a:ext uri="{FF2B5EF4-FFF2-40B4-BE49-F238E27FC236}">
-                <a16:creationId xmlns:a16="http://schemas.microsoft.com/office/drawing/2014/main" xmlns="" id="{F0875757-B921-4728-87AA-413F44467B51}"/>
+                <a16:creationId xmlns:a16="http://schemas.microsoft.com/office/drawing/2014/main" id="{F0875757-B921-4728-87AA-413F44467B51}"/>
               </a:ext>
             </a:extLst>
           </p:cNvPr>
@@ -9099,7 +12128,7 @@
             <a:solidFill>
               <a:schemeClr val="tx1"/>
             </a:solidFill>
-            <a:prstDash val="sysDot"/>
+            <a:prstDash val="solid"/>
             <a:tailEnd type="arrow" w="med" len="lg"/>
           </a:ln>
         </p:spPr>
@@ -9123,7 +12152,7 @@
           <p:cNvPr id="34" name="直線單箭頭接點 11">
             <a:extLst>
               <a:ext uri="{FF2B5EF4-FFF2-40B4-BE49-F238E27FC236}">
-                <a16:creationId xmlns:a16="http://schemas.microsoft.com/office/drawing/2014/main" xmlns="" id="{7DB4E6F1-6E32-4553-A7DF-D1C5A6D92F70}"/>
+                <a16:creationId xmlns:a16="http://schemas.microsoft.com/office/drawing/2014/main" id="{7DB4E6F1-6E32-4553-A7DF-D1C5A6D92F70}"/>
               </a:ext>
             </a:extLst>
           </p:cNvPr>
@@ -9136,7 +12165,7 @@
         </p:nvCxnSpPr>
         <p:spPr>
           <a:xfrm flipH="1" flipV="1">
-            <a:off x="4248244" y="2286449"/>
+            <a:off x="4248244" y="2286453"/>
             <a:ext cx="1944000" cy="1529551"/>
           </a:xfrm>
           <a:prstGeom prst="straightConnector1">
@@ -9167,13 +12196,13 @@
       </p:cxnSp>
       <p:sp>
         <p:nvSpPr>
-          <p:cNvPr id="167" name="矩形 166"/>
+          <p:cNvPr id="152" name="矩形 151"/>
           <p:cNvSpPr/>
           <p:nvPr/>
         </p:nvSpPr>
         <p:spPr>
           <a:xfrm>
-            <a:off x="5016851" y="1944373"/>
+            <a:off x="6379680" y="2847723"/>
             <a:ext cx="1370888" cy="317459"/>
           </a:xfrm>
           <a:prstGeom prst="rect">
@@ -9188,8 +12217,38 @@
           <a:p>
             <a:pPr algn="ctr"/>
             <a:r>
-              <a:rPr lang="en-US" altLang="zh-TW" dirty="0" smtClean="0"/>
-              <a:t>0.148 (p = 0.09)</a:t>
+              <a:rPr lang="en-US" altLang="zh-TW" dirty="0"/>
+              <a:t>0.223 (p = 0.07)</a:t>
+            </a:r>
+            <a:endParaRPr lang="zh-TW" altLang="en-US" dirty="0"/>
+          </a:p>
+        </p:txBody>
+      </p:sp>
+      <p:sp>
+        <p:nvSpPr>
+          <p:cNvPr id="167" name="矩形 166"/>
+          <p:cNvSpPr/>
+          <p:nvPr/>
+        </p:nvSpPr>
+        <p:spPr>
+          <a:xfrm>
+            <a:off x="5016850" y="1944377"/>
+            <a:ext cx="1370888" cy="317459"/>
+          </a:xfrm>
+          <a:prstGeom prst="rect">
+            <a:avLst/>
+          </a:prstGeom>
+        </p:spPr>
+        <p:txBody>
+          <a:bodyPr wrap="none">
+            <a:spAutoFit/>
+          </a:bodyPr>
+          <a:lstStyle/>
+          <a:p>
+            <a:pPr algn="ctr"/>
+            <a:r>
+              <a:rPr lang="en-US" altLang="zh-TW" dirty="0"/>
+              <a:t>0.106 (p = 0.17)</a:t>
             </a:r>
             <a:endParaRPr lang="zh-TW" altLang="en-US" dirty="0"/>
           </a:p>
@@ -9198,7 +12257,7 @@
     </p:spTree>
     <p:extLst>
       <p:ext uri="{BB962C8B-B14F-4D97-AF65-F5344CB8AC3E}">
-        <p14:creationId xmlns:p14="http://schemas.microsoft.com/office/powerpoint/2010/main" val="562642780"/>
+        <p14:creationId xmlns:p14="http://schemas.microsoft.com/office/powerpoint/2010/main" val="152779686"/>
       </p:ext>
     </p:extLst>
   </p:cSld>
@@ -9273,81 +12332,65 @@
                   <a:schemeClr val="tx1"/>
                 </a:solidFill>
               </a:rPr>
-              <a:t>Bacteria </a:t>
-            </a:r>
+              <a:t>Bacteria species richness</a:t>
+            </a:r>
+            <a:endParaRPr lang="zh-TW" altLang="en-US" dirty="0">
+              <a:solidFill>
+                <a:schemeClr val="tx1"/>
+              </a:solidFill>
+            </a:endParaRPr>
+          </a:p>
+        </p:txBody>
+      </p:sp>
+      <p:sp>
+        <p:nvSpPr>
+          <p:cNvPr id="16" name="圓角矩形 15"/>
+          <p:cNvSpPr/>
+          <p:nvPr/>
+        </p:nvSpPr>
+        <p:spPr>
+          <a:xfrm>
+            <a:off x="7272244" y="1926000"/>
+            <a:ext cx="3060000" cy="720000"/>
+          </a:xfrm>
+          <a:prstGeom prst="roundRect">
+            <a:avLst/>
+          </a:prstGeom>
+          <a:noFill/>
+          <a:ln w="38100">
+            <a:solidFill>
+              <a:schemeClr val="tx1"/>
+            </a:solidFill>
+          </a:ln>
+        </p:spPr>
+        <p:style>
+          <a:lnRef idx="2">
+            <a:schemeClr val="accent1">
+              <a:shade val="50000"/>
+            </a:schemeClr>
+          </a:lnRef>
+          <a:fillRef idx="1">
+            <a:schemeClr val="accent1"/>
+          </a:fillRef>
+          <a:effectRef idx="0">
+            <a:schemeClr val="accent1"/>
+          </a:effectRef>
+          <a:fontRef idx="minor">
+            <a:schemeClr val="lt1"/>
+          </a:fontRef>
+        </p:style>
+        <p:txBody>
+          <a:bodyPr rtlCol="0" anchor="ctr"/>
+          <a:lstStyle/>
+          <a:p>
+            <a:pPr algn="ctr"/>
             <a:r>
               <a:rPr lang="en-US" altLang="zh-TW" dirty="0">
                 <a:solidFill>
                   <a:schemeClr val="tx1"/>
                 </a:solidFill>
               </a:rPr>
-              <a:t>species richness</a:t>
-            </a:r>
-            <a:endParaRPr lang="zh-TW" altLang="en-US" dirty="0">
-              <a:solidFill>
-                <a:schemeClr val="tx1"/>
-              </a:solidFill>
-            </a:endParaRPr>
-          </a:p>
-        </p:txBody>
-      </p:sp>
-      <p:sp>
-        <p:nvSpPr>
-          <p:cNvPr id="16" name="圓角矩形 15"/>
-          <p:cNvSpPr/>
-          <p:nvPr/>
-        </p:nvSpPr>
-        <p:spPr>
-          <a:xfrm>
-            <a:off x="7272244" y="1926000"/>
-            <a:ext cx="3060000" cy="720000"/>
-          </a:xfrm>
-          <a:prstGeom prst="roundRect">
-            <a:avLst/>
-          </a:prstGeom>
-          <a:noFill/>
-          <a:ln w="38100">
-            <a:solidFill>
-              <a:schemeClr val="tx1"/>
-            </a:solidFill>
-          </a:ln>
-        </p:spPr>
-        <p:style>
-          <a:lnRef idx="2">
-            <a:schemeClr val="accent1">
-              <a:shade val="50000"/>
-            </a:schemeClr>
-          </a:lnRef>
-          <a:fillRef idx="1">
-            <a:schemeClr val="accent1"/>
-          </a:fillRef>
-          <a:effectRef idx="0">
-            <a:schemeClr val="accent1"/>
-          </a:effectRef>
-          <a:fontRef idx="minor">
-            <a:schemeClr val="lt1"/>
-          </a:fontRef>
-        </p:style>
-        <p:txBody>
-          <a:bodyPr rtlCol="0" anchor="ctr"/>
-          <a:lstStyle/>
-          <a:p>
-            <a:pPr algn="ctr"/>
-            <a:r>
-              <a:rPr lang="en-US" altLang="zh-TW" dirty="0">
-                <a:solidFill>
-                  <a:schemeClr val="tx1"/>
-                </a:solidFill>
-              </a:rPr>
-              <a:t>HNF </a:t>
-            </a:r>
-            <a:r>
-              <a:rPr lang="en-US" altLang="zh-TW" dirty="0" smtClean="0">
-                <a:solidFill>
-                  <a:schemeClr val="tx1"/>
-                </a:solidFill>
-              </a:rPr>
-              <a:t>Shannon diversity</a:t>
+              <a:t>HNF species richness</a:t>
             </a:r>
             <a:endParaRPr lang="zh-TW" altLang="en-US" dirty="0">
               <a:solidFill>
@@ -9368,7 +12411,7 @@
         </p:nvCxnSpPr>
         <p:spPr>
           <a:xfrm flipV="1">
-            <a:off x="4248244" y="2286000"/>
+            <a:off x="4248244" y="2286004"/>
             <a:ext cx="3024000" cy="449"/>
           </a:xfrm>
           <a:prstGeom prst="straightConnector1">
@@ -9378,7 +12421,7 @@
             <a:solidFill>
               <a:schemeClr val="tx1"/>
             </a:solidFill>
-            <a:prstDash val="solid"/>
+            <a:prstDash val="sysDot"/>
             <a:headEnd type="arrow"/>
             <a:tailEnd type="arrow" w="med" len="lg"/>
           </a:ln>
@@ -9457,15 +12500,7 @@
                   <a:schemeClr val="tx1"/>
                 </a:solidFill>
               </a:rPr>
-              <a:t>HNF </a:t>
-            </a:r>
-            <a:r>
-              <a:rPr lang="en-US" altLang="zh-TW" b="1" dirty="0" smtClean="0">
-                <a:solidFill>
-                  <a:schemeClr val="tx1"/>
-                </a:solidFill>
-              </a:rPr>
-              <a:t>community</a:t>
+              <a:t>HNF community</a:t>
             </a:r>
             <a:endParaRPr lang="zh-TW" altLang="en-US" b="1" dirty="0">
               <a:solidFill>
@@ -9487,7 +12522,7 @@
         </p:nvCxnSpPr>
         <p:spPr>
           <a:xfrm>
-            <a:off x="2718244" y="2646449"/>
+            <a:off x="2718244" y="2646453"/>
             <a:ext cx="1080000" cy="719551"/>
           </a:xfrm>
           <a:prstGeom prst="straightConnector1">
@@ -9521,7 +12556,7 @@
           <p:cNvPr id="18" name="圓角矩形 18">
             <a:extLst>
               <a:ext uri="{FF2B5EF4-FFF2-40B4-BE49-F238E27FC236}">
-                <a16:creationId xmlns:a16="http://schemas.microsoft.com/office/drawing/2014/main" xmlns="" id="{47DE1866-A6CF-489C-848E-A4D8C003E3C0}"/>
+                <a16:creationId xmlns:a16="http://schemas.microsoft.com/office/drawing/2014/main" id="{47DE1866-A6CF-489C-848E-A4D8C003E3C0}"/>
               </a:ext>
             </a:extLst>
           </p:cNvPr>
@@ -9596,7 +12631,7 @@
           <p:cNvPr id="28" name="直線單箭頭接點 11">
             <a:extLst>
               <a:ext uri="{FF2B5EF4-FFF2-40B4-BE49-F238E27FC236}">
-                <a16:creationId xmlns:a16="http://schemas.microsoft.com/office/drawing/2014/main" xmlns="" id="{2F63CEA1-FDB0-4466-9AF7-10C6638C7A69}"/>
+                <a16:creationId xmlns:a16="http://schemas.microsoft.com/office/drawing/2014/main" id="{2F63CEA1-FDB0-4466-9AF7-10C6638C7A69}"/>
               </a:ext>
             </a:extLst>
           </p:cNvPr>
@@ -9643,7 +12678,7 @@
           <p:cNvPr id="33" name="直線單箭頭接點 11">
             <a:extLst>
               <a:ext uri="{FF2B5EF4-FFF2-40B4-BE49-F238E27FC236}">
-                <a16:creationId xmlns:a16="http://schemas.microsoft.com/office/drawing/2014/main" xmlns="" id="{F0875757-B921-4728-87AA-413F44467B51}"/>
+                <a16:creationId xmlns:a16="http://schemas.microsoft.com/office/drawing/2014/main" id="{F0875757-B921-4728-87AA-413F44467B51}"/>
               </a:ext>
             </a:extLst>
           </p:cNvPr>
@@ -9666,7 +12701,7 @@
             <a:solidFill>
               <a:schemeClr val="tx1"/>
             </a:solidFill>
-            <a:prstDash val="sysDot"/>
+            <a:prstDash val="solid"/>
             <a:tailEnd type="arrow" w="med" len="lg"/>
           </a:ln>
         </p:spPr>
@@ -9690,7 +12725,7 @@
           <p:cNvPr id="34" name="直線單箭頭接點 11">
             <a:extLst>
               <a:ext uri="{FF2B5EF4-FFF2-40B4-BE49-F238E27FC236}">
-                <a16:creationId xmlns:a16="http://schemas.microsoft.com/office/drawing/2014/main" xmlns="" id="{7DB4E6F1-6E32-4553-A7DF-D1C5A6D92F70}"/>
+                <a16:creationId xmlns:a16="http://schemas.microsoft.com/office/drawing/2014/main" id="{7DB4E6F1-6E32-4553-A7DF-D1C5A6D92F70}"/>
               </a:ext>
             </a:extLst>
           </p:cNvPr>
@@ -9703,7 +12738,7 @@
         </p:nvCxnSpPr>
         <p:spPr>
           <a:xfrm flipH="1" flipV="1">
-            <a:off x="4248244" y="2286449"/>
+            <a:off x="4248244" y="2286453"/>
             <a:ext cx="1944000" cy="1529551"/>
           </a:xfrm>
           <a:prstGeom prst="straightConnector1">
@@ -9740,8 +12775,8 @@
         </p:nvSpPr>
         <p:spPr>
           <a:xfrm>
-            <a:off x="5016851" y="1944373"/>
-            <a:ext cx="1370888" cy="317459"/>
+            <a:off x="5064143" y="1944377"/>
+            <a:ext cx="1276311" cy="317459"/>
           </a:xfrm>
           <a:prstGeom prst="rect">
             <a:avLst/>
@@ -9755,8 +12790,8 @@
           <a:p>
             <a:pPr algn="ctr"/>
             <a:r>
-              <a:rPr lang="en-US" altLang="zh-TW" dirty="0" smtClean="0"/>
-              <a:t>0.148 (p = 0.09)</a:t>
+              <a:rPr lang="en-US" altLang="zh-TW" dirty="0"/>
+              <a:t>0.09 (p = 0.22)</a:t>
             </a:r>
             <a:endParaRPr lang="zh-TW" altLang="en-US" dirty="0"/>
           </a:p>
@@ -9810,15 +12845,7 @@
                   <a:schemeClr val="tx1"/>
                 </a:solidFill>
               </a:rPr>
-              <a:t>HNF </a:t>
-            </a:r>
-            <a:r>
-              <a:rPr lang="en-US" altLang="zh-TW" dirty="0" smtClean="0">
-                <a:solidFill>
-                  <a:schemeClr val="tx1"/>
-                </a:solidFill>
-              </a:rPr>
-              <a:t>biomass</a:t>
+              <a:t>HNF biomass</a:t>
             </a:r>
             <a:endParaRPr lang="zh-TW" altLang="en-US" dirty="0">
               <a:solidFill>
@@ -9871,7 +12898,7 @@
           <a:p>
             <a:pPr algn="ctr"/>
             <a:r>
-              <a:rPr lang="en-US" altLang="zh-TW" dirty="0" smtClean="0">
+              <a:rPr lang="en-US" altLang="zh-TW" dirty="0">
                 <a:solidFill>
                   <a:schemeClr val="tx1"/>
                 </a:solidFill>
@@ -9883,6 +12910,36 @@
                 <a:schemeClr val="tx1"/>
               </a:solidFill>
             </a:endParaRPr>
+          </a:p>
+        </p:txBody>
+      </p:sp>
+      <p:sp>
+        <p:nvSpPr>
+          <p:cNvPr id="152" name="矩形 151"/>
+          <p:cNvSpPr/>
+          <p:nvPr/>
+        </p:nvSpPr>
+        <p:spPr>
+          <a:xfrm>
+            <a:off x="6379680" y="2847723"/>
+            <a:ext cx="1370888" cy="317459"/>
+          </a:xfrm>
+          <a:prstGeom prst="rect">
+            <a:avLst/>
+          </a:prstGeom>
+        </p:spPr>
+        <p:txBody>
+          <a:bodyPr wrap="none">
+            <a:spAutoFit/>
+          </a:bodyPr>
+          <a:lstStyle/>
+          <a:p>
+            <a:pPr algn="ctr"/>
+            <a:r>
+              <a:rPr lang="en-US" altLang="zh-TW" dirty="0"/>
+              <a:t>0.213 (p = 0.08)</a:t>
+            </a:r>
+            <a:endParaRPr lang="zh-TW" altLang="en-US" dirty="0"/>
           </a:p>
         </p:txBody>
       </p:sp>
@@ -10052,7 +13109,7 @@
       </p:cxnSp>
       <p:cxnSp>
         <p:nvCxnSpPr>
-          <p:cNvPr id="20" name="直線單箭頭接點 19"/>
+          <p:cNvPr id="22" name="直線單箭頭接點 21"/>
           <p:cNvCxnSpPr>
             <a:cxnSpLocks/>
             <a:stCxn id="125" idx="2"/>
@@ -10094,7 +13151,7 @@
     </p:spTree>
     <p:extLst>
       <p:ext uri="{BB962C8B-B14F-4D97-AF65-F5344CB8AC3E}">
-        <p14:creationId xmlns:p14="http://schemas.microsoft.com/office/powerpoint/2010/main" val="3978597908"/>
+        <p14:creationId xmlns:p14="http://schemas.microsoft.com/office/powerpoint/2010/main" val="3538407241"/>
       </p:ext>
     </p:extLst>
   </p:cSld>
@@ -10169,81 +13226,65 @@
                   <a:schemeClr val="tx1"/>
                 </a:solidFill>
               </a:rPr>
-              <a:t>Bacteria </a:t>
-            </a:r>
+              <a:t>Bacteria species richness</a:t>
+            </a:r>
+            <a:endParaRPr lang="zh-TW" altLang="en-US" dirty="0">
+              <a:solidFill>
+                <a:schemeClr val="tx1"/>
+              </a:solidFill>
+            </a:endParaRPr>
+          </a:p>
+        </p:txBody>
+      </p:sp>
+      <p:sp>
+        <p:nvSpPr>
+          <p:cNvPr id="16" name="圓角矩形 15"/>
+          <p:cNvSpPr/>
+          <p:nvPr/>
+        </p:nvSpPr>
+        <p:spPr>
+          <a:xfrm>
+            <a:off x="7272244" y="1926000"/>
+            <a:ext cx="3060000" cy="720000"/>
+          </a:xfrm>
+          <a:prstGeom prst="roundRect">
+            <a:avLst/>
+          </a:prstGeom>
+          <a:noFill/>
+          <a:ln w="38100">
+            <a:solidFill>
+              <a:schemeClr val="tx1"/>
+            </a:solidFill>
+          </a:ln>
+        </p:spPr>
+        <p:style>
+          <a:lnRef idx="2">
+            <a:schemeClr val="accent1">
+              <a:shade val="50000"/>
+            </a:schemeClr>
+          </a:lnRef>
+          <a:fillRef idx="1">
+            <a:schemeClr val="accent1"/>
+          </a:fillRef>
+          <a:effectRef idx="0">
+            <a:schemeClr val="accent1"/>
+          </a:effectRef>
+          <a:fontRef idx="minor">
+            <a:schemeClr val="lt1"/>
+          </a:fontRef>
+        </p:style>
+        <p:txBody>
+          <a:bodyPr rtlCol="0" anchor="ctr"/>
+          <a:lstStyle/>
+          <a:p>
+            <a:pPr algn="ctr"/>
             <a:r>
               <a:rPr lang="en-US" altLang="zh-TW" dirty="0">
                 <a:solidFill>
                   <a:schemeClr val="tx1"/>
                 </a:solidFill>
               </a:rPr>
-              <a:t>species richness</a:t>
-            </a:r>
-            <a:endParaRPr lang="zh-TW" altLang="en-US" dirty="0">
-              <a:solidFill>
-                <a:schemeClr val="tx1"/>
-              </a:solidFill>
-            </a:endParaRPr>
-          </a:p>
-        </p:txBody>
-      </p:sp>
-      <p:sp>
-        <p:nvSpPr>
-          <p:cNvPr id="16" name="圓角矩形 15"/>
-          <p:cNvSpPr/>
-          <p:nvPr/>
-        </p:nvSpPr>
-        <p:spPr>
-          <a:xfrm>
-            <a:off x="7272244" y="1926000"/>
-            <a:ext cx="3060000" cy="720000"/>
-          </a:xfrm>
-          <a:prstGeom prst="roundRect">
-            <a:avLst/>
-          </a:prstGeom>
-          <a:noFill/>
-          <a:ln w="38100">
-            <a:solidFill>
-              <a:schemeClr val="tx1"/>
-            </a:solidFill>
-          </a:ln>
-        </p:spPr>
-        <p:style>
-          <a:lnRef idx="2">
-            <a:schemeClr val="accent1">
-              <a:shade val="50000"/>
-            </a:schemeClr>
-          </a:lnRef>
-          <a:fillRef idx="1">
-            <a:schemeClr val="accent1"/>
-          </a:fillRef>
-          <a:effectRef idx="0">
-            <a:schemeClr val="accent1"/>
-          </a:effectRef>
-          <a:fontRef idx="minor">
-            <a:schemeClr val="lt1"/>
-          </a:fontRef>
-        </p:style>
-        <p:txBody>
-          <a:bodyPr rtlCol="0" anchor="ctr"/>
-          <a:lstStyle/>
-          <a:p>
-            <a:pPr algn="ctr"/>
-            <a:r>
-              <a:rPr lang="en-US" altLang="zh-TW" dirty="0">
-                <a:solidFill>
-                  <a:schemeClr val="tx1"/>
-                </a:solidFill>
-              </a:rPr>
-              <a:t>HNF </a:t>
-            </a:r>
-            <a:r>
-              <a:rPr lang="en-US" altLang="zh-TW" dirty="0" smtClean="0">
-                <a:solidFill>
-                  <a:schemeClr val="tx1"/>
-                </a:solidFill>
-              </a:rPr>
-              <a:t>Shannon diversity</a:t>
+              <a:t>HNF species richness</a:t>
             </a:r>
             <a:endParaRPr lang="zh-TW" altLang="en-US" dirty="0">
               <a:solidFill>
@@ -10264,7 +13305,7 @@
         </p:nvCxnSpPr>
         <p:spPr>
           <a:xfrm flipV="1">
-            <a:off x="4248244" y="2286000"/>
+            <a:off x="4248244" y="2286004"/>
             <a:ext cx="3024000" cy="449"/>
           </a:xfrm>
           <a:prstGeom prst="straightConnector1">
@@ -10353,15 +13394,7 @@
                   <a:schemeClr val="tx1"/>
                 </a:solidFill>
               </a:rPr>
-              <a:t>HNF </a:t>
-            </a:r>
-            <a:r>
-              <a:rPr lang="en-US" altLang="zh-TW" b="1" dirty="0" smtClean="0">
-                <a:solidFill>
-                  <a:schemeClr val="tx1"/>
-                </a:solidFill>
-              </a:rPr>
-              <a:t>community</a:t>
+              <a:t>HNF community</a:t>
             </a:r>
             <a:endParaRPr lang="zh-TW" altLang="en-US" b="1" dirty="0">
               <a:solidFill>
@@ -10383,7 +13416,7 @@
         </p:nvCxnSpPr>
         <p:spPr>
           <a:xfrm>
-            <a:off x="2718244" y="2646449"/>
+            <a:off x="2718244" y="2646453"/>
             <a:ext cx="1080000" cy="719551"/>
           </a:xfrm>
           <a:prstGeom prst="straightConnector1">
@@ -10417,7 +13450,7 @@
           <p:cNvPr id="18" name="圓角矩形 18">
             <a:extLst>
               <a:ext uri="{FF2B5EF4-FFF2-40B4-BE49-F238E27FC236}">
-                <a16:creationId xmlns:a16="http://schemas.microsoft.com/office/drawing/2014/main" xmlns="" id="{47DE1866-A6CF-489C-848E-A4D8C003E3C0}"/>
+                <a16:creationId xmlns:a16="http://schemas.microsoft.com/office/drawing/2014/main" id="{47DE1866-A6CF-489C-848E-A4D8C003E3C0}"/>
               </a:ext>
             </a:extLst>
           </p:cNvPr>
@@ -10492,7 +13525,7 @@
           <p:cNvPr id="28" name="直線單箭頭接點 11">
             <a:extLst>
               <a:ext uri="{FF2B5EF4-FFF2-40B4-BE49-F238E27FC236}">
-                <a16:creationId xmlns:a16="http://schemas.microsoft.com/office/drawing/2014/main" xmlns="" id="{2F63CEA1-FDB0-4466-9AF7-10C6638C7A69}"/>
+                <a16:creationId xmlns:a16="http://schemas.microsoft.com/office/drawing/2014/main" id="{2F63CEA1-FDB0-4466-9AF7-10C6638C7A69}"/>
               </a:ext>
             </a:extLst>
           </p:cNvPr>
@@ -10539,7 +13572,7 @@
           <p:cNvPr id="33" name="直線單箭頭接點 11">
             <a:extLst>
               <a:ext uri="{FF2B5EF4-FFF2-40B4-BE49-F238E27FC236}">
-                <a16:creationId xmlns:a16="http://schemas.microsoft.com/office/drawing/2014/main" xmlns="" id="{F0875757-B921-4728-87AA-413F44467B51}"/>
+                <a16:creationId xmlns:a16="http://schemas.microsoft.com/office/drawing/2014/main" id="{F0875757-B921-4728-87AA-413F44467B51}"/>
               </a:ext>
             </a:extLst>
           </p:cNvPr>
@@ -10562,7 +13595,7 @@
             <a:solidFill>
               <a:schemeClr val="tx1"/>
             </a:solidFill>
-            <a:prstDash val="sysDot"/>
+            <a:prstDash val="solid"/>
             <a:tailEnd type="arrow" w="med" len="lg"/>
           </a:ln>
         </p:spPr>
@@ -10586,7 +13619,7 @@
           <p:cNvPr id="34" name="直線單箭頭接點 11">
             <a:extLst>
               <a:ext uri="{FF2B5EF4-FFF2-40B4-BE49-F238E27FC236}">
-                <a16:creationId xmlns:a16="http://schemas.microsoft.com/office/drawing/2014/main" xmlns="" id="{7DB4E6F1-6E32-4553-A7DF-D1C5A6D92F70}"/>
+                <a16:creationId xmlns:a16="http://schemas.microsoft.com/office/drawing/2014/main" id="{7DB4E6F1-6E32-4553-A7DF-D1C5A6D92F70}"/>
               </a:ext>
             </a:extLst>
           </p:cNvPr>
@@ -10599,7 +13632,7 @@
         </p:nvCxnSpPr>
         <p:spPr>
           <a:xfrm flipH="1" flipV="1">
-            <a:off x="4248244" y="2286449"/>
+            <a:off x="4248244" y="2286453"/>
             <a:ext cx="1944000" cy="1529551"/>
           </a:xfrm>
           <a:prstGeom prst="straightConnector1">
@@ -10636,8 +13669,8 @@
         </p:nvSpPr>
         <p:spPr>
           <a:xfrm>
-            <a:off x="5444051" y="1944373"/>
-            <a:ext cx="516488" cy="317459"/>
+            <a:off x="5016850" y="1944377"/>
+            <a:ext cx="1370888" cy="317459"/>
           </a:xfrm>
           <a:prstGeom prst="rect">
             <a:avLst/>
@@ -10651,8 +13684,8 @@
           <a:p>
             <a:pPr algn="ctr"/>
             <a:r>
-              <a:rPr lang="en-US" altLang="zh-TW" dirty="0" smtClean="0"/>
-              <a:t>0.22</a:t>
+              <a:rPr lang="en-US" altLang="zh-TW" dirty="0"/>
+              <a:t>0.172 (p = 0.06)</a:t>
             </a:r>
             <a:endParaRPr lang="zh-TW" altLang="en-US" dirty="0"/>
           </a:p>
@@ -10701,7 +13734,7 @@
           <a:p>
             <a:pPr algn="ctr"/>
             <a:r>
-              <a:rPr lang="en-US" altLang="zh-TW" dirty="0" smtClean="0">
+              <a:rPr lang="en-US" altLang="zh-TW" dirty="0">
                 <a:solidFill>
                   <a:schemeClr val="tx1"/>
                 </a:solidFill>
@@ -10759,7 +13792,7 @@
           <a:p>
             <a:pPr algn="ctr"/>
             <a:r>
-              <a:rPr lang="en-US" altLang="zh-TW" dirty="0" err="1" smtClean="0">
+              <a:rPr lang="en-US" altLang="zh-TW" dirty="0" err="1">
                 <a:solidFill>
                   <a:schemeClr val="tx1"/>
                 </a:solidFill>
@@ -10817,7 +13850,7 @@
           <a:p>
             <a:pPr algn="ctr"/>
             <a:r>
-              <a:rPr lang="en-US" altLang="zh-TW" dirty="0" smtClean="0">
+              <a:rPr lang="en-US" altLang="zh-TW" dirty="0">
                 <a:solidFill>
                   <a:schemeClr val="tx1"/>
                 </a:solidFill>
@@ -10875,7 +13908,7 @@
           <a:p>
             <a:pPr algn="ctr"/>
             <a:r>
-              <a:rPr lang="en-US" altLang="zh-TW" dirty="0" smtClean="0">
+              <a:rPr lang="en-US" altLang="zh-TW" dirty="0">
                 <a:solidFill>
                   <a:schemeClr val="tx1"/>
                 </a:solidFill>
@@ -10933,7 +13966,7 @@
           <a:p>
             <a:pPr algn="ctr"/>
             <a:r>
-              <a:rPr lang="en-US" altLang="zh-TW" dirty="0" smtClean="0">
+              <a:rPr lang="en-US" altLang="zh-TW" dirty="0">
                 <a:solidFill>
                   <a:schemeClr val="tx1"/>
                 </a:solidFill>
@@ -10991,7 +14024,7 @@
           <a:p>
             <a:pPr algn="ctr"/>
             <a:r>
-              <a:rPr lang="en-US" altLang="zh-TW" dirty="0" smtClean="0">
+              <a:rPr lang="en-US" altLang="zh-TW" dirty="0">
                 <a:solidFill>
                   <a:schemeClr val="tx1"/>
                 </a:solidFill>
@@ -11011,7 +14044,7 @@
           <p:cNvPr id="117" name="直線單箭頭接點 11">
             <a:extLst>
               <a:ext uri="{FF2B5EF4-FFF2-40B4-BE49-F238E27FC236}">
-                <a16:creationId xmlns:a16="http://schemas.microsoft.com/office/drawing/2014/main" xmlns="" id="{F0875757-B921-4728-87AA-413F44467B51}"/>
+                <a16:creationId xmlns:a16="http://schemas.microsoft.com/office/drawing/2014/main" id="{F0875757-B921-4728-87AA-413F44467B51}"/>
               </a:ext>
             </a:extLst>
           </p:cNvPr>
@@ -11024,7 +14057,7 @@
         </p:nvCxnSpPr>
         <p:spPr>
           <a:xfrm flipH="1" flipV="1">
-            <a:off x="8802244" y="2646000"/>
+            <a:off x="8802244" y="2646004"/>
             <a:ext cx="1745756" cy="2358071"/>
           </a:xfrm>
           <a:prstGeom prst="straightConnector1">
@@ -11058,7 +14091,7 @@
           <p:cNvPr id="121" name="直線單箭頭接點 11">
             <a:extLst>
               <a:ext uri="{FF2B5EF4-FFF2-40B4-BE49-F238E27FC236}">
-                <a16:creationId xmlns:a16="http://schemas.microsoft.com/office/drawing/2014/main" xmlns="" id="{F0875757-B921-4728-87AA-413F44467B51}"/>
+                <a16:creationId xmlns:a16="http://schemas.microsoft.com/office/drawing/2014/main" id="{F0875757-B921-4728-87AA-413F44467B51}"/>
               </a:ext>
             </a:extLst>
           </p:cNvPr>
@@ -11071,7 +14104,7 @@
         </p:nvCxnSpPr>
         <p:spPr>
           <a:xfrm flipH="1" flipV="1">
-            <a:off x="7722244" y="4266000"/>
+            <a:off x="7722244" y="4266004"/>
             <a:ext cx="917756" cy="738071"/>
           </a:xfrm>
           <a:prstGeom prst="straightConnector1">
@@ -11148,15 +14181,7 @@
                   <a:schemeClr val="tx1"/>
                 </a:solidFill>
               </a:rPr>
-              <a:t>HNF </a:t>
-            </a:r>
-            <a:r>
-              <a:rPr lang="en-US" altLang="zh-TW" dirty="0" smtClean="0">
-                <a:solidFill>
-                  <a:schemeClr val="tx1"/>
-                </a:solidFill>
-              </a:rPr>
-              <a:t>biomass</a:t>
+              <a:t>HNF biomass</a:t>
             </a:r>
             <a:endParaRPr lang="zh-TW" altLang="en-US" dirty="0">
               <a:solidFill>
@@ -11209,7 +14234,7 @@
           <a:p>
             <a:pPr algn="ctr"/>
             <a:r>
-              <a:rPr lang="en-US" altLang="zh-TW" dirty="0" smtClean="0">
+              <a:rPr lang="en-US" altLang="zh-TW" dirty="0">
                 <a:solidFill>
                   <a:schemeClr val="tx1"/>
                 </a:solidFill>
@@ -11232,7 +14257,7 @@
         </p:nvSpPr>
         <p:spPr>
           <a:xfrm>
-            <a:off x="8646850" y="1233996"/>
+            <a:off x="8646854" y="1233996"/>
             <a:ext cx="2514805" cy="3773010"/>
           </a:xfrm>
           <a:custGeom>
@@ -11309,6 +14334,53 @@
           </a:p>
         </p:txBody>
       </p:sp>
+      <p:cxnSp>
+        <p:nvCxnSpPr>
+          <p:cNvPr id="146" name="直線單箭頭接點 11">
+            <a:extLst>
+              <a:ext uri="{FF2B5EF4-FFF2-40B4-BE49-F238E27FC236}">
+                <a16:creationId xmlns:a16="http://schemas.microsoft.com/office/drawing/2014/main" id="{F0875757-B921-4728-87AA-413F44467B51}"/>
+              </a:ext>
+            </a:extLst>
+          </p:cNvPr>
+          <p:cNvCxnSpPr>
+            <a:cxnSpLocks/>
+            <a:stCxn id="38" idx="0"/>
+            <a:endCxn id="18" idx="2"/>
+          </p:cNvCxnSpPr>
+          <p:nvPr/>
+        </p:nvCxnSpPr>
+        <p:spPr>
+          <a:xfrm flipV="1">
+            <a:off x="6732000" y="4266004"/>
+            <a:ext cx="990244" cy="738071"/>
+          </a:xfrm>
+          <a:prstGeom prst="straightConnector1">
+            <a:avLst/>
+          </a:prstGeom>
+          <a:ln w="12700">
+            <a:solidFill>
+              <a:schemeClr val="tx1"/>
+            </a:solidFill>
+            <a:prstDash val="solid"/>
+            <a:tailEnd type="arrow" w="med" len="lg"/>
+          </a:ln>
+        </p:spPr>
+        <p:style>
+          <a:lnRef idx="1">
+            <a:schemeClr val="accent1"/>
+          </a:lnRef>
+          <a:fillRef idx="0">
+            <a:schemeClr val="accent1"/>
+          </a:fillRef>
+          <a:effectRef idx="0">
+            <a:schemeClr val="accent1"/>
+          </a:effectRef>
+          <a:fontRef idx="minor">
+            <a:schemeClr val="tx1"/>
+          </a:fontRef>
+        </p:style>
+      </p:cxnSp>
       <p:sp>
         <p:nvSpPr>
           <p:cNvPr id="151" name="手繪多邊形 150"/>
@@ -11317,7 +14389,7 @@
         </p:nvSpPr>
         <p:spPr>
           <a:xfrm>
-            <a:off x="6729274" y="1233996"/>
+            <a:off x="6729278" y="1233996"/>
             <a:ext cx="4734199" cy="3773010"/>
           </a:xfrm>
           <a:custGeom>
@@ -11391,6 +14463,36 @@
           <a:p>
             <a:pPr algn="ctr"/>
             <a:endParaRPr lang="zh-TW" altLang="en-US"/>
+          </a:p>
+        </p:txBody>
+      </p:sp>
+      <p:sp>
+        <p:nvSpPr>
+          <p:cNvPr id="152" name="矩形 151"/>
+          <p:cNvSpPr/>
+          <p:nvPr/>
+        </p:nvSpPr>
+        <p:spPr>
+          <a:xfrm>
+            <a:off x="6379679" y="2847723"/>
+            <a:ext cx="1370888" cy="317459"/>
+          </a:xfrm>
+          <a:prstGeom prst="rect">
+            <a:avLst/>
+          </a:prstGeom>
+        </p:spPr>
+        <p:txBody>
+          <a:bodyPr wrap="none">
+            <a:spAutoFit/>
+          </a:bodyPr>
+          <a:lstStyle/>
+          <a:p>
+            <a:pPr algn="ctr"/>
+            <a:r>
+              <a:rPr lang="en-US" altLang="zh-TW" dirty="0"/>
+              <a:t>0.212 (p = 0.08)</a:t>
+            </a:r>
+            <a:endParaRPr lang="zh-TW" altLang="en-US" dirty="0"/>
           </a:p>
         </p:txBody>
       </p:sp>
@@ -11615,47 +14717,6 @@
           <p:cNvPr id="30" name="直線單箭頭接點 29"/>
           <p:cNvCxnSpPr>
             <a:cxnSpLocks/>
-            <a:stCxn id="124" idx="2"/>
-            <a:endCxn id="8" idx="0"/>
-          </p:cNvCxnSpPr>
-          <p:nvPr/>
-        </p:nvCxnSpPr>
-        <p:spPr>
-          <a:xfrm flipH="1">
-            <a:off x="2718244" y="1206000"/>
-            <a:ext cx="7074000" cy="720449"/>
-          </a:xfrm>
-          <a:prstGeom prst="straightConnector1">
-            <a:avLst/>
-          </a:prstGeom>
-          <a:ln w="38100">
-            <a:solidFill>
-              <a:schemeClr val="tx1"/>
-            </a:solidFill>
-            <a:prstDash val="sysDot"/>
-            <a:tailEnd type="arrow" w="med" len="lg"/>
-          </a:ln>
-        </p:spPr>
-        <p:style>
-          <a:lnRef idx="1">
-            <a:schemeClr val="accent1"/>
-          </a:lnRef>
-          <a:fillRef idx="0">
-            <a:schemeClr val="accent1"/>
-          </a:fillRef>
-          <a:effectRef idx="0">
-            <a:schemeClr val="accent1"/>
-          </a:effectRef>
-          <a:fontRef idx="minor">
-            <a:schemeClr val="tx1"/>
-          </a:fontRef>
-        </p:style>
-      </p:cxnSp>
-      <p:cxnSp>
-        <p:nvCxnSpPr>
-          <p:cNvPr id="31" name="直線單箭頭接點 30"/>
-          <p:cNvCxnSpPr>
-            <a:cxnSpLocks/>
             <a:stCxn id="125" idx="2"/>
             <a:endCxn id="16" idx="0"/>
           </p:cNvCxnSpPr>
@@ -11695,7 +14756,7 @@
     </p:spTree>
     <p:extLst>
       <p:ext uri="{BB962C8B-B14F-4D97-AF65-F5344CB8AC3E}">
-        <p14:creationId xmlns:p14="http://schemas.microsoft.com/office/powerpoint/2010/main" val="1329579060"/>
+        <p14:creationId xmlns:p14="http://schemas.microsoft.com/office/powerpoint/2010/main" val="1225394546"/>
       </p:ext>
     </p:extLst>
   </p:cSld>
@@ -11770,15 +14831,7 @@
                   <a:schemeClr val="tx1"/>
                 </a:solidFill>
               </a:rPr>
-              <a:t>Bacteria </a:t>
-            </a:r>
-            <a:r>
-              <a:rPr lang="en-US" altLang="zh-TW" dirty="0" smtClean="0">
-                <a:solidFill>
-                  <a:schemeClr val="tx1"/>
-                </a:solidFill>
-              </a:rPr>
-              <a:t>species richness</a:t>
+              <a:t>Bacteria species richness</a:t>
             </a:r>
             <a:endParaRPr lang="zh-TW" altLang="en-US" dirty="0">
               <a:solidFill>
@@ -11836,15 +14889,7 @@
                   <a:schemeClr val="tx1"/>
                 </a:solidFill>
               </a:rPr>
-              <a:t>HNF </a:t>
-            </a:r>
-            <a:r>
-              <a:rPr lang="en-US" altLang="zh-TW" dirty="0" smtClean="0">
-                <a:solidFill>
-                  <a:schemeClr val="tx1"/>
-                </a:solidFill>
-              </a:rPr>
-              <a:t>Simpson diversity</a:t>
+              <a:t>HNF Shannon diversity</a:t>
             </a:r>
             <a:endParaRPr lang="zh-TW" altLang="en-US" dirty="0">
               <a:solidFill>
@@ -11865,7 +14910,7 @@
         </p:nvCxnSpPr>
         <p:spPr>
           <a:xfrm flipV="1">
-            <a:off x="4248244" y="2286000"/>
+            <a:off x="4248244" y="2286004"/>
             <a:ext cx="3024000" cy="449"/>
           </a:xfrm>
           <a:prstGeom prst="straightConnector1">
@@ -11954,15 +14999,7 @@
                   <a:schemeClr val="tx1"/>
                 </a:solidFill>
               </a:rPr>
-              <a:t>HNF </a:t>
-            </a:r>
-            <a:r>
-              <a:rPr lang="en-US" altLang="zh-TW" b="1" dirty="0" smtClean="0">
-                <a:solidFill>
-                  <a:schemeClr val="tx1"/>
-                </a:solidFill>
-              </a:rPr>
-              <a:t>community</a:t>
+              <a:t>HNF community</a:t>
             </a:r>
             <a:endParaRPr lang="zh-TW" altLang="en-US" b="1" dirty="0">
               <a:solidFill>
@@ -11984,7 +15021,7 @@
         </p:nvCxnSpPr>
         <p:spPr>
           <a:xfrm>
-            <a:off x="2718244" y="2646449"/>
+            <a:off x="2718244" y="2646453"/>
             <a:ext cx="1080000" cy="719551"/>
           </a:xfrm>
           <a:prstGeom prst="straightConnector1">
@@ -12018,7 +15055,7 @@
           <p:cNvPr id="18" name="圓角矩形 18">
             <a:extLst>
               <a:ext uri="{FF2B5EF4-FFF2-40B4-BE49-F238E27FC236}">
-                <a16:creationId xmlns:a16="http://schemas.microsoft.com/office/drawing/2014/main" xmlns="" id="{47DE1866-A6CF-489C-848E-A4D8C003E3C0}"/>
+                <a16:creationId xmlns:a16="http://schemas.microsoft.com/office/drawing/2014/main" id="{47DE1866-A6CF-489C-848E-A4D8C003E3C0}"/>
               </a:ext>
             </a:extLst>
           </p:cNvPr>
@@ -12093,7 +15130,7 @@
           <p:cNvPr id="28" name="直線單箭頭接點 11">
             <a:extLst>
               <a:ext uri="{FF2B5EF4-FFF2-40B4-BE49-F238E27FC236}">
-                <a16:creationId xmlns:a16="http://schemas.microsoft.com/office/drawing/2014/main" xmlns="" id="{2F63CEA1-FDB0-4466-9AF7-10C6638C7A69}"/>
+                <a16:creationId xmlns:a16="http://schemas.microsoft.com/office/drawing/2014/main" id="{2F63CEA1-FDB0-4466-9AF7-10C6638C7A69}"/>
               </a:ext>
             </a:extLst>
           </p:cNvPr>
@@ -12140,7 +15177,7 @@
           <p:cNvPr id="33" name="直線單箭頭接點 11">
             <a:extLst>
               <a:ext uri="{FF2B5EF4-FFF2-40B4-BE49-F238E27FC236}">
-                <a16:creationId xmlns:a16="http://schemas.microsoft.com/office/drawing/2014/main" xmlns="" id="{F0875757-B921-4728-87AA-413F44467B51}"/>
+                <a16:creationId xmlns:a16="http://schemas.microsoft.com/office/drawing/2014/main" id="{F0875757-B921-4728-87AA-413F44467B51}"/>
               </a:ext>
             </a:extLst>
           </p:cNvPr>
@@ -12187,7 +15224,7 @@
           <p:cNvPr id="34" name="直線單箭頭接點 11">
             <a:extLst>
               <a:ext uri="{FF2B5EF4-FFF2-40B4-BE49-F238E27FC236}">
-                <a16:creationId xmlns:a16="http://schemas.microsoft.com/office/drawing/2014/main" xmlns="" id="{7DB4E6F1-6E32-4553-A7DF-D1C5A6D92F70}"/>
+                <a16:creationId xmlns:a16="http://schemas.microsoft.com/office/drawing/2014/main" id="{7DB4E6F1-6E32-4553-A7DF-D1C5A6D92F70}"/>
               </a:ext>
             </a:extLst>
           </p:cNvPr>
@@ -12200,7 +15237,7 @@
         </p:nvCxnSpPr>
         <p:spPr>
           <a:xfrm flipH="1" flipV="1">
-            <a:off x="4248244" y="2286449"/>
+            <a:off x="4248244" y="2286453"/>
             <a:ext cx="1944000" cy="1529551"/>
           </a:xfrm>
           <a:prstGeom prst="straightConnector1">
@@ -12237,7 +15274,7 @@
         </p:nvSpPr>
         <p:spPr>
           <a:xfrm>
-            <a:off x="5016851" y="1944373"/>
+            <a:off x="5016851" y="1944377"/>
             <a:ext cx="1370888" cy="317459"/>
           </a:xfrm>
           <a:prstGeom prst="rect">
@@ -12252,8 +15289,8 @@
           <a:p>
             <a:pPr algn="ctr"/>
             <a:r>
-              <a:rPr lang="en-US" altLang="zh-TW" dirty="0" smtClean="0"/>
-              <a:t>0.126 (p = 0.13)</a:t>
+              <a:rPr lang="en-US" altLang="zh-TW" dirty="0"/>
+              <a:t>0.148 (p = 0.09)</a:t>
             </a:r>
             <a:endParaRPr lang="zh-TW" altLang="en-US" dirty="0"/>
           </a:p>
@@ -12262,7 +15299,7 @@
     </p:spTree>
     <p:extLst>
       <p:ext uri="{BB962C8B-B14F-4D97-AF65-F5344CB8AC3E}">
-        <p14:creationId xmlns:p14="http://schemas.microsoft.com/office/powerpoint/2010/main" val="2840606312"/>
+        <p14:creationId xmlns:p14="http://schemas.microsoft.com/office/powerpoint/2010/main" val="562642780"/>
       </p:ext>
     </p:extLst>
   </p:cSld>
@@ -12337,89 +15374,65 @@
                   <a:schemeClr val="tx1"/>
                 </a:solidFill>
               </a:rPr>
-              <a:t>Bacteria </a:t>
-            </a:r>
+              <a:t>Bacteria species richness</a:t>
+            </a:r>
+            <a:endParaRPr lang="zh-TW" altLang="en-US" dirty="0">
+              <a:solidFill>
+                <a:schemeClr val="tx1"/>
+              </a:solidFill>
+            </a:endParaRPr>
+          </a:p>
+        </p:txBody>
+      </p:sp>
+      <p:sp>
+        <p:nvSpPr>
+          <p:cNvPr id="16" name="圓角矩形 15"/>
+          <p:cNvSpPr/>
+          <p:nvPr/>
+        </p:nvSpPr>
+        <p:spPr>
+          <a:xfrm>
+            <a:off x="7272244" y="1926000"/>
+            <a:ext cx="3060000" cy="720000"/>
+          </a:xfrm>
+          <a:prstGeom prst="roundRect">
+            <a:avLst/>
+          </a:prstGeom>
+          <a:noFill/>
+          <a:ln w="38100">
+            <a:solidFill>
+              <a:schemeClr val="tx1"/>
+            </a:solidFill>
+          </a:ln>
+        </p:spPr>
+        <p:style>
+          <a:lnRef idx="2">
+            <a:schemeClr val="accent1">
+              <a:shade val="50000"/>
+            </a:schemeClr>
+          </a:lnRef>
+          <a:fillRef idx="1">
+            <a:schemeClr val="accent1"/>
+          </a:fillRef>
+          <a:effectRef idx="0">
+            <a:schemeClr val="accent1"/>
+          </a:effectRef>
+          <a:fontRef idx="minor">
+            <a:schemeClr val="lt1"/>
+          </a:fontRef>
+        </p:style>
+        <p:txBody>
+          <a:bodyPr rtlCol="0" anchor="ctr"/>
+          <a:lstStyle/>
+          <a:p>
+            <a:pPr algn="ctr"/>
             <a:r>
               <a:rPr lang="en-US" altLang="zh-TW" dirty="0">
                 <a:solidFill>
                   <a:schemeClr val="tx1"/>
                 </a:solidFill>
               </a:rPr>
-              <a:t>species richness</a:t>
-            </a:r>
-            <a:endParaRPr lang="zh-TW" altLang="en-US" dirty="0">
-              <a:solidFill>
-                <a:schemeClr val="tx1"/>
-              </a:solidFill>
-            </a:endParaRPr>
-          </a:p>
-        </p:txBody>
-      </p:sp>
-      <p:sp>
-        <p:nvSpPr>
-          <p:cNvPr id="16" name="圓角矩形 15"/>
-          <p:cNvSpPr/>
-          <p:nvPr/>
-        </p:nvSpPr>
-        <p:spPr>
-          <a:xfrm>
-            <a:off x="7272244" y="1926000"/>
-            <a:ext cx="3060000" cy="720000"/>
-          </a:xfrm>
-          <a:prstGeom prst="roundRect">
-            <a:avLst/>
-          </a:prstGeom>
-          <a:noFill/>
-          <a:ln w="38100">
-            <a:solidFill>
-              <a:schemeClr val="tx1"/>
-            </a:solidFill>
-          </a:ln>
-        </p:spPr>
-        <p:style>
-          <a:lnRef idx="2">
-            <a:schemeClr val="accent1">
-              <a:shade val="50000"/>
-            </a:schemeClr>
-          </a:lnRef>
-          <a:fillRef idx="1">
-            <a:schemeClr val="accent1"/>
-          </a:fillRef>
-          <a:effectRef idx="0">
-            <a:schemeClr val="accent1"/>
-          </a:effectRef>
-          <a:fontRef idx="minor">
-            <a:schemeClr val="lt1"/>
-          </a:fontRef>
-        </p:style>
-        <p:txBody>
-          <a:bodyPr rtlCol="0" anchor="ctr"/>
-          <a:lstStyle/>
-          <a:p>
-            <a:pPr algn="ctr"/>
-            <a:r>
-              <a:rPr lang="en-US" altLang="zh-TW" dirty="0">
-                <a:solidFill>
-                  <a:schemeClr val="tx1"/>
-                </a:solidFill>
-              </a:rPr>
-              <a:t>HNF </a:t>
-            </a:r>
-            <a:r>
-              <a:rPr lang="en-US" altLang="zh-TW" dirty="0">
-                <a:solidFill>
-                  <a:schemeClr val="tx1"/>
-                </a:solidFill>
-              </a:rPr>
-              <a:t>Simpson </a:t>
-            </a:r>
-            <a:r>
-              <a:rPr lang="en-US" altLang="zh-TW" dirty="0" smtClean="0">
-                <a:solidFill>
-                  <a:schemeClr val="tx1"/>
-                </a:solidFill>
-              </a:rPr>
-              <a:t>diversity</a:t>
+              <a:t>HNF Shannon diversity</a:t>
             </a:r>
             <a:endParaRPr lang="zh-TW" altLang="en-US" dirty="0">
               <a:solidFill>
@@ -12440,7 +15453,7 @@
         </p:nvCxnSpPr>
         <p:spPr>
           <a:xfrm flipV="1">
-            <a:off x="4248244" y="2286000"/>
+            <a:off x="4248244" y="2286004"/>
             <a:ext cx="3024000" cy="449"/>
           </a:xfrm>
           <a:prstGeom prst="straightConnector1">
@@ -12529,15 +15542,7 @@
                   <a:schemeClr val="tx1"/>
                 </a:solidFill>
               </a:rPr>
-              <a:t>HNF </a:t>
-            </a:r>
-            <a:r>
-              <a:rPr lang="en-US" altLang="zh-TW" b="1" dirty="0" smtClean="0">
-                <a:solidFill>
-                  <a:schemeClr val="tx1"/>
-                </a:solidFill>
-              </a:rPr>
-              <a:t>community</a:t>
+              <a:t>HNF community</a:t>
             </a:r>
             <a:endParaRPr lang="zh-TW" altLang="en-US" b="1" dirty="0">
               <a:solidFill>
@@ -12559,7 +15564,7 @@
         </p:nvCxnSpPr>
         <p:spPr>
           <a:xfrm>
-            <a:off x="2718244" y="2646449"/>
+            <a:off x="2718244" y="2646453"/>
             <a:ext cx="1080000" cy="719551"/>
           </a:xfrm>
           <a:prstGeom prst="straightConnector1">
@@ -12593,7 +15598,7 @@
           <p:cNvPr id="18" name="圓角矩形 18">
             <a:extLst>
               <a:ext uri="{FF2B5EF4-FFF2-40B4-BE49-F238E27FC236}">
-                <a16:creationId xmlns:a16="http://schemas.microsoft.com/office/drawing/2014/main" xmlns="" id="{47DE1866-A6CF-489C-848E-A4D8C003E3C0}"/>
+                <a16:creationId xmlns:a16="http://schemas.microsoft.com/office/drawing/2014/main" id="{47DE1866-A6CF-489C-848E-A4D8C003E3C0}"/>
               </a:ext>
             </a:extLst>
           </p:cNvPr>
@@ -12668,7 +15673,7 @@
           <p:cNvPr id="28" name="直線單箭頭接點 11">
             <a:extLst>
               <a:ext uri="{FF2B5EF4-FFF2-40B4-BE49-F238E27FC236}">
-                <a16:creationId xmlns:a16="http://schemas.microsoft.com/office/drawing/2014/main" xmlns="" id="{2F63CEA1-FDB0-4466-9AF7-10C6638C7A69}"/>
+                <a16:creationId xmlns:a16="http://schemas.microsoft.com/office/drawing/2014/main" id="{2F63CEA1-FDB0-4466-9AF7-10C6638C7A69}"/>
               </a:ext>
             </a:extLst>
           </p:cNvPr>
@@ -12715,7 +15720,7 @@
           <p:cNvPr id="33" name="直線單箭頭接點 11">
             <a:extLst>
               <a:ext uri="{FF2B5EF4-FFF2-40B4-BE49-F238E27FC236}">
-                <a16:creationId xmlns:a16="http://schemas.microsoft.com/office/drawing/2014/main" xmlns="" id="{F0875757-B921-4728-87AA-413F44467B51}"/>
+                <a16:creationId xmlns:a16="http://schemas.microsoft.com/office/drawing/2014/main" id="{F0875757-B921-4728-87AA-413F44467B51}"/>
               </a:ext>
             </a:extLst>
           </p:cNvPr>
@@ -12762,7 +15767,7 @@
           <p:cNvPr id="34" name="直線單箭頭接點 11">
             <a:extLst>
               <a:ext uri="{FF2B5EF4-FFF2-40B4-BE49-F238E27FC236}">
-                <a16:creationId xmlns:a16="http://schemas.microsoft.com/office/drawing/2014/main" xmlns="" id="{7DB4E6F1-6E32-4553-A7DF-D1C5A6D92F70}"/>
+                <a16:creationId xmlns:a16="http://schemas.microsoft.com/office/drawing/2014/main" id="{7DB4E6F1-6E32-4553-A7DF-D1C5A6D92F70}"/>
               </a:ext>
             </a:extLst>
           </p:cNvPr>
@@ -12775,7 +15780,7 @@
         </p:nvCxnSpPr>
         <p:spPr>
           <a:xfrm flipH="1" flipV="1">
-            <a:off x="4248244" y="2286449"/>
+            <a:off x="4248244" y="2286453"/>
             <a:ext cx="1944000" cy="1529551"/>
           </a:xfrm>
           <a:prstGeom prst="straightConnector1">
@@ -12812,7 +15817,7 @@
         </p:nvSpPr>
         <p:spPr>
           <a:xfrm>
-            <a:off x="5016851" y="1944373"/>
+            <a:off x="5016851" y="1944377"/>
             <a:ext cx="1370888" cy="317459"/>
           </a:xfrm>
           <a:prstGeom prst="rect">
@@ -12827,8 +15832,8 @@
           <a:p>
             <a:pPr algn="ctr"/>
             <a:r>
-              <a:rPr lang="en-US" altLang="zh-TW" dirty="0" smtClean="0"/>
-              <a:t>0.134 (p = 0.13)</a:t>
+              <a:rPr lang="en-US" altLang="zh-TW" dirty="0"/>
+              <a:t>0.148 (p = 0.09)</a:t>
             </a:r>
             <a:endParaRPr lang="zh-TW" altLang="en-US" dirty="0"/>
           </a:p>
@@ -12882,15 +15887,7 @@
                   <a:schemeClr val="tx1"/>
                 </a:solidFill>
               </a:rPr>
-              <a:t>HNF </a:t>
-            </a:r>
-            <a:r>
-              <a:rPr lang="en-US" altLang="zh-TW" dirty="0" smtClean="0">
-                <a:solidFill>
-                  <a:schemeClr val="tx1"/>
-                </a:solidFill>
-              </a:rPr>
-              <a:t>biomass</a:t>
+              <a:t>HNF biomass</a:t>
             </a:r>
             <a:endParaRPr lang="zh-TW" altLang="en-US" dirty="0">
               <a:solidFill>
@@ -12948,15 +15945,7 @@
                   <a:schemeClr val="tx1"/>
                 </a:solidFill>
               </a:rPr>
-              <a:t>HNF </a:t>
-            </a:r>
-            <a:r>
-              <a:rPr lang="en-US" altLang="zh-TW" dirty="0" smtClean="0">
-                <a:solidFill>
-                  <a:schemeClr val="tx1"/>
-                </a:solidFill>
-              </a:rPr>
-              <a:t>biomass</a:t>
+              <a:t>Bacteria biomass</a:t>
             </a:r>
             <a:endParaRPr lang="zh-TW" altLang="en-US" dirty="0">
               <a:solidFill>
@@ -13174,7 +16163,7 @@
     </p:spTree>
     <p:extLst>
       <p:ext uri="{BB962C8B-B14F-4D97-AF65-F5344CB8AC3E}">
-        <p14:creationId xmlns:p14="http://schemas.microsoft.com/office/powerpoint/2010/main" val="2530947197"/>
+        <p14:creationId xmlns:p14="http://schemas.microsoft.com/office/powerpoint/2010/main" val="3978597908"/>
       </p:ext>
     </p:extLst>
   </p:cSld>
@@ -13443,4 +16432,299 @@
     </a:ext>
   </a:extLst>
 </a:theme>
+</file>
+
+<file path=ppt/theme/theme2.xml><?xml version="1.0" encoding="utf-8"?>
+<a:theme xmlns:a="http://schemas.openxmlformats.org/drawingml/2006/main" name="Office Theme">
+  <a:themeElements>
+    <a:clrScheme name="Office">
+      <a:dk1>
+        <a:sysClr val="windowText" lastClr="000000"/>
+      </a:dk1>
+      <a:lt1>
+        <a:sysClr val="window" lastClr="FFFFFF"/>
+      </a:lt1>
+      <a:dk2>
+        <a:srgbClr val="44546A"/>
+      </a:dk2>
+      <a:lt2>
+        <a:srgbClr val="E7E6E6"/>
+      </a:lt2>
+      <a:accent1>
+        <a:srgbClr val="4472C4"/>
+      </a:accent1>
+      <a:accent2>
+        <a:srgbClr val="ED7D31"/>
+      </a:accent2>
+      <a:accent3>
+        <a:srgbClr val="A5A5A5"/>
+      </a:accent3>
+      <a:accent4>
+        <a:srgbClr val="FFC000"/>
+      </a:accent4>
+      <a:accent5>
+        <a:srgbClr val="5B9BD5"/>
+      </a:accent5>
+      <a:accent6>
+        <a:srgbClr val="70AD47"/>
+      </a:accent6>
+      <a:hlink>
+        <a:srgbClr val="0563C1"/>
+      </a:hlink>
+      <a:folHlink>
+        <a:srgbClr val="954F72"/>
+      </a:folHlink>
+    </a:clrScheme>
+    <a:fontScheme name="Office">
+      <a:majorFont>
+        <a:latin typeface="Calibri Light" panose="020F0302020204030204"/>
+        <a:ea typeface=""/>
+        <a:cs typeface=""/>
+        <a:font script="Jpan" typeface="游ゴシック Light"/>
+        <a:font script="Hang" typeface="맑은 고딕"/>
+        <a:font script="Hans" typeface="等线 Light"/>
+        <a:font script="Hant" typeface="新細明體"/>
+        <a:font script="Arab" typeface="Times New Roman"/>
+        <a:font script="Hebr" typeface="Times New Roman"/>
+        <a:font script="Thai" typeface="Angsana New"/>
+        <a:font script="Ethi" typeface="Nyala"/>
+        <a:font script="Beng" typeface="Vrinda"/>
+        <a:font script="Gujr" typeface="Shruti"/>
+        <a:font script="Khmr" typeface="MoolBoran"/>
+        <a:font script="Knda" typeface="Tunga"/>
+        <a:font script="Guru" typeface="Raavi"/>
+        <a:font script="Cans" typeface="Euphemia"/>
+        <a:font script="Cher" typeface="Plantagenet Cherokee"/>
+        <a:font script="Yiii" typeface="Microsoft Yi Baiti"/>
+        <a:font script="Tibt" typeface="Microsoft Himalaya"/>
+        <a:font script="Thaa" typeface="MV Boli"/>
+        <a:font script="Deva" typeface="Mangal"/>
+        <a:font script="Telu" typeface="Gautami"/>
+        <a:font script="Taml" typeface="Latha"/>
+        <a:font script="Syrc" typeface="Estrangelo Edessa"/>
+        <a:font script="Orya" typeface="Kalinga"/>
+        <a:font script="Mlym" typeface="Kartika"/>
+        <a:font script="Laoo" typeface="DokChampa"/>
+        <a:font script="Sinh" typeface="Iskoola Pota"/>
+        <a:font script="Mong" typeface="Mongolian Baiti"/>
+        <a:font script="Viet" typeface="Times New Roman"/>
+        <a:font script="Uigh" typeface="Microsoft Uighur"/>
+        <a:font script="Geor" typeface="Sylfaen"/>
+        <a:font script="Armn" typeface="Arial"/>
+        <a:font script="Bugi" typeface="Leelawadee UI"/>
+        <a:font script="Bopo" typeface="Microsoft JhengHei"/>
+        <a:font script="Java" typeface="Javanese Text"/>
+        <a:font script="Lisu" typeface="Segoe UI"/>
+        <a:font script="Mymr" typeface="Myanmar Text"/>
+        <a:font script="Nkoo" typeface="Ebrima"/>
+        <a:font script="Olck" typeface="Nirmala UI"/>
+        <a:font script="Osma" typeface="Ebrima"/>
+        <a:font script="Phag" typeface="Phagspa"/>
+        <a:font script="Syrn" typeface="Estrangelo Edessa"/>
+        <a:font script="Syrj" typeface="Estrangelo Edessa"/>
+        <a:font script="Syre" typeface="Estrangelo Edessa"/>
+        <a:font script="Sora" typeface="Nirmala UI"/>
+        <a:font script="Tale" typeface="Microsoft Tai Le"/>
+        <a:font script="Talu" typeface="Microsoft New Tai Lue"/>
+        <a:font script="Tfng" typeface="Ebrima"/>
+      </a:majorFont>
+      <a:minorFont>
+        <a:latin typeface="Calibri" panose="020F0502020204030204"/>
+        <a:ea typeface=""/>
+        <a:cs typeface=""/>
+        <a:font script="Jpan" typeface="游ゴシック"/>
+        <a:font script="Hang" typeface="맑은 고딕"/>
+        <a:font script="Hans" typeface="等线"/>
+        <a:font script="Hant" typeface="新細明體"/>
+        <a:font script="Arab" typeface="Arial"/>
+        <a:font script="Hebr" typeface="Arial"/>
+        <a:font script="Thai" typeface="Cordia New"/>
+        <a:font script="Ethi" typeface="Nyala"/>
+        <a:font script="Beng" typeface="Vrinda"/>
+        <a:font script="Gujr" typeface="Shruti"/>
+        <a:font script="Khmr" typeface="DaunPenh"/>
+        <a:font script="Knda" typeface="Tunga"/>
+        <a:font script="Guru" typeface="Raavi"/>
+        <a:font script="Cans" typeface="Euphemia"/>
+        <a:font script="Cher" typeface="Plantagenet Cherokee"/>
+        <a:font script="Yiii" typeface="Microsoft Yi Baiti"/>
+        <a:font script="Tibt" typeface="Microsoft Himalaya"/>
+        <a:font script="Thaa" typeface="MV Boli"/>
+        <a:font script="Deva" typeface="Mangal"/>
+        <a:font script="Telu" typeface="Gautami"/>
+        <a:font script="Taml" typeface="Latha"/>
+        <a:font script="Syrc" typeface="Estrangelo Edessa"/>
+        <a:font script="Orya" typeface="Kalinga"/>
+        <a:font script="Mlym" typeface="Kartika"/>
+        <a:font script="Laoo" typeface="DokChampa"/>
+        <a:font script="Sinh" typeface="Iskoola Pota"/>
+        <a:font script="Mong" typeface="Mongolian Baiti"/>
+        <a:font script="Viet" typeface="Arial"/>
+        <a:font script="Uigh" typeface="Microsoft Uighur"/>
+        <a:font script="Geor" typeface="Sylfaen"/>
+        <a:font script="Armn" typeface="Arial"/>
+        <a:font script="Bugi" typeface="Leelawadee UI"/>
+        <a:font script="Bopo" typeface="Microsoft JhengHei"/>
+        <a:font script="Java" typeface="Javanese Text"/>
+        <a:font script="Lisu" typeface="Segoe UI"/>
+        <a:font script="Mymr" typeface="Myanmar Text"/>
+        <a:font script="Nkoo" typeface="Ebrima"/>
+        <a:font script="Olck" typeface="Nirmala UI"/>
+        <a:font script="Osma" typeface="Ebrima"/>
+        <a:font script="Phag" typeface="Phagspa"/>
+        <a:font script="Syrn" typeface="Estrangelo Edessa"/>
+        <a:font script="Syrj" typeface="Estrangelo Edessa"/>
+        <a:font script="Syre" typeface="Estrangelo Edessa"/>
+        <a:font script="Sora" typeface="Nirmala UI"/>
+        <a:font script="Tale" typeface="Microsoft Tai Le"/>
+        <a:font script="Talu" typeface="Microsoft New Tai Lue"/>
+        <a:font script="Tfng" typeface="Ebrima"/>
+      </a:minorFont>
+    </a:fontScheme>
+    <a:fmtScheme name="Office">
+      <a:fillStyleLst>
+        <a:solidFill>
+          <a:schemeClr val="phClr"/>
+        </a:solidFill>
+        <a:gradFill rotWithShape="1">
+          <a:gsLst>
+            <a:gs pos="0">
+              <a:schemeClr val="phClr">
+                <a:lumMod val="110000"/>
+                <a:satMod val="105000"/>
+                <a:tint val="67000"/>
+              </a:schemeClr>
+            </a:gs>
+            <a:gs pos="50000">
+              <a:schemeClr val="phClr">
+                <a:lumMod val="105000"/>
+                <a:satMod val="103000"/>
+                <a:tint val="73000"/>
+              </a:schemeClr>
+            </a:gs>
+            <a:gs pos="100000">
+              <a:schemeClr val="phClr">
+                <a:lumMod val="105000"/>
+                <a:satMod val="109000"/>
+                <a:tint val="81000"/>
+              </a:schemeClr>
+            </a:gs>
+          </a:gsLst>
+          <a:lin ang="5400000" scaled="0"/>
+        </a:gradFill>
+        <a:gradFill rotWithShape="1">
+          <a:gsLst>
+            <a:gs pos="0">
+              <a:schemeClr val="phClr">
+                <a:satMod val="103000"/>
+                <a:lumMod val="102000"/>
+                <a:tint val="94000"/>
+              </a:schemeClr>
+            </a:gs>
+            <a:gs pos="50000">
+              <a:schemeClr val="phClr">
+                <a:satMod val="110000"/>
+                <a:lumMod val="100000"/>
+                <a:shade val="100000"/>
+              </a:schemeClr>
+            </a:gs>
+            <a:gs pos="100000">
+              <a:schemeClr val="phClr">
+                <a:lumMod val="99000"/>
+                <a:satMod val="120000"/>
+                <a:shade val="78000"/>
+              </a:schemeClr>
+            </a:gs>
+          </a:gsLst>
+          <a:lin ang="5400000" scaled="0"/>
+        </a:gradFill>
+      </a:fillStyleLst>
+      <a:lnStyleLst>
+        <a:ln w="6350" cap="flat" cmpd="sng" algn="ctr">
+          <a:solidFill>
+            <a:schemeClr val="phClr"/>
+          </a:solidFill>
+          <a:prstDash val="solid"/>
+          <a:miter lim="800000"/>
+        </a:ln>
+        <a:ln w="12700" cap="flat" cmpd="sng" algn="ctr">
+          <a:solidFill>
+            <a:schemeClr val="phClr"/>
+          </a:solidFill>
+          <a:prstDash val="solid"/>
+          <a:miter lim="800000"/>
+        </a:ln>
+        <a:ln w="19050" cap="flat" cmpd="sng" algn="ctr">
+          <a:solidFill>
+            <a:schemeClr val="phClr"/>
+          </a:solidFill>
+          <a:prstDash val="solid"/>
+          <a:miter lim="800000"/>
+        </a:ln>
+      </a:lnStyleLst>
+      <a:effectStyleLst>
+        <a:effectStyle>
+          <a:effectLst/>
+        </a:effectStyle>
+        <a:effectStyle>
+          <a:effectLst/>
+        </a:effectStyle>
+        <a:effectStyle>
+          <a:effectLst>
+            <a:outerShdw blurRad="57150" dist="19050" dir="5400000" algn="ctr" rotWithShape="0">
+              <a:srgbClr val="000000">
+                <a:alpha val="63000"/>
+              </a:srgbClr>
+            </a:outerShdw>
+          </a:effectLst>
+        </a:effectStyle>
+      </a:effectStyleLst>
+      <a:bgFillStyleLst>
+        <a:solidFill>
+          <a:schemeClr val="phClr"/>
+        </a:solidFill>
+        <a:solidFill>
+          <a:schemeClr val="phClr">
+            <a:tint val="95000"/>
+            <a:satMod val="170000"/>
+          </a:schemeClr>
+        </a:solidFill>
+        <a:gradFill rotWithShape="1">
+          <a:gsLst>
+            <a:gs pos="0">
+              <a:schemeClr val="phClr">
+                <a:tint val="93000"/>
+                <a:satMod val="150000"/>
+                <a:shade val="98000"/>
+                <a:lumMod val="102000"/>
+              </a:schemeClr>
+            </a:gs>
+            <a:gs pos="50000">
+              <a:schemeClr val="phClr">
+                <a:tint val="98000"/>
+                <a:satMod val="130000"/>
+                <a:shade val="90000"/>
+                <a:lumMod val="103000"/>
+              </a:schemeClr>
+            </a:gs>
+            <a:gs pos="100000">
+              <a:schemeClr val="phClr">
+                <a:shade val="63000"/>
+                <a:satMod val="120000"/>
+              </a:schemeClr>
+            </a:gs>
+          </a:gsLst>
+          <a:lin ang="5400000" scaled="0"/>
+        </a:gradFill>
+      </a:bgFillStyleLst>
+    </a:fmtScheme>
+  </a:themeElements>
+  <a:objectDefaults/>
+  <a:extraClrSchemeLst/>
+  <a:extLst>
+    <a:ext uri="{05A4C25C-085E-4340-85A3-A5531E510DB2}">
+      <thm15:themeFamily xmlns:thm15="http://schemas.microsoft.com/office/thememl/2012/main" name="Office Theme" id="{62F939B6-93AF-4DB8-9C6B-D6C7DFDC589F}" vid="{4A3C46E8-61CC-4603-A589-7422A47A8E4A}"/>
+    </a:ext>
+  </a:extLst>
+</a:theme>
 </file>
--- a/Presentation/HypoFigs.pptx
+++ b/Presentation/HypoFigs.pptx
@@ -11,9 +11,9 @@
     <p:sldId id="257" r:id="rId2"/>
     <p:sldId id="561" r:id="rId3"/>
     <p:sldId id="558" r:id="rId4"/>
-    <p:sldId id="560" r:id="rId5"/>
-    <p:sldId id="559" r:id="rId6"/>
-    <p:sldId id="260" r:id="rId7"/>
+    <p:sldId id="564" r:id="rId5"/>
+    <p:sldId id="562" r:id="rId6"/>
+    <p:sldId id="563" r:id="rId7"/>
     <p:sldId id="259" r:id="rId8"/>
     <p:sldId id="261" r:id="rId9"/>
     <p:sldId id="262" r:id="rId10"/>
@@ -1041,7 +1041,7 @@
         </p:nvSpPr>
         <p:spPr>
           <a:xfrm>
-            <a:off x="1440061" y="3214322"/>
+            <a:off x="1440061" y="3214324"/>
             <a:ext cx="8640366" cy="1477538"/>
           </a:xfrm>
         </p:spPr>
@@ -1371,7 +1371,7 @@
         </p:nvSpPr>
         <p:spPr>
           <a:xfrm>
-            <a:off x="8244353" y="325827"/>
+            <a:off x="8244357" y="325829"/>
             <a:ext cx="2484105" cy="5186258"/>
           </a:xfrm>
         </p:spPr>
@@ -1399,7 +1399,7 @@
         </p:nvSpPr>
         <p:spPr>
           <a:xfrm>
-            <a:off x="792033" y="325827"/>
+            <a:off x="792033" y="325829"/>
             <a:ext cx="7308310" cy="5186258"/>
           </a:xfrm>
         </p:spPr>
@@ -1721,7 +1721,7 @@
         </p:nvSpPr>
         <p:spPr>
           <a:xfrm>
-            <a:off x="786037" y="1525705"/>
+            <a:off x="786041" y="1525707"/>
             <a:ext cx="9936421" cy="2545672"/>
           </a:xfrm>
         </p:spPr>
@@ -1753,7 +1753,7 @@
         </p:nvSpPr>
         <p:spPr>
           <a:xfrm>
-            <a:off x="786037" y="4095462"/>
+            <a:off x="786041" y="4095464"/>
             <a:ext cx="9936421" cy="1338709"/>
           </a:xfrm>
         </p:spPr>
@@ -1990,7 +1990,7 @@
         </p:nvSpPr>
         <p:spPr>
           <a:xfrm>
-            <a:off x="792034" y="1629117"/>
+            <a:off x="792034" y="1629119"/>
             <a:ext cx="4896207" cy="3882967"/>
           </a:xfrm>
         </p:spPr>
@@ -2047,7 +2047,7 @@
         </p:nvSpPr>
         <p:spPr>
           <a:xfrm>
-            <a:off x="5832251" y="1629117"/>
+            <a:off x="5832251" y="1629119"/>
             <a:ext cx="4896207" cy="3882967"/>
           </a:xfrm>
         </p:spPr>
@@ -2199,7 +2199,7 @@
         </p:nvSpPr>
         <p:spPr>
           <a:xfrm>
-            <a:off x="793538" y="325826"/>
+            <a:off x="793540" y="325829"/>
             <a:ext cx="9936421" cy="1182881"/>
           </a:xfrm>
         </p:spPr>
@@ -2292,7 +2292,7 @@
         </p:nvSpPr>
         <p:spPr>
           <a:xfrm>
-            <a:off x="793535" y="2235435"/>
+            <a:off x="793535" y="2235437"/>
             <a:ext cx="4873706" cy="3287983"/>
           </a:xfrm>
         </p:spPr>
@@ -2414,7 +2414,7 @@
         </p:nvSpPr>
         <p:spPr>
           <a:xfrm>
-            <a:off x="5832247" y="2235435"/>
+            <a:off x="5832247" y="2235437"/>
             <a:ext cx="4897708" cy="3287983"/>
           </a:xfrm>
         </p:spPr>
@@ -2779,7 +2779,7 @@
         </p:nvSpPr>
         <p:spPr>
           <a:xfrm>
-            <a:off x="793539" y="407988"/>
+            <a:off x="793543" y="407988"/>
             <a:ext cx="3715657" cy="1427956"/>
           </a:xfrm>
         </p:spPr>
@@ -2811,7 +2811,7 @@
         </p:nvSpPr>
         <p:spPr>
           <a:xfrm>
-            <a:off x="4897712" y="881142"/>
+            <a:off x="4897716" y="881142"/>
             <a:ext cx="5832247" cy="4349034"/>
           </a:xfrm>
         </p:spPr>
@@ -2896,7 +2896,7 @@
         </p:nvSpPr>
         <p:spPr>
           <a:xfrm>
-            <a:off x="793539" y="1835947"/>
+            <a:off x="793543" y="1835949"/>
             <a:ext cx="3715657" cy="3401313"/>
           </a:xfrm>
         </p:spPr>
@@ -3056,7 +3056,7 @@
         </p:nvSpPr>
         <p:spPr>
           <a:xfrm>
-            <a:off x="793539" y="407988"/>
+            <a:off x="793543" y="407988"/>
             <a:ext cx="3715657" cy="1427956"/>
           </a:xfrm>
         </p:spPr>
@@ -3088,7 +3088,7 @@
         </p:nvSpPr>
         <p:spPr>
           <a:xfrm>
-            <a:off x="4897712" y="881142"/>
+            <a:off x="4897716" y="881142"/>
             <a:ext cx="5832247" cy="4349034"/>
           </a:xfrm>
         </p:spPr>
@@ -3153,7 +3153,7 @@
         </p:nvSpPr>
         <p:spPr>
           <a:xfrm>
-            <a:off x="793539" y="1835947"/>
+            <a:off x="793543" y="1835949"/>
             <a:ext cx="3715657" cy="3401313"/>
           </a:xfrm>
         </p:spPr>
@@ -3318,7 +3318,7 @@
         </p:nvSpPr>
         <p:spPr>
           <a:xfrm>
-            <a:off x="792037" y="325826"/>
+            <a:off x="792037" y="325829"/>
             <a:ext cx="9936421" cy="1182881"/>
           </a:xfrm>
           <a:prstGeom prst="rect">
@@ -3351,7 +3351,7 @@
         </p:nvSpPr>
         <p:spPr>
           <a:xfrm>
-            <a:off x="792037" y="1629117"/>
+            <a:off x="792037" y="1629119"/>
             <a:ext cx="9936421" cy="3882967"/>
           </a:xfrm>
           <a:prstGeom prst="rect">
@@ -4081,7 +4081,7 @@
         </p:nvCxnSpPr>
         <p:spPr>
           <a:xfrm flipV="1">
-            <a:off x="1651445" y="1385833"/>
+            <a:off x="1651449" y="1385833"/>
             <a:ext cx="4108801" cy="561526"/>
           </a:xfrm>
           <a:prstGeom prst="straightConnector1">
@@ -4127,7 +4127,7 @@
         </p:nvCxnSpPr>
         <p:spPr>
           <a:xfrm flipH="1" flipV="1">
-            <a:off x="5760246" y="1385833"/>
+            <a:off x="5760250" y="1385833"/>
             <a:ext cx="4120799" cy="580004"/>
           </a:xfrm>
           <a:prstGeom prst="straightConnector1">
@@ -4312,7 +4312,7 @@
         </p:nvCxnSpPr>
         <p:spPr>
           <a:xfrm flipV="1">
-            <a:off x="4248244" y="2286004"/>
+            <a:off x="4248244" y="2286010"/>
             <a:ext cx="3024000" cy="449"/>
           </a:xfrm>
           <a:prstGeom prst="straightConnector1">
@@ -4423,7 +4423,7 @@
         </p:nvCxnSpPr>
         <p:spPr>
           <a:xfrm>
-            <a:off x="2718244" y="2646453"/>
+            <a:off x="2718244" y="2646459"/>
             <a:ext cx="1080000" cy="719551"/>
           </a:xfrm>
           <a:prstGeom prst="straightConnector1">
@@ -4639,7 +4639,7 @@
         </p:nvCxnSpPr>
         <p:spPr>
           <a:xfrm flipH="1" flipV="1">
-            <a:off x="4248244" y="2286453"/>
+            <a:off x="4248244" y="2286459"/>
             <a:ext cx="1944000" cy="1529551"/>
           </a:xfrm>
           <a:prstGeom prst="straightConnector1">
@@ -4676,8 +4676,8 @@
         </p:nvSpPr>
         <p:spPr>
           <a:xfrm>
-            <a:off x="5444051" y="1944377"/>
-            <a:ext cx="516488" cy="317459"/>
+            <a:off x="5444054" y="1944381"/>
+            <a:ext cx="516487" cy="317459"/>
           </a:xfrm>
           <a:prstGeom prst="rect">
             <a:avLst/>
@@ -5064,7 +5064,7 @@
         </p:nvCxnSpPr>
         <p:spPr>
           <a:xfrm flipH="1" flipV="1">
-            <a:off x="8802244" y="2646004"/>
+            <a:off x="8802244" y="2646010"/>
             <a:ext cx="1745756" cy="2358071"/>
           </a:xfrm>
           <a:prstGeom prst="straightConnector1">
@@ -5111,7 +5111,7 @@
         </p:nvCxnSpPr>
         <p:spPr>
           <a:xfrm flipH="1" flipV="1">
-            <a:off x="7722244" y="4266004"/>
+            <a:off x="7722244" y="4266010"/>
             <a:ext cx="917756" cy="738071"/>
           </a:xfrm>
           <a:prstGeom prst="straightConnector1">
@@ -5264,7 +5264,7 @@
         </p:nvSpPr>
         <p:spPr>
           <a:xfrm>
-            <a:off x="8646854" y="1233996"/>
+            <a:off x="8646860" y="1233996"/>
             <a:ext cx="2514805" cy="3773010"/>
           </a:xfrm>
           <a:custGeom>
@@ -5349,7 +5349,7 @@
         </p:nvSpPr>
         <p:spPr>
           <a:xfrm>
-            <a:off x="6729278" y="1233996"/>
+            <a:off x="6729284" y="1233996"/>
             <a:ext cx="4734199" cy="3773010"/>
           </a:xfrm>
           <a:custGeom>
@@ -5531,7 +5531,7 @@
         </p:nvCxnSpPr>
         <p:spPr>
           <a:xfrm flipH="1" flipV="1">
-            <a:off x="1638244" y="1206414"/>
+            <a:off x="1638244" y="1206418"/>
             <a:ext cx="1080000" cy="720035"/>
           </a:xfrm>
           <a:prstGeom prst="straightConnector1">
@@ -5654,7 +5654,7 @@
         </p:nvCxnSpPr>
         <p:spPr>
           <a:xfrm flipH="1">
-            <a:off x="2718244" y="1206000"/>
+            <a:off x="2718244" y="1206004"/>
             <a:ext cx="7074000" cy="720449"/>
           </a:xfrm>
           <a:prstGeom prst="straightConnector1">
@@ -5881,7 +5881,7 @@
         </p:nvCxnSpPr>
         <p:spPr>
           <a:xfrm flipV="1">
-            <a:off x="4248244" y="2286004"/>
+            <a:off x="4248244" y="2286010"/>
             <a:ext cx="3024000" cy="449"/>
           </a:xfrm>
           <a:prstGeom prst="straightConnector1">
@@ -5992,7 +5992,7 @@
         </p:nvCxnSpPr>
         <p:spPr>
           <a:xfrm>
-            <a:off x="2718244" y="2646453"/>
+            <a:off x="2718244" y="2646459"/>
             <a:ext cx="1080000" cy="719551"/>
           </a:xfrm>
           <a:prstGeom prst="straightConnector1">
@@ -6208,7 +6208,7 @@
         </p:nvCxnSpPr>
         <p:spPr>
           <a:xfrm flipH="1" flipV="1">
-            <a:off x="4248244" y="2286453"/>
+            <a:off x="4248244" y="2286459"/>
             <a:ext cx="1944000" cy="1529551"/>
           </a:xfrm>
           <a:prstGeom prst="straightConnector1">
@@ -6245,7 +6245,7 @@
         </p:nvSpPr>
         <p:spPr>
           <a:xfrm>
-            <a:off x="5016851" y="1944377"/>
+            <a:off x="5016851" y="1944381"/>
             <a:ext cx="1370888" cy="317459"/>
           </a:xfrm>
           <a:prstGeom prst="rect">
@@ -6424,7 +6424,7 @@
         </p:nvCxnSpPr>
         <p:spPr>
           <a:xfrm flipV="1">
-            <a:off x="4248244" y="2286004"/>
+            <a:off x="4248244" y="2286010"/>
             <a:ext cx="3024000" cy="449"/>
           </a:xfrm>
           <a:prstGeom prst="straightConnector1">
@@ -6535,7 +6535,7 @@
         </p:nvCxnSpPr>
         <p:spPr>
           <a:xfrm>
-            <a:off x="2718244" y="2646453"/>
+            <a:off x="2718244" y="2646459"/>
             <a:ext cx="1080000" cy="719551"/>
           </a:xfrm>
           <a:prstGeom prst="straightConnector1">
@@ -6751,7 +6751,7 @@
         </p:nvCxnSpPr>
         <p:spPr>
           <a:xfrm flipH="1" flipV="1">
-            <a:off x="4248244" y="2286453"/>
+            <a:off x="4248244" y="2286459"/>
             <a:ext cx="1944000" cy="1529551"/>
           </a:xfrm>
           <a:prstGeom prst="straightConnector1">
@@ -6788,7 +6788,7 @@
         </p:nvSpPr>
         <p:spPr>
           <a:xfrm>
-            <a:off x="5016851" y="1944377"/>
+            <a:off x="5016851" y="1944381"/>
             <a:ext cx="1370888" cy="317459"/>
           </a:xfrm>
           <a:prstGeom prst="rect">
@@ -6938,7 +6938,7 @@
         </p:nvCxnSpPr>
         <p:spPr>
           <a:xfrm flipH="1" flipV="1">
-            <a:off x="1638244" y="1206414"/>
+            <a:off x="1638244" y="1206418"/>
             <a:ext cx="1080000" cy="720035"/>
           </a:xfrm>
           <a:prstGeom prst="straightConnector1">
@@ -7061,7 +7061,7 @@
         </p:nvCxnSpPr>
         <p:spPr>
           <a:xfrm flipH="1">
-            <a:off x="2718244" y="1206000"/>
+            <a:off x="2718244" y="1206004"/>
             <a:ext cx="7074000" cy="720449"/>
           </a:xfrm>
           <a:prstGeom prst="straightConnector1">
@@ -7288,7 +7288,7 @@
         </p:nvCxnSpPr>
         <p:spPr>
           <a:xfrm flipV="1">
-            <a:off x="4248244" y="2286004"/>
+            <a:off x="4248244" y="2286010"/>
             <a:ext cx="3024000" cy="449"/>
           </a:xfrm>
           <a:prstGeom prst="straightConnector1">
@@ -7399,7 +7399,7 @@
         </p:nvCxnSpPr>
         <p:spPr>
           <a:xfrm>
-            <a:off x="2718244" y="2646453"/>
+            <a:off x="2718244" y="2646459"/>
             <a:ext cx="1080000" cy="719551"/>
           </a:xfrm>
           <a:prstGeom prst="straightConnector1">
@@ -7615,7 +7615,7 @@
         </p:nvCxnSpPr>
         <p:spPr>
           <a:xfrm flipH="1" flipV="1">
-            <a:off x="4248244" y="2286453"/>
+            <a:off x="4248244" y="2286459"/>
             <a:ext cx="1944000" cy="1529551"/>
           </a:xfrm>
           <a:prstGeom prst="straightConnector1">
@@ -7652,8 +7652,8 @@
         </p:nvSpPr>
         <p:spPr>
           <a:xfrm>
-            <a:off x="5444051" y="1944377"/>
-            <a:ext cx="516488" cy="317459"/>
+            <a:off x="5444054" y="1944381"/>
+            <a:ext cx="516487" cy="317459"/>
           </a:xfrm>
           <a:prstGeom prst="rect">
             <a:avLst/>
@@ -8040,7 +8040,7 @@
         </p:nvCxnSpPr>
         <p:spPr>
           <a:xfrm flipH="1" flipV="1">
-            <a:off x="8802244" y="2646004"/>
+            <a:off x="8802244" y="2646010"/>
             <a:ext cx="1745756" cy="2358071"/>
           </a:xfrm>
           <a:prstGeom prst="straightConnector1">
@@ -8087,7 +8087,7 @@
         </p:nvCxnSpPr>
         <p:spPr>
           <a:xfrm flipH="1" flipV="1">
-            <a:off x="7722244" y="4266004"/>
+            <a:off x="7722244" y="4266010"/>
             <a:ext cx="917756" cy="738071"/>
           </a:xfrm>
           <a:prstGeom prst="straightConnector1">
@@ -8240,7 +8240,7 @@
         </p:nvSpPr>
         <p:spPr>
           <a:xfrm>
-            <a:off x="8646854" y="1233996"/>
+            <a:off x="8646860" y="1233996"/>
             <a:ext cx="2514805" cy="3773010"/>
           </a:xfrm>
           <a:custGeom>
@@ -8325,7 +8325,7 @@
         </p:nvSpPr>
         <p:spPr>
           <a:xfrm>
-            <a:off x="6729278" y="1233996"/>
+            <a:off x="6729284" y="1233996"/>
             <a:ext cx="4734199" cy="3773010"/>
           </a:xfrm>
           <a:custGeom>
@@ -8507,7 +8507,7 @@
         </p:nvCxnSpPr>
         <p:spPr>
           <a:xfrm flipH="1" flipV="1">
-            <a:off x="1638244" y="1206414"/>
+            <a:off x="1638244" y="1206418"/>
             <a:ext cx="1080000" cy="720035"/>
           </a:xfrm>
           <a:prstGeom prst="straightConnector1">
@@ -8630,7 +8630,7 @@
         </p:nvCxnSpPr>
         <p:spPr>
           <a:xfrm flipH="1">
-            <a:off x="2718244" y="1206000"/>
+            <a:off x="2718244" y="1206004"/>
             <a:ext cx="7074000" cy="720449"/>
           </a:xfrm>
           <a:prstGeom prst="straightConnector1">
@@ -8884,7 +8884,7 @@
         </p:nvSpPr>
         <p:spPr>
           <a:xfrm>
-            <a:off x="4076538" y="5282592"/>
+            <a:off x="4076542" y="5282592"/>
             <a:ext cx="3626215" cy="531812"/>
           </a:xfrm>
           <a:prstGeom prst="rect">
@@ -9095,7 +9095,7 @@
         </p:nvGrpSpPr>
         <p:grpSpPr>
           <a:xfrm>
-            <a:off x="1764069" y="560300"/>
+            <a:off x="1764069" y="560304"/>
             <a:ext cx="7853756" cy="5111863"/>
             <a:chOff x="359219" y="1488443"/>
             <a:chExt cx="6661944" cy="4449614"/>
@@ -9768,7 +9768,7 @@
         </p:blipFill>
         <p:spPr>
           <a:xfrm>
-            <a:off x="2345256" y="-1"/>
+            <a:off x="2345262" y="-1"/>
             <a:ext cx="6829983" cy="6119813"/>
           </a:xfrm>
           <a:prstGeom prst="rect">
@@ -9828,7 +9828,7 @@
         </p:blipFill>
         <p:spPr>
           <a:xfrm>
-            <a:off x="0" y="1204212"/>
+            <a:off x="0" y="1204217"/>
             <a:ext cx="11520488" cy="3711391"/>
           </a:xfrm>
           <a:prstGeom prst="rect">
@@ -10131,7 +10131,7 @@
         </p:nvCxnSpPr>
         <p:spPr>
           <a:xfrm>
-            <a:off x="1651443" y="1009226"/>
+            <a:off x="1651447" y="1009226"/>
             <a:ext cx="1" cy="987600"/>
           </a:xfrm>
           <a:prstGeom prst="straightConnector1">
@@ -10263,7 +10263,7 @@
         </p:nvCxnSpPr>
         <p:spPr>
           <a:xfrm>
-            <a:off x="9881043" y="1042104"/>
+            <a:off x="9881043" y="1042108"/>
             <a:ext cx="0" cy="957827"/>
           </a:xfrm>
           <a:prstGeom prst="straightConnector1">
@@ -10309,7 +10309,7 @@
         </p:nvCxnSpPr>
         <p:spPr>
           <a:xfrm flipV="1">
-            <a:off x="3181444" y="584904"/>
+            <a:off x="3181446" y="584904"/>
             <a:ext cx="5169599" cy="1869122"/>
           </a:xfrm>
           <a:prstGeom prst="straightConnector1">
@@ -10355,7 +10355,7 @@
         </p:nvCxnSpPr>
         <p:spPr>
           <a:xfrm flipH="1" flipV="1">
-            <a:off x="3181443" y="559226"/>
+            <a:off x="3181443" y="559228"/>
             <a:ext cx="5169600" cy="1890705"/>
           </a:xfrm>
           <a:prstGeom prst="straightConnector1">
@@ -10399,7 +10399,7 @@
         </p:nvCxnSpPr>
         <p:spPr>
           <a:xfrm flipH="1" flipV="1">
-            <a:off x="1619504" y="3252030"/>
+            <a:off x="1619504" y="3252036"/>
             <a:ext cx="17412" cy="2246813"/>
           </a:xfrm>
           <a:prstGeom prst="straightConnector1">
@@ -10479,7 +10479,7 @@
         </p:nvCxnSpPr>
         <p:spPr>
           <a:xfrm flipV="1">
-            <a:off x="1907657" y="4052932"/>
+            <a:off x="1907663" y="4052932"/>
             <a:ext cx="3448595" cy="1132114"/>
           </a:xfrm>
           <a:prstGeom prst="line">
@@ -10514,8 +10514,8 @@
         </p:nvSpPr>
         <p:spPr>
           <a:xfrm>
-            <a:off x="2263707" y="5619560"/>
-            <a:ext cx="2389693" cy="369332"/>
+            <a:off x="2472066" y="5619561"/>
+            <a:ext cx="1972976" cy="317459"/>
           </a:xfrm>
           <a:prstGeom prst="rect">
             <a:avLst/>
@@ -10529,10 +10529,10 @@
           <a:p>
             <a:pPr algn="ctr"/>
             <a:r>
-              <a:rPr lang="en-US" altLang="zh-TW" sz="1800" dirty="0"/>
+              <a:rPr lang="en-US" altLang="zh-TW" dirty="0"/>
               <a:t>Bacteria (HNF) diversity</a:t>
             </a:r>
-            <a:endParaRPr lang="zh-TW" altLang="en-US" sz="1800" dirty="0"/>
+            <a:endParaRPr lang="zh-TW" altLang="en-US" dirty="0"/>
           </a:p>
         </p:txBody>
       </p:sp>
@@ -10544,8 +10544,8 @@
         </p:nvSpPr>
         <p:spPr>
           <a:xfrm rot="-5400000">
-            <a:off x="-466375" y="3913768"/>
-            <a:ext cx="2906950" cy="923330"/>
+            <a:off x="-207137" y="3991577"/>
+            <a:ext cx="2388474" cy="767711"/>
           </a:xfrm>
           <a:prstGeom prst="rect">
             <a:avLst/>
@@ -10559,24 +10559,24 @@
           <a:p>
             <a:pPr algn="ctr"/>
             <a:r>
-              <a:rPr lang="en-US" altLang="zh-TW" sz="1800" dirty="0"/>
+              <a:rPr lang="en-US" altLang="zh-TW" dirty="0"/>
               <a:t>Deterministic </a:t>
             </a:r>
           </a:p>
           <a:p>
             <a:pPr algn="ctr"/>
             <a:r>
-              <a:rPr lang="en-US" altLang="zh-TW" sz="1800" dirty="0"/>
+              <a:rPr lang="en-US" altLang="zh-TW" dirty="0"/>
               <a:t>assembly processes </a:t>
             </a:r>
           </a:p>
           <a:p>
             <a:pPr algn="ctr"/>
             <a:r>
-              <a:rPr lang="en-US" altLang="zh-TW" sz="1800" dirty="0"/>
+              <a:rPr lang="en-US" altLang="zh-TW" dirty="0"/>
               <a:t>of HNF (Bacteria) community</a:t>
             </a:r>
-            <a:endParaRPr lang="zh-TW" altLang="en-US" sz="1800" dirty="0"/>
+            <a:endParaRPr lang="zh-TW" altLang="en-US" dirty="0"/>
           </a:p>
         </p:txBody>
       </p:sp>
@@ -10596,7 +10596,7 @@
         </p:nvCxnSpPr>
         <p:spPr>
           <a:xfrm flipH="1" flipV="1">
-            <a:off x="6892544" y="3252029"/>
+            <a:off x="6892544" y="3252035"/>
             <a:ext cx="17412" cy="2246813"/>
           </a:xfrm>
           <a:prstGeom prst="straightConnector1">
@@ -10676,7 +10676,7 @@
         </p:nvCxnSpPr>
         <p:spPr>
           <a:xfrm flipV="1">
-            <a:off x="7180697" y="4052931"/>
+            <a:off x="7180703" y="4052931"/>
             <a:ext cx="3448595" cy="1132114"/>
           </a:xfrm>
           <a:prstGeom prst="line">
@@ -10711,8 +10711,8 @@
         </p:nvSpPr>
         <p:spPr>
           <a:xfrm rot="-5400000">
-            <a:off x="5347035" y="4190765"/>
-            <a:ext cx="2389693" cy="369332"/>
+            <a:off x="5555396" y="4216704"/>
+            <a:ext cx="1972976" cy="317459"/>
           </a:xfrm>
           <a:prstGeom prst="rect">
             <a:avLst/>
@@ -10726,10 +10726,10 @@
           <a:p>
             <a:pPr algn="ctr"/>
             <a:r>
-              <a:rPr lang="en-US" altLang="zh-TW" sz="1800" dirty="0"/>
+              <a:rPr lang="en-US" altLang="zh-TW" dirty="0"/>
               <a:t>HNF (Bacteria) diversity</a:t>
             </a:r>
-            <a:endParaRPr lang="zh-TW" altLang="en-US" sz="1800" dirty="0"/>
+            <a:endParaRPr lang="zh-TW" altLang="en-US" dirty="0"/>
           </a:p>
         </p:txBody>
       </p:sp>
@@ -10741,8 +10741,8 @@
         </p:nvSpPr>
         <p:spPr>
           <a:xfrm>
-            <a:off x="7213052" y="5511289"/>
-            <a:ext cx="3383875" cy="646331"/>
+            <a:off x="7516693" y="5511290"/>
+            <a:ext cx="2776594" cy="542584"/>
           </a:xfrm>
           <a:prstGeom prst="rect">
             <a:avLst/>
@@ -10756,17 +10756,17 @@
           <a:p>
             <a:pPr algn="ctr"/>
             <a:r>
-              <a:rPr lang="en-US" altLang="zh-TW" sz="1800" dirty="0"/>
+              <a:rPr lang="en-US" altLang="zh-TW" dirty="0"/>
               <a:t>Deterministic assembly processes </a:t>
             </a:r>
           </a:p>
           <a:p>
             <a:pPr algn="ctr"/>
             <a:r>
-              <a:rPr lang="en-US" altLang="zh-TW" sz="1800" dirty="0"/>
+              <a:rPr lang="en-US" altLang="zh-TW" dirty="0"/>
               <a:t>of HNF (Bacteria) community</a:t>
             </a:r>
-            <a:endParaRPr lang="zh-TW" altLang="en-US" sz="1800" dirty="0"/>
+            <a:endParaRPr lang="zh-TW" altLang="en-US" dirty="0"/>
           </a:p>
         </p:txBody>
       </p:sp>
@@ -10809,7 +10809,7 @@
         <p:spPr>
           <a:xfrm>
             <a:off x="121443" y="109226"/>
-            <a:ext cx="3060000" cy="720000"/>
+            <a:ext cx="3060000" cy="900000"/>
           </a:xfrm>
           <a:prstGeom prst="roundRect">
             <a:avLst/>
@@ -10843,14 +10843,33 @@
           <a:p>
             <a:pPr algn="ctr"/>
             <a:r>
-              <a:rPr lang="en-US" altLang="zh-TW" sz="1600" dirty="0">
+              <a:rPr lang="en-US" altLang="zh-TW" sz="2000" dirty="0">
                 <a:solidFill>
                   <a:schemeClr val="tx1"/>
                 </a:solidFill>
               </a:rPr>
-              <a:t>Bacteria diversity</a:t>
-            </a:r>
-            <a:endParaRPr lang="zh-TW" altLang="en-US" sz="1600" dirty="0">
+              <a:t>Bacteria </a:t>
+            </a:r>
+          </a:p>
+          <a:p>
+            <a:pPr algn="ctr"/>
+            <a:r>
+              <a:rPr lang="el-GR" altLang="zh-TW" sz="2000" b="1" dirty="0">
+                <a:solidFill>
+                  <a:schemeClr val="tx1"/>
+                </a:solidFill>
+              </a:rPr>
+              <a:t>β</a:t>
+            </a:r>
+            <a:r>
+              <a:rPr lang="en-US" altLang="zh-TW" sz="2000" b="1" dirty="0">
+                <a:solidFill>
+                  <a:schemeClr val="tx1"/>
+                </a:solidFill>
+              </a:rPr>
+              <a:t>-diversity</a:t>
+            </a:r>
+            <a:endParaRPr lang="zh-TW" altLang="en-US" sz="2000" b="1" dirty="0">
               <a:solidFill>
                 <a:schemeClr val="tx1"/>
               </a:solidFill>
@@ -10867,7 +10886,7 @@
         <p:spPr>
           <a:xfrm>
             <a:off x="8351043" y="127704"/>
-            <a:ext cx="3060000" cy="720000"/>
+            <a:ext cx="3060000" cy="914400"/>
           </a:xfrm>
           <a:prstGeom prst="roundRect">
             <a:avLst/>
@@ -10901,14 +10920,49 @@
           <a:p>
             <a:pPr algn="ctr"/>
             <a:r>
-              <a:rPr lang="en-US" altLang="zh-TW" sz="1600" dirty="0">
+              <a:rPr lang="en-US" altLang="zh-TW" sz="2000" dirty="0">
                 <a:solidFill>
                   <a:schemeClr val="tx1"/>
                 </a:solidFill>
               </a:rPr>
-              <a:t>HNF diversity</a:t>
-            </a:r>
-            <a:endParaRPr lang="zh-TW" altLang="en-US" sz="1600" dirty="0">
+              <a:t>Hetero-trophic </a:t>
+            </a:r>
+            <a:r>
+              <a:rPr lang="en-US" altLang="zh-TW" sz="2000" dirty="0" err="1">
+                <a:solidFill>
+                  <a:schemeClr val="tx1"/>
+                </a:solidFill>
+              </a:rPr>
+              <a:t>nano</a:t>
+            </a:r>
+            <a:r>
+              <a:rPr lang="en-US" altLang="zh-TW" sz="2000" dirty="0">
+                <a:solidFill>
+                  <a:schemeClr val="tx1"/>
+                </a:solidFill>
+              </a:rPr>
+              <a:t>-flagellate (HNF) </a:t>
+            </a:r>
+          </a:p>
+          <a:p>
+            <a:pPr algn="ctr"/>
+            <a:r>
+              <a:rPr lang="el-GR" altLang="zh-TW" sz="2000" b="1" dirty="0">
+                <a:solidFill>
+                  <a:schemeClr val="tx1"/>
+                </a:solidFill>
+              </a:rPr>
+              <a:t>β</a:t>
+            </a:r>
+            <a:r>
+              <a:rPr lang="en-US" altLang="zh-TW" sz="2000" b="1" dirty="0">
+                <a:solidFill>
+                  <a:schemeClr val="tx1"/>
+                </a:solidFill>
+              </a:rPr>
+              <a:t>-diversity</a:t>
+            </a:r>
+            <a:endParaRPr lang="zh-TW" altLang="en-US" sz="2000" b="1" dirty="0">
               <a:solidFill>
                 <a:schemeClr val="tx1"/>
               </a:solidFill>
@@ -10927,8 +10981,8 @@
         </p:nvCxnSpPr>
         <p:spPr>
           <a:xfrm>
-            <a:off x="3181443" y="469226"/>
-            <a:ext cx="5169600" cy="18478"/>
+            <a:off x="3181443" y="559226"/>
+            <a:ext cx="5169600" cy="25678"/>
           </a:xfrm>
           <a:prstGeom prst="straightConnector1">
             <a:avLst/>
@@ -10966,7 +11020,7 @@
         <p:spPr>
           <a:xfrm>
             <a:off x="121444" y="1996826"/>
-            <a:ext cx="3060000" cy="900000"/>
+            <a:ext cx="3060000" cy="914400"/>
           </a:xfrm>
           <a:prstGeom prst="roundRect">
             <a:avLst/>
@@ -11000,7 +11054,7 @@
           <a:p>
             <a:pPr algn="ctr"/>
             <a:r>
-              <a:rPr lang="en-US" altLang="zh-TW" sz="1600" dirty="0">
+              <a:rPr lang="en-US" altLang="zh-TW" sz="2000" dirty="0">
                 <a:solidFill>
                   <a:schemeClr val="tx1"/>
                 </a:solidFill>
@@ -11011,7 +11065,7 @@
           <a:p>
             <a:pPr algn="ctr"/>
             <a:r>
-              <a:rPr lang="en-US" altLang="zh-TW" sz="1600" dirty="0">
+              <a:rPr lang="en-US" altLang="zh-TW" sz="2000" dirty="0">
                 <a:solidFill>
                   <a:schemeClr val="tx1"/>
                 </a:solidFill>
@@ -11022,14 +11076,14 @@
           <a:p>
             <a:pPr algn="ctr"/>
             <a:r>
-              <a:rPr lang="en-US" altLang="zh-TW" sz="1600" b="1" dirty="0">
+              <a:rPr lang="en-US" altLang="zh-TW" sz="2000" b="1" dirty="0">
                 <a:solidFill>
                   <a:schemeClr val="tx1"/>
                 </a:solidFill>
               </a:rPr>
               <a:t>HNF community</a:t>
             </a:r>
-            <a:endParaRPr lang="zh-TW" altLang="en-US" sz="1600" b="1" dirty="0">
+            <a:endParaRPr lang="zh-TW" altLang="en-US" sz="2000" b="1" dirty="0">
               <a:solidFill>
                 <a:schemeClr val="tx1"/>
               </a:solidFill>
@@ -11049,8 +11103,8 @@
         </p:nvCxnSpPr>
         <p:spPr>
           <a:xfrm>
-            <a:off x="1651447" y="829226"/>
-            <a:ext cx="1" cy="1167600"/>
+            <a:off x="1651447" y="1009226"/>
+            <a:ext cx="1" cy="987600"/>
           </a:xfrm>
           <a:prstGeom prst="straightConnector1">
             <a:avLst/>
@@ -11126,7 +11180,7 @@
           <a:p>
             <a:pPr algn="ctr"/>
             <a:r>
-              <a:rPr lang="en-US" altLang="zh-TW" sz="1600" dirty="0">
+              <a:rPr lang="en-US" altLang="zh-TW" sz="2000" dirty="0">
                 <a:solidFill>
                   <a:schemeClr val="tx1"/>
                 </a:solidFill>
@@ -11137,7 +11191,7 @@
           <a:p>
             <a:pPr algn="ctr"/>
             <a:r>
-              <a:rPr lang="en-US" altLang="zh-TW" sz="1600" dirty="0">
+              <a:rPr lang="en-US" altLang="zh-TW" sz="2000" dirty="0">
                 <a:solidFill>
                   <a:schemeClr val="tx1"/>
                 </a:solidFill>
@@ -11148,14 +11202,14 @@
           <a:p>
             <a:pPr algn="ctr"/>
             <a:r>
-              <a:rPr lang="en-US" altLang="zh-TW" sz="1600" b="1" dirty="0">
+              <a:rPr lang="en-US" altLang="zh-TW" sz="2000" b="1" dirty="0">
                 <a:solidFill>
                   <a:schemeClr val="tx1"/>
                 </a:solidFill>
               </a:rPr>
-              <a:t>Bacteria community</a:t>
-            </a:r>
-            <a:endParaRPr lang="zh-TW" altLang="en-US" sz="1600" b="1" dirty="0">
+              <a:t>bacteria community</a:t>
+            </a:r>
+            <a:endParaRPr lang="zh-TW" altLang="en-US" sz="2000" b="1" dirty="0">
               <a:solidFill>
                 <a:schemeClr val="tx1"/>
               </a:solidFill>
@@ -11181,8 +11235,8 @@
         </p:nvCxnSpPr>
         <p:spPr>
           <a:xfrm>
-            <a:off x="9881043" y="847708"/>
-            <a:ext cx="0" cy="1152227"/>
+            <a:off x="9881043" y="1042108"/>
+            <a:ext cx="0" cy="957827"/>
           </a:xfrm>
           <a:prstGeom prst="straightConnector1">
             <a:avLst/>
@@ -11227,8 +11281,8 @@
         </p:nvCxnSpPr>
         <p:spPr>
           <a:xfrm flipV="1">
-            <a:off x="3181449" y="487704"/>
-            <a:ext cx="5169599" cy="1959122"/>
+            <a:off x="3181446" y="584904"/>
+            <a:ext cx="5169599" cy="1869122"/>
           </a:xfrm>
           <a:prstGeom prst="straightConnector1">
             <a:avLst/>
@@ -11273,8 +11327,8 @@
         </p:nvCxnSpPr>
         <p:spPr>
           <a:xfrm flipH="1" flipV="1">
-            <a:off x="3181443" y="469231"/>
-            <a:ext cx="5169600" cy="1980705"/>
+            <a:off x="3181443" y="559228"/>
+            <a:ext cx="5169600" cy="1890705"/>
           </a:xfrm>
           <a:prstGeom prst="straightConnector1">
             <a:avLst/>
@@ -11317,7 +11371,7 @@
         </p:nvCxnSpPr>
         <p:spPr>
           <a:xfrm flipH="1" flipV="1">
-            <a:off x="1470210" y="3196048"/>
+            <a:off x="1619504" y="3252036"/>
             <a:ext cx="17412" cy="2246813"/>
           </a:xfrm>
           <a:prstGeom prst="straightConnector1">
@@ -11361,7 +11415,7 @@
         </p:nvCxnSpPr>
         <p:spPr>
           <a:xfrm>
-            <a:off x="1470210" y="5434147"/>
+            <a:off x="1619504" y="5490129"/>
             <a:ext cx="4007482" cy="0"/>
           </a:xfrm>
           <a:prstGeom prst="straightConnector1">
@@ -11397,7 +11451,7 @@
         </p:nvCxnSpPr>
         <p:spPr>
           <a:xfrm flipV="1">
-            <a:off x="1758363" y="3996950"/>
+            <a:off x="1907663" y="4052932"/>
             <a:ext cx="3448595" cy="1132114"/>
           </a:xfrm>
           <a:prstGeom prst="line">
@@ -11432,7 +11486,7 @@
         </p:nvSpPr>
         <p:spPr>
           <a:xfrm>
-            <a:off x="2322771" y="5563578"/>
+            <a:off x="2472066" y="5619561"/>
             <a:ext cx="1972976" cy="317459"/>
           </a:xfrm>
           <a:prstGeom prst="rect">
@@ -11462,8 +11516,8 @@
         </p:nvSpPr>
         <p:spPr>
           <a:xfrm rot="-5400000">
-            <a:off x="-307890" y="4048158"/>
-            <a:ext cx="2776593" cy="542584"/>
+            <a:off x="-207137" y="3991577"/>
+            <a:ext cx="2388474" cy="767711"/>
           </a:xfrm>
           <a:prstGeom prst="rect">
             <a:avLst/>
@@ -11478,7 +11532,14 @@
             <a:pPr algn="ctr"/>
             <a:r>
               <a:rPr lang="en-US" altLang="zh-TW" dirty="0"/>
-              <a:t>Deterministic assembly processes </a:t>
+              <a:t>Deterministic </a:t>
+            </a:r>
+          </a:p>
+          <a:p>
+            <a:pPr algn="ctr"/>
+            <a:r>
+              <a:rPr lang="en-US" altLang="zh-TW" dirty="0"/>
+              <a:t>assembly processes </a:t>
             </a:r>
           </a:p>
           <a:p>
@@ -11507,7 +11568,7 @@
         </p:nvCxnSpPr>
         <p:spPr>
           <a:xfrm flipH="1" flipV="1">
-            <a:off x="6743250" y="3196047"/>
+            <a:off x="6892544" y="3252035"/>
             <a:ext cx="17412" cy="2246813"/>
           </a:xfrm>
           <a:prstGeom prst="straightConnector1">
@@ -11551,7 +11612,7 @@
         </p:nvCxnSpPr>
         <p:spPr>
           <a:xfrm>
-            <a:off x="6743250" y="5434146"/>
+            <a:off x="6892544" y="5490128"/>
             <a:ext cx="4007482" cy="0"/>
           </a:xfrm>
           <a:prstGeom prst="straightConnector1">
@@ -11587,7 +11648,7 @@
         </p:nvCxnSpPr>
         <p:spPr>
           <a:xfrm flipV="1">
-            <a:off x="7031403" y="3996949"/>
+            <a:off x="7180703" y="4052931"/>
             <a:ext cx="3448595" cy="1132114"/>
           </a:xfrm>
           <a:prstGeom prst="line">
@@ -11622,8 +11683,8 @@
         </p:nvSpPr>
         <p:spPr>
           <a:xfrm rot="-5400000">
-            <a:off x="5385255" y="4160723"/>
-            <a:ext cx="2014654" cy="317459"/>
+            <a:off x="5555396" y="4216704"/>
+            <a:ext cx="1972976" cy="317459"/>
           </a:xfrm>
           <a:prstGeom prst="rect">
             <a:avLst/>
@@ -11652,8 +11713,8 @@
         </p:nvSpPr>
         <p:spPr>
           <a:xfrm>
-            <a:off x="7367399" y="5455307"/>
-            <a:ext cx="2776593" cy="542584"/>
+            <a:off x="7516693" y="5511290"/>
+            <a:ext cx="2776594" cy="542584"/>
           </a:xfrm>
           <a:prstGeom prst="rect">
             <a:avLst/>
@@ -11684,7 +11745,7 @@
     </p:spTree>
     <p:extLst>
       <p:ext uri="{BB962C8B-B14F-4D97-AF65-F5344CB8AC3E}">
-        <p14:creationId xmlns:p14="http://schemas.microsoft.com/office/powerpoint/2010/main" val="2660351044"/>
+        <p14:creationId xmlns:p14="http://schemas.microsoft.com/office/powerpoint/2010/main" val="1924561969"/>
       </p:ext>
     </p:extLst>
   </p:cSld>
@@ -11838,7 +11899,7 @@
         </p:nvCxnSpPr>
         <p:spPr>
           <a:xfrm flipV="1">
-            <a:off x="4248244" y="2286004"/>
+            <a:off x="4248244" y="2286010"/>
             <a:ext cx="3024000" cy="449"/>
           </a:xfrm>
           <a:prstGeom prst="straightConnector1">
@@ -11949,7 +12010,7 @@
         </p:nvCxnSpPr>
         <p:spPr>
           <a:xfrm>
-            <a:off x="2718244" y="2646453"/>
+            <a:off x="2718244" y="2646459"/>
             <a:ext cx="1080000" cy="719551"/>
           </a:xfrm>
           <a:prstGeom prst="straightConnector1">
@@ -12165,7 +12226,7 @@
         </p:nvCxnSpPr>
         <p:spPr>
           <a:xfrm flipH="1" flipV="1">
-            <a:off x="4248244" y="2286453"/>
+            <a:off x="4248244" y="2286459"/>
             <a:ext cx="1944000" cy="1529551"/>
           </a:xfrm>
           <a:prstGeom prst="straightConnector1">
@@ -12202,7 +12263,7 @@
         </p:nvSpPr>
         <p:spPr>
           <a:xfrm>
-            <a:off x="6379680" y="2847723"/>
+            <a:off x="6379680" y="2847727"/>
             <a:ext cx="1370888" cy="317459"/>
           </a:xfrm>
           <a:prstGeom prst="rect">
@@ -12232,7 +12293,7 @@
         </p:nvSpPr>
         <p:spPr>
           <a:xfrm>
-            <a:off x="5016850" y="1944377"/>
+            <a:off x="5016850" y="1944381"/>
             <a:ext cx="1370888" cy="317459"/>
           </a:xfrm>
           <a:prstGeom prst="rect">
@@ -12257,7 +12318,7 @@
     </p:spTree>
     <p:extLst>
       <p:ext uri="{BB962C8B-B14F-4D97-AF65-F5344CB8AC3E}">
-        <p14:creationId xmlns:p14="http://schemas.microsoft.com/office/powerpoint/2010/main" val="152779686"/>
+        <p14:creationId xmlns:p14="http://schemas.microsoft.com/office/powerpoint/2010/main" val="2231113612"/>
       </p:ext>
     </p:extLst>
   </p:cSld>
@@ -12411,7 +12472,7 @@
         </p:nvCxnSpPr>
         <p:spPr>
           <a:xfrm flipV="1">
-            <a:off x="4248244" y="2286004"/>
+            <a:off x="4248244" y="2286010"/>
             <a:ext cx="3024000" cy="449"/>
           </a:xfrm>
           <a:prstGeom prst="straightConnector1">
@@ -12522,7 +12583,7 @@
         </p:nvCxnSpPr>
         <p:spPr>
           <a:xfrm>
-            <a:off x="2718244" y="2646453"/>
+            <a:off x="2718244" y="2646459"/>
             <a:ext cx="1080000" cy="719551"/>
           </a:xfrm>
           <a:prstGeom prst="straightConnector1">
@@ -12738,7 +12799,7 @@
         </p:nvCxnSpPr>
         <p:spPr>
           <a:xfrm flipH="1" flipV="1">
-            <a:off x="4248244" y="2286453"/>
+            <a:off x="4248244" y="2286459"/>
             <a:ext cx="1944000" cy="1529551"/>
           </a:xfrm>
           <a:prstGeom prst="straightConnector1">
@@ -12775,7 +12836,7 @@
         </p:nvSpPr>
         <p:spPr>
           <a:xfrm>
-            <a:off x="5064143" y="1944377"/>
+            <a:off x="5064147" y="1944381"/>
             <a:ext cx="1276311" cy="317459"/>
           </a:xfrm>
           <a:prstGeom prst="rect">
@@ -12921,7 +12982,7 @@
         </p:nvSpPr>
         <p:spPr>
           <a:xfrm>
-            <a:off x="6379680" y="2847723"/>
+            <a:off x="6379680" y="2847727"/>
             <a:ext cx="1370888" cy="317459"/>
           </a:xfrm>
           <a:prstGeom prst="rect">
@@ -12955,7 +13016,7 @@
         </p:nvCxnSpPr>
         <p:spPr>
           <a:xfrm flipH="1" flipV="1">
-            <a:off x="1638244" y="1206414"/>
+            <a:off x="1638244" y="1206418"/>
             <a:ext cx="1080000" cy="720035"/>
           </a:xfrm>
           <a:prstGeom prst="straightConnector1">
@@ -13078,7 +13139,7 @@
         </p:nvCxnSpPr>
         <p:spPr>
           <a:xfrm flipH="1">
-            <a:off x="2718244" y="1206000"/>
+            <a:off x="2718244" y="1206004"/>
             <a:ext cx="7074000" cy="720449"/>
           </a:xfrm>
           <a:prstGeom prst="straightConnector1">
@@ -13151,7 +13212,7 @@
     </p:spTree>
     <p:extLst>
       <p:ext uri="{BB962C8B-B14F-4D97-AF65-F5344CB8AC3E}">
-        <p14:creationId xmlns:p14="http://schemas.microsoft.com/office/powerpoint/2010/main" val="3538407241"/>
+        <p14:creationId xmlns:p14="http://schemas.microsoft.com/office/powerpoint/2010/main" val="3249383352"/>
       </p:ext>
     </p:extLst>
   </p:cSld>
@@ -13305,7 +13366,7 @@
         </p:nvCxnSpPr>
         <p:spPr>
           <a:xfrm flipV="1">
-            <a:off x="4248244" y="2286004"/>
+            <a:off x="4248244" y="2286010"/>
             <a:ext cx="3024000" cy="449"/>
           </a:xfrm>
           <a:prstGeom prst="straightConnector1">
@@ -13416,7 +13477,7 @@
         </p:nvCxnSpPr>
         <p:spPr>
           <a:xfrm>
-            <a:off x="2718244" y="2646453"/>
+            <a:off x="2718244" y="2646459"/>
             <a:ext cx="1080000" cy="719551"/>
           </a:xfrm>
           <a:prstGeom prst="straightConnector1">
@@ -13632,7 +13693,7 @@
         </p:nvCxnSpPr>
         <p:spPr>
           <a:xfrm flipH="1" flipV="1">
-            <a:off x="4248244" y="2286453"/>
+            <a:off x="4248244" y="2286459"/>
             <a:ext cx="1944000" cy="1529551"/>
           </a:xfrm>
           <a:prstGeom prst="straightConnector1">
@@ -13669,7 +13730,7 @@
         </p:nvSpPr>
         <p:spPr>
           <a:xfrm>
-            <a:off x="5016850" y="1944377"/>
+            <a:off x="5016850" y="1944381"/>
             <a:ext cx="1370888" cy="317459"/>
           </a:xfrm>
           <a:prstGeom prst="rect">
@@ -14057,7 +14118,7 @@
         </p:nvCxnSpPr>
         <p:spPr>
           <a:xfrm flipH="1" flipV="1">
-            <a:off x="8802244" y="2646004"/>
+            <a:off x="8802244" y="2646010"/>
             <a:ext cx="1745756" cy="2358071"/>
           </a:xfrm>
           <a:prstGeom prst="straightConnector1">
@@ -14104,7 +14165,7 @@
         </p:nvCxnSpPr>
         <p:spPr>
           <a:xfrm flipH="1" flipV="1">
-            <a:off x="7722244" y="4266004"/>
+            <a:off x="7722244" y="4266010"/>
             <a:ext cx="917756" cy="738071"/>
           </a:xfrm>
           <a:prstGeom prst="straightConnector1">
@@ -14257,7 +14318,7 @@
         </p:nvSpPr>
         <p:spPr>
           <a:xfrm>
-            <a:off x="8646854" y="1233996"/>
+            <a:off x="8646860" y="1233996"/>
             <a:ext cx="2514805" cy="3773010"/>
           </a:xfrm>
           <a:custGeom>
@@ -14352,7 +14413,7 @@
         </p:nvCxnSpPr>
         <p:spPr>
           <a:xfrm flipV="1">
-            <a:off x="6732000" y="4266004"/>
+            <a:off x="6732000" y="4266010"/>
             <a:ext cx="990244" cy="738071"/>
           </a:xfrm>
           <a:prstGeom prst="straightConnector1">
@@ -14389,7 +14450,7 @@
         </p:nvSpPr>
         <p:spPr>
           <a:xfrm>
-            <a:off x="6729278" y="1233996"/>
+            <a:off x="6729284" y="1233996"/>
             <a:ext cx="4734199" cy="3773010"/>
           </a:xfrm>
           <a:custGeom>
@@ -14474,7 +14535,7 @@
         </p:nvSpPr>
         <p:spPr>
           <a:xfrm>
-            <a:off x="6379679" y="2847723"/>
+            <a:off x="6379679" y="2847727"/>
             <a:ext cx="1370888" cy="317459"/>
           </a:xfrm>
           <a:prstGeom prst="rect">
@@ -14601,7 +14662,7 @@
         </p:nvCxnSpPr>
         <p:spPr>
           <a:xfrm flipH="1" flipV="1">
-            <a:off x="1638244" y="1206414"/>
+            <a:off x="1638244" y="1206418"/>
             <a:ext cx="1080000" cy="720035"/>
           </a:xfrm>
           <a:prstGeom prst="straightConnector1">
@@ -14910,7 +14971,7 @@
         </p:nvCxnSpPr>
         <p:spPr>
           <a:xfrm flipV="1">
-            <a:off x="4248244" y="2286004"/>
+            <a:off x="4248244" y="2286010"/>
             <a:ext cx="3024000" cy="449"/>
           </a:xfrm>
           <a:prstGeom prst="straightConnector1">
@@ -15021,7 +15082,7 @@
         </p:nvCxnSpPr>
         <p:spPr>
           <a:xfrm>
-            <a:off x="2718244" y="2646453"/>
+            <a:off x="2718244" y="2646459"/>
             <a:ext cx="1080000" cy="719551"/>
           </a:xfrm>
           <a:prstGeom prst="straightConnector1">
@@ -15237,7 +15298,7 @@
         </p:nvCxnSpPr>
         <p:spPr>
           <a:xfrm flipH="1" flipV="1">
-            <a:off x="4248244" y="2286453"/>
+            <a:off x="4248244" y="2286459"/>
             <a:ext cx="1944000" cy="1529551"/>
           </a:xfrm>
           <a:prstGeom prst="straightConnector1">
@@ -15274,7 +15335,7 @@
         </p:nvSpPr>
         <p:spPr>
           <a:xfrm>
-            <a:off x="5016851" y="1944377"/>
+            <a:off x="5016851" y="1944381"/>
             <a:ext cx="1370888" cy="317459"/>
           </a:xfrm>
           <a:prstGeom prst="rect">
@@ -15453,7 +15514,7 @@
         </p:nvCxnSpPr>
         <p:spPr>
           <a:xfrm flipV="1">
-            <a:off x="4248244" y="2286004"/>
+            <a:off x="4248244" y="2286010"/>
             <a:ext cx="3024000" cy="449"/>
           </a:xfrm>
           <a:prstGeom prst="straightConnector1">
@@ -15564,7 +15625,7 @@
         </p:nvCxnSpPr>
         <p:spPr>
           <a:xfrm>
-            <a:off x="2718244" y="2646453"/>
+            <a:off x="2718244" y="2646459"/>
             <a:ext cx="1080000" cy="719551"/>
           </a:xfrm>
           <a:prstGeom prst="straightConnector1">
@@ -15780,7 +15841,7 @@
         </p:nvCxnSpPr>
         <p:spPr>
           <a:xfrm flipH="1" flipV="1">
-            <a:off x="4248244" y="2286453"/>
+            <a:off x="4248244" y="2286459"/>
             <a:ext cx="1944000" cy="1529551"/>
           </a:xfrm>
           <a:prstGeom prst="straightConnector1">
@@ -15817,7 +15878,7 @@
         </p:nvSpPr>
         <p:spPr>
           <a:xfrm>
-            <a:off x="5016851" y="1944377"/>
+            <a:off x="5016851" y="1944381"/>
             <a:ext cx="1370888" cy="317459"/>
           </a:xfrm>
           <a:prstGeom prst="rect">
@@ -15967,7 +16028,7 @@
         </p:nvCxnSpPr>
         <p:spPr>
           <a:xfrm flipH="1" flipV="1">
-            <a:off x="1638244" y="1206414"/>
+            <a:off x="1638244" y="1206418"/>
             <a:ext cx="1080000" cy="720035"/>
           </a:xfrm>
           <a:prstGeom prst="straightConnector1">
@@ -16090,7 +16151,7 @@
         </p:nvCxnSpPr>
         <p:spPr>
           <a:xfrm flipH="1">
-            <a:off x="2718244" y="1206000"/>
+            <a:off x="2718244" y="1206004"/>
             <a:ext cx="7074000" cy="720449"/>
           </a:xfrm>
           <a:prstGeom prst="straightConnector1">

--- a/Presentation/HypoFigs.pptx
+++ b/Presentation/HypoFigs.pptx
@@ -5,26 +5,27 @@
     <p:sldMasterId id="2147483696" r:id="rId1"/>
   </p:sldMasterIdLst>
   <p:notesMasterIdLst>
-    <p:notesMasterId r:id="rId19"/>
+    <p:notesMasterId r:id="rId20"/>
   </p:notesMasterIdLst>
   <p:sldIdLst>
     <p:sldId id="257" r:id="rId2"/>
     <p:sldId id="561" r:id="rId3"/>
-    <p:sldId id="558" r:id="rId4"/>
-    <p:sldId id="564" r:id="rId5"/>
-    <p:sldId id="562" r:id="rId6"/>
-    <p:sldId id="563" r:id="rId7"/>
-    <p:sldId id="259" r:id="rId8"/>
-    <p:sldId id="261" r:id="rId9"/>
-    <p:sldId id="262" r:id="rId10"/>
-    <p:sldId id="263" r:id="rId11"/>
-    <p:sldId id="264" r:id="rId12"/>
-    <p:sldId id="265" r:id="rId13"/>
-    <p:sldId id="266" r:id="rId14"/>
-    <p:sldId id="484" r:id="rId15"/>
-    <p:sldId id="556" r:id="rId16"/>
-    <p:sldId id="530" r:id="rId17"/>
-    <p:sldId id="557" r:id="rId18"/>
+    <p:sldId id="565" r:id="rId4"/>
+    <p:sldId id="558" r:id="rId5"/>
+    <p:sldId id="564" r:id="rId6"/>
+    <p:sldId id="562" r:id="rId7"/>
+    <p:sldId id="563" r:id="rId8"/>
+    <p:sldId id="259" r:id="rId9"/>
+    <p:sldId id="261" r:id="rId10"/>
+    <p:sldId id="262" r:id="rId11"/>
+    <p:sldId id="263" r:id="rId12"/>
+    <p:sldId id="264" r:id="rId13"/>
+    <p:sldId id="265" r:id="rId14"/>
+    <p:sldId id="266" r:id="rId15"/>
+    <p:sldId id="484" r:id="rId16"/>
+    <p:sldId id="556" r:id="rId17"/>
+    <p:sldId id="530" r:id="rId18"/>
+    <p:sldId id="557" r:id="rId19"/>
   </p:sldIdLst>
   <p:sldSz cx="11520488" cy="6119813"/>
   <p:notesSz cx="6858000" cy="9144000"/>
@@ -32,8 +33,8 @@
     <a:defPPr>
       <a:defRPr lang="en-US"/>
     </a:defPPr>
-    <a:lvl1pPr marL="0" algn="l" defTabSz="742950" rtl="0" eaLnBrk="1" latinLnBrk="0" hangingPunct="1">
-      <a:defRPr sz="1463" kern="1200">
+    <a:lvl1pPr marL="0" algn="l" defTabSz="742840" rtl="0" eaLnBrk="1" latinLnBrk="0" hangingPunct="1">
+      <a:defRPr sz="1462" kern="1200">
         <a:solidFill>
           <a:schemeClr val="tx1"/>
         </a:solidFill>
@@ -42,8 +43,8 @@
         <a:cs typeface="+mn-cs"/>
       </a:defRPr>
     </a:lvl1pPr>
-    <a:lvl2pPr marL="371475" algn="l" defTabSz="742950" rtl="0" eaLnBrk="1" latinLnBrk="0" hangingPunct="1">
-      <a:defRPr sz="1463" kern="1200">
+    <a:lvl2pPr marL="371419" algn="l" defTabSz="742840" rtl="0" eaLnBrk="1" latinLnBrk="0" hangingPunct="1">
+      <a:defRPr sz="1462" kern="1200">
         <a:solidFill>
           <a:schemeClr val="tx1"/>
         </a:solidFill>
@@ -52,8 +53,8 @@
         <a:cs typeface="+mn-cs"/>
       </a:defRPr>
     </a:lvl2pPr>
-    <a:lvl3pPr marL="742950" algn="l" defTabSz="742950" rtl="0" eaLnBrk="1" latinLnBrk="0" hangingPunct="1">
-      <a:defRPr sz="1463" kern="1200">
+    <a:lvl3pPr marL="742840" algn="l" defTabSz="742840" rtl="0" eaLnBrk="1" latinLnBrk="0" hangingPunct="1">
+      <a:defRPr sz="1462" kern="1200">
         <a:solidFill>
           <a:schemeClr val="tx1"/>
         </a:solidFill>
@@ -62,8 +63,8 @@
         <a:cs typeface="+mn-cs"/>
       </a:defRPr>
     </a:lvl3pPr>
-    <a:lvl4pPr marL="1114425" algn="l" defTabSz="742950" rtl="0" eaLnBrk="1" latinLnBrk="0" hangingPunct="1">
-      <a:defRPr sz="1463" kern="1200">
+    <a:lvl4pPr marL="1114260" algn="l" defTabSz="742840" rtl="0" eaLnBrk="1" latinLnBrk="0" hangingPunct="1">
+      <a:defRPr sz="1462" kern="1200">
         <a:solidFill>
           <a:schemeClr val="tx1"/>
         </a:solidFill>
@@ -72,8 +73,8 @@
         <a:cs typeface="+mn-cs"/>
       </a:defRPr>
     </a:lvl4pPr>
-    <a:lvl5pPr marL="1485900" algn="l" defTabSz="742950" rtl="0" eaLnBrk="1" latinLnBrk="0" hangingPunct="1">
-      <a:defRPr sz="1463" kern="1200">
+    <a:lvl5pPr marL="1485681" algn="l" defTabSz="742840" rtl="0" eaLnBrk="1" latinLnBrk="0" hangingPunct="1">
+      <a:defRPr sz="1462" kern="1200">
         <a:solidFill>
           <a:schemeClr val="tx1"/>
         </a:solidFill>
@@ -82,8 +83,8 @@
         <a:cs typeface="+mn-cs"/>
       </a:defRPr>
     </a:lvl5pPr>
-    <a:lvl6pPr marL="1857375" algn="l" defTabSz="742950" rtl="0" eaLnBrk="1" latinLnBrk="0" hangingPunct="1">
-      <a:defRPr sz="1463" kern="1200">
+    <a:lvl6pPr marL="1857100" algn="l" defTabSz="742840" rtl="0" eaLnBrk="1" latinLnBrk="0" hangingPunct="1">
+      <a:defRPr sz="1462" kern="1200">
         <a:solidFill>
           <a:schemeClr val="tx1"/>
         </a:solidFill>
@@ -92,8 +93,8 @@
         <a:cs typeface="+mn-cs"/>
       </a:defRPr>
     </a:lvl6pPr>
-    <a:lvl7pPr marL="2228850" algn="l" defTabSz="742950" rtl="0" eaLnBrk="1" latinLnBrk="0" hangingPunct="1">
-      <a:defRPr sz="1463" kern="1200">
+    <a:lvl7pPr marL="2228521" algn="l" defTabSz="742840" rtl="0" eaLnBrk="1" latinLnBrk="0" hangingPunct="1">
+      <a:defRPr sz="1462" kern="1200">
         <a:solidFill>
           <a:schemeClr val="tx1"/>
         </a:solidFill>
@@ -102,8 +103,8 @@
         <a:cs typeface="+mn-cs"/>
       </a:defRPr>
     </a:lvl7pPr>
-    <a:lvl8pPr marL="2600325" algn="l" defTabSz="742950" rtl="0" eaLnBrk="1" latinLnBrk="0" hangingPunct="1">
-      <a:defRPr sz="1463" kern="1200">
+    <a:lvl8pPr marL="2599941" algn="l" defTabSz="742840" rtl="0" eaLnBrk="1" latinLnBrk="0" hangingPunct="1">
+      <a:defRPr sz="1462" kern="1200">
         <a:solidFill>
           <a:schemeClr val="tx1"/>
         </a:solidFill>
@@ -112,8 +113,8 @@
         <a:cs typeface="+mn-cs"/>
       </a:defRPr>
     </a:lvl8pPr>
-    <a:lvl9pPr marL="2971800" algn="l" defTabSz="742950" rtl="0" eaLnBrk="1" latinLnBrk="0" hangingPunct="1">
-      <a:defRPr sz="1463" kern="1200">
+    <a:lvl9pPr marL="2971362" algn="l" defTabSz="742840" rtl="0" eaLnBrk="1" latinLnBrk="0" hangingPunct="1">
+      <a:defRPr sz="1462" kern="1200">
         <a:solidFill>
           <a:schemeClr val="tx1"/>
         </a:solidFill>
@@ -213,7 +214,7 @@
           <a:p>
             <a:fld id="{27EF3FF2-EB12-4B4D-B269-04BCAABB5705}" type="datetimeFigureOut">
               <a:rPr lang="en-US" smtClean="0"/>
-              <a:t>1/8/2020</a:t>
+              <a:t>1/9/2020</a:t>
             </a:fld>
             <a:endParaRPr lang="en-US"/>
           </a:p>
@@ -386,7 +387,7 @@
   </p:cSld>
   <p:clrMap bg1="lt1" tx1="dk1" bg2="lt2" tx2="dk2" accent1="accent1" accent2="accent2" accent3="accent3" accent4="accent4" accent5="accent5" accent6="accent6" hlink="hlink" folHlink="folHlink"/>
   <p:notesStyle>
-    <a:lvl1pPr marL="0" algn="l" defTabSz="914400" rtl="0" eaLnBrk="1" latinLnBrk="0" hangingPunct="1">
+    <a:lvl1pPr marL="0" algn="l" defTabSz="914266" rtl="0" eaLnBrk="1" latinLnBrk="0" hangingPunct="1">
       <a:defRPr sz="1200" kern="1200">
         <a:solidFill>
           <a:schemeClr val="tx1"/>
@@ -396,7 +397,7 @@
         <a:cs typeface="+mn-cs"/>
       </a:defRPr>
     </a:lvl1pPr>
-    <a:lvl2pPr marL="457200" algn="l" defTabSz="914400" rtl="0" eaLnBrk="1" latinLnBrk="0" hangingPunct="1">
+    <a:lvl2pPr marL="457133" algn="l" defTabSz="914266" rtl="0" eaLnBrk="1" latinLnBrk="0" hangingPunct="1">
       <a:defRPr sz="1200" kern="1200">
         <a:solidFill>
           <a:schemeClr val="tx1"/>
@@ -406,7 +407,7 @@
         <a:cs typeface="+mn-cs"/>
       </a:defRPr>
     </a:lvl2pPr>
-    <a:lvl3pPr marL="914400" algn="l" defTabSz="914400" rtl="0" eaLnBrk="1" latinLnBrk="0" hangingPunct="1">
+    <a:lvl3pPr marL="914266" algn="l" defTabSz="914266" rtl="0" eaLnBrk="1" latinLnBrk="0" hangingPunct="1">
       <a:defRPr sz="1200" kern="1200">
         <a:solidFill>
           <a:schemeClr val="tx1"/>
@@ -416,7 +417,7 @@
         <a:cs typeface="+mn-cs"/>
       </a:defRPr>
     </a:lvl3pPr>
-    <a:lvl4pPr marL="1371600" algn="l" defTabSz="914400" rtl="0" eaLnBrk="1" latinLnBrk="0" hangingPunct="1">
+    <a:lvl4pPr marL="1371397" algn="l" defTabSz="914266" rtl="0" eaLnBrk="1" latinLnBrk="0" hangingPunct="1">
       <a:defRPr sz="1200" kern="1200">
         <a:solidFill>
           <a:schemeClr val="tx1"/>
@@ -426,7 +427,7 @@
         <a:cs typeface="+mn-cs"/>
       </a:defRPr>
     </a:lvl4pPr>
-    <a:lvl5pPr marL="1828800" algn="l" defTabSz="914400" rtl="0" eaLnBrk="1" latinLnBrk="0" hangingPunct="1">
+    <a:lvl5pPr marL="1828530" algn="l" defTabSz="914266" rtl="0" eaLnBrk="1" latinLnBrk="0" hangingPunct="1">
       <a:defRPr sz="1200" kern="1200">
         <a:solidFill>
           <a:schemeClr val="tx1"/>
@@ -436,7 +437,7 @@
         <a:cs typeface="+mn-cs"/>
       </a:defRPr>
     </a:lvl5pPr>
-    <a:lvl6pPr marL="2286000" algn="l" defTabSz="914400" rtl="0" eaLnBrk="1" latinLnBrk="0" hangingPunct="1">
+    <a:lvl6pPr marL="2285663" algn="l" defTabSz="914266" rtl="0" eaLnBrk="1" latinLnBrk="0" hangingPunct="1">
       <a:defRPr sz="1200" kern="1200">
         <a:solidFill>
           <a:schemeClr val="tx1"/>
@@ -446,7 +447,7 @@
         <a:cs typeface="+mn-cs"/>
       </a:defRPr>
     </a:lvl6pPr>
-    <a:lvl7pPr marL="2743200" algn="l" defTabSz="914400" rtl="0" eaLnBrk="1" latinLnBrk="0" hangingPunct="1">
+    <a:lvl7pPr marL="2742796" algn="l" defTabSz="914266" rtl="0" eaLnBrk="1" latinLnBrk="0" hangingPunct="1">
       <a:defRPr sz="1200" kern="1200">
         <a:solidFill>
           <a:schemeClr val="tx1"/>
@@ -456,7 +457,7 @@
         <a:cs typeface="+mn-cs"/>
       </a:defRPr>
     </a:lvl7pPr>
-    <a:lvl8pPr marL="3200400" algn="l" defTabSz="914400" rtl="0" eaLnBrk="1" latinLnBrk="0" hangingPunct="1">
+    <a:lvl8pPr marL="3199927" algn="l" defTabSz="914266" rtl="0" eaLnBrk="1" latinLnBrk="0" hangingPunct="1">
       <a:defRPr sz="1200" kern="1200">
         <a:solidFill>
           <a:schemeClr val="tx1"/>
@@ -466,7 +467,7 @@
         <a:cs typeface="+mn-cs"/>
       </a:defRPr>
     </a:lvl8pPr>
-    <a:lvl9pPr marL="3657600" algn="l" defTabSz="914400" rtl="0" eaLnBrk="1" latinLnBrk="0" hangingPunct="1">
+    <a:lvl9pPr marL="3657060" algn="l" defTabSz="914266" rtl="0" eaLnBrk="1" latinLnBrk="0" hangingPunct="1">
       <a:defRPr sz="1200" kern="1200">
         <a:solidFill>
           <a:schemeClr val="tx1"/>
@@ -509,8 +510,8 @@
         </p:nvSpPr>
         <p:spPr>
           <a:xfrm>
-            <a:off x="523875" y="1143000"/>
-            <a:ext cx="5810250" cy="3086100"/>
+            <a:off x="525463" y="1143000"/>
+            <a:ext cx="5807075" cy="3086100"/>
           </a:xfrm>
         </p:spPr>
       </p:sp>
@@ -660,7 +661,7 @@
           <a:p>
             <a:fld id="{5ED0FF79-06C6-4FDB-BFD0-6FF1D5A95033}" type="slidenum">
               <a:rPr lang="zh-TW" altLang="en-US" smtClean="0"/>
-              <a:t>14</a:t>
+              <a:t>15</a:t>
             </a:fld>
             <a:endParaRPr lang="zh-TW" altLang="en-US"/>
           </a:p>
@@ -708,8 +709,8 @@
         </p:nvSpPr>
         <p:spPr>
           <a:xfrm>
-            <a:off x="523875" y="1143000"/>
-            <a:ext cx="5810250" cy="3086100"/>
+            <a:off x="525463" y="1143000"/>
+            <a:ext cx="5807075" cy="3086100"/>
           </a:xfrm>
         </p:spPr>
       </p:sp>
@@ -812,7 +813,7 @@
           <a:p>
             <a:fld id="{5ED0FF79-06C6-4FDB-BFD0-6FF1D5A95033}" type="slidenum">
               <a:rPr lang="zh-TW" altLang="en-US" smtClean="0"/>
-              <a:t>15</a:t>
+              <a:t>16</a:t>
             </a:fld>
             <a:endParaRPr lang="zh-TW" altLang="en-US"/>
           </a:p>
@@ -860,8 +861,8 @@
         </p:nvSpPr>
         <p:spPr>
           <a:xfrm>
-            <a:off x="523875" y="1143000"/>
-            <a:ext cx="5810250" cy="3086100"/>
+            <a:off x="525463" y="1143000"/>
+            <a:ext cx="5807075" cy="3086100"/>
           </a:xfrm>
         </p:spPr>
       </p:sp>
@@ -961,7 +962,7 @@
           <a:p>
             <a:fld id="{5ED0FF79-06C6-4FDB-BFD0-6FF1D5A95033}" type="slidenum">
               <a:rPr lang="zh-TW" altLang="en-US" smtClean="0"/>
-              <a:t>16</a:t>
+              <a:t>17</a:t>
             </a:fld>
             <a:endParaRPr lang="zh-TW" altLang="en-US"/>
           </a:p>
@@ -1111,7 +1112,7 @@
           <a:p>
             <a:fld id="{F155834A-1E99-4FF8-940D-88A71EEE7BA3}" type="datetimeFigureOut">
               <a:rPr lang="en-US" smtClean="0"/>
-              <a:t>1/8/2020</a:t>
+              <a:t>1/9/2020</a:t>
             </a:fld>
             <a:endParaRPr lang="en-US"/>
           </a:p>
@@ -1281,7 +1282,7 @@
           <a:p>
             <a:fld id="{F155834A-1E99-4FF8-940D-88A71EEE7BA3}" type="datetimeFigureOut">
               <a:rPr lang="en-US" smtClean="0"/>
-              <a:t>1/8/2020</a:t>
+              <a:t>1/9/2020</a:t>
             </a:fld>
             <a:endParaRPr lang="en-US"/>
           </a:p>
@@ -1371,7 +1372,7 @@
         </p:nvSpPr>
         <p:spPr>
           <a:xfrm>
-            <a:off x="8244357" y="325829"/>
+            <a:off x="8244359" y="325829"/>
             <a:ext cx="2484105" cy="5186258"/>
           </a:xfrm>
         </p:spPr>
@@ -1461,7 +1462,7 @@
           <a:p>
             <a:fld id="{F155834A-1E99-4FF8-940D-88A71EEE7BA3}" type="datetimeFigureOut">
               <a:rPr lang="en-US" smtClean="0"/>
-              <a:t>1/8/2020</a:t>
+              <a:t>1/9/2020</a:t>
             </a:fld>
             <a:endParaRPr lang="en-US"/>
           </a:p>
@@ -1631,7 +1632,7 @@
           <a:p>
             <a:fld id="{F155834A-1E99-4FF8-940D-88A71EEE7BA3}" type="datetimeFigureOut">
               <a:rPr lang="en-US" smtClean="0"/>
-              <a:t>1/8/2020</a:t>
+              <a:t>1/9/2020</a:t>
             </a:fld>
             <a:endParaRPr lang="en-US"/>
           </a:p>
@@ -1721,7 +1722,7 @@
         </p:nvSpPr>
         <p:spPr>
           <a:xfrm>
-            <a:off x="786041" y="1525707"/>
+            <a:off x="786043" y="1525707"/>
             <a:ext cx="9936421" cy="2545672"/>
           </a:xfrm>
         </p:spPr>
@@ -1753,7 +1754,7 @@
         </p:nvSpPr>
         <p:spPr>
           <a:xfrm>
-            <a:off x="786041" y="4095464"/>
+            <a:off x="786043" y="4095465"/>
             <a:ext cx="9936421" cy="1338709"/>
           </a:xfrm>
         </p:spPr>
@@ -1877,7 +1878,7 @@
           <a:p>
             <a:fld id="{F155834A-1E99-4FF8-940D-88A71EEE7BA3}" type="datetimeFigureOut">
               <a:rPr lang="en-US" smtClean="0"/>
-              <a:t>1/8/2020</a:t>
+              <a:t>1/9/2020</a:t>
             </a:fld>
             <a:endParaRPr lang="en-US"/>
           </a:p>
@@ -2047,7 +2048,7 @@
         </p:nvSpPr>
         <p:spPr>
           <a:xfrm>
-            <a:off x="5832251" y="1629119"/>
+            <a:off x="5832250" y="1629119"/>
             <a:ext cx="4896207" cy="3882967"/>
           </a:xfrm>
         </p:spPr>
@@ -2109,7 +2110,7 @@
           <a:p>
             <a:fld id="{F155834A-1E99-4FF8-940D-88A71EEE7BA3}" type="datetimeFigureOut">
               <a:rPr lang="en-US" smtClean="0"/>
-              <a:t>1/8/2020</a:t>
+              <a:t>1/9/2020</a:t>
             </a:fld>
             <a:endParaRPr lang="en-US"/>
           </a:p>
@@ -2199,7 +2200,7 @@
         </p:nvSpPr>
         <p:spPr>
           <a:xfrm>
-            <a:off x="793540" y="325829"/>
+            <a:off x="793539" y="325830"/>
             <a:ext cx="9936421" cy="1182881"/>
           </a:xfrm>
         </p:spPr>
@@ -2227,7 +2228,7 @@
         </p:nvSpPr>
         <p:spPr>
           <a:xfrm>
-            <a:off x="793535" y="1500207"/>
+            <a:off x="793536" y="1500207"/>
             <a:ext cx="4873706" cy="735228"/>
           </a:xfrm>
         </p:spPr>
@@ -2292,7 +2293,7 @@
         </p:nvSpPr>
         <p:spPr>
           <a:xfrm>
-            <a:off x="793535" y="2235437"/>
+            <a:off x="793536" y="2235437"/>
             <a:ext cx="4873706" cy="3287983"/>
           </a:xfrm>
         </p:spPr>
@@ -2350,7 +2351,7 @@
         <p:spPr>
           <a:xfrm>
             <a:off x="5832247" y="1500207"/>
-            <a:ext cx="4897708" cy="735228"/>
+            <a:ext cx="4897707" cy="735228"/>
           </a:xfrm>
         </p:spPr>
         <p:txBody>
@@ -2415,7 +2416,7 @@
         <p:spPr>
           <a:xfrm>
             <a:off x="5832247" y="2235437"/>
-            <a:ext cx="4897708" cy="3287983"/>
+            <a:ext cx="4897707" cy="3287983"/>
           </a:xfrm>
         </p:spPr>
         <p:txBody>
@@ -2476,7 +2477,7 @@
           <a:p>
             <a:fld id="{F155834A-1E99-4FF8-940D-88A71EEE7BA3}" type="datetimeFigureOut">
               <a:rPr lang="en-US" smtClean="0"/>
-              <a:t>1/8/2020</a:t>
+              <a:t>1/9/2020</a:t>
             </a:fld>
             <a:endParaRPr lang="en-US"/>
           </a:p>
@@ -2594,7 +2595,7 @@
           <a:p>
             <a:fld id="{F155834A-1E99-4FF8-940D-88A71EEE7BA3}" type="datetimeFigureOut">
               <a:rPr lang="en-US" smtClean="0"/>
-              <a:t>1/8/2020</a:t>
+              <a:t>1/9/2020</a:t>
             </a:fld>
             <a:endParaRPr lang="en-US"/>
           </a:p>
@@ -2689,7 +2690,7 @@
           <a:p>
             <a:fld id="{F155834A-1E99-4FF8-940D-88A71EEE7BA3}" type="datetimeFigureOut">
               <a:rPr lang="en-US" smtClean="0"/>
-              <a:t>1/8/2020</a:t>
+              <a:t>1/9/2020</a:t>
             </a:fld>
             <a:endParaRPr lang="en-US"/>
           </a:p>
@@ -2779,7 +2780,7 @@
         </p:nvSpPr>
         <p:spPr>
           <a:xfrm>
-            <a:off x="793543" y="407988"/>
+            <a:off x="793544" y="407988"/>
             <a:ext cx="3715657" cy="1427956"/>
           </a:xfrm>
         </p:spPr>
@@ -2896,7 +2897,7 @@
         </p:nvSpPr>
         <p:spPr>
           <a:xfrm>
-            <a:off x="793543" y="1835949"/>
+            <a:off x="793544" y="1835949"/>
             <a:ext cx="3715657" cy="3401313"/>
           </a:xfrm>
         </p:spPr>
@@ -2966,7 +2967,7 @@
           <a:p>
             <a:fld id="{F155834A-1E99-4FF8-940D-88A71EEE7BA3}" type="datetimeFigureOut">
               <a:rPr lang="en-US" smtClean="0"/>
-              <a:t>1/8/2020</a:t>
+              <a:t>1/9/2020</a:t>
             </a:fld>
             <a:endParaRPr lang="en-US"/>
           </a:p>
@@ -3056,7 +3057,7 @@
         </p:nvSpPr>
         <p:spPr>
           <a:xfrm>
-            <a:off x="793543" y="407988"/>
+            <a:off x="793544" y="407988"/>
             <a:ext cx="3715657" cy="1427956"/>
           </a:xfrm>
         </p:spPr>
@@ -3153,7 +3154,7 @@
         </p:nvSpPr>
         <p:spPr>
           <a:xfrm>
-            <a:off x="793543" y="1835949"/>
+            <a:off x="793544" y="1835949"/>
             <a:ext cx="3715657" cy="3401313"/>
           </a:xfrm>
         </p:spPr>
@@ -3223,7 +3224,7 @@
           <a:p>
             <a:fld id="{F155834A-1E99-4FF8-940D-88A71EEE7BA3}" type="datetimeFigureOut">
               <a:rPr lang="en-US" smtClean="0"/>
-              <a:t>1/8/2020</a:t>
+              <a:t>1/9/2020</a:t>
             </a:fld>
             <a:endParaRPr lang="en-US"/>
           </a:p>
@@ -3318,7 +3319,7 @@
         </p:nvSpPr>
         <p:spPr>
           <a:xfrm>
-            <a:off x="792037" y="325829"/>
+            <a:off x="792037" y="325830"/>
             <a:ext cx="9936421" cy="1182881"/>
           </a:xfrm>
           <a:prstGeom prst="rect">
@@ -3436,7 +3437,7 @@
           <a:p>
             <a:fld id="{F155834A-1E99-4FF8-940D-88A71EEE7BA3}" type="datetimeFigureOut">
               <a:rPr lang="en-US" smtClean="0"/>
-              <a:t>1/8/2020</a:t>
+              <a:t>1/9/2020</a:t>
             </a:fld>
             <a:endParaRPr lang="en-US"/>
           </a:p>
@@ -4127,7 +4128,7 @@
         </p:nvCxnSpPr>
         <p:spPr>
           <a:xfrm flipH="1" flipV="1">
-            <a:off x="5760250" y="1385833"/>
+            <a:off x="5760253" y="1385834"/>
             <a:ext cx="4120799" cy="580004"/>
           </a:xfrm>
           <a:prstGeom prst="straightConnector1">
@@ -4312,7 +4313,7 @@
         </p:nvCxnSpPr>
         <p:spPr>
           <a:xfrm flipV="1">
-            <a:off x="4248244" y="2286010"/>
+            <a:off x="4248244" y="2286013"/>
             <a:ext cx="3024000" cy="449"/>
           </a:xfrm>
           <a:prstGeom prst="straightConnector1">
@@ -4639,7 +4640,7 @@
         </p:nvCxnSpPr>
         <p:spPr>
           <a:xfrm flipH="1" flipV="1">
-            <a:off x="4248244" y="2286459"/>
+            <a:off x="4248244" y="2286462"/>
             <a:ext cx="1944000" cy="1529551"/>
           </a:xfrm>
           <a:prstGeom prst="straightConnector1">
@@ -4676,8 +4677,872 @@
         </p:nvSpPr>
         <p:spPr>
           <a:xfrm>
-            <a:off x="5444054" y="1944381"/>
-            <a:ext cx="516487" cy="317459"/>
+            <a:off x="5016852" y="1944382"/>
+            <a:ext cx="1370888" cy="317331"/>
+          </a:xfrm>
+          <a:prstGeom prst="rect">
+            <a:avLst/>
+          </a:prstGeom>
+        </p:spPr>
+        <p:txBody>
+          <a:bodyPr wrap="none">
+            <a:spAutoFit/>
+          </a:bodyPr>
+          <a:lstStyle/>
+          <a:p>
+            <a:pPr algn="ctr"/>
+            <a:r>
+              <a:rPr lang="en-US" altLang="zh-TW" dirty="0"/>
+              <a:t>0.148 (p = 0.09)</a:t>
+            </a:r>
+            <a:endParaRPr lang="zh-TW" altLang="en-US" dirty="0"/>
+          </a:p>
+        </p:txBody>
+      </p:sp>
+      <p:sp>
+        <p:nvSpPr>
+          <p:cNvPr id="124" name="圓角矩形 123"/>
+          <p:cNvSpPr/>
+          <p:nvPr/>
+        </p:nvSpPr>
+        <p:spPr>
+          <a:xfrm>
+            <a:off x="8262244" y="486000"/>
+            <a:ext cx="3060000" cy="720000"/>
+          </a:xfrm>
+          <a:prstGeom prst="roundRect">
+            <a:avLst/>
+          </a:prstGeom>
+          <a:noFill/>
+          <a:ln w="38100">
+            <a:solidFill>
+              <a:schemeClr val="tx1"/>
+            </a:solidFill>
+          </a:ln>
+        </p:spPr>
+        <p:style>
+          <a:lnRef idx="2">
+            <a:schemeClr val="accent1">
+              <a:shade val="50000"/>
+            </a:schemeClr>
+          </a:lnRef>
+          <a:fillRef idx="1">
+            <a:schemeClr val="accent1"/>
+          </a:fillRef>
+          <a:effectRef idx="0">
+            <a:schemeClr val="accent1"/>
+          </a:effectRef>
+          <a:fontRef idx="minor">
+            <a:schemeClr val="lt1"/>
+          </a:fontRef>
+        </p:style>
+        <p:txBody>
+          <a:bodyPr rtlCol="0" anchor="ctr"/>
+          <a:lstStyle/>
+          <a:p>
+            <a:pPr algn="ctr"/>
+            <a:r>
+              <a:rPr lang="en-US" altLang="zh-TW" dirty="0">
+                <a:solidFill>
+                  <a:schemeClr val="tx1"/>
+                </a:solidFill>
+              </a:rPr>
+              <a:t>HNF biomass</a:t>
+            </a:r>
+            <a:endParaRPr lang="zh-TW" altLang="en-US" dirty="0">
+              <a:solidFill>
+                <a:schemeClr val="tx1"/>
+              </a:solidFill>
+            </a:endParaRPr>
+          </a:p>
+        </p:txBody>
+      </p:sp>
+      <p:sp>
+        <p:nvSpPr>
+          <p:cNvPr id="125" name="圓角矩形 124"/>
+          <p:cNvSpPr/>
+          <p:nvPr/>
+        </p:nvSpPr>
+        <p:spPr>
+          <a:xfrm>
+            <a:off x="108244" y="486414"/>
+            <a:ext cx="3060000" cy="720000"/>
+          </a:xfrm>
+          <a:prstGeom prst="roundRect">
+            <a:avLst/>
+          </a:prstGeom>
+          <a:noFill/>
+          <a:ln w="38100">
+            <a:solidFill>
+              <a:schemeClr val="tx1"/>
+            </a:solidFill>
+          </a:ln>
+        </p:spPr>
+        <p:style>
+          <a:lnRef idx="2">
+            <a:schemeClr val="accent1">
+              <a:shade val="50000"/>
+            </a:schemeClr>
+          </a:lnRef>
+          <a:fillRef idx="1">
+            <a:schemeClr val="accent1"/>
+          </a:fillRef>
+          <a:effectRef idx="0">
+            <a:schemeClr val="accent1"/>
+          </a:effectRef>
+          <a:fontRef idx="minor">
+            <a:schemeClr val="lt1"/>
+          </a:fontRef>
+        </p:style>
+        <p:txBody>
+          <a:bodyPr rtlCol="0" anchor="ctr"/>
+          <a:lstStyle/>
+          <a:p>
+            <a:pPr algn="ctr"/>
+            <a:r>
+              <a:rPr lang="en-US" altLang="zh-TW" dirty="0">
+                <a:solidFill>
+                  <a:schemeClr val="tx1"/>
+                </a:solidFill>
+              </a:rPr>
+              <a:t>Bacteria biomass</a:t>
+            </a:r>
+            <a:endParaRPr lang="zh-TW" altLang="en-US" dirty="0">
+              <a:solidFill>
+                <a:schemeClr val="tx1"/>
+              </a:solidFill>
+            </a:endParaRPr>
+          </a:p>
+        </p:txBody>
+      </p:sp>
+      <p:cxnSp>
+        <p:nvCxnSpPr>
+          <p:cNvPr id="156" name="直線單箭頭接點 155"/>
+          <p:cNvCxnSpPr>
+            <a:cxnSpLocks/>
+            <a:stCxn id="8" idx="0"/>
+            <a:endCxn id="125" idx="2"/>
+          </p:cNvCxnSpPr>
+          <p:nvPr/>
+        </p:nvCxnSpPr>
+        <p:spPr>
+          <a:xfrm flipH="1" flipV="1">
+            <a:off x="1638244" y="1206418"/>
+            <a:ext cx="1080000" cy="720035"/>
+          </a:xfrm>
+          <a:prstGeom prst="straightConnector1">
+            <a:avLst/>
+          </a:prstGeom>
+          <a:ln w="38100">
+            <a:solidFill>
+              <a:schemeClr val="tx1"/>
+            </a:solidFill>
+            <a:prstDash val="sysDot"/>
+            <a:tailEnd type="arrow" w="med" len="lg"/>
+          </a:ln>
+        </p:spPr>
+        <p:style>
+          <a:lnRef idx="1">
+            <a:schemeClr val="accent1"/>
+          </a:lnRef>
+          <a:fillRef idx="0">
+            <a:schemeClr val="accent1"/>
+          </a:fillRef>
+          <a:effectRef idx="0">
+            <a:schemeClr val="accent1"/>
+          </a:effectRef>
+          <a:fontRef idx="minor">
+            <a:schemeClr val="tx1"/>
+          </a:fontRef>
+        </p:style>
+      </p:cxnSp>
+      <p:cxnSp>
+        <p:nvCxnSpPr>
+          <p:cNvPr id="159" name="直線單箭頭接點 158"/>
+          <p:cNvCxnSpPr>
+            <a:cxnSpLocks/>
+            <a:stCxn id="16" idx="0"/>
+            <a:endCxn id="124" idx="2"/>
+          </p:cNvCxnSpPr>
+          <p:nvPr/>
+        </p:nvCxnSpPr>
+        <p:spPr>
+          <a:xfrm flipV="1">
+            <a:off x="8802244" y="1206000"/>
+            <a:ext cx="990000" cy="720000"/>
+          </a:xfrm>
+          <a:prstGeom prst="straightConnector1">
+            <a:avLst/>
+          </a:prstGeom>
+          <a:ln w="38100">
+            <a:solidFill>
+              <a:schemeClr val="tx1"/>
+            </a:solidFill>
+            <a:prstDash val="sysDot"/>
+            <a:tailEnd type="arrow" w="med" len="lg"/>
+          </a:ln>
+        </p:spPr>
+        <p:style>
+          <a:lnRef idx="1">
+            <a:schemeClr val="accent1"/>
+          </a:lnRef>
+          <a:fillRef idx="0">
+            <a:schemeClr val="accent1"/>
+          </a:fillRef>
+          <a:effectRef idx="0">
+            <a:schemeClr val="accent1"/>
+          </a:effectRef>
+          <a:fontRef idx="minor">
+            <a:schemeClr val="tx1"/>
+          </a:fontRef>
+        </p:style>
+      </p:cxnSp>
+      <p:cxnSp>
+        <p:nvCxnSpPr>
+          <p:cNvPr id="164" name="直線單箭頭接點 163"/>
+          <p:cNvCxnSpPr>
+            <a:cxnSpLocks/>
+            <a:stCxn id="124" idx="1"/>
+            <a:endCxn id="125" idx="3"/>
+          </p:cNvCxnSpPr>
+          <p:nvPr/>
+        </p:nvCxnSpPr>
+        <p:spPr>
+          <a:xfrm flipH="1">
+            <a:off x="3168244" y="846000"/>
+            <a:ext cx="5094000" cy="414"/>
+          </a:xfrm>
+          <a:prstGeom prst="straightConnector1">
+            <a:avLst/>
+          </a:prstGeom>
+          <a:ln w="38100">
+            <a:solidFill>
+              <a:schemeClr val="tx1"/>
+            </a:solidFill>
+            <a:prstDash val="sysDot"/>
+            <a:tailEnd type="arrow" w="med" len="lg"/>
+          </a:ln>
+        </p:spPr>
+        <p:style>
+          <a:lnRef idx="1">
+            <a:schemeClr val="accent1"/>
+          </a:lnRef>
+          <a:fillRef idx="0">
+            <a:schemeClr val="accent1"/>
+          </a:fillRef>
+          <a:effectRef idx="0">
+            <a:schemeClr val="accent1"/>
+          </a:effectRef>
+          <a:fontRef idx="minor">
+            <a:schemeClr val="tx1"/>
+          </a:fontRef>
+        </p:style>
+      </p:cxnSp>
+      <p:cxnSp>
+        <p:nvCxnSpPr>
+          <p:cNvPr id="21" name="直線單箭頭接點 20"/>
+          <p:cNvCxnSpPr>
+            <a:cxnSpLocks/>
+            <a:stCxn id="124" idx="2"/>
+            <a:endCxn id="8" idx="0"/>
+          </p:cNvCxnSpPr>
+          <p:nvPr/>
+        </p:nvCxnSpPr>
+        <p:spPr>
+          <a:xfrm flipH="1">
+            <a:off x="2718244" y="1206007"/>
+            <a:ext cx="7074000" cy="720449"/>
+          </a:xfrm>
+          <a:prstGeom prst="straightConnector1">
+            <a:avLst/>
+          </a:prstGeom>
+          <a:ln w="38100">
+            <a:solidFill>
+              <a:schemeClr val="tx1"/>
+            </a:solidFill>
+            <a:prstDash val="sysDot"/>
+            <a:tailEnd type="arrow" w="med" len="lg"/>
+          </a:ln>
+        </p:spPr>
+        <p:style>
+          <a:lnRef idx="1">
+            <a:schemeClr val="accent1"/>
+          </a:lnRef>
+          <a:fillRef idx="0">
+            <a:schemeClr val="accent1"/>
+          </a:fillRef>
+          <a:effectRef idx="0">
+            <a:schemeClr val="accent1"/>
+          </a:effectRef>
+          <a:fontRef idx="minor">
+            <a:schemeClr val="tx1"/>
+          </a:fontRef>
+        </p:style>
+      </p:cxnSp>
+      <p:cxnSp>
+        <p:nvCxnSpPr>
+          <p:cNvPr id="20" name="直線單箭頭接點 19"/>
+          <p:cNvCxnSpPr>
+            <a:cxnSpLocks/>
+            <a:stCxn id="125" idx="2"/>
+            <a:endCxn id="16" idx="0"/>
+          </p:cNvCxnSpPr>
+          <p:nvPr/>
+        </p:nvCxnSpPr>
+        <p:spPr>
+          <a:xfrm>
+            <a:off x="1638244" y="1206414"/>
+            <a:ext cx="7164000" cy="719586"/>
+          </a:xfrm>
+          <a:prstGeom prst="straightConnector1">
+            <a:avLst/>
+          </a:prstGeom>
+          <a:ln w="38100">
+            <a:solidFill>
+              <a:schemeClr val="tx1"/>
+            </a:solidFill>
+            <a:prstDash val="sysDot"/>
+            <a:tailEnd type="arrow" w="med" len="lg"/>
+          </a:ln>
+        </p:spPr>
+        <p:style>
+          <a:lnRef idx="1">
+            <a:schemeClr val="accent1"/>
+          </a:lnRef>
+          <a:fillRef idx="0">
+            <a:schemeClr val="accent1"/>
+          </a:fillRef>
+          <a:effectRef idx="0">
+            <a:schemeClr val="accent1"/>
+          </a:effectRef>
+          <a:fontRef idx="minor">
+            <a:schemeClr val="tx1"/>
+          </a:fontRef>
+        </p:style>
+      </p:cxnSp>
+    </p:spTree>
+    <p:extLst>
+      <p:ext uri="{BB962C8B-B14F-4D97-AF65-F5344CB8AC3E}">
+        <p14:creationId xmlns:p14="http://schemas.microsoft.com/office/powerpoint/2010/main" val="3978597908"/>
+      </p:ext>
+    </p:extLst>
+  </p:cSld>
+  <p:clrMapOvr>
+    <a:masterClrMapping/>
+  </p:clrMapOvr>
+</p:sld>
+</file>
+
+<file path=ppt/slides/slide11.xml><?xml version="1.0" encoding="utf-8"?>
+<p:sld xmlns:a="http://schemas.openxmlformats.org/drawingml/2006/main" xmlns:r="http://schemas.openxmlformats.org/officeDocument/2006/relationships" xmlns:p="http://schemas.openxmlformats.org/presentationml/2006/main">
+  <p:cSld>
+    <p:spTree>
+      <p:nvGrpSpPr>
+        <p:cNvPr id="1" name=""/>
+        <p:cNvGrpSpPr/>
+        <p:nvPr/>
+      </p:nvGrpSpPr>
+      <p:grpSpPr>
+        <a:xfrm>
+          <a:off x="0" y="0"/>
+          <a:ext cx="0" cy="0"/>
+          <a:chOff x="0" y="0"/>
+          <a:chExt cx="0" cy="0"/>
+        </a:xfrm>
+      </p:grpSpPr>
+      <p:sp>
+        <p:nvSpPr>
+          <p:cNvPr id="8" name="圓角矩形 7"/>
+          <p:cNvSpPr/>
+          <p:nvPr/>
+        </p:nvSpPr>
+        <p:spPr>
+          <a:xfrm>
+            <a:off x="1188244" y="1926449"/>
+            <a:ext cx="3060000" cy="720000"/>
+          </a:xfrm>
+          <a:prstGeom prst="roundRect">
+            <a:avLst/>
+          </a:prstGeom>
+          <a:noFill/>
+          <a:ln w="38100">
+            <a:solidFill>
+              <a:schemeClr val="tx1"/>
+            </a:solidFill>
+          </a:ln>
+        </p:spPr>
+        <p:style>
+          <a:lnRef idx="2">
+            <a:schemeClr val="accent1">
+              <a:shade val="50000"/>
+            </a:schemeClr>
+          </a:lnRef>
+          <a:fillRef idx="1">
+            <a:schemeClr val="accent1"/>
+          </a:fillRef>
+          <a:effectRef idx="0">
+            <a:schemeClr val="accent1"/>
+          </a:effectRef>
+          <a:fontRef idx="minor">
+            <a:schemeClr val="lt1"/>
+          </a:fontRef>
+        </p:style>
+        <p:txBody>
+          <a:bodyPr rtlCol="0" anchor="ctr"/>
+          <a:lstStyle/>
+          <a:p>
+            <a:pPr algn="ctr"/>
+            <a:r>
+              <a:rPr lang="en-US" altLang="zh-TW" dirty="0">
+                <a:solidFill>
+                  <a:schemeClr val="tx1"/>
+                </a:solidFill>
+              </a:rPr>
+              <a:t>Bacteria species richness</a:t>
+            </a:r>
+            <a:endParaRPr lang="zh-TW" altLang="en-US" dirty="0">
+              <a:solidFill>
+                <a:schemeClr val="tx1"/>
+              </a:solidFill>
+            </a:endParaRPr>
+          </a:p>
+        </p:txBody>
+      </p:sp>
+      <p:sp>
+        <p:nvSpPr>
+          <p:cNvPr id="16" name="圓角矩形 15"/>
+          <p:cNvSpPr/>
+          <p:nvPr/>
+        </p:nvSpPr>
+        <p:spPr>
+          <a:xfrm>
+            <a:off x="7272244" y="1926000"/>
+            <a:ext cx="3060000" cy="720000"/>
+          </a:xfrm>
+          <a:prstGeom prst="roundRect">
+            <a:avLst/>
+          </a:prstGeom>
+          <a:noFill/>
+          <a:ln w="38100">
+            <a:solidFill>
+              <a:schemeClr val="tx1"/>
+            </a:solidFill>
+          </a:ln>
+        </p:spPr>
+        <p:style>
+          <a:lnRef idx="2">
+            <a:schemeClr val="accent1">
+              <a:shade val="50000"/>
+            </a:schemeClr>
+          </a:lnRef>
+          <a:fillRef idx="1">
+            <a:schemeClr val="accent1"/>
+          </a:fillRef>
+          <a:effectRef idx="0">
+            <a:schemeClr val="accent1"/>
+          </a:effectRef>
+          <a:fontRef idx="minor">
+            <a:schemeClr val="lt1"/>
+          </a:fontRef>
+        </p:style>
+        <p:txBody>
+          <a:bodyPr rtlCol="0" anchor="ctr"/>
+          <a:lstStyle/>
+          <a:p>
+            <a:pPr algn="ctr"/>
+            <a:r>
+              <a:rPr lang="en-US" altLang="zh-TW" dirty="0">
+                <a:solidFill>
+                  <a:schemeClr val="tx1"/>
+                </a:solidFill>
+              </a:rPr>
+              <a:t>HNF Shannon diversity</a:t>
+            </a:r>
+            <a:endParaRPr lang="zh-TW" altLang="en-US" dirty="0">
+              <a:solidFill>
+                <a:schemeClr val="tx1"/>
+              </a:solidFill>
+            </a:endParaRPr>
+          </a:p>
+        </p:txBody>
+      </p:sp>
+      <p:cxnSp>
+        <p:nvCxnSpPr>
+          <p:cNvPr id="10" name="直線單箭頭接點 9"/>
+          <p:cNvCxnSpPr>
+            <a:stCxn id="8" idx="3"/>
+            <a:endCxn id="16" idx="1"/>
+          </p:cNvCxnSpPr>
+          <p:nvPr/>
+        </p:nvCxnSpPr>
+        <p:spPr>
+          <a:xfrm flipV="1">
+            <a:off x="4248244" y="2286013"/>
+            <a:ext cx="3024000" cy="449"/>
+          </a:xfrm>
+          <a:prstGeom prst="straightConnector1">
+            <a:avLst/>
+          </a:prstGeom>
+          <a:ln w="38100">
+            <a:solidFill>
+              <a:schemeClr val="tx1"/>
+            </a:solidFill>
+            <a:prstDash val="solid"/>
+            <a:headEnd type="arrow"/>
+            <a:tailEnd type="arrow" w="med" len="lg"/>
+          </a:ln>
+        </p:spPr>
+        <p:style>
+          <a:lnRef idx="1">
+            <a:schemeClr val="accent1"/>
+          </a:lnRef>
+          <a:fillRef idx="0">
+            <a:schemeClr val="accent1"/>
+          </a:fillRef>
+          <a:effectRef idx="0">
+            <a:schemeClr val="accent1"/>
+          </a:effectRef>
+          <a:fontRef idx="minor">
+            <a:schemeClr val="tx1"/>
+          </a:fontRef>
+        </p:style>
+      </p:cxnSp>
+      <p:sp>
+        <p:nvSpPr>
+          <p:cNvPr id="19" name="圓角矩形 18"/>
+          <p:cNvSpPr/>
+          <p:nvPr/>
+        </p:nvSpPr>
+        <p:spPr>
+          <a:xfrm>
+            <a:off x="2268244" y="3366000"/>
+            <a:ext cx="3060000" cy="900000"/>
+          </a:xfrm>
+          <a:prstGeom prst="roundRect">
+            <a:avLst/>
+          </a:prstGeom>
+          <a:noFill/>
+          <a:ln w="38100">
+            <a:solidFill>
+              <a:schemeClr val="tx1"/>
+            </a:solidFill>
+          </a:ln>
+        </p:spPr>
+        <p:style>
+          <a:lnRef idx="2">
+            <a:schemeClr val="accent1">
+              <a:shade val="50000"/>
+            </a:schemeClr>
+          </a:lnRef>
+          <a:fillRef idx="1">
+            <a:schemeClr val="accent1"/>
+          </a:fillRef>
+          <a:effectRef idx="0">
+            <a:schemeClr val="accent1"/>
+          </a:effectRef>
+          <a:fontRef idx="minor">
+            <a:schemeClr val="lt1"/>
+          </a:fontRef>
+        </p:style>
+        <p:txBody>
+          <a:bodyPr rtlCol="0" anchor="ctr"/>
+          <a:lstStyle/>
+          <a:p>
+            <a:pPr algn="ctr"/>
+            <a:r>
+              <a:rPr lang="en-US" altLang="zh-TW" dirty="0">
+                <a:solidFill>
+                  <a:schemeClr val="tx1"/>
+                </a:solidFill>
+              </a:rPr>
+              <a:t>Deterministic assembly processes of </a:t>
+            </a:r>
+          </a:p>
+          <a:p>
+            <a:pPr algn="ctr"/>
+            <a:r>
+              <a:rPr lang="en-US" altLang="zh-TW" b="1" dirty="0">
+                <a:solidFill>
+                  <a:schemeClr val="tx1"/>
+                </a:solidFill>
+              </a:rPr>
+              <a:t>HNF community</a:t>
+            </a:r>
+            <a:endParaRPr lang="zh-TW" altLang="en-US" b="1" dirty="0">
+              <a:solidFill>
+                <a:schemeClr val="tx1"/>
+              </a:solidFill>
+            </a:endParaRPr>
+          </a:p>
+        </p:txBody>
+      </p:sp>
+      <p:cxnSp>
+        <p:nvCxnSpPr>
+          <p:cNvPr id="12" name="直線單箭頭接點 11"/>
+          <p:cNvCxnSpPr>
+            <a:cxnSpLocks/>
+            <a:stCxn id="8" idx="2"/>
+            <a:endCxn id="19" idx="0"/>
+          </p:cNvCxnSpPr>
+          <p:nvPr/>
+        </p:nvCxnSpPr>
+        <p:spPr>
+          <a:xfrm>
+            <a:off x="2718244" y="2646459"/>
+            <a:ext cx="1080000" cy="719551"/>
+          </a:xfrm>
+          <a:prstGeom prst="straightConnector1">
+            <a:avLst/>
+          </a:prstGeom>
+          <a:ln w="38100">
+            <a:solidFill>
+              <a:schemeClr val="tx1"/>
+            </a:solidFill>
+            <a:prstDash val="sysDot"/>
+            <a:tailEnd type="arrow" w="med" len="lg"/>
+          </a:ln>
+        </p:spPr>
+        <p:style>
+          <a:lnRef idx="1">
+            <a:schemeClr val="accent1"/>
+          </a:lnRef>
+          <a:fillRef idx="0">
+            <a:schemeClr val="accent1"/>
+          </a:fillRef>
+          <a:effectRef idx="0">
+            <a:schemeClr val="accent1"/>
+          </a:effectRef>
+          <a:fontRef idx="minor">
+            <a:schemeClr val="tx1"/>
+          </a:fontRef>
+        </p:style>
+      </p:cxnSp>
+      <p:sp>
+        <p:nvSpPr>
+          <p:cNvPr id="18" name="圓角矩形 18">
+            <a:extLst>
+              <a:ext uri="{FF2B5EF4-FFF2-40B4-BE49-F238E27FC236}">
+                <a16:creationId xmlns:a16="http://schemas.microsoft.com/office/drawing/2014/main" id="{47DE1866-A6CF-489C-848E-A4D8C003E3C0}"/>
+              </a:ext>
+            </a:extLst>
+          </p:cNvPr>
+          <p:cNvSpPr/>
+          <p:nvPr/>
+        </p:nvSpPr>
+        <p:spPr>
+          <a:xfrm>
+            <a:off x="6192244" y="3366000"/>
+            <a:ext cx="3060000" cy="900000"/>
+          </a:xfrm>
+          <a:prstGeom prst="roundRect">
+            <a:avLst/>
+          </a:prstGeom>
+          <a:noFill/>
+          <a:ln w="38100">
+            <a:solidFill>
+              <a:schemeClr val="tx1"/>
+            </a:solidFill>
+          </a:ln>
+        </p:spPr>
+        <p:style>
+          <a:lnRef idx="2">
+            <a:schemeClr val="accent1">
+              <a:shade val="50000"/>
+            </a:schemeClr>
+          </a:lnRef>
+          <a:fillRef idx="1">
+            <a:schemeClr val="accent1"/>
+          </a:fillRef>
+          <a:effectRef idx="0">
+            <a:schemeClr val="accent1"/>
+          </a:effectRef>
+          <a:fontRef idx="minor">
+            <a:schemeClr val="lt1"/>
+          </a:fontRef>
+        </p:style>
+        <p:txBody>
+          <a:bodyPr rtlCol="0" anchor="ctr"/>
+          <a:lstStyle/>
+          <a:p>
+            <a:pPr algn="ctr"/>
+            <a:r>
+              <a:rPr lang="en-US" altLang="zh-TW" dirty="0">
+                <a:solidFill>
+                  <a:schemeClr val="tx1"/>
+                </a:solidFill>
+              </a:rPr>
+              <a:t>Deterministic assembly processes of </a:t>
+            </a:r>
+          </a:p>
+          <a:p>
+            <a:pPr algn="ctr"/>
+            <a:r>
+              <a:rPr lang="en-US" altLang="zh-TW" b="1" dirty="0">
+                <a:solidFill>
+                  <a:schemeClr val="tx1"/>
+                </a:solidFill>
+              </a:rPr>
+              <a:t>Bacteria community</a:t>
+            </a:r>
+            <a:endParaRPr lang="zh-TW" altLang="en-US" b="1" dirty="0">
+              <a:solidFill>
+                <a:schemeClr val="tx1"/>
+              </a:solidFill>
+            </a:endParaRPr>
+          </a:p>
+        </p:txBody>
+      </p:sp>
+      <p:cxnSp>
+        <p:nvCxnSpPr>
+          <p:cNvPr id="28" name="直線單箭頭接點 11">
+            <a:extLst>
+              <a:ext uri="{FF2B5EF4-FFF2-40B4-BE49-F238E27FC236}">
+                <a16:creationId xmlns:a16="http://schemas.microsoft.com/office/drawing/2014/main" id="{2F63CEA1-FDB0-4466-9AF7-10C6638C7A69}"/>
+              </a:ext>
+            </a:extLst>
+          </p:cNvPr>
+          <p:cNvCxnSpPr>
+            <a:cxnSpLocks/>
+            <a:stCxn id="16" idx="2"/>
+            <a:endCxn id="18" idx="0"/>
+          </p:cNvCxnSpPr>
+          <p:nvPr/>
+        </p:nvCxnSpPr>
+        <p:spPr>
+          <a:xfrm flipH="1">
+            <a:off x="7722244" y="2646000"/>
+            <a:ext cx="1080000" cy="720000"/>
+          </a:xfrm>
+          <a:prstGeom prst="straightConnector1">
+            <a:avLst/>
+          </a:prstGeom>
+          <a:ln w="38100">
+            <a:solidFill>
+              <a:schemeClr val="tx1"/>
+            </a:solidFill>
+            <a:prstDash val="sysDot"/>
+            <a:tailEnd type="arrow" w="med" len="lg"/>
+          </a:ln>
+        </p:spPr>
+        <p:style>
+          <a:lnRef idx="1">
+            <a:schemeClr val="accent1"/>
+          </a:lnRef>
+          <a:fillRef idx="0">
+            <a:schemeClr val="accent1"/>
+          </a:fillRef>
+          <a:effectRef idx="0">
+            <a:schemeClr val="accent1"/>
+          </a:effectRef>
+          <a:fontRef idx="minor">
+            <a:schemeClr val="tx1"/>
+          </a:fontRef>
+        </p:style>
+      </p:cxnSp>
+      <p:cxnSp>
+        <p:nvCxnSpPr>
+          <p:cNvPr id="33" name="直線單箭頭接點 11">
+            <a:extLst>
+              <a:ext uri="{FF2B5EF4-FFF2-40B4-BE49-F238E27FC236}">
+                <a16:creationId xmlns:a16="http://schemas.microsoft.com/office/drawing/2014/main" id="{F0875757-B921-4728-87AA-413F44467B51}"/>
+              </a:ext>
+            </a:extLst>
+          </p:cNvPr>
+          <p:cNvCxnSpPr>
+            <a:cxnSpLocks/>
+            <a:stCxn id="19" idx="3"/>
+            <a:endCxn id="16" idx="1"/>
+          </p:cNvCxnSpPr>
+          <p:nvPr/>
+        </p:nvCxnSpPr>
+        <p:spPr>
+          <a:xfrm flipV="1">
+            <a:off x="5328244" y="2286000"/>
+            <a:ext cx="1944000" cy="1530000"/>
+          </a:xfrm>
+          <a:prstGeom prst="straightConnector1">
+            <a:avLst/>
+          </a:prstGeom>
+          <a:ln w="38100">
+            <a:solidFill>
+              <a:schemeClr val="tx1"/>
+            </a:solidFill>
+            <a:prstDash val="sysDot"/>
+            <a:tailEnd type="arrow" w="med" len="lg"/>
+          </a:ln>
+        </p:spPr>
+        <p:style>
+          <a:lnRef idx="1">
+            <a:schemeClr val="accent1"/>
+          </a:lnRef>
+          <a:fillRef idx="0">
+            <a:schemeClr val="accent1"/>
+          </a:fillRef>
+          <a:effectRef idx="0">
+            <a:schemeClr val="accent1"/>
+          </a:effectRef>
+          <a:fontRef idx="minor">
+            <a:schemeClr val="tx1"/>
+          </a:fontRef>
+        </p:style>
+      </p:cxnSp>
+      <p:cxnSp>
+        <p:nvCxnSpPr>
+          <p:cNvPr id="34" name="直線單箭頭接點 11">
+            <a:extLst>
+              <a:ext uri="{FF2B5EF4-FFF2-40B4-BE49-F238E27FC236}">
+                <a16:creationId xmlns:a16="http://schemas.microsoft.com/office/drawing/2014/main" id="{7DB4E6F1-6E32-4553-A7DF-D1C5A6D92F70}"/>
+              </a:ext>
+            </a:extLst>
+          </p:cNvPr>
+          <p:cNvCxnSpPr>
+            <a:cxnSpLocks/>
+            <a:stCxn id="18" idx="1"/>
+            <a:endCxn id="8" idx="3"/>
+          </p:cNvCxnSpPr>
+          <p:nvPr/>
+        </p:nvCxnSpPr>
+        <p:spPr>
+          <a:xfrm flipH="1" flipV="1">
+            <a:off x="4248244" y="2286462"/>
+            <a:ext cx="1944000" cy="1529551"/>
+          </a:xfrm>
+          <a:prstGeom prst="straightConnector1">
+            <a:avLst/>
+          </a:prstGeom>
+          <a:ln w="38100">
+            <a:solidFill>
+              <a:schemeClr val="tx1"/>
+            </a:solidFill>
+            <a:prstDash val="sysDot"/>
+            <a:tailEnd type="arrow" w="med" len="lg"/>
+          </a:ln>
+        </p:spPr>
+        <p:style>
+          <a:lnRef idx="1">
+            <a:schemeClr val="accent1"/>
+          </a:lnRef>
+          <a:fillRef idx="0">
+            <a:schemeClr val="accent1"/>
+          </a:fillRef>
+          <a:effectRef idx="0">
+            <a:schemeClr val="accent1"/>
+          </a:effectRef>
+          <a:fontRef idx="minor">
+            <a:schemeClr val="tx1"/>
+          </a:fontRef>
+        </p:style>
+      </p:cxnSp>
+      <p:sp>
+        <p:nvSpPr>
+          <p:cNvPr id="23" name="矩形 22"/>
+          <p:cNvSpPr/>
+          <p:nvPr/>
+        </p:nvSpPr>
+        <p:spPr>
+          <a:xfrm>
+            <a:off x="5444056" y="1944382"/>
+            <a:ext cx="516487" cy="317331"/>
           </a:xfrm>
           <a:prstGeom prst="rect">
             <a:avLst/>
@@ -5349,7 +6214,7 @@
         </p:nvSpPr>
         <p:spPr>
           <a:xfrm>
-            <a:off x="6729284" y="1233996"/>
+            <a:off x="6729287" y="1233996"/>
             <a:ext cx="4734199" cy="3773010"/>
           </a:xfrm>
           <a:custGeom>
@@ -5654,7 +6519,7 @@
         </p:nvCxnSpPr>
         <p:spPr>
           <a:xfrm flipH="1">
-            <a:off x="2718244" y="1206004"/>
+            <a:off x="2718244" y="1206007"/>
             <a:ext cx="7074000" cy="720449"/>
           </a:xfrm>
           <a:prstGeom prst="straightConnector1">
@@ -5728,549 +6593,6 @@
     <p:extLst>
       <p:ext uri="{BB962C8B-B14F-4D97-AF65-F5344CB8AC3E}">
         <p14:creationId xmlns:p14="http://schemas.microsoft.com/office/powerpoint/2010/main" val="1329579060"/>
-      </p:ext>
-    </p:extLst>
-  </p:cSld>
-  <p:clrMapOvr>
-    <a:masterClrMapping/>
-  </p:clrMapOvr>
-</p:sld>
-</file>
-
-<file path=ppt/slides/slide11.xml><?xml version="1.0" encoding="utf-8"?>
-<p:sld xmlns:a="http://schemas.openxmlformats.org/drawingml/2006/main" xmlns:r="http://schemas.openxmlformats.org/officeDocument/2006/relationships" xmlns:p="http://schemas.openxmlformats.org/presentationml/2006/main">
-  <p:cSld>
-    <p:spTree>
-      <p:nvGrpSpPr>
-        <p:cNvPr id="1" name=""/>
-        <p:cNvGrpSpPr/>
-        <p:nvPr/>
-      </p:nvGrpSpPr>
-      <p:grpSpPr>
-        <a:xfrm>
-          <a:off x="0" y="0"/>
-          <a:ext cx="0" cy="0"/>
-          <a:chOff x="0" y="0"/>
-          <a:chExt cx="0" cy="0"/>
-        </a:xfrm>
-      </p:grpSpPr>
-      <p:sp>
-        <p:nvSpPr>
-          <p:cNvPr id="8" name="圓角矩形 7"/>
-          <p:cNvSpPr/>
-          <p:nvPr/>
-        </p:nvSpPr>
-        <p:spPr>
-          <a:xfrm>
-            <a:off x="1188244" y="1926449"/>
-            <a:ext cx="3060000" cy="720000"/>
-          </a:xfrm>
-          <a:prstGeom prst="roundRect">
-            <a:avLst/>
-          </a:prstGeom>
-          <a:noFill/>
-          <a:ln w="38100">
-            <a:solidFill>
-              <a:schemeClr val="tx1"/>
-            </a:solidFill>
-          </a:ln>
-        </p:spPr>
-        <p:style>
-          <a:lnRef idx="2">
-            <a:schemeClr val="accent1">
-              <a:shade val="50000"/>
-            </a:schemeClr>
-          </a:lnRef>
-          <a:fillRef idx="1">
-            <a:schemeClr val="accent1"/>
-          </a:fillRef>
-          <a:effectRef idx="0">
-            <a:schemeClr val="accent1"/>
-          </a:effectRef>
-          <a:fontRef idx="minor">
-            <a:schemeClr val="lt1"/>
-          </a:fontRef>
-        </p:style>
-        <p:txBody>
-          <a:bodyPr rtlCol="0" anchor="ctr"/>
-          <a:lstStyle/>
-          <a:p>
-            <a:pPr algn="ctr"/>
-            <a:r>
-              <a:rPr lang="en-US" altLang="zh-TW" dirty="0">
-                <a:solidFill>
-                  <a:schemeClr val="tx1"/>
-                </a:solidFill>
-              </a:rPr>
-              <a:t>Bacteria species richness</a:t>
-            </a:r>
-            <a:endParaRPr lang="zh-TW" altLang="en-US" dirty="0">
-              <a:solidFill>
-                <a:schemeClr val="tx1"/>
-              </a:solidFill>
-            </a:endParaRPr>
-          </a:p>
-        </p:txBody>
-      </p:sp>
-      <p:sp>
-        <p:nvSpPr>
-          <p:cNvPr id="16" name="圓角矩形 15"/>
-          <p:cNvSpPr/>
-          <p:nvPr/>
-        </p:nvSpPr>
-        <p:spPr>
-          <a:xfrm>
-            <a:off x="7272244" y="1926000"/>
-            <a:ext cx="3060000" cy="720000"/>
-          </a:xfrm>
-          <a:prstGeom prst="roundRect">
-            <a:avLst/>
-          </a:prstGeom>
-          <a:noFill/>
-          <a:ln w="38100">
-            <a:solidFill>
-              <a:schemeClr val="tx1"/>
-            </a:solidFill>
-          </a:ln>
-        </p:spPr>
-        <p:style>
-          <a:lnRef idx="2">
-            <a:schemeClr val="accent1">
-              <a:shade val="50000"/>
-            </a:schemeClr>
-          </a:lnRef>
-          <a:fillRef idx="1">
-            <a:schemeClr val="accent1"/>
-          </a:fillRef>
-          <a:effectRef idx="0">
-            <a:schemeClr val="accent1"/>
-          </a:effectRef>
-          <a:fontRef idx="minor">
-            <a:schemeClr val="lt1"/>
-          </a:fontRef>
-        </p:style>
-        <p:txBody>
-          <a:bodyPr rtlCol="0" anchor="ctr"/>
-          <a:lstStyle/>
-          <a:p>
-            <a:pPr algn="ctr"/>
-            <a:r>
-              <a:rPr lang="en-US" altLang="zh-TW" dirty="0">
-                <a:solidFill>
-                  <a:schemeClr val="tx1"/>
-                </a:solidFill>
-              </a:rPr>
-              <a:t>HNF Simpson diversity</a:t>
-            </a:r>
-            <a:endParaRPr lang="zh-TW" altLang="en-US" dirty="0">
-              <a:solidFill>
-                <a:schemeClr val="tx1"/>
-              </a:solidFill>
-            </a:endParaRPr>
-          </a:p>
-        </p:txBody>
-      </p:sp>
-      <p:cxnSp>
-        <p:nvCxnSpPr>
-          <p:cNvPr id="10" name="直線單箭頭接點 9"/>
-          <p:cNvCxnSpPr>
-            <a:stCxn id="8" idx="3"/>
-            <a:endCxn id="16" idx="1"/>
-          </p:cNvCxnSpPr>
-          <p:nvPr/>
-        </p:nvCxnSpPr>
-        <p:spPr>
-          <a:xfrm flipV="1">
-            <a:off x="4248244" y="2286010"/>
-            <a:ext cx="3024000" cy="449"/>
-          </a:xfrm>
-          <a:prstGeom prst="straightConnector1">
-            <a:avLst/>
-          </a:prstGeom>
-          <a:ln w="38100">
-            <a:solidFill>
-              <a:schemeClr val="tx1"/>
-            </a:solidFill>
-            <a:prstDash val="solid"/>
-            <a:headEnd type="arrow"/>
-            <a:tailEnd type="arrow" w="med" len="lg"/>
-          </a:ln>
-        </p:spPr>
-        <p:style>
-          <a:lnRef idx="1">
-            <a:schemeClr val="accent1"/>
-          </a:lnRef>
-          <a:fillRef idx="0">
-            <a:schemeClr val="accent1"/>
-          </a:fillRef>
-          <a:effectRef idx="0">
-            <a:schemeClr val="accent1"/>
-          </a:effectRef>
-          <a:fontRef idx="minor">
-            <a:schemeClr val="tx1"/>
-          </a:fontRef>
-        </p:style>
-      </p:cxnSp>
-      <p:sp>
-        <p:nvSpPr>
-          <p:cNvPr id="19" name="圓角矩形 18"/>
-          <p:cNvSpPr/>
-          <p:nvPr/>
-        </p:nvSpPr>
-        <p:spPr>
-          <a:xfrm>
-            <a:off x="2268244" y="3366000"/>
-            <a:ext cx="3060000" cy="900000"/>
-          </a:xfrm>
-          <a:prstGeom prst="roundRect">
-            <a:avLst/>
-          </a:prstGeom>
-          <a:noFill/>
-          <a:ln w="38100">
-            <a:solidFill>
-              <a:schemeClr val="tx1"/>
-            </a:solidFill>
-          </a:ln>
-        </p:spPr>
-        <p:style>
-          <a:lnRef idx="2">
-            <a:schemeClr val="accent1">
-              <a:shade val="50000"/>
-            </a:schemeClr>
-          </a:lnRef>
-          <a:fillRef idx="1">
-            <a:schemeClr val="accent1"/>
-          </a:fillRef>
-          <a:effectRef idx="0">
-            <a:schemeClr val="accent1"/>
-          </a:effectRef>
-          <a:fontRef idx="minor">
-            <a:schemeClr val="lt1"/>
-          </a:fontRef>
-        </p:style>
-        <p:txBody>
-          <a:bodyPr rtlCol="0" anchor="ctr"/>
-          <a:lstStyle/>
-          <a:p>
-            <a:pPr algn="ctr"/>
-            <a:r>
-              <a:rPr lang="en-US" altLang="zh-TW" dirty="0">
-                <a:solidFill>
-                  <a:schemeClr val="tx1"/>
-                </a:solidFill>
-              </a:rPr>
-              <a:t>Deterministic assembly processes of </a:t>
-            </a:r>
-          </a:p>
-          <a:p>
-            <a:pPr algn="ctr"/>
-            <a:r>
-              <a:rPr lang="en-US" altLang="zh-TW" b="1" dirty="0">
-                <a:solidFill>
-                  <a:schemeClr val="tx1"/>
-                </a:solidFill>
-              </a:rPr>
-              <a:t>HNF community</a:t>
-            </a:r>
-            <a:endParaRPr lang="zh-TW" altLang="en-US" b="1" dirty="0">
-              <a:solidFill>
-                <a:schemeClr val="tx1"/>
-              </a:solidFill>
-            </a:endParaRPr>
-          </a:p>
-        </p:txBody>
-      </p:sp>
-      <p:cxnSp>
-        <p:nvCxnSpPr>
-          <p:cNvPr id="12" name="直線單箭頭接點 11"/>
-          <p:cNvCxnSpPr>
-            <a:cxnSpLocks/>
-            <a:stCxn id="8" idx="2"/>
-            <a:endCxn id="19" idx="0"/>
-          </p:cNvCxnSpPr>
-          <p:nvPr/>
-        </p:nvCxnSpPr>
-        <p:spPr>
-          <a:xfrm>
-            <a:off x="2718244" y="2646459"/>
-            <a:ext cx="1080000" cy="719551"/>
-          </a:xfrm>
-          <a:prstGeom prst="straightConnector1">
-            <a:avLst/>
-          </a:prstGeom>
-          <a:ln w="38100">
-            <a:solidFill>
-              <a:schemeClr val="tx1"/>
-            </a:solidFill>
-            <a:prstDash val="sysDot"/>
-            <a:tailEnd type="arrow" w="med" len="lg"/>
-          </a:ln>
-        </p:spPr>
-        <p:style>
-          <a:lnRef idx="1">
-            <a:schemeClr val="accent1"/>
-          </a:lnRef>
-          <a:fillRef idx="0">
-            <a:schemeClr val="accent1"/>
-          </a:fillRef>
-          <a:effectRef idx="0">
-            <a:schemeClr val="accent1"/>
-          </a:effectRef>
-          <a:fontRef idx="minor">
-            <a:schemeClr val="tx1"/>
-          </a:fontRef>
-        </p:style>
-      </p:cxnSp>
-      <p:sp>
-        <p:nvSpPr>
-          <p:cNvPr id="18" name="圓角矩形 18">
-            <a:extLst>
-              <a:ext uri="{FF2B5EF4-FFF2-40B4-BE49-F238E27FC236}">
-                <a16:creationId xmlns:a16="http://schemas.microsoft.com/office/drawing/2014/main" id="{47DE1866-A6CF-489C-848E-A4D8C003E3C0}"/>
-              </a:ext>
-            </a:extLst>
-          </p:cNvPr>
-          <p:cNvSpPr/>
-          <p:nvPr/>
-        </p:nvSpPr>
-        <p:spPr>
-          <a:xfrm>
-            <a:off x="6192244" y="3366000"/>
-            <a:ext cx="3060000" cy="900000"/>
-          </a:xfrm>
-          <a:prstGeom prst="roundRect">
-            <a:avLst/>
-          </a:prstGeom>
-          <a:noFill/>
-          <a:ln w="38100">
-            <a:solidFill>
-              <a:schemeClr val="tx1"/>
-            </a:solidFill>
-          </a:ln>
-        </p:spPr>
-        <p:style>
-          <a:lnRef idx="2">
-            <a:schemeClr val="accent1">
-              <a:shade val="50000"/>
-            </a:schemeClr>
-          </a:lnRef>
-          <a:fillRef idx="1">
-            <a:schemeClr val="accent1"/>
-          </a:fillRef>
-          <a:effectRef idx="0">
-            <a:schemeClr val="accent1"/>
-          </a:effectRef>
-          <a:fontRef idx="minor">
-            <a:schemeClr val="lt1"/>
-          </a:fontRef>
-        </p:style>
-        <p:txBody>
-          <a:bodyPr rtlCol="0" anchor="ctr"/>
-          <a:lstStyle/>
-          <a:p>
-            <a:pPr algn="ctr"/>
-            <a:r>
-              <a:rPr lang="en-US" altLang="zh-TW" dirty="0">
-                <a:solidFill>
-                  <a:schemeClr val="tx1"/>
-                </a:solidFill>
-              </a:rPr>
-              <a:t>Deterministic assembly processes of </a:t>
-            </a:r>
-          </a:p>
-          <a:p>
-            <a:pPr algn="ctr"/>
-            <a:r>
-              <a:rPr lang="en-US" altLang="zh-TW" b="1" dirty="0">
-                <a:solidFill>
-                  <a:schemeClr val="tx1"/>
-                </a:solidFill>
-              </a:rPr>
-              <a:t>Bacteria community</a:t>
-            </a:r>
-            <a:endParaRPr lang="zh-TW" altLang="en-US" b="1" dirty="0">
-              <a:solidFill>
-                <a:schemeClr val="tx1"/>
-              </a:solidFill>
-            </a:endParaRPr>
-          </a:p>
-        </p:txBody>
-      </p:sp>
-      <p:cxnSp>
-        <p:nvCxnSpPr>
-          <p:cNvPr id="28" name="直線單箭頭接點 11">
-            <a:extLst>
-              <a:ext uri="{FF2B5EF4-FFF2-40B4-BE49-F238E27FC236}">
-                <a16:creationId xmlns:a16="http://schemas.microsoft.com/office/drawing/2014/main" id="{2F63CEA1-FDB0-4466-9AF7-10C6638C7A69}"/>
-              </a:ext>
-            </a:extLst>
-          </p:cNvPr>
-          <p:cNvCxnSpPr>
-            <a:cxnSpLocks/>
-            <a:stCxn id="16" idx="2"/>
-            <a:endCxn id="18" idx="0"/>
-          </p:cNvCxnSpPr>
-          <p:nvPr/>
-        </p:nvCxnSpPr>
-        <p:spPr>
-          <a:xfrm flipH="1">
-            <a:off x="7722244" y="2646000"/>
-            <a:ext cx="1080000" cy="720000"/>
-          </a:xfrm>
-          <a:prstGeom prst="straightConnector1">
-            <a:avLst/>
-          </a:prstGeom>
-          <a:ln w="38100">
-            <a:solidFill>
-              <a:schemeClr val="tx1"/>
-            </a:solidFill>
-            <a:prstDash val="sysDot"/>
-            <a:tailEnd type="arrow" w="med" len="lg"/>
-          </a:ln>
-        </p:spPr>
-        <p:style>
-          <a:lnRef idx="1">
-            <a:schemeClr val="accent1"/>
-          </a:lnRef>
-          <a:fillRef idx="0">
-            <a:schemeClr val="accent1"/>
-          </a:fillRef>
-          <a:effectRef idx="0">
-            <a:schemeClr val="accent1"/>
-          </a:effectRef>
-          <a:fontRef idx="minor">
-            <a:schemeClr val="tx1"/>
-          </a:fontRef>
-        </p:style>
-      </p:cxnSp>
-      <p:cxnSp>
-        <p:nvCxnSpPr>
-          <p:cNvPr id="33" name="直線單箭頭接點 11">
-            <a:extLst>
-              <a:ext uri="{FF2B5EF4-FFF2-40B4-BE49-F238E27FC236}">
-                <a16:creationId xmlns:a16="http://schemas.microsoft.com/office/drawing/2014/main" id="{F0875757-B921-4728-87AA-413F44467B51}"/>
-              </a:ext>
-            </a:extLst>
-          </p:cNvPr>
-          <p:cNvCxnSpPr>
-            <a:cxnSpLocks/>
-            <a:stCxn id="19" idx="3"/>
-            <a:endCxn id="16" idx="1"/>
-          </p:cNvCxnSpPr>
-          <p:nvPr/>
-        </p:nvCxnSpPr>
-        <p:spPr>
-          <a:xfrm flipV="1">
-            <a:off x="5328244" y="2286000"/>
-            <a:ext cx="1944000" cy="1530000"/>
-          </a:xfrm>
-          <a:prstGeom prst="straightConnector1">
-            <a:avLst/>
-          </a:prstGeom>
-          <a:ln w="38100">
-            <a:solidFill>
-              <a:schemeClr val="tx1"/>
-            </a:solidFill>
-            <a:prstDash val="sysDot"/>
-            <a:tailEnd type="arrow" w="med" len="lg"/>
-          </a:ln>
-        </p:spPr>
-        <p:style>
-          <a:lnRef idx="1">
-            <a:schemeClr val="accent1"/>
-          </a:lnRef>
-          <a:fillRef idx="0">
-            <a:schemeClr val="accent1"/>
-          </a:fillRef>
-          <a:effectRef idx="0">
-            <a:schemeClr val="accent1"/>
-          </a:effectRef>
-          <a:fontRef idx="minor">
-            <a:schemeClr val="tx1"/>
-          </a:fontRef>
-        </p:style>
-      </p:cxnSp>
-      <p:cxnSp>
-        <p:nvCxnSpPr>
-          <p:cNvPr id="34" name="直線單箭頭接點 11">
-            <a:extLst>
-              <a:ext uri="{FF2B5EF4-FFF2-40B4-BE49-F238E27FC236}">
-                <a16:creationId xmlns:a16="http://schemas.microsoft.com/office/drawing/2014/main" id="{7DB4E6F1-6E32-4553-A7DF-D1C5A6D92F70}"/>
-              </a:ext>
-            </a:extLst>
-          </p:cNvPr>
-          <p:cNvCxnSpPr>
-            <a:cxnSpLocks/>
-            <a:stCxn id="18" idx="1"/>
-            <a:endCxn id="8" idx="3"/>
-          </p:cNvCxnSpPr>
-          <p:nvPr/>
-        </p:nvCxnSpPr>
-        <p:spPr>
-          <a:xfrm flipH="1" flipV="1">
-            <a:off x="4248244" y="2286459"/>
-            <a:ext cx="1944000" cy="1529551"/>
-          </a:xfrm>
-          <a:prstGeom prst="straightConnector1">
-            <a:avLst/>
-          </a:prstGeom>
-          <a:ln w="38100">
-            <a:solidFill>
-              <a:schemeClr val="tx1"/>
-            </a:solidFill>
-            <a:prstDash val="sysDot"/>
-            <a:tailEnd type="arrow" w="med" len="lg"/>
-          </a:ln>
-        </p:spPr>
-        <p:style>
-          <a:lnRef idx="1">
-            <a:schemeClr val="accent1"/>
-          </a:lnRef>
-          <a:fillRef idx="0">
-            <a:schemeClr val="accent1"/>
-          </a:fillRef>
-          <a:effectRef idx="0">
-            <a:schemeClr val="accent1"/>
-          </a:effectRef>
-          <a:fontRef idx="minor">
-            <a:schemeClr val="tx1"/>
-          </a:fontRef>
-        </p:style>
-      </p:cxnSp>
-      <p:sp>
-        <p:nvSpPr>
-          <p:cNvPr id="167" name="矩形 166"/>
-          <p:cNvSpPr/>
-          <p:nvPr/>
-        </p:nvSpPr>
-        <p:spPr>
-          <a:xfrm>
-            <a:off x="5016851" y="1944381"/>
-            <a:ext cx="1370888" cy="317459"/>
-          </a:xfrm>
-          <a:prstGeom prst="rect">
-            <a:avLst/>
-          </a:prstGeom>
-        </p:spPr>
-        <p:txBody>
-          <a:bodyPr wrap="none">
-            <a:spAutoFit/>
-          </a:bodyPr>
-          <a:lstStyle/>
-          <a:p>
-            <a:pPr algn="ctr"/>
-            <a:r>
-              <a:rPr lang="en-US" altLang="zh-TW" dirty="0"/>
-              <a:t>0.126 (p = 0.13)</a:t>
-            </a:r>
-            <a:endParaRPr lang="zh-TW" altLang="en-US" dirty="0"/>
-          </a:p>
-        </p:txBody>
-      </p:sp>
-    </p:spTree>
-    <p:extLst>
-      <p:ext uri="{BB962C8B-B14F-4D97-AF65-F5344CB8AC3E}">
-        <p14:creationId xmlns:p14="http://schemas.microsoft.com/office/powerpoint/2010/main" val="2840606312"/>
       </p:ext>
     </p:extLst>
   </p:cSld>
@@ -6424,7 +6746,7 @@
         </p:nvCxnSpPr>
         <p:spPr>
           <a:xfrm flipV="1">
-            <a:off x="4248244" y="2286010"/>
+            <a:off x="4248244" y="2286013"/>
             <a:ext cx="3024000" cy="449"/>
           </a:xfrm>
           <a:prstGeom prst="straightConnector1">
@@ -6751,7 +7073,7 @@
         </p:nvCxnSpPr>
         <p:spPr>
           <a:xfrm flipH="1" flipV="1">
-            <a:off x="4248244" y="2286459"/>
+            <a:off x="4248244" y="2286462"/>
             <a:ext cx="1944000" cy="1529551"/>
           </a:xfrm>
           <a:prstGeom prst="straightConnector1">
@@ -6782,14 +7104,14 @@
       </p:cxnSp>
       <p:sp>
         <p:nvSpPr>
-          <p:cNvPr id="23" name="矩形 22"/>
+          <p:cNvPr id="167" name="矩形 166"/>
           <p:cNvSpPr/>
           <p:nvPr/>
         </p:nvSpPr>
         <p:spPr>
           <a:xfrm>
-            <a:off x="5016851" y="1944381"/>
-            <a:ext cx="1370888" cy="317459"/>
+            <a:off x="5016852" y="1944382"/>
+            <a:ext cx="1370888" cy="317331"/>
           </a:xfrm>
           <a:prstGeom prst="rect">
             <a:avLst/>
@@ -6804,337 +7126,16 @@
             <a:pPr algn="ctr"/>
             <a:r>
               <a:rPr lang="en-US" altLang="zh-TW" dirty="0"/>
-              <a:t>0.134 (p = 0.13)</a:t>
+              <a:t>0.126 (p = 0.13)</a:t>
             </a:r>
             <a:endParaRPr lang="zh-TW" altLang="en-US" dirty="0"/>
           </a:p>
         </p:txBody>
       </p:sp>
-      <p:sp>
-        <p:nvSpPr>
-          <p:cNvPr id="124" name="圓角矩形 123"/>
-          <p:cNvSpPr/>
-          <p:nvPr/>
-        </p:nvSpPr>
-        <p:spPr>
-          <a:xfrm>
-            <a:off x="8262244" y="486000"/>
-            <a:ext cx="3060000" cy="720000"/>
-          </a:xfrm>
-          <a:prstGeom prst="roundRect">
-            <a:avLst/>
-          </a:prstGeom>
-          <a:noFill/>
-          <a:ln w="38100">
-            <a:solidFill>
-              <a:schemeClr val="tx1"/>
-            </a:solidFill>
-          </a:ln>
-        </p:spPr>
-        <p:style>
-          <a:lnRef idx="2">
-            <a:schemeClr val="accent1">
-              <a:shade val="50000"/>
-            </a:schemeClr>
-          </a:lnRef>
-          <a:fillRef idx="1">
-            <a:schemeClr val="accent1"/>
-          </a:fillRef>
-          <a:effectRef idx="0">
-            <a:schemeClr val="accent1"/>
-          </a:effectRef>
-          <a:fontRef idx="minor">
-            <a:schemeClr val="lt1"/>
-          </a:fontRef>
-        </p:style>
-        <p:txBody>
-          <a:bodyPr rtlCol="0" anchor="ctr"/>
-          <a:lstStyle/>
-          <a:p>
-            <a:pPr algn="ctr"/>
-            <a:r>
-              <a:rPr lang="en-US" altLang="zh-TW" dirty="0">
-                <a:solidFill>
-                  <a:schemeClr val="tx1"/>
-                </a:solidFill>
-              </a:rPr>
-              <a:t>HNF biomass</a:t>
-            </a:r>
-            <a:endParaRPr lang="zh-TW" altLang="en-US" dirty="0">
-              <a:solidFill>
-                <a:schemeClr val="tx1"/>
-              </a:solidFill>
-            </a:endParaRPr>
-          </a:p>
-        </p:txBody>
-      </p:sp>
-      <p:sp>
-        <p:nvSpPr>
-          <p:cNvPr id="125" name="圓角矩形 124"/>
-          <p:cNvSpPr/>
-          <p:nvPr/>
-        </p:nvSpPr>
-        <p:spPr>
-          <a:xfrm>
-            <a:off x="108244" y="486414"/>
-            <a:ext cx="3060000" cy="720000"/>
-          </a:xfrm>
-          <a:prstGeom prst="roundRect">
-            <a:avLst/>
-          </a:prstGeom>
-          <a:noFill/>
-          <a:ln w="38100">
-            <a:solidFill>
-              <a:schemeClr val="tx1"/>
-            </a:solidFill>
-          </a:ln>
-        </p:spPr>
-        <p:style>
-          <a:lnRef idx="2">
-            <a:schemeClr val="accent1">
-              <a:shade val="50000"/>
-            </a:schemeClr>
-          </a:lnRef>
-          <a:fillRef idx="1">
-            <a:schemeClr val="accent1"/>
-          </a:fillRef>
-          <a:effectRef idx="0">
-            <a:schemeClr val="accent1"/>
-          </a:effectRef>
-          <a:fontRef idx="minor">
-            <a:schemeClr val="lt1"/>
-          </a:fontRef>
-        </p:style>
-        <p:txBody>
-          <a:bodyPr rtlCol="0" anchor="ctr"/>
-          <a:lstStyle/>
-          <a:p>
-            <a:pPr algn="ctr"/>
-            <a:r>
-              <a:rPr lang="en-US" altLang="zh-TW" dirty="0">
-                <a:solidFill>
-                  <a:schemeClr val="tx1"/>
-                </a:solidFill>
-              </a:rPr>
-              <a:t>HNF biomass</a:t>
-            </a:r>
-            <a:endParaRPr lang="zh-TW" altLang="en-US" dirty="0">
-              <a:solidFill>
-                <a:schemeClr val="tx1"/>
-              </a:solidFill>
-            </a:endParaRPr>
-          </a:p>
-        </p:txBody>
-      </p:sp>
-      <p:cxnSp>
-        <p:nvCxnSpPr>
-          <p:cNvPr id="156" name="直線單箭頭接點 155"/>
-          <p:cNvCxnSpPr>
-            <a:cxnSpLocks/>
-            <a:stCxn id="8" idx="0"/>
-            <a:endCxn id="125" idx="2"/>
-          </p:cNvCxnSpPr>
-          <p:nvPr/>
-        </p:nvCxnSpPr>
-        <p:spPr>
-          <a:xfrm flipH="1" flipV="1">
-            <a:off x="1638244" y="1206418"/>
-            <a:ext cx="1080000" cy="720035"/>
-          </a:xfrm>
-          <a:prstGeom prst="straightConnector1">
-            <a:avLst/>
-          </a:prstGeom>
-          <a:ln w="38100">
-            <a:solidFill>
-              <a:schemeClr val="tx1"/>
-            </a:solidFill>
-            <a:prstDash val="sysDot"/>
-            <a:tailEnd type="arrow" w="med" len="lg"/>
-          </a:ln>
-        </p:spPr>
-        <p:style>
-          <a:lnRef idx="1">
-            <a:schemeClr val="accent1"/>
-          </a:lnRef>
-          <a:fillRef idx="0">
-            <a:schemeClr val="accent1"/>
-          </a:fillRef>
-          <a:effectRef idx="0">
-            <a:schemeClr val="accent1"/>
-          </a:effectRef>
-          <a:fontRef idx="minor">
-            <a:schemeClr val="tx1"/>
-          </a:fontRef>
-        </p:style>
-      </p:cxnSp>
-      <p:cxnSp>
-        <p:nvCxnSpPr>
-          <p:cNvPr id="159" name="直線單箭頭接點 158"/>
-          <p:cNvCxnSpPr>
-            <a:cxnSpLocks/>
-            <a:stCxn id="16" idx="0"/>
-            <a:endCxn id="124" idx="2"/>
-          </p:cNvCxnSpPr>
-          <p:nvPr/>
-        </p:nvCxnSpPr>
-        <p:spPr>
-          <a:xfrm flipV="1">
-            <a:off x="8802244" y="1206000"/>
-            <a:ext cx="990000" cy="720000"/>
-          </a:xfrm>
-          <a:prstGeom prst="straightConnector1">
-            <a:avLst/>
-          </a:prstGeom>
-          <a:ln w="38100">
-            <a:solidFill>
-              <a:schemeClr val="tx1"/>
-            </a:solidFill>
-            <a:prstDash val="sysDot"/>
-            <a:tailEnd type="arrow" w="med" len="lg"/>
-          </a:ln>
-        </p:spPr>
-        <p:style>
-          <a:lnRef idx="1">
-            <a:schemeClr val="accent1"/>
-          </a:lnRef>
-          <a:fillRef idx="0">
-            <a:schemeClr val="accent1"/>
-          </a:fillRef>
-          <a:effectRef idx="0">
-            <a:schemeClr val="accent1"/>
-          </a:effectRef>
-          <a:fontRef idx="minor">
-            <a:schemeClr val="tx1"/>
-          </a:fontRef>
-        </p:style>
-      </p:cxnSp>
-      <p:cxnSp>
-        <p:nvCxnSpPr>
-          <p:cNvPr id="164" name="直線單箭頭接點 163"/>
-          <p:cNvCxnSpPr>
-            <a:cxnSpLocks/>
-            <a:stCxn id="124" idx="1"/>
-            <a:endCxn id="125" idx="3"/>
-          </p:cNvCxnSpPr>
-          <p:nvPr/>
-        </p:nvCxnSpPr>
-        <p:spPr>
-          <a:xfrm flipH="1">
-            <a:off x="3168244" y="846000"/>
-            <a:ext cx="5094000" cy="414"/>
-          </a:xfrm>
-          <a:prstGeom prst="straightConnector1">
-            <a:avLst/>
-          </a:prstGeom>
-          <a:ln w="38100">
-            <a:solidFill>
-              <a:schemeClr val="tx1"/>
-            </a:solidFill>
-            <a:prstDash val="sysDot"/>
-            <a:tailEnd type="arrow" w="med" len="lg"/>
-          </a:ln>
-        </p:spPr>
-        <p:style>
-          <a:lnRef idx="1">
-            <a:schemeClr val="accent1"/>
-          </a:lnRef>
-          <a:fillRef idx="0">
-            <a:schemeClr val="accent1"/>
-          </a:fillRef>
-          <a:effectRef idx="0">
-            <a:schemeClr val="accent1"/>
-          </a:effectRef>
-          <a:fontRef idx="minor">
-            <a:schemeClr val="tx1"/>
-          </a:fontRef>
-        </p:style>
-      </p:cxnSp>
-      <p:cxnSp>
-        <p:nvCxnSpPr>
-          <p:cNvPr id="21" name="直線單箭頭接點 20"/>
-          <p:cNvCxnSpPr>
-            <a:cxnSpLocks/>
-            <a:stCxn id="124" idx="2"/>
-            <a:endCxn id="8" idx="0"/>
-          </p:cNvCxnSpPr>
-          <p:nvPr/>
-        </p:nvCxnSpPr>
-        <p:spPr>
-          <a:xfrm flipH="1">
-            <a:off x="2718244" y="1206004"/>
-            <a:ext cx="7074000" cy="720449"/>
-          </a:xfrm>
-          <a:prstGeom prst="straightConnector1">
-            <a:avLst/>
-          </a:prstGeom>
-          <a:ln w="38100">
-            <a:solidFill>
-              <a:schemeClr val="tx1"/>
-            </a:solidFill>
-            <a:prstDash val="sysDot"/>
-            <a:tailEnd type="arrow" w="med" len="lg"/>
-          </a:ln>
-        </p:spPr>
-        <p:style>
-          <a:lnRef idx="1">
-            <a:schemeClr val="accent1"/>
-          </a:lnRef>
-          <a:fillRef idx="0">
-            <a:schemeClr val="accent1"/>
-          </a:fillRef>
-          <a:effectRef idx="0">
-            <a:schemeClr val="accent1"/>
-          </a:effectRef>
-          <a:fontRef idx="minor">
-            <a:schemeClr val="tx1"/>
-          </a:fontRef>
-        </p:style>
-      </p:cxnSp>
-      <p:cxnSp>
-        <p:nvCxnSpPr>
-          <p:cNvPr id="20" name="直線單箭頭接點 19"/>
-          <p:cNvCxnSpPr>
-            <a:cxnSpLocks/>
-            <a:stCxn id="125" idx="2"/>
-            <a:endCxn id="16" idx="0"/>
-          </p:cNvCxnSpPr>
-          <p:nvPr/>
-        </p:nvCxnSpPr>
-        <p:spPr>
-          <a:xfrm>
-            <a:off x="1638244" y="1206414"/>
-            <a:ext cx="7164000" cy="719586"/>
-          </a:xfrm>
-          <a:prstGeom prst="straightConnector1">
-            <a:avLst/>
-          </a:prstGeom>
-          <a:ln w="38100">
-            <a:solidFill>
-              <a:schemeClr val="tx1"/>
-            </a:solidFill>
-            <a:prstDash val="sysDot"/>
-            <a:tailEnd type="arrow" w="med" len="lg"/>
-          </a:ln>
-        </p:spPr>
-        <p:style>
-          <a:lnRef idx="1">
-            <a:schemeClr val="accent1"/>
-          </a:lnRef>
-          <a:fillRef idx="0">
-            <a:schemeClr val="accent1"/>
-          </a:fillRef>
-          <a:effectRef idx="0">
-            <a:schemeClr val="accent1"/>
-          </a:effectRef>
-          <a:fontRef idx="minor">
-            <a:schemeClr val="tx1"/>
-          </a:fontRef>
-        </p:style>
-      </p:cxnSp>
     </p:spTree>
     <p:extLst>
       <p:ext uri="{BB962C8B-B14F-4D97-AF65-F5344CB8AC3E}">
-        <p14:creationId xmlns:p14="http://schemas.microsoft.com/office/powerpoint/2010/main" val="2530947197"/>
+        <p14:creationId xmlns:p14="http://schemas.microsoft.com/office/powerpoint/2010/main" val="2840606312"/>
       </p:ext>
     </p:extLst>
   </p:cSld>
@@ -7288,7 +7289,7 @@
         </p:nvCxnSpPr>
         <p:spPr>
           <a:xfrm flipV="1">
-            <a:off x="4248244" y="2286010"/>
+            <a:off x="4248244" y="2286013"/>
             <a:ext cx="3024000" cy="449"/>
           </a:xfrm>
           <a:prstGeom prst="straightConnector1">
@@ -7615,7 +7616,7 @@
         </p:nvCxnSpPr>
         <p:spPr>
           <a:xfrm flipH="1" flipV="1">
-            <a:off x="4248244" y="2286459"/>
+            <a:off x="4248244" y="2286462"/>
             <a:ext cx="1944000" cy="1529551"/>
           </a:xfrm>
           <a:prstGeom prst="straightConnector1">
@@ -7652,8 +7653,872 @@
         </p:nvSpPr>
         <p:spPr>
           <a:xfrm>
-            <a:off x="5444054" y="1944381"/>
-            <a:ext cx="516487" cy="317459"/>
+            <a:off x="5016852" y="1944382"/>
+            <a:ext cx="1370888" cy="317331"/>
+          </a:xfrm>
+          <a:prstGeom prst="rect">
+            <a:avLst/>
+          </a:prstGeom>
+        </p:spPr>
+        <p:txBody>
+          <a:bodyPr wrap="none">
+            <a:spAutoFit/>
+          </a:bodyPr>
+          <a:lstStyle/>
+          <a:p>
+            <a:pPr algn="ctr"/>
+            <a:r>
+              <a:rPr lang="en-US" altLang="zh-TW" dirty="0"/>
+              <a:t>0.134 (p = 0.13)</a:t>
+            </a:r>
+            <a:endParaRPr lang="zh-TW" altLang="en-US" dirty="0"/>
+          </a:p>
+        </p:txBody>
+      </p:sp>
+      <p:sp>
+        <p:nvSpPr>
+          <p:cNvPr id="124" name="圓角矩形 123"/>
+          <p:cNvSpPr/>
+          <p:nvPr/>
+        </p:nvSpPr>
+        <p:spPr>
+          <a:xfrm>
+            <a:off x="8262244" y="486000"/>
+            <a:ext cx="3060000" cy="720000"/>
+          </a:xfrm>
+          <a:prstGeom prst="roundRect">
+            <a:avLst/>
+          </a:prstGeom>
+          <a:noFill/>
+          <a:ln w="38100">
+            <a:solidFill>
+              <a:schemeClr val="tx1"/>
+            </a:solidFill>
+          </a:ln>
+        </p:spPr>
+        <p:style>
+          <a:lnRef idx="2">
+            <a:schemeClr val="accent1">
+              <a:shade val="50000"/>
+            </a:schemeClr>
+          </a:lnRef>
+          <a:fillRef idx="1">
+            <a:schemeClr val="accent1"/>
+          </a:fillRef>
+          <a:effectRef idx="0">
+            <a:schemeClr val="accent1"/>
+          </a:effectRef>
+          <a:fontRef idx="minor">
+            <a:schemeClr val="lt1"/>
+          </a:fontRef>
+        </p:style>
+        <p:txBody>
+          <a:bodyPr rtlCol="0" anchor="ctr"/>
+          <a:lstStyle/>
+          <a:p>
+            <a:pPr algn="ctr"/>
+            <a:r>
+              <a:rPr lang="en-US" altLang="zh-TW" dirty="0">
+                <a:solidFill>
+                  <a:schemeClr val="tx1"/>
+                </a:solidFill>
+              </a:rPr>
+              <a:t>HNF biomass</a:t>
+            </a:r>
+            <a:endParaRPr lang="zh-TW" altLang="en-US" dirty="0">
+              <a:solidFill>
+                <a:schemeClr val="tx1"/>
+              </a:solidFill>
+            </a:endParaRPr>
+          </a:p>
+        </p:txBody>
+      </p:sp>
+      <p:sp>
+        <p:nvSpPr>
+          <p:cNvPr id="125" name="圓角矩形 124"/>
+          <p:cNvSpPr/>
+          <p:nvPr/>
+        </p:nvSpPr>
+        <p:spPr>
+          <a:xfrm>
+            <a:off x="108244" y="486414"/>
+            <a:ext cx="3060000" cy="720000"/>
+          </a:xfrm>
+          <a:prstGeom prst="roundRect">
+            <a:avLst/>
+          </a:prstGeom>
+          <a:noFill/>
+          <a:ln w="38100">
+            <a:solidFill>
+              <a:schemeClr val="tx1"/>
+            </a:solidFill>
+          </a:ln>
+        </p:spPr>
+        <p:style>
+          <a:lnRef idx="2">
+            <a:schemeClr val="accent1">
+              <a:shade val="50000"/>
+            </a:schemeClr>
+          </a:lnRef>
+          <a:fillRef idx="1">
+            <a:schemeClr val="accent1"/>
+          </a:fillRef>
+          <a:effectRef idx="0">
+            <a:schemeClr val="accent1"/>
+          </a:effectRef>
+          <a:fontRef idx="minor">
+            <a:schemeClr val="lt1"/>
+          </a:fontRef>
+        </p:style>
+        <p:txBody>
+          <a:bodyPr rtlCol="0" anchor="ctr"/>
+          <a:lstStyle/>
+          <a:p>
+            <a:pPr algn="ctr"/>
+            <a:r>
+              <a:rPr lang="en-US" altLang="zh-TW" dirty="0">
+                <a:solidFill>
+                  <a:schemeClr val="tx1"/>
+                </a:solidFill>
+              </a:rPr>
+              <a:t>HNF biomass</a:t>
+            </a:r>
+            <a:endParaRPr lang="zh-TW" altLang="en-US" dirty="0">
+              <a:solidFill>
+                <a:schemeClr val="tx1"/>
+              </a:solidFill>
+            </a:endParaRPr>
+          </a:p>
+        </p:txBody>
+      </p:sp>
+      <p:cxnSp>
+        <p:nvCxnSpPr>
+          <p:cNvPr id="156" name="直線單箭頭接點 155"/>
+          <p:cNvCxnSpPr>
+            <a:cxnSpLocks/>
+            <a:stCxn id="8" idx="0"/>
+            <a:endCxn id="125" idx="2"/>
+          </p:cNvCxnSpPr>
+          <p:nvPr/>
+        </p:nvCxnSpPr>
+        <p:spPr>
+          <a:xfrm flipH="1" flipV="1">
+            <a:off x="1638244" y="1206418"/>
+            <a:ext cx="1080000" cy="720035"/>
+          </a:xfrm>
+          <a:prstGeom prst="straightConnector1">
+            <a:avLst/>
+          </a:prstGeom>
+          <a:ln w="38100">
+            <a:solidFill>
+              <a:schemeClr val="tx1"/>
+            </a:solidFill>
+            <a:prstDash val="sysDot"/>
+            <a:tailEnd type="arrow" w="med" len="lg"/>
+          </a:ln>
+        </p:spPr>
+        <p:style>
+          <a:lnRef idx="1">
+            <a:schemeClr val="accent1"/>
+          </a:lnRef>
+          <a:fillRef idx="0">
+            <a:schemeClr val="accent1"/>
+          </a:fillRef>
+          <a:effectRef idx="0">
+            <a:schemeClr val="accent1"/>
+          </a:effectRef>
+          <a:fontRef idx="minor">
+            <a:schemeClr val="tx1"/>
+          </a:fontRef>
+        </p:style>
+      </p:cxnSp>
+      <p:cxnSp>
+        <p:nvCxnSpPr>
+          <p:cNvPr id="159" name="直線單箭頭接點 158"/>
+          <p:cNvCxnSpPr>
+            <a:cxnSpLocks/>
+            <a:stCxn id="16" idx="0"/>
+            <a:endCxn id="124" idx="2"/>
+          </p:cNvCxnSpPr>
+          <p:nvPr/>
+        </p:nvCxnSpPr>
+        <p:spPr>
+          <a:xfrm flipV="1">
+            <a:off x="8802244" y="1206000"/>
+            <a:ext cx="990000" cy="720000"/>
+          </a:xfrm>
+          <a:prstGeom prst="straightConnector1">
+            <a:avLst/>
+          </a:prstGeom>
+          <a:ln w="38100">
+            <a:solidFill>
+              <a:schemeClr val="tx1"/>
+            </a:solidFill>
+            <a:prstDash val="sysDot"/>
+            <a:tailEnd type="arrow" w="med" len="lg"/>
+          </a:ln>
+        </p:spPr>
+        <p:style>
+          <a:lnRef idx="1">
+            <a:schemeClr val="accent1"/>
+          </a:lnRef>
+          <a:fillRef idx="0">
+            <a:schemeClr val="accent1"/>
+          </a:fillRef>
+          <a:effectRef idx="0">
+            <a:schemeClr val="accent1"/>
+          </a:effectRef>
+          <a:fontRef idx="minor">
+            <a:schemeClr val="tx1"/>
+          </a:fontRef>
+        </p:style>
+      </p:cxnSp>
+      <p:cxnSp>
+        <p:nvCxnSpPr>
+          <p:cNvPr id="164" name="直線單箭頭接點 163"/>
+          <p:cNvCxnSpPr>
+            <a:cxnSpLocks/>
+            <a:stCxn id="124" idx="1"/>
+            <a:endCxn id="125" idx="3"/>
+          </p:cNvCxnSpPr>
+          <p:nvPr/>
+        </p:nvCxnSpPr>
+        <p:spPr>
+          <a:xfrm flipH="1">
+            <a:off x="3168244" y="846000"/>
+            <a:ext cx="5094000" cy="414"/>
+          </a:xfrm>
+          <a:prstGeom prst="straightConnector1">
+            <a:avLst/>
+          </a:prstGeom>
+          <a:ln w="38100">
+            <a:solidFill>
+              <a:schemeClr val="tx1"/>
+            </a:solidFill>
+            <a:prstDash val="sysDot"/>
+            <a:tailEnd type="arrow" w="med" len="lg"/>
+          </a:ln>
+        </p:spPr>
+        <p:style>
+          <a:lnRef idx="1">
+            <a:schemeClr val="accent1"/>
+          </a:lnRef>
+          <a:fillRef idx="0">
+            <a:schemeClr val="accent1"/>
+          </a:fillRef>
+          <a:effectRef idx="0">
+            <a:schemeClr val="accent1"/>
+          </a:effectRef>
+          <a:fontRef idx="minor">
+            <a:schemeClr val="tx1"/>
+          </a:fontRef>
+        </p:style>
+      </p:cxnSp>
+      <p:cxnSp>
+        <p:nvCxnSpPr>
+          <p:cNvPr id="21" name="直線單箭頭接點 20"/>
+          <p:cNvCxnSpPr>
+            <a:cxnSpLocks/>
+            <a:stCxn id="124" idx="2"/>
+            <a:endCxn id="8" idx="0"/>
+          </p:cNvCxnSpPr>
+          <p:nvPr/>
+        </p:nvCxnSpPr>
+        <p:spPr>
+          <a:xfrm flipH="1">
+            <a:off x="2718244" y="1206007"/>
+            <a:ext cx="7074000" cy="720449"/>
+          </a:xfrm>
+          <a:prstGeom prst="straightConnector1">
+            <a:avLst/>
+          </a:prstGeom>
+          <a:ln w="38100">
+            <a:solidFill>
+              <a:schemeClr val="tx1"/>
+            </a:solidFill>
+            <a:prstDash val="sysDot"/>
+            <a:tailEnd type="arrow" w="med" len="lg"/>
+          </a:ln>
+        </p:spPr>
+        <p:style>
+          <a:lnRef idx="1">
+            <a:schemeClr val="accent1"/>
+          </a:lnRef>
+          <a:fillRef idx="0">
+            <a:schemeClr val="accent1"/>
+          </a:fillRef>
+          <a:effectRef idx="0">
+            <a:schemeClr val="accent1"/>
+          </a:effectRef>
+          <a:fontRef idx="minor">
+            <a:schemeClr val="tx1"/>
+          </a:fontRef>
+        </p:style>
+      </p:cxnSp>
+      <p:cxnSp>
+        <p:nvCxnSpPr>
+          <p:cNvPr id="20" name="直線單箭頭接點 19"/>
+          <p:cNvCxnSpPr>
+            <a:cxnSpLocks/>
+            <a:stCxn id="125" idx="2"/>
+            <a:endCxn id="16" idx="0"/>
+          </p:cNvCxnSpPr>
+          <p:nvPr/>
+        </p:nvCxnSpPr>
+        <p:spPr>
+          <a:xfrm>
+            <a:off x="1638244" y="1206414"/>
+            <a:ext cx="7164000" cy="719586"/>
+          </a:xfrm>
+          <a:prstGeom prst="straightConnector1">
+            <a:avLst/>
+          </a:prstGeom>
+          <a:ln w="38100">
+            <a:solidFill>
+              <a:schemeClr val="tx1"/>
+            </a:solidFill>
+            <a:prstDash val="sysDot"/>
+            <a:tailEnd type="arrow" w="med" len="lg"/>
+          </a:ln>
+        </p:spPr>
+        <p:style>
+          <a:lnRef idx="1">
+            <a:schemeClr val="accent1"/>
+          </a:lnRef>
+          <a:fillRef idx="0">
+            <a:schemeClr val="accent1"/>
+          </a:fillRef>
+          <a:effectRef idx="0">
+            <a:schemeClr val="accent1"/>
+          </a:effectRef>
+          <a:fontRef idx="minor">
+            <a:schemeClr val="tx1"/>
+          </a:fontRef>
+        </p:style>
+      </p:cxnSp>
+    </p:spTree>
+    <p:extLst>
+      <p:ext uri="{BB962C8B-B14F-4D97-AF65-F5344CB8AC3E}">
+        <p14:creationId xmlns:p14="http://schemas.microsoft.com/office/powerpoint/2010/main" val="2530947197"/>
+      </p:ext>
+    </p:extLst>
+  </p:cSld>
+  <p:clrMapOvr>
+    <a:masterClrMapping/>
+  </p:clrMapOvr>
+</p:sld>
+</file>
+
+<file path=ppt/slides/slide14.xml><?xml version="1.0" encoding="utf-8"?>
+<p:sld xmlns:a="http://schemas.openxmlformats.org/drawingml/2006/main" xmlns:r="http://schemas.openxmlformats.org/officeDocument/2006/relationships" xmlns:p="http://schemas.openxmlformats.org/presentationml/2006/main">
+  <p:cSld>
+    <p:spTree>
+      <p:nvGrpSpPr>
+        <p:cNvPr id="1" name=""/>
+        <p:cNvGrpSpPr/>
+        <p:nvPr/>
+      </p:nvGrpSpPr>
+      <p:grpSpPr>
+        <a:xfrm>
+          <a:off x="0" y="0"/>
+          <a:ext cx="0" cy="0"/>
+          <a:chOff x="0" y="0"/>
+          <a:chExt cx="0" cy="0"/>
+        </a:xfrm>
+      </p:grpSpPr>
+      <p:sp>
+        <p:nvSpPr>
+          <p:cNvPr id="8" name="圓角矩形 7"/>
+          <p:cNvSpPr/>
+          <p:nvPr/>
+        </p:nvSpPr>
+        <p:spPr>
+          <a:xfrm>
+            <a:off x="1188244" y="1926449"/>
+            <a:ext cx="3060000" cy="720000"/>
+          </a:xfrm>
+          <a:prstGeom prst="roundRect">
+            <a:avLst/>
+          </a:prstGeom>
+          <a:noFill/>
+          <a:ln w="38100">
+            <a:solidFill>
+              <a:schemeClr val="tx1"/>
+            </a:solidFill>
+          </a:ln>
+        </p:spPr>
+        <p:style>
+          <a:lnRef idx="2">
+            <a:schemeClr val="accent1">
+              <a:shade val="50000"/>
+            </a:schemeClr>
+          </a:lnRef>
+          <a:fillRef idx="1">
+            <a:schemeClr val="accent1"/>
+          </a:fillRef>
+          <a:effectRef idx="0">
+            <a:schemeClr val="accent1"/>
+          </a:effectRef>
+          <a:fontRef idx="minor">
+            <a:schemeClr val="lt1"/>
+          </a:fontRef>
+        </p:style>
+        <p:txBody>
+          <a:bodyPr rtlCol="0" anchor="ctr"/>
+          <a:lstStyle/>
+          <a:p>
+            <a:pPr algn="ctr"/>
+            <a:r>
+              <a:rPr lang="en-US" altLang="zh-TW" dirty="0">
+                <a:solidFill>
+                  <a:schemeClr val="tx1"/>
+                </a:solidFill>
+              </a:rPr>
+              <a:t>Bacteria species richness</a:t>
+            </a:r>
+            <a:endParaRPr lang="zh-TW" altLang="en-US" dirty="0">
+              <a:solidFill>
+                <a:schemeClr val="tx1"/>
+              </a:solidFill>
+            </a:endParaRPr>
+          </a:p>
+        </p:txBody>
+      </p:sp>
+      <p:sp>
+        <p:nvSpPr>
+          <p:cNvPr id="16" name="圓角矩形 15"/>
+          <p:cNvSpPr/>
+          <p:nvPr/>
+        </p:nvSpPr>
+        <p:spPr>
+          <a:xfrm>
+            <a:off x="7272244" y="1926000"/>
+            <a:ext cx="3060000" cy="720000"/>
+          </a:xfrm>
+          <a:prstGeom prst="roundRect">
+            <a:avLst/>
+          </a:prstGeom>
+          <a:noFill/>
+          <a:ln w="38100">
+            <a:solidFill>
+              <a:schemeClr val="tx1"/>
+            </a:solidFill>
+          </a:ln>
+        </p:spPr>
+        <p:style>
+          <a:lnRef idx="2">
+            <a:schemeClr val="accent1">
+              <a:shade val="50000"/>
+            </a:schemeClr>
+          </a:lnRef>
+          <a:fillRef idx="1">
+            <a:schemeClr val="accent1"/>
+          </a:fillRef>
+          <a:effectRef idx="0">
+            <a:schemeClr val="accent1"/>
+          </a:effectRef>
+          <a:fontRef idx="minor">
+            <a:schemeClr val="lt1"/>
+          </a:fontRef>
+        </p:style>
+        <p:txBody>
+          <a:bodyPr rtlCol="0" anchor="ctr"/>
+          <a:lstStyle/>
+          <a:p>
+            <a:pPr algn="ctr"/>
+            <a:r>
+              <a:rPr lang="en-US" altLang="zh-TW" dirty="0">
+                <a:solidFill>
+                  <a:schemeClr val="tx1"/>
+                </a:solidFill>
+              </a:rPr>
+              <a:t>HNF Simpson diversity</a:t>
+            </a:r>
+            <a:endParaRPr lang="zh-TW" altLang="en-US" dirty="0">
+              <a:solidFill>
+                <a:schemeClr val="tx1"/>
+              </a:solidFill>
+            </a:endParaRPr>
+          </a:p>
+        </p:txBody>
+      </p:sp>
+      <p:cxnSp>
+        <p:nvCxnSpPr>
+          <p:cNvPr id="10" name="直線單箭頭接點 9"/>
+          <p:cNvCxnSpPr>
+            <a:stCxn id="8" idx="3"/>
+            <a:endCxn id="16" idx="1"/>
+          </p:cNvCxnSpPr>
+          <p:nvPr/>
+        </p:nvCxnSpPr>
+        <p:spPr>
+          <a:xfrm flipV="1">
+            <a:off x="4248244" y="2286013"/>
+            <a:ext cx="3024000" cy="449"/>
+          </a:xfrm>
+          <a:prstGeom prst="straightConnector1">
+            <a:avLst/>
+          </a:prstGeom>
+          <a:ln w="38100">
+            <a:solidFill>
+              <a:schemeClr val="tx1"/>
+            </a:solidFill>
+            <a:prstDash val="solid"/>
+            <a:headEnd type="arrow"/>
+            <a:tailEnd type="arrow" w="med" len="lg"/>
+          </a:ln>
+        </p:spPr>
+        <p:style>
+          <a:lnRef idx="1">
+            <a:schemeClr val="accent1"/>
+          </a:lnRef>
+          <a:fillRef idx="0">
+            <a:schemeClr val="accent1"/>
+          </a:fillRef>
+          <a:effectRef idx="0">
+            <a:schemeClr val="accent1"/>
+          </a:effectRef>
+          <a:fontRef idx="minor">
+            <a:schemeClr val="tx1"/>
+          </a:fontRef>
+        </p:style>
+      </p:cxnSp>
+      <p:sp>
+        <p:nvSpPr>
+          <p:cNvPr id="19" name="圓角矩形 18"/>
+          <p:cNvSpPr/>
+          <p:nvPr/>
+        </p:nvSpPr>
+        <p:spPr>
+          <a:xfrm>
+            <a:off x="2268244" y="3366000"/>
+            <a:ext cx="3060000" cy="900000"/>
+          </a:xfrm>
+          <a:prstGeom prst="roundRect">
+            <a:avLst/>
+          </a:prstGeom>
+          <a:noFill/>
+          <a:ln w="38100">
+            <a:solidFill>
+              <a:schemeClr val="tx1"/>
+            </a:solidFill>
+          </a:ln>
+        </p:spPr>
+        <p:style>
+          <a:lnRef idx="2">
+            <a:schemeClr val="accent1">
+              <a:shade val="50000"/>
+            </a:schemeClr>
+          </a:lnRef>
+          <a:fillRef idx="1">
+            <a:schemeClr val="accent1"/>
+          </a:fillRef>
+          <a:effectRef idx="0">
+            <a:schemeClr val="accent1"/>
+          </a:effectRef>
+          <a:fontRef idx="minor">
+            <a:schemeClr val="lt1"/>
+          </a:fontRef>
+        </p:style>
+        <p:txBody>
+          <a:bodyPr rtlCol="0" anchor="ctr"/>
+          <a:lstStyle/>
+          <a:p>
+            <a:pPr algn="ctr"/>
+            <a:r>
+              <a:rPr lang="en-US" altLang="zh-TW" dirty="0">
+                <a:solidFill>
+                  <a:schemeClr val="tx1"/>
+                </a:solidFill>
+              </a:rPr>
+              <a:t>Deterministic assembly processes of </a:t>
+            </a:r>
+          </a:p>
+          <a:p>
+            <a:pPr algn="ctr"/>
+            <a:r>
+              <a:rPr lang="en-US" altLang="zh-TW" b="1" dirty="0">
+                <a:solidFill>
+                  <a:schemeClr val="tx1"/>
+                </a:solidFill>
+              </a:rPr>
+              <a:t>HNF community</a:t>
+            </a:r>
+            <a:endParaRPr lang="zh-TW" altLang="en-US" b="1" dirty="0">
+              <a:solidFill>
+                <a:schemeClr val="tx1"/>
+              </a:solidFill>
+            </a:endParaRPr>
+          </a:p>
+        </p:txBody>
+      </p:sp>
+      <p:cxnSp>
+        <p:nvCxnSpPr>
+          <p:cNvPr id="12" name="直線單箭頭接點 11"/>
+          <p:cNvCxnSpPr>
+            <a:cxnSpLocks/>
+            <a:stCxn id="8" idx="2"/>
+            <a:endCxn id="19" idx="0"/>
+          </p:cNvCxnSpPr>
+          <p:nvPr/>
+        </p:nvCxnSpPr>
+        <p:spPr>
+          <a:xfrm>
+            <a:off x="2718244" y="2646459"/>
+            <a:ext cx="1080000" cy="719551"/>
+          </a:xfrm>
+          <a:prstGeom prst="straightConnector1">
+            <a:avLst/>
+          </a:prstGeom>
+          <a:ln w="38100">
+            <a:solidFill>
+              <a:schemeClr val="tx1"/>
+            </a:solidFill>
+            <a:prstDash val="sysDot"/>
+            <a:tailEnd type="arrow" w="med" len="lg"/>
+          </a:ln>
+        </p:spPr>
+        <p:style>
+          <a:lnRef idx="1">
+            <a:schemeClr val="accent1"/>
+          </a:lnRef>
+          <a:fillRef idx="0">
+            <a:schemeClr val="accent1"/>
+          </a:fillRef>
+          <a:effectRef idx="0">
+            <a:schemeClr val="accent1"/>
+          </a:effectRef>
+          <a:fontRef idx="minor">
+            <a:schemeClr val="tx1"/>
+          </a:fontRef>
+        </p:style>
+      </p:cxnSp>
+      <p:sp>
+        <p:nvSpPr>
+          <p:cNvPr id="18" name="圓角矩形 18">
+            <a:extLst>
+              <a:ext uri="{FF2B5EF4-FFF2-40B4-BE49-F238E27FC236}">
+                <a16:creationId xmlns:a16="http://schemas.microsoft.com/office/drawing/2014/main" id="{47DE1866-A6CF-489C-848E-A4D8C003E3C0}"/>
+              </a:ext>
+            </a:extLst>
+          </p:cNvPr>
+          <p:cNvSpPr/>
+          <p:nvPr/>
+        </p:nvSpPr>
+        <p:spPr>
+          <a:xfrm>
+            <a:off x="6192244" y="3366000"/>
+            <a:ext cx="3060000" cy="900000"/>
+          </a:xfrm>
+          <a:prstGeom prst="roundRect">
+            <a:avLst/>
+          </a:prstGeom>
+          <a:noFill/>
+          <a:ln w="38100">
+            <a:solidFill>
+              <a:schemeClr val="tx1"/>
+            </a:solidFill>
+          </a:ln>
+        </p:spPr>
+        <p:style>
+          <a:lnRef idx="2">
+            <a:schemeClr val="accent1">
+              <a:shade val="50000"/>
+            </a:schemeClr>
+          </a:lnRef>
+          <a:fillRef idx="1">
+            <a:schemeClr val="accent1"/>
+          </a:fillRef>
+          <a:effectRef idx="0">
+            <a:schemeClr val="accent1"/>
+          </a:effectRef>
+          <a:fontRef idx="minor">
+            <a:schemeClr val="lt1"/>
+          </a:fontRef>
+        </p:style>
+        <p:txBody>
+          <a:bodyPr rtlCol="0" anchor="ctr"/>
+          <a:lstStyle/>
+          <a:p>
+            <a:pPr algn="ctr"/>
+            <a:r>
+              <a:rPr lang="en-US" altLang="zh-TW" dirty="0">
+                <a:solidFill>
+                  <a:schemeClr val="tx1"/>
+                </a:solidFill>
+              </a:rPr>
+              <a:t>Deterministic assembly processes of </a:t>
+            </a:r>
+          </a:p>
+          <a:p>
+            <a:pPr algn="ctr"/>
+            <a:r>
+              <a:rPr lang="en-US" altLang="zh-TW" b="1" dirty="0">
+                <a:solidFill>
+                  <a:schemeClr val="tx1"/>
+                </a:solidFill>
+              </a:rPr>
+              <a:t>Bacteria community</a:t>
+            </a:r>
+            <a:endParaRPr lang="zh-TW" altLang="en-US" b="1" dirty="0">
+              <a:solidFill>
+                <a:schemeClr val="tx1"/>
+              </a:solidFill>
+            </a:endParaRPr>
+          </a:p>
+        </p:txBody>
+      </p:sp>
+      <p:cxnSp>
+        <p:nvCxnSpPr>
+          <p:cNvPr id="28" name="直線單箭頭接點 11">
+            <a:extLst>
+              <a:ext uri="{FF2B5EF4-FFF2-40B4-BE49-F238E27FC236}">
+                <a16:creationId xmlns:a16="http://schemas.microsoft.com/office/drawing/2014/main" id="{2F63CEA1-FDB0-4466-9AF7-10C6638C7A69}"/>
+              </a:ext>
+            </a:extLst>
+          </p:cNvPr>
+          <p:cNvCxnSpPr>
+            <a:cxnSpLocks/>
+            <a:stCxn id="16" idx="2"/>
+            <a:endCxn id="18" idx="0"/>
+          </p:cNvCxnSpPr>
+          <p:nvPr/>
+        </p:nvCxnSpPr>
+        <p:spPr>
+          <a:xfrm flipH="1">
+            <a:off x="7722244" y="2646000"/>
+            <a:ext cx="1080000" cy="720000"/>
+          </a:xfrm>
+          <a:prstGeom prst="straightConnector1">
+            <a:avLst/>
+          </a:prstGeom>
+          <a:ln w="38100">
+            <a:solidFill>
+              <a:schemeClr val="tx1"/>
+            </a:solidFill>
+            <a:prstDash val="sysDot"/>
+            <a:tailEnd type="arrow" w="med" len="lg"/>
+          </a:ln>
+        </p:spPr>
+        <p:style>
+          <a:lnRef idx="1">
+            <a:schemeClr val="accent1"/>
+          </a:lnRef>
+          <a:fillRef idx="0">
+            <a:schemeClr val="accent1"/>
+          </a:fillRef>
+          <a:effectRef idx="0">
+            <a:schemeClr val="accent1"/>
+          </a:effectRef>
+          <a:fontRef idx="minor">
+            <a:schemeClr val="tx1"/>
+          </a:fontRef>
+        </p:style>
+      </p:cxnSp>
+      <p:cxnSp>
+        <p:nvCxnSpPr>
+          <p:cNvPr id="33" name="直線單箭頭接點 11">
+            <a:extLst>
+              <a:ext uri="{FF2B5EF4-FFF2-40B4-BE49-F238E27FC236}">
+                <a16:creationId xmlns:a16="http://schemas.microsoft.com/office/drawing/2014/main" id="{F0875757-B921-4728-87AA-413F44467B51}"/>
+              </a:ext>
+            </a:extLst>
+          </p:cNvPr>
+          <p:cNvCxnSpPr>
+            <a:cxnSpLocks/>
+            <a:stCxn id="19" idx="3"/>
+            <a:endCxn id="16" idx="1"/>
+          </p:cNvCxnSpPr>
+          <p:nvPr/>
+        </p:nvCxnSpPr>
+        <p:spPr>
+          <a:xfrm flipV="1">
+            <a:off x="5328244" y="2286000"/>
+            <a:ext cx="1944000" cy="1530000"/>
+          </a:xfrm>
+          <a:prstGeom prst="straightConnector1">
+            <a:avLst/>
+          </a:prstGeom>
+          <a:ln w="38100">
+            <a:solidFill>
+              <a:schemeClr val="tx1"/>
+            </a:solidFill>
+            <a:prstDash val="sysDot"/>
+            <a:tailEnd type="arrow" w="med" len="lg"/>
+          </a:ln>
+        </p:spPr>
+        <p:style>
+          <a:lnRef idx="1">
+            <a:schemeClr val="accent1"/>
+          </a:lnRef>
+          <a:fillRef idx="0">
+            <a:schemeClr val="accent1"/>
+          </a:fillRef>
+          <a:effectRef idx="0">
+            <a:schemeClr val="accent1"/>
+          </a:effectRef>
+          <a:fontRef idx="minor">
+            <a:schemeClr val="tx1"/>
+          </a:fontRef>
+        </p:style>
+      </p:cxnSp>
+      <p:cxnSp>
+        <p:nvCxnSpPr>
+          <p:cNvPr id="34" name="直線單箭頭接點 11">
+            <a:extLst>
+              <a:ext uri="{FF2B5EF4-FFF2-40B4-BE49-F238E27FC236}">
+                <a16:creationId xmlns:a16="http://schemas.microsoft.com/office/drawing/2014/main" id="{7DB4E6F1-6E32-4553-A7DF-D1C5A6D92F70}"/>
+              </a:ext>
+            </a:extLst>
+          </p:cNvPr>
+          <p:cNvCxnSpPr>
+            <a:cxnSpLocks/>
+            <a:stCxn id="18" idx="1"/>
+            <a:endCxn id="8" idx="3"/>
+          </p:cNvCxnSpPr>
+          <p:nvPr/>
+        </p:nvCxnSpPr>
+        <p:spPr>
+          <a:xfrm flipH="1" flipV="1">
+            <a:off x="4248244" y="2286462"/>
+            <a:ext cx="1944000" cy="1529551"/>
+          </a:xfrm>
+          <a:prstGeom prst="straightConnector1">
+            <a:avLst/>
+          </a:prstGeom>
+          <a:ln w="38100">
+            <a:solidFill>
+              <a:schemeClr val="tx1"/>
+            </a:solidFill>
+            <a:prstDash val="sysDot"/>
+            <a:tailEnd type="arrow" w="med" len="lg"/>
+          </a:ln>
+        </p:spPr>
+        <p:style>
+          <a:lnRef idx="1">
+            <a:schemeClr val="accent1"/>
+          </a:lnRef>
+          <a:fillRef idx="0">
+            <a:schemeClr val="accent1"/>
+          </a:fillRef>
+          <a:effectRef idx="0">
+            <a:schemeClr val="accent1"/>
+          </a:effectRef>
+          <a:fontRef idx="minor">
+            <a:schemeClr val="tx1"/>
+          </a:fontRef>
+        </p:style>
+      </p:cxnSp>
+      <p:sp>
+        <p:nvSpPr>
+          <p:cNvPr id="23" name="矩形 22"/>
+          <p:cNvSpPr/>
+          <p:nvPr/>
+        </p:nvSpPr>
+        <p:spPr>
+          <a:xfrm>
+            <a:off x="5444056" y="1944382"/>
+            <a:ext cx="516487" cy="317331"/>
           </a:xfrm>
           <a:prstGeom prst="rect">
             <a:avLst/>
@@ -8325,7 +9190,7 @@
         </p:nvSpPr>
         <p:spPr>
           <a:xfrm>
-            <a:off x="6729284" y="1233996"/>
+            <a:off x="6729287" y="1233996"/>
             <a:ext cx="4734199" cy="3773010"/>
           </a:xfrm>
           <a:custGeom>
@@ -8630,7 +9495,7 @@
         </p:nvCxnSpPr>
         <p:spPr>
           <a:xfrm flipH="1">
-            <a:off x="2718244" y="1206004"/>
+            <a:off x="2718244" y="1206007"/>
             <a:ext cx="7074000" cy="720449"/>
           </a:xfrm>
           <a:prstGeom prst="straightConnector1">
@@ -8704,59 +9569,6 @@
     <p:extLst>
       <p:ext uri="{BB962C8B-B14F-4D97-AF65-F5344CB8AC3E}">
         <p14:creationId xmlns:p14="http://schemas.microsoft.com/office/powerpoint/2010/main" val="3277249656"/>
-      </p:ext>
-    </p:extLst>
-  </p:cSld>
-  <p:clrMapOvr>
-    <a:masterClrMapping/>
-  </p:clrMapOvr>
-</p:sld>
-</file>
-
-<file path=ppt/slides/slide14.xml><?xml version="1.0" encoding="utf-8"?>
-<p:sld xmlns:a="http://schemas.openxmlformats.org/drawingml/2006/main" xmlns:r="http://schemas.openxmlformats.org/officeDocument/2006/relationships" xmlns:p="http://schemas.openxmlformats.org/presentationml/2006/main">
-  <p:cSld>
-    <p:spTree>
-      <p:nvGrpSpPr>
-        <p:cNvPr id="1" name=""/>
-        <p:cNvGrpSpPr/>
-        <p:nvPr/>
-      </p:nvGrpSpPr>
-      <p:grpSpPr>
-        <a:xfrm>
-          <a:off x="0" y="0"/>
-          <a:ext cx="0" cy="0"/>
-          <a:chOff x="0" y="0"/>
-          <a:chExt cx="0" cy="0"/>
-        </a:xfrm>
-      </p:grpSpPr>
-      <p:pic>
-        <p:nvPicPr>
-          <p:cNvPr id="2" name="Picture 1"/>
-          <p:cNvPicPr>
-            <a:picLocks noChangeAspect="1"/>
-          </p:cNvPicPr>
-          <p:nvPr/>
-        </p:nvPicPr>
-        <p:blipFill rotWithShape="1">
-          <a:blip r:embed="rId3"/>
-          <a:srcRect t="9972"/>
-          <a:stretch/>
-        </p:blipFill>
-        <p:spPr>
-          <a:xfrm>
-            <a:off x="1052280" y="374895"/>
-            <a:ext cx="8152394" cy="5370022"/>
-          </a:xfrm>
-          <a:prstGeom prst="rect">
-            <a:avLst/>
-          </a:prstGeom>
-        </p:spPr>
-      </p:pic>
-    </p:spTree>
-    <p:extLst>
-      <p:ext uri="{BB962C8B-B14F-4D97-AF65-F5344CB8AC3E}">
-        <p14:creationId xmlns:p14="http://schemas.microsoft.com/office/powerpoint/2010/main" val="1165480878"/>
       </p:ext>
     </p:extLst>
   </p:cSld>
@@ -8785,13 +9597,7 @@
       </p:grpSpPr>
       <p:pic>
         <p:nvPicPr>
-          <p:cNvPr id="7" name="Picture 6">
-            <a:extLst>
-              <a:ext uri="{FF2B5EF4-FFF2-40B4-BE49-F238E27FC236}">
-                <a16:creationId xmlns:a16="http://schemas.microsoft.com/office/drawing/2014/main" id="{5FAFF63A-EB00-4C74-A6D7-FAB21549D90E}"/>
-              </a:ext>
-            </a:extLst>
-          </p:cNvPr>
+          <p:cNvPr id="2" name="Picture 1"/>
           <p:cNvPicPr>
             <a:picLocks noChangeAspect="1"/>
           </p:cNvPicPr>
@@ -8799,233 +9605,23 @@
         </p:nvPicPr>
         <p:blipFill rotWithShape="1">
           <a:blip r:embed="rId3"/>
-          <a:srcRect b="31303"/>
+          <a:srcRect t="9972"/>
           <a:stretch/>
         </p:blipFill>
         <p:spPr>
           <a:xfrm>
-            <a:off x="1256470" y="370319"/>
-            <a:ext cx="9713920" cy="4729626"/>
+            <a:off x="1052280" y="374895"/>
+            <a:ext cx="8152394" cy="5370022"/>
           </a:xfrm>
           <a:prstGeom prst="rect">
             <a:avLst/>
           </a:prstGeom>
         </p:spPr>
       </p:pic>
-      <p:pic>
-        <p:nvPicPr>
-          <p:cNvPr id="8" name="Picture 7">
-            <a:extLst>
-              <a:ext uri="{FF2B5EF4-FFF2-40B4-BE49-F238E27FC236}">
-                <a16:creationId xmlns:a16="http://schemas.microsoft.com/office/drawing/2014/main" id="{ED7FA0B9-9890-4B46-B3CE-1B25E96D6CB0}"/>
-              </a:ext>
-            </a:extLst>
-          </p:cNvPr>
-          <p:cNvPicPr>
-            <a:picLocks noChangeAspect="1"/>
-          </p:cNvPicPr>
-          <p:nvPr/>
-        </p:nvPicPr>
-        <p:blipFill rotWithShape="1">
-          <a:blip r:embed="rId3"/>
-          <a:srcRect t="85944"/>
-          <a:stretch/>
-        </p:blipFill>
-        <p:spPr>
-          <a:xfrm>
-            <a:off x="1256468" y="4804991"/>
-            <a:ext cx="9713920" cy="967730"/>
-          </a:xfrm>
-          <a:prstGeom prst="rect">
-            <a:avLst/>
-          </a:prstGeom>
-        </p:spPr>
-      </p:pic>
-      <p:sp>
-        <p:nvSpPr>
-          <p:cNvPr id="2" name="Slide Number Placeholder 1">
-            <a:extLst>
-              <a:ext uri="{FF2B5EF4-FFF2-40B4-BE49-F238E27FC236}">
-                <a16:creationId xmlns:a16="http://schemas.microsoft.com/office/drawing/2014/main" id="{223BCD1E-0998-4956-8A79-24AAB1D08911}"/>
-              </a:ext>
-            </a:extLst>
-          </p:cNvPr>
-          <p:cNvSpPr>
-            <a:spLocks noGrp="1"/>
-          </p:cNvSpPr>
-          <p:nvPr>
-            <p:ph type="sldNum" sz="quarter" idx="12"/>
-          </p:nvPr>
-        </p:nvSpPr>
-        <p:spPr/>
-        <p:txBody>
-          <a:bodyPr/>
-          <a:lstStyle/>
-          <a:p>
-            <a:fld id="{4BBE0176-11DF-4C9F-80F9-6E9A5F74818C}" type="slidenum">
-              <a:rPr lang="zh-TW" altLang="en-US" smtClean="0"/>
-              <a:t>15</a:t>
-            </a:fld>
-            <a:endParaRPr lang="zh-TW" altLang="en-US"/>
-          </a:p>
-        </p:txBody>
-      </p:sp>
-      <p:sp>
-        <p:nvSpPr>
-          <p:cNvPr id="3" name="TextBox 2">
-            <a:extLst>
-              <a:ext uri="{FF2B5EF4-FFF2-40B4-BE49-F238E27FC236}">
-                <a16:creationId xmlns:a16="http://schemas.microsoft.com/office/drawing/2014/main" id="{67B4EAA5-EA3A-4ACD-8F78-80D52C63396E}"/>
-              </a:ext>
-            </a:extLst>
-          </p:cNvPr>
-          <p:cNvSpPr txBox="1"/>
-          <p:nvPr/>
-        </p:nvSpPr>
-        <p:spPr>
-          <a:xfrm>
-            <a:off x="4076542" y="5282592"/>
-            <a:ext cx="3626215" cy="531812"/>
-          </a:xfrm>
-          <a:prstGeom prst="rect">
-            <a:avLst/>
-          </a:prstGeom>
-          <a:solidFill>
-            <a:schemeClr val="bg1"/>
-          </a:solidFill>
-        </p:spPr>
-        <p:txBody>
-          <a:bodyPr wrap="square" rtlCol="0">
-            <a:spAutoFit/>
-          </a:bodyPr>
-          <a:lstStyle/>
-          <a:p>
-            <a:pPr algn="ctr"/>
-            <a:r>
-              <a:rPr lang="en-US" sz="2856" dirty="0"/>
-              <a:t>Diversity effect</a:t>
-            </a:r>
-          </a:p>
-        </p:txBody>
-      </p:sp>
-      <p:sp>
-        <p:nvSpPr>
-          <p:cNvPr id="9" name="TextBox 8">
-            <a:extLst>
-              <a:ext uri="{FF2B5EF4-FFF2-40B4-BE49-F238E27FC236}">
-                <a16:creationId xmlns:a16="http://schemas.microsoft.com/office/drawing/2014/main" id="{05EDCCAB-AA70-4990-AFF0-9C0554B2E1BC}"/>
-              </a:ext>
-            </a:extLst>
-          </p:cNvPr>
-          <p:cNvSpPr txBox="1"/>
-          <p:nvPr/>
-        </p:nvSpPr>
-        <p:spPr>
-          <a:xfrm>
-            <a:off x="917171" y="1413411"/>
-            <a:ext cx="4752142" cy="971292"/>
-          </a:xfrm>
-          <a:prstGeom prst="rect">
-            <a:avLst/>
-          </a:prstGeom>
-          <a:solidFill>
-            <a:schemeClr val="bg1"/>
-          </a:solidFill>
-        </p:spPr>
-        <p:txBody>
-          <a:bodyPr wrap="square" rtlCol="0">
-            <a:spAutoFit/>
-          </a:bodyPr>
-          <a:lstStyle/>
-          <a:p>
-            <a:pPr algn="ctr"/>
-            <a:r>
-              <a:rPr lang="en-US" sz="2856" dirty="0"/>
-              <a:t>Effect of algal species richness on algal biomass</a:t>
-            </a:r>
-          </a:p>
-        </p:txBody>
-      </p:sp>
-      <p:sp>
-        <p:nvSpPr>
-          <p:cNvPr id="10" name="TextBox 9">
-            <a:extLst>
-              <a:ext uri="{FF2B5EF4-FFF2-40B4-BE49-F238E27FC236}">
-                <a16:creationId xmlns:a16="http://schemas.microsoft.com/office/drawing/2014/main" id="{210C47E1-2055-444B-9E04-806F81DBE041}"/>
-              </a:ext>
-            </a:extLst>
-          </p:cNvPr>
-          <p:cNvSpPr txBox="1"/>
-          <p:nvPr/>
-        </p:nvSpPr>
-        <p:spPr>
-          <a:xfrm>
-            <a:off x="917171" y="2677878"/>
-            <a:ext cx="4752142" cy="971292"/>
-          </a:xfrm>
-          <a:prstGeom prst="rect">
-            <a:avLst/>
-          </a:prstGeom>
-          <a:solidFill>
-            <a:schemeClr val="bg1"/>
-          </a:solidFill>
-        </p:spPr>
-        <p:txBody>
-          <a:bodyPr wrap="square" rtlCol="0">
-            <a:spAutoFit/>
-          </a:bodyPr>
-          <a:lstStyle/>
-          <a:p>
-            <a:pPr algn="ctr"/>
-            <a:r>
-              <a:rPr lang="en-US" sz="2856" dirty="0"/>
-              <a:t>Effect of grass species richness on grassland productivity</a:t>
-            </a:r>
-          </a:p>
-        </p:txBody>
-      </p:sp>
-      <p:sp>
-        <p:nvSpPr>
-          <p:cNvPr id="11" name="TextBox 10">
-            <a:extLst>
-              <a:ext uri="{FF2B5EF4-FFF2-40B4-BE49-F238E27FC236}">
-                <a16:creationId xmlns:a16="http://schemas.microsoft.com/office/drawing/2014/main" id="{33E224D0-EB03-4275-98CE-F4D31B4A72D0}"/>
-              </a:ext>
-            </a:extLst>
-          </p:cNvPr>
-          <p:cNvSpPr txBox="1"/>
-          <p:nvPr/>
-        </p:nvSpPr>
-        <p:spPr>
-          <a:xfrm>
-            <a:off x="917171" y="3881449"/>
-            <a:ext cx="4752142" cy="971292"/>
-          </a:xfrm>
-          <a:prstGeom prst="rect">
-            <a:avLst/>
-          </a:prstGeom>
-          <a:solidFill>
-            <a:schemeClr val="bg1"/>
-          </a:solidFill>
-        </p:spPr>
-        <p:txBody>
-          <a:bodyPr wrap="square" rtlCol="0">
-            <a:spAutoFit/>
-          </a:bodyPr>
-          <a:lstStyle/>
-          <a:p>
-            <a:pPr algn="ctr"/>
-            <a:r>
-              <a:rPr lang="en-US" sz="2856" dirty="0"/>
-              <a:t>Effect of tree species richness on forest productivity</a:t>
-            </a:r>
-          </a:p>
-        </p:txBody>
-      </p:sp>
     </p:spTree>
     <p:extLst>
       <p:ext uri="{BB962C8B-B14F-4D97-AF65-F5344CB8AC3E}">
-        <p14:creationId xmlns:p14="http://schemas.microsoft.com/office/powerpoint/2010/main" val="3041261760"/>
+        <p14:creationId xmlns:p14="http://schemas.microsoft.com/office/powerpoint/2010/main" val="1165480878"/>
       </p:ext>
     </p:extLst>
   </p:cSld>
@@ -9052,6 +9648,275 @@
           <a:chExt cx="0" cy="0"/>
         </a:xfrm>
       </p:grpSpPr>
+      <p:pic>
+        <p:nvPicPr>
+          <p:cNvPr id="7" name="Picture 6">
+            <a:extLst>
+              <a:ext uri="{FF2B5EF4-FFF2-40B4-BE49-F238E27FC236}">
+                <a16:creationId xmlns:a16="http://schemas.microsoft.com/office/drawing/2014/main" id="{5FAFF63A-EB00-4C74-A6D7-FAB21549D90E}"/>
+              </a:ext>
+            </a:extLst>
+          </p:cNvPr>
+          <p:cNvPicPr>
+            <a:picLocks noChangeAspect="1"/>
+          </p:cNvPicPr>
+          <p:nvPr/>
+        </p:nvPicPr>
+        <p:blipFill rotWithShape="1">
+          <a:blip r:embed="rId3"/>
+          <a:srcRect b="31303"/>
+          <a:stretch/>
+        </p:blipFill>
+        <p:spPr>
+          <a:xfrm>
+            <a:off x="1256470" y="370319"/>
+            <a:ext cx="9713920" cy="4729626"/>
+          </a:xfrm>
+          <a:prstGeom prst="rect">
+            <a:avLst/>
+          </a:prstGeom>
+        </p:spPr>
+      </p:pic>
+      <p:pic>
+        <p:nvPicPr>
+          <p:cNvPr id="8" name="Picture 7">
+            <a:extLst>
+              <a:ext uri="{FF2B5EF4-FFF2-40B4-BE49-F238E27FC236}">
+                <a16:creationId xmlns:a16="http://schemas.microsoft.com/office/drawing/2014/main" id="{ED7FA0B9-9890-4B46-B3CE-1B25E96D6CB0}"/>
+              </a:ext>
+            </a:extLst>
+          </p:cNvPr>
+          <p:cNvPicPr>
+            <a:picLocks noChangeAspect="1"/>
+          </p:cNvPicPr>
+          <p:nvPr/>
+        </p:nvPicPr>
+        <p:blipFill rotWithShape="1">
+          <a:blip r:embed="rId3"/>
+          <a:srcRect t="85944"/>
+          <a:stretch/>
+        </p:blipFill>
+        <p:spPr>
+          <a:xfrm>
+            <a:off x="1256468" y="4804991"/>
+            <a:ext cx="9713920" cy="967730"/>
+          </a:xfrm>
+          <a:prstGeom prst="rect">
+            <a:avLst/>
+          </a:prstGeom>
+        </p:spPr>
+      </p:pic>
+      <p:sp>
+        <p:nvSpPr>
+          <p:cNvPr id="2" name="Slide Number Placeholder 1">
+            <a:extLst>
+              <a:ext uri="{FF2B5EF4-FFF2-40B4-BE49-F238E27FC236}">
+                <a16:creationId xmlns:a16="http://schemas.microsoft.com/office/drawing/2014/main" id="{223BCD1E-0998-4956-8A79-24AAB1D08911}"/>
+              </a:ext>
+            </a:extLst>
+          </p:cNvPr>
+          <p:cNvSpPr>
+            <a:spLocks noGrp="1"/>
+          </p:cNvSpPr>
+          <p:nvPr>
+            <p:ph type="sldNum" sz="quarter" idx="12"/>
+          </p:nvPr>
+        </p:nvSpPr>
+        <p:spPr/>
+        <p:txBody>
+          <a:bodyPr/>
+          <a:lstStyle/>
+          <a:p>
+            <a:fld id="{4BBE0176-11DF-4C9F-80F9-6E9A5F74818C}" type="slidenum">
+              <a:rPr lang="zh-TW" altLang="en-US" smtClean="0"/>
+              <a:t>16</a:t>
+            </a:fld>
+            <a:endParaRPr lang="zh-TW" altLang="en-US"/>
+          </a:p>
+        </p:txBody>
+      </p:sp>
+      <p:sp>
+        <p:nvSpPr>
+          <p:cNvPr id="3" name="TextBox 2">
+            <a:extLst>
+              <a:ext uri="{FF2B5EF4-FFF2-40B4-BE49-F238E27FC236}">
+                <a16:creationId xmlns:a16="http://schemas.microsoft.com/office/drawing/2014/main" id="{67B4EAA5-EA3A-4ACD-8F78-80D52C63396E}"/>
+              </a:ext>
+            </a:extLst>
+          </p:cNvPr>
+          <p:cNvSpPr txBox="1"/>
+          <p:nvPr/>
+        </p:nvSpPr>
+        <p:spPr>
+          <a:xfrm>
+            <a:off x="4076544" y="5282592"/>
+            <a:ext cx="3626215" cy="531812"/>
+          </a:xfrm>
+          <a:prstGeom prst="rect">
+            <a:avLst/>
+          </a:prstGeom>
+          <a:solidFill>
+            <a:schemeClr val="bg1"/>
+          </a:solidFill>
+        </p:spPr>
+        <p:txBody>
+          <a:bodyPr wrap="square" rtlCol="0">
+            <a:spAutoFit/>
+          </a:bodyPr>
+          <a:lstStyle/>
+          <a:p>
+            <a:pPr algn="ctr"/>
+            <a:r>
+              <a:rPr lang="en-US" sz="2856" dirty="0"/>
+              <a:t>Diversity effect</a:t>
+            </a:r>
+          </a:p>
+        </p:txBody>
+      </p:sp>
+      <p:sp>
+        <p:nvSpPr>
+          <p:cNvPr id="9" name="TextBox 8">
+            <a:extLst>
+              <a:ext uri="{FF2B5EF4-FFF2-40B4-BE49-F238E27FC236}">
+                <a16:creationId xmlns:a16="http://schemas.microsoft.com/office/drawing/2014/main" id="{05EDCCAB-AA70-4990-AFF0-9C0554B2E1BC}"/>
+              </a:ext>
+            </a:extLst>
+          </p:cNvPr>
+          <p:cNvSpPr txBox="1"/>
+          <p:nvPr/>
+        </p:nvSpPr>
+        <p:spPr>
+          <a:xfrm>
+            <a:off x="917171" y="1413411"/>
+            <a:ext cx="4752142" cy="971292"/>
+          </a:xfrm>
+          <a:prstGeom prst="rect">
+            <a:avLst/>
+          </a:prstGeom>
+          <a:solidFill>
+            <a:schemeClr val="bg1"/>
+          </a:solidFill>
+        </p:spPr>
+        <p:txBody>
+          <a:bodyPr wrap="square" rtlCol="0">
+            <a:spAutoFit/>
+          </a:bodyPr>
+          <a:lstStyle/>
+          <a:p>
+            <a:pPr algn="ctr"/>
+            <a:r>
+              <a:rPr lang="en-US" sz="2856" dirty="0"/>
+              <a:t>Effect of algal species richness on algal biomass</a:t>
+            </a:r>
+          </a:p>
+        </p:txBody>
+      </p:sp>
+      <p:sp>
+        <p:nvSpPr>
+          <p:cNvPr id="10" name="TextBox 9">
+            <a:extLst>
+              <a:ext uri="{FF2B5EF4-FFF2-40B4-BE49-F238E27FC236}">
+                <a16:creationId xmlns:a16="http://schemas.microsoft.com/office/drawing/2014/main" id="{210C47E1-2055-444B-9E04-806F81DBE041}"/>
+              </a:ext>
+            </a:extLst>
+          </p:cNvPr>
+          <p:cNvSpPr txBox="1"/>
+          <p:nvPr/>
+        </p:nvSpPr>
+        <p:spPr>
+          <a:xfrm>
+            <a:off x="917171" y="2677878"/>
+            <a:ext cx="4752142" cy="971292"/>
+          </a:xfrm>
+          <a:prstGeom prst="rect">
+            <a:avLst/>
+          </a:prstGeom>
+          <a:solidFill>
+            <a:schemeClr val="bg1"/>
+          </a:solidFill>
+        </p:spPr>
+        <p:txBody>
+          <a:bodyPr wrap="square" rtlCol="0">
+            <a:spAutoFit/>
+          </a:bodyPr>
+          <a:lstStyle/>
+          <a:p>
+            <a:pPr algn="ctr"/>
+            <a:r>
+              <a:rPr lang="en-US" sz="2856" dirty="0"/>
+              <a:t>Effect of grass species richness on grassland productivity</a:t>
+            </a:r>
+          </a:p>
+        </p:txBody>
+      </p:sp>
+      <p:sp>
+        <p:nvSpPr>
+          <p:cNvPr id="11" name="TextBox 10">
+            <a:extLst>
+              <a:ext uri="{FF2B5EF4-FFF2-40B4-BE49-F238E27FC236}">
+                <a16:creationId xmlns:a16="http://schemas.microsoft.com/office/drawing/2014/main" id="{33E224D0-EB03-4275-98CE-F4D31B4A72D0}"/>
+              </a:ext>
+            </a:extLst>
+          </p:cNvPr>
+          <p:cNvSpPr txBox="1"/>
+          <p:nvPr/>
+        </p:nvSpPr>
+        <p:spPr>
+          <a:xfrm>
+            <a:off x="917171" y="3881449"/>
+            <a:ext cx="4752142" cy="971292"/>
+          </a:xfrm>
+          <a:prstGeom prst="rect">
+            <a:avLst/>
+          </a:prstGeom>
+          <a:solidFill>
+            <a:schemeClr val="bg1"/>
+          </a:solidFill>
+        </p:spPr>
+        <p:txBody>
+          <a:bodyPr wrap="square" rtlCol="0">
+            <a:spAutoFit/>
+          </a:bodyPr>
+          <a:lstStyle/>
+          <a:p>
+            <a:pPr algn="ctr"/>
+            <a:r>
+              <a:rPr lang="en-US" sz="2856" dirty="0"/>
+              <a:t>Effect of tree species richness on forest productivity</a:t>
+            </a:r>
+          </a:p>
+        </p:txBody>
+      </p:sp>
+    </p:spTree>
+    <p:extLst>
+      <p:ext uri="{BB962C8B-B14F-4D97-AF65-F5344CB8AC3E}">
+        <p14:creationId xmlns:p14="http://schemas.microsoft.com/office/powerpoint/2010/main" val="3041261760"/>
+      </p:ext>
+    </p:extLst>
+  </p:cSld>
+  <p:clrMapOvr>
+    <a:masterClrMapping/>
+  </p:clrMapOvr>
+</p:sld>
+</file>
+
+<file path=ppt/slides/slide17.xml><?xml version="1.0" encoding="utf-8"?>
+<p:sld xmlns:a="http://schemas.openxmlformats.org/drawingml/2006/main" xmlns:r="http://schemas.openxmlformats.org/officeDocument/2006/relationships" xmlns:p="http://schemas.openxmlformats.org/presentationml/2006/main">
+  <p:cSld>
+    <p:spTree>
+      <p:nvGrpSpPr>
+        <p:cNvPr id="1" name=""/>
+        <p:cNvGrpSpPr/>
+        <p:nvPr/>
+      </p:nvGrpSpPr>
+      <p:grpSpPr>
+        <a:xfrm>
+          <a:off x="0" y="0"/>
+          <a:ext cx="0" cy="0"/>
+          <a:chOff x="0" y="0"/>
+          <a:chExt cx="0" cy="0"/>
+        </a:xfrm>
+      </p:grpSpPr>
       <p:sp>
         <p:nvSpPr>
           <p:cNvPr id="2" name="Slide Number Placeholder 1">
@@ -9075,7 +9940,7 @@
           <a:p>
             <a:fld id="{4BBE0176-11DF-4C9F-80F9-6E9A5F74818C}" type="slidenum">
               <a:rPr lang="zh-TW" altLang="en-US" smtClean="0"/>
-              <a:t>16</a:t>
+              <a:t>17</a:t>
             </a:fld>
             <a:endParaRPr lang="zh-TW" altLang="en-US"/>
           </a:p>
@@ -9729,7 +10594,7 @@
 </p:sld>
 </file>
 
-<file path=ppt/slides/slide17.xml><?xml version="1.0" encoding="utf-8"?>
+<file path=ppt/slides/slide18.xml><?xml version="1.0" encoding="utf-8"?>
 <p:sld xmlns:a="http://schemas.openxmlformats.org/drawingml/2006/main" xmlns:r="http://schemas.openxmlformats.org/officeDocument/2006/relationships" xmlns:p="http://schemas.openxmlformats.org/presentationml/2006/main">
   <p:cSld>
     <p:spTree>
@@ -9768,7 +10633,7 @@
         </p:blipFill>
         <p:spPr>
           <a:xfrm>
-            <a:off x="2345262" y="-1"/>
+            <a:off x="2345264" y="-1"/>
             <a:ext cx="6829983" cy="6119813"/>
           </a:xfrm>
           <a:prstGeom prst="rect">
@@ -9828,7 +10693,7 @@
         </p:blipFill>
         <p:spPr>
           <a:xfrm>
-            <a:off x="0" y="1204217"/>
+            <a:off x="0" y="1204220"/>
             <a:ext cx="11520488" cy="3711391"/>
           </a:xfrm>
           <a:prstGeom prst="rect">
@@ -9836,6 +10701,63 @@
           </a:prstGeom>
         </p:spPr>
       </p:pic>
+      <p:sp>
+        <p:nvSpPr>
+          <p:cNvPr id="3" name="Rectangle 2">
+            <a:extLst>
+              <a:ext uri="{FF2B5EF4-FFF2-40B4-BE49-F238E27FC236}">
+                <a16:creationId xmlns:a16="http://schemas.microsoft.com/office/drawing/2014/main" id="{E860A3C7-1CE6-47CB-8D4F-9B3CBC16C514}"/>
+              </a:ext>
+            </a:extLst>
+          </p:cNvPr>
+          <p:cNvSpPr/>
+          <p:nvPr/>
+        </p:nvSpPr>
+        <p:spPr>
+          <a:xfrm>
+            <a:off x="8961120" y="847898"/>
+            <a:ext cx="2559368" cy="4067698"/>
+          </a:xfrm>
+          <a:prstGeom prst="rect">
+            <a:avLst/>
+          </a:prstGeom>
+          <a:solidFill>
+            <a:schemeClr val="bg1"/>
+          </a:solidFill>
+          <a:ln>
+            <a:noFill/>
+          </a:ln>
+        </p:spPr>
+        <p:style>
+          <a:lnRef idx="2">
+            <a:schemeClr val="accent1">
+              <a:shade val="50000"/>
+            </a:schemeClr>
+          </a:lnRef>
+          <a:fillRef idx="1">
+            <a:schemeClr val="accent1"/>
+          </a:fillRef>
+          <a:effectRef idx="0">
+            <a:schemeClr val="accent1"/>
+          </a:effectRef>
+          <a:fontRef idx="minor">
+            <a:schemeClr val="lt1"/>
+          </a:fontRef>
+        </p:style>
+        <p:txBody>
+          <a:bodyPr rot="0" spcFirstLastPara="0" vertOverflow="overflow" horzOverflow="overflow" vert="horz" wrap="square" lIns="91440" tIns="45720" rIns="91440" bIns="45720" numCol="1" spcCol="0" rtlCol="0" fromWordArt="0" anchor="ctr" anchorCtr="0" forceAA="0" compatLnSpc="1">
+            <a:prstTxWarp prst="textNoShape">
+              <a:avLst/>
+            </a:prstTxWarp>
+            <a:noAutofit/>
+          </a:bodyPr>
+          <a:lstStyle/>
+          <a:p>
+            <a:pPr algn="ctr"/>
+            <a:endParaRPr lang="en-US"/>
+          </a:p>
+        </p:txBody>
+      </p:sp>
     </p:spTree>
     <p:extLst>
       <p:ext uri="{BB962C8B-B14F-4D97-AF65-F5344CB8AC3E}">
@@ -9866,25 +10788,60 @@
           <a:chExt cx="0" cy="0"/>
         </a:xfrm>
       </p:grpSpPr>
-      <p:sp>
-        <p:nvSpPr>
-          <p:cNvPr id="8" name="圓角矩形 7"/>
+      <p:pic>
+        <p:nvPicPr>
+          <p:cNvPr id="4" name="Picture 3">
+            <a:extLst>
+              <a:ext uri="{FF2B5EF4-FFF2-40B4-BE49-F238E27FC236}">
+                <a16:creationId xmlns:a16="http://schemas.microsoft.com/office/drawing/2014/main" id="{9EE1AFA3-68AA-4EFE-A6E1-5E24D9628176}"/>
+              </a:ext>
+            </a:extLst>
+          </p:cNvPr>
+          <p:cNvPicPr>
+            <a:picLocks noChangeAspect="1"/>
+          </p:cNvPicPr>
+          <p:nvPr/>
+        </p:nvPicPr>
+        <p:blipFill rotWithShape="1">
+          <a:blip r:embed="rId2"/>
+          <a:srcRect l="64038" t="42138" r="22113" b="14912"/>
+          <a:stretch/>
+        </p:blipFill>
+        <p:spPr>
+          <a:xfrm>
+            <a:off x="3974322" y="1299608"/>
+            <a:ext cx="3957223" cy="3953528"/>
+          </a:xfrm>
+          <a:prstGeom prst="rect">
+            <a:avLst/>
+          </a:prstGeom>
+        </p:spPr>
+      </p:pic>
+      <p:sp>
+        <p:nvSpPr>
+          <p:cNvPr id="5" name="Rectangle 4">
+            <a:extLst>
+              <a:ext uri="{FF2B5EF4-FFF2-40B4-BE49-F238E27FC236}">
+                <a16:creationId xmlns:a16="http://schemas.microsoft.com/office/drawing/2014/main" id="{F413262D-B3D8-42D6-A731-F49E592CAC96}"/>
+              </a:ext>
+            </a:extLst>
+          </p:cNvPr>
           <p:cNvSpPr/>
           <p:nvPr/>
         </p:nvSpPr>
         <p:spPr>
           <a:xfrm>
-            <a:off x="121443" y="109226"/>
-            <a:ext cx="3060000" cy="900000"/>
-          </a:xfrm>
-          <a:prstGeom prst="roundRect">
-            <a:avLst/>
-          </a:prstGeom>
-          <a:noFill/>
-          <a:ln w="38100">
-            <a:solidFill>
-              <a:schemeClr val="tx1"/>
-            </a:solidFill>
+            <a:off x="3559267" y="1324508"/>
+            <a:ext cx="2076413" cy="500254"/>
+          </a:xfrm>
+          <a:prstGeom prst="rect">
+            <a:avLst/>
+          </a:prstGeom>
+          <a:solidFill>
+            <a:schemeClr val="bg1"/>
+          </a:solidFill>
+          <a:ln>
+            <a:noFill/>
           </a:ln>
         </p:spPr>
         <p:style>
@@ -9904,45 +10861,44 @@
           </a:fontRef>
         </p:style>
         <p:txBody>
-          <a:bodyPr rtlCol="0" anchor="ctr"/>
+          <a:bodyPr rot="0" spcFirstLastPara="0" vertOverflow="overflow" horzOverflow="overflow" vert="horz" wrap="square" lIns="91440" tIns="45720" rIns="91440" bIns="45720" numCol="1" spcCol="0" rtlCol="0" fromWordArt="0" anchor="ctr" anchorCtr="0" forceAA="0" compatLnSpc="1">
+            <a:prstTxWarp prst="textNoShape">
+              <a:avLst/>
+            </a:prstTxWarp>
+            <a:noAutofit/>
+          </a:bodyPr>
           <a:lstStyle/>
           <a:p>
             <a:pPr algn="ctr"/>
-            <a:r>
-              <a:rPr lang="en-US" altLang="zh-TW" sz="2000" dirty="0">
-                <a:solidFill>
-                  <a:schemeClr val="tx1"/>
-                </a:solidFill>
-              </a:rPr>
-              <a:t>Bacteria diversity</a:t>
-            </a:r>
-            <a:endParaRPr lang="zh-TW" altLang="en-US" sz="2000" dirty="0">
-              <a:solidFill>
-                <a:schemeClr val="tx1"/>
-              </a:solidFill>
-            </a:endParaRPr>
-          </a:p>
-        </p:txBody>
-      </p:sp>
-      <p:sp>
-        <p:nvSpPr>
-          <p:cNvPr id="16" name="圓角矩形 15"/>
+            <a:endParaRPr lang="en-US"/>
+          </a:p>
+        </p:txBody>
+      </p:sp>
+      <p:sp>
+        <p:nvSpPr>
+          <p:cNvPr id="6" name="Rectangle 5">
+            <a:extLst>
+              <a:ext uri="{FF2B5EF4-FFF2-40B4-BE49-F238E27FC236}">
+                <a16:creationId xmlns:a16="http://schemas.microsoft.com/office/drawing/2014/main" id="{FCCFD908-774C-427D-9D29-D8193B1DDFBD}"/>
+              </a:ext>
+            </a:extLst>
+          </p:cNvPr>
           <p:cNvSpPr/>
           <p:nvPr/>
         </p:nvSpPr>
         <p:spPr>
           <a:xfrm>
-            <a:off x="8351043" y="127704"/>
-            <a:ext cx="3060000" cy="914400"/>
-          </a:xfrm>
-          <a:prstGeom prst="roundRect">
-            <a:avLst/>
-          </a:prstGeom>
-          <a:noFill/>
-          <a:ln w="38100">
-            <a:solidFill>
-              <a:schemeClr val="tx1"/>
-            </a:solidFill>
+            <a:off x="3791135" y="2393707"/>
+            <a:ext cx="868300" cy="500255"/>
+          </a:xfrm>
+          <a:prstGeom prst="rect">
+            <a:avLst/>
+          </a:prstGeom>
+          <a:solidFill>
+            <a:schemeClr val="bg1"/>
+          </a:solidFill>
+          <a:ln>
+            <a:noFill/>
           </a:ln>
         </p:spPr>
         <p:style>
@@ -9962,433 +10918,61 @@
           </a:fontRef>
         </p:style>
         <p:txBody>
-          <a:bodyPr rtlCol="0" anchor="ctr"/>
+          <a:bodyPr rot="0" spcFirstLastPara="0" vertOverflow="overflow" horzOverflow="overflow" vert="horz" wrap="square" lIns="91440" tIns="45720" rIns="91440" bIns="45720" numCol="1" spcCol="0" rtlCol="0" fromWordArt="0" anchor="ctr" anchorCtr="0" forceAA="0" compatLnSpc="1">
+            <a:prstTxWarp prst="textNoShape">
+              <a:avLst/>
+            </a:prstTxWarp>
+            <a:noAutofit/>
+          </a:bodyPr>
           <a:lstStyle/>
           <a:p>
             <a:pPr algn="ctr"/>
-            <a:r>
-              <a:rPr lang="en-US" altLang="zh-TW" sz="2000" dirty="0">
-                <a:solidFill>
-                  <a:schemeClr val="tx1"/>
-                </a:solidFill>
-              </a:rPr>
-              <a:t>Hetero-trophic </a:t>
-            </a:r>
-            <a:r>
-              <a:rPr lang="en-US" altLang="zh-TW" sz="2000" dirty="0" err="1">
-                <a:solidFill>
-                  <a:schemeClr val="tx1"/>
-                </a:solidFill>
-              </a:rPr>
-              <a:t>nano</a:t>
-            </a:r>
-            <a:r>
-              <a:rPr lang="en-US" altLang="zh-TW" sz="2000" dirty="0">
-                <a:solidFill>
-                  <a:schemeClr val="tx1"/>
-                </a:solidFill>
-              </a:rPr>
-              <a:t>-flagellate (HNF) diversity</a:t>
-            </a:r>
-            <a:endParaRPr lang="zh-TW" altLang="en-US" sz="2000" dirty="0">
-              <a:solidFill>
-                <a:schemeClr val="tx1"/>
-              </a:solidFill>
-            </a:endParaRPr>
-          </a:p>
-        </p:txBody>
-      </p:sp>
-      <p:cxnSp>
-        <p:nvCxnSpPr>
-          <p:cNvPr id="10" name="直線單箭頭接點 9"/>
-          <p:cNvCxnSpPr>
-            <a:stCxn id="8" idx="3"/>
-            <a:endCxn id="16" idx="1"/>
-          </p:cNvCxnSpPr>
-          <p:nvPr/>
-        </p:nvCxnSpPr>
-        <p:spPr>
-          <a:xfrm>
-            <a:off x="3181443" y="559226"/>
-            <a:ext cx="5169600" cy="25678"/>
-          </a:xfrm>
-          <a:prstGeom prst="straightConnector1">
-            <a:avLst/>
-          </a:prstGeom>
-          <a:ln w="38100">
-            <a:solidFill>
-              <a:schemeClr val="tx1"/>
-            </a:solidFill>
-            <a:prstDash val="sysDot"/>
-            <a:headEnd type="arrow"/>
-            <a:tailEnd type="arrow" w="med" len="lg"/>
-          </a:ln>
-        </p:spPr>
-        <p:style>
-          <a:lnRef idx="1">
-            <a:schemeClr val="accent1"/>
-          </a:lnRef>
-          <a:fillRef idx="0">
-            <a:schemeClr val="accent1"/>
-          </a:fillRef>
-          <a:effectRef idx="0">
-            <a:schemeClr val="accent1"/>
-          </a:effectRef>
-          <a:fontRef idx="minor">
-            <a:schemeClr val="tx1"/>
-          </a:fontRef>
-        </p:style>
-      </p:cxnSp>
-      <p:sp>
-        <p:nvSpPr>
-          <p:cNvPr id="19" name="圓角矩形 18"/>
-          <p:cNvSpPr/>
-          <p:nvPr/>
-        </p:nvSpPr>
-        <p:spPr>
-          <a:xfrm>
-            <a:off x="121444" y="1996826"/>
-            <a:ext cx="3060000" cy="914400"/>
-          </a:xfrm>
-          <a:prstGeom prst="roundRect">
-            <a:avLst/>
-          </a:prstGeom>
-          <a:noFill/>
-          <a:ln w="38100">
-            <a:solidFill>
-              <a:schemeClr val="tx1"/>
-            </a:solidFill>
-          </a:ln>
-        </p:spPr>
-        <p:style>
-          <a:lnRef idx="2">
-            <a:schemeClr val="accent1">
-              <a:shade val="50000"/>
-            </a:schemeClr>
-          </a:lnRef>
-          <a:fillRef idx="1">
-            <a:schemeClr val="accent1"/>
-          </a:fillRef>
-          <a:effectRef idx="0">
-            <a:schemeClr val="accent1"/>
-          </a:effectRef>
-          <a:fontRef idx="minor">
-            <a:schemeClr val="lt1"/>
-          </a:fontRef>
-        </p:style>
-        <p:txBody>
-          <a:bodyPr rtlCol="0" anchor="ctr"/>
-          <a:lstStyle/>
-          <a:p>
-            <a:pPr algn="ctr"/>
-            <a:r>
-              <a:rPr lang="en-US" altLang="zh-TW" sz="2000" dirty="0">
-                <a:solidFill>
-                  <a:schemeClr val="tx1"/>
-                </a:solidFill>
-              </a:rPr>
-              <a:t>Deterministic </a:t>
-            </a:r>
-          </a:p>
-          <a:p>
-            <a:pPr algn="ctr"/>
-            <a:r>
-              <a:rPr lang="en-US" altLang="zh-TW" sz="2000" dirty="0">
-                <a:solidFill>
-                  <a:schemeClr val="tx1"/>
-                </a:solidFill>
-              </a:rPr>
-              <a:t>assembly processes of </a:t>
-            </a:r>
-          </a:p>
-          <a:p>
-            <a:pPr algn="ctr"/>
-            <a:r>
-              <a:rPr lang="en-US" altLang="zh-TW" sz="2000" b="1" dirty="0">
-                <a:solidFill>
-                  <a:schemeClr val="tx1"/>
-                </a:solidFill>
-              </a:rPr>
-              <a:t>HNF community</a:t>
-            </a:r>
-            <a:endParaRPr lang="zh-TW" altLang="en-US" sz="2000" b="1" dirty="0">
-              <a:solidFill>
-                <a:schemeClr val="tx1"/>
-              </a:solidFill>
-            </a:endParaRPr>
-          </a:p>
-        </p:txBody>
-      </p:sp>
-      <p:cxnSp>
-        <p:nvCxnSpPr>
-          <p:cNvPr id="12" name="直線單箭頭接點 11"/>
-          <p:cNvCxnSpPr>
-            <a:cxnSpLocks/>
-            <a:stCxn id="8" idx="2"/>
-            <a:endCxn id="19" idx="0"/>
-          </p:cNvCxnSpPr>
-          <p:nvPr/>
-        </p:nvCxnSpPr>
-        <p:spPr>
-          <a:xfrm>
-            <a:off x="1651447" y="1009226"/>
-            <a:ext cx="1" cy="987600"/>
-          </a:xfrm>
-          <a:prstGeom prst="straightConnector1">
-            <a:avLst/>
-          </a:prstGeom>
-          <a:ln w="38100">
-            <a:solidFill>
-              <a:schemeClr val="tx1"/>
-            </a:solidFill>
-            <a:tailEnd type="arrow" w="med" len="lg"/>
-          </a:ln>
-        </p:spPr>
-        <p:style>
-          <a:lnRef idx="1">
-            <a:schemeClr val="accent1"/>
-          </a:lnRef>
-          <a:fillRef idx="0">
-            <a:schemeClr val="accent1"/>
-          </a:fillRef>
-          <a:effectRef idx="0">
-            <a:schemeClr val="accent1"/>
-          </a:effectRef>
-          <a:fontRef idx="minor">
-            <a:schemeClr val="tx1"/>
-          </a:fontRef>
-        </p:style>
-      </p:cxnSp>
-      <p:sp>
-        <p:nvSpPr>
-          <p:cNvPr id="18" name="圓角矩形 18">
+            <a:endParaRPr lang="en-US"/>
+          </a:p>
+        </p:txBody>
+      </p:sp>
+      <p:sp>
+        <p:nvSpPr>
+          <p:cNvPr id="8" name="TextBox 7">
             <a:extLst>
               <a:ext uri="{FF2B5EF4-FFF2-40B4-BE49-F238E27FC236}">
-                <a16:creationId xmlns:a16="http://schemas.microsoft.com/office/drawing/2014/main" id="{47DE1866-A6CF-489C-848E-A4D8C003E3C0}"/>
+                <a16:creationId xmlns:a16="http://schemas.microsoft.com/office/drawing/2014/main" id="{9B262406-547E-4D28-9AAB-1C6225A6BE38}"/>
               </a:ext>
             </a:extLst>
           </p:cNvPr>
-          <p:cNvSpPr/>
-          <p:nvPr/>
-        </p:nvSpPr>
-        <p:spPr>
-          <a:xfrm>
-            <a:off x="8351043" y="1999931"/>
-            <a:ext cx="3060000" cy="900000"/>
-          </a:xfrm>
-          <a:prstGeom prst="roundRect">
+          <p:cNvSpPr txBox="1"/>
+          <p:nvPr/>
+        </p:nvSpPr>
+        <p:spPr>
+          <a:xfrm>
+            <a:off x="5794604" y="3549016"/>
+            <a:ext cx="1054211" cy="707886"/>
+          </a:xfrm>
+          <a:prstGeom prst="rect">
             <a:avLst/>
           </a:prstGeom>
           <a:noFill/>
-          <a:ln w="38100">
-            <a:solidFill>
-              <a:schemeClr val="tx1"/>
-            </a:solidFill>
-          </a:ln>
-        </p:spPr>
-        <p:style>
-          <a:lnRef idx="2">
-            <a:schemeClr val="accent1">
-              <a:shade val="50000"/>
-            </a:schemeClr>
-          </a:lnRef>
-          <a:fillRef idx="1">
-            <a:schemeClr val="accent1"/>
-          </a:fillRef>
-          <a:effectRef idx="0">
-            <a:schemeClr val="accent1"/>
-          </a:effectRef>
-          <a:fontRef idx="minor">
-            <a:schemeClr val="lt1"/>
-          </a:fontRef>
-        </p:style>
-        <p:txBody>
-          <a:bodyPr rtlCol="0" anchor="ctr"/>
+        </p:spPr>
+        <p:txBody>
+          <a:bodyPr wrap="square" rtlCol="0">
+            <a:spAutoFit/>
+          </a:bodyPr>
           <a:lstStyle/>
           <a:p>
             <a:pPr algn="ctr"/>
             <a:r>
-              <a:rPr lang="en-US" altLang="zh-TW" sz="2000" dirty="0">
-                <a:solidFill>
-                  <a:schemeClr val="tx1"/>
-                </a:solidFill>
-              </a:rPr>
-              <a:t>Deterministic </a:t>
-            </a:r>
-          </a:p>
-          <a:p>
-            <a:pPr algn="ctr"/>
-            <a:r>
-              <a:rPr lang="en-US" altLang="zh-TW" sz="2000" dirty="0">
-                <a:solidFill>
-                  <a:schemeClr val="tx1"/>
-                </a:solidFill>
-              </a:rPr>
-              <a:t>assembly processes of </a:t>
-            </a:r>
-          </a:p>
-          <a:p>
-            <a:pPr algn="ctr"/>
-            <a:r>
-              <a:rPr lang="en-US" altLang="zh-TW" sz="2000" b="1" dirty="0">
-                <a:solidFill>
-                  <a:schemeClr val="tx1"/>
-                </a:solidFill>
-              </a:rPr>
-              <a:t>bacteria community</a:t>
-            </a:r>
-            <a:endParaRPr lang="zh-TW" altLang="en-US" sz="2000" b="1" dirty="0">
-              <a:solidFill>
-                <a:schemeClr val="tx1"/>
-              </a:solidFill>
-            </a:endParaRPr>
+              <a:rPr lang="en-US" sz="2000" dirty="0"/>
+              <a:t>Null mean</a:t>
+            </a:r>
           </a:p>
         </p:txBody>
       </p:sp>
       <p:cxnSp>
         <p:nvCxnSpPr>
-          <p:cNvPr id="28" name="直線單箭頭接點 11">
+          <p:cNvPr id="10" name="Straight Connector 9">
             <a:extLst>
               <a:ext uri="{FF2B5EF4-FFF2-40B4-BE49-F238E27FC236}">
-                <a16:creationId xmlns:a16="http://schemas.microsoft.com/office/drawing/2014/main" id="{2F63CEA1-FDB0-4466-9AF7-10C6638C7A69}"/>
-              </a:ext>
-            </a:extLst>
-          </p:cNvPr>
-          <p:cNvCxnSpPr>
-            <a:cxnSpLocks/>
-            <a:stCxn id="16" idx="2"/>
-            <a:endCxn id="18" idx="0"/>
-          </p:cNvCxnSpPr>
-          <p:nvPr/>
-        </p:nvCxnSpPr>
-        <p:spPr>
-          <a:xfrm>
-            <a:off x="9881043" y="1042108"/>
-            <a:ext cx="0" cy="957827"/>
-          </a:xfrm>
-          <a:prstGeom prst="straightConnector1">
-            <a:avLst/>
-          </a:prstGeom>
-          <a:ln w="38100">
-            <a:solidFill>
-              <a:schemeClr val="tx1"/>
-            </a:solidFill>
-            <a:tailEnd type="arrow" w="med" len="lg"/>
-          </a:ln>
-        </p:spPr>
-        <p:style>
-          <a:lnRef idx="1">
-            <a:schemeClr val="accent1"/>
-          </a:lnRef>
-          <a:fillRef idx="0">
-            <a:schemeClr val="accent1"/>
-          </a:fillRef>
-          <a:effectRef idx="0">
-            <a:schemeClr val="accent1"/>
-          </a:effectRef>
-          <a:fontRef idx="minor">
-            <a:schemeClr val="tx1"/>
-          </a:fontRef>
-        </p:style>
-      </p:cxnSp>
-      <p:cxnSp>
-        <p:nvCxnSpPr>
-          <p:cNvPr id="33" name="直線單箭頭接點 11">
-            <a:extLst>
-              <a:ext uri="{FF2B5EF4-FFF2-40B4-BE49-F238E27FC236}">
-                <a16:creationId xmlns:a16="http://schemas.microsoft.com/office/drawing/2014/main" id="{F0875757-B921-4728-87AA-413F44467B51}"/>
-              </a:ext>
-            </a:extLst>
-          </p:cNvPr>
-          <p:cNvCxnSpPr>
-            <a:cxnSpLocks/>
-            <a:stCxn id="19" idx="3"/>
-            <a:endCxn id="16" idx="1"/>
-          </p:cNvCxnSpPr>
-          <p:nvPr/>
-        </p:nvCxnSpPr>
-        <p:spPr>
-          <a:xfrm flipV="1">
-            <a:off x="3181446" y="584904"/>
-            <a:ext cx="5169599" cy="1869122"/>
-          </a:xfrm>
-          <a:prstGeom prst="straightConnector1">
-            <a:avLst/>
-          </a:prstGeom>
-          <a:ln w="38100">
-            <a:solidFill>
-              <a:schemeClr val="tx1"/>
-            </a:solidFill>
-            <a:tailEnd type="arrow" w="med" len="lg"/>
-          </a:ln>
-        </p:spPr>
-        <p:style>
-          <a:lnRef idx="1">
-            <a:schemeClr val="accent1"/>
-          </a:lnRef>
-          <a:fillRef idx="0">
-            <a:schemeClr val="accent1"/>
-          </a:fillRef>
-          <a:effectRef idx="0">
-            <a:schemeClr val="accent1"/>
-          </a:effectRef>
-          <a:fontRef idx="minor">
-            <a:schemeClr val="tx1"/>
-          </a:fontRef>
-        </p:style>
-      </p:cxnSp>
-      <p:cxnSp>
-        <p:nvCxnSpPr>
-          <p:cNvPr id="34" name="直線單箭頭接點 11">
-            <a:extLst>
-              <a:ext uri="{FF2B5EF4-FFF2-40B4-BE49-F238E27FC236}">
-                <a16:creationId xmlns:a16="http://schemas.microsoft.com/office/drawing/2014/main" id="{7DB4E6F1-6E32-4553-A7DF-D1C5A6D92F70}"/>
-              </a:ext>
-            </a:extLst>
-          </p:cNvPr>
-          <p:cNvCxnSpPr>
-            <a:cxnSpLocks/>
-            <a:stCxn id="18" idx="1"/>
-            <a:endCxn id="8" idx="3"/>
-          </p:cNvCxnSpPr>
-          <p:nvPr/>
-        </p:nvCxnSpPr>
-        <p:spPr>
-          <a:xfrm flipH="1" flipV="1">
-            <a:off x="3181443" y="559228"/>
-            <a:ext cx="5169600" cy="1890705"/>
-          </a:xfrm>
-          <a:prstGeom prst="straightConnector1">
-            <a:avLst/>
-          </a:prstGeom>
-          <a:ln w="38100">
-            <a:solidFill>
-              <a:schemeClr val="tx1"/>
-            </a:solidFill>
-            <a:tailEnd type="arrow" w="med" len="lg"/>
-          </a:ln>
-        </p:spPr>
-        <p:style>
-          <a:lnRef idx="1">
-            <a:schemeClr val="accent1"/>
-          </a:lnRef>
-          <a:fillRef idx="0">
-            <a:schemeClr val="accent1"/>
-          </a:fillRef>
-          <a:effectRef idx="0">
-            <a:schemeClr val="accent1"/>
-          </a:effectRef>
-          <a:fontRef idx="minor">
-            <a:schemeClr val="tx1"/>
-          </a:fontRef>
-        </p:style>
-      </p:cxnSp>
-      <p:cxnSp>
-        <p:nvCxnSpPr>
-          <p:cNvPr id="13" name="直線單箭頭接點 11">
-            <a:extLst>
-              <a:ext uri="{FF2B5EF4-FFF2-40B4-BE49-F238E27FC236}">
-                <a16:creationId xmlns:a16="http://schemas.microsoft.com/office/drawing/2014/main" id="{7DB4E6F1-6E32-4553-A7DF-D1C5A6D92F70}"/>
+                <a16:creationId xmlns:a16="http://schemas.microsoft.com/office/drawing/2014/main" id="{BA61D41E-CC5C-4EC7-9B89-AFBE0314300A}"/>
               </a:ext>
             </a:extLst>
           </p:cNvPr>
@@ -10398,18 +10982,18 @@
           <p:nvPr/>
         </p:nvCxnSpPr>
         <p:spPr>
-          <a:xfrm flipH="1" flipV="1">
-            <a:off x="1619504" y="3252036"/>
-            <a:ext cx="17412" cy="2246813"/>
-          </a:xfrm>
-          <a:prstGeom prst="straightConnector1">
+          <a:xfrm flipV="1">
+            <a:off x="5943599" y="957321"/>
+            <a:ext cx="0" cy="3657600"/>
+          </a:xfrm>
+          <a:prstGeom prst="line">
             <a:avLst/>
           </a:prstGeom>
           <a:ln w="38100">
             <a:solidFill>
               <a:schemeClr val="tx1"/>
             </a:solidFill>
-            <a:tailEnd type="arrow" w="med" len="lg"/>
+            <a:prstDash val="solid"/>
           </a:ln>
         </p:spPr>
         <p:style>
@@ -10429,10 +11013,10 @@
       </p:cxnSp>
       <p:cxnSp>
         <p:nvCxnSpPr>
-          <p:cNvPr id="15" name="直線單箭頭接點 11">
+          <p:cNvPr id="11" name="Straight Connector 10">
             <a:extLst>
               <a:ext uri="{FF2B5EF4-FFF2-40B4-BE49-F238E27FC236}">
-                <a16:creationId xmlns:a16="http://schemas.microsoft.com/office/drawing/2014/main" id="{7DB4E6F1-6E32-4553-A7DF-D1C5A6D92F70}"/>
+                <a16:creationId xmlns:a16="http://schemas.microsoft.com/office/drawing/2014/main" id="{65659D7B-05C4-4F35-9957-2A3478A1C5B3}"/>
               </a:ext>
             </a:extLst>
           </p:cNvPr>
@@ -10442,18 +11026,18 @@
           <p:nvPr/>
         </p:nvCxnSpPr>
         <p:spPr>
-          <a:xfrm>
-            <a:off x="1619504" y="5490129"/>
-            <a:ext cx="4007482" cy="0"/>
-          </a:xfrm>
-          <a:prstGeom prst="straightConnector1">
+          <a:xfrm flipV="1">
+            <a:off x="4678515" y="957321"/>
+            <a:ext cx="19386" cy="3657600"/>
+          </a:xfrm>
+          <a:prstGeom prst="line">
             <a:avLst/>
           </a:prstGeom>
           <a:ln w="38100">
             <a:solidFill>
               <a:schemeClr val="tx1"/>
             </a:solidFill>
-            <a:tailEnd type="arrow" w="med" len="lg"/>
+            <a:prstDash val="solid"/>
           </a:ln>
         </p:spPr>
         <p:style>
@@ -10471,121 +11055,176 @@
           </a:fontRef>
         </p:style>
       </p:cxnSp>
+      <p:sp>
+        <p:nvSpPr>
+          <p:cNvPr id="12" name="TextBox 11">
+            <a:extLst>
+              <a:ext uri="{FF2B5EF4-FFF2-40B4-BE49-F238E27FC236}">
+                <a16:creationId xmlns:a16="http://schemas.microsoft.com/office/drawing/2014/main" id="{0020A614-1A53-4861-8676-9ADF6CE652F7}"/>
+              </a:ext>
+            </a:extLst>
+          </p:cNvPr>
+          <p:cNvSpPr txBox="1"/>
+          <p:nvPr/>
+        </p:nvSpPr>
+        <p:spPr>
+          <a:xfrm>
+            <a:off x="3509330" y="3668275"/>
+            <a:ext cx="1197902" cy="400110"/>
+          </a:xfrm>
+          <a:prstGeom prst="rect">
+            <a:avLst/>
+          </a:prstGeom>
+          <a:noFill/>
+        </p:spPr>
+        <p:txBody>
+          <a:bodyPr wrap="square" rtlCol="0">
+            <a:spAutoFit/>
+          </a:bodyPr>
+          <a:lstStyle/>
+          <a:p>
+            <a:pPr algn="ctr"/>
+            <a:r>
+              <a:rPr lang="en-US" sz="2000" dirty="0" err="1"/>
+              <a:t>MNTD</a:t>
+            </a:r>
+            <a:r>
+              <a:rPr lang="en-US" sz="2000" baseline="-25000" dirty="0" err="1"/>
+              <a:t>obs</a:t>
+            </a:r>
+            <a:endParaRPr lang="en-US" sz="2000" baseline="-25000" dirty="0"/>
+          </a:p>
+        </p:txBody>
+      </p:sp>
+      <p:sp>
+        <p:nvSpPr>
+          <p:cNvPr id="14" name="TextBox 13">
+            <a:extLst>
+              <a:ext uri="{FF2B5EF4-FFF2-40B4-BE49-F238E27FC236}">
+                <a16:creationId xmlns:a16="http://schemas.microsoft.com/office/drawing/2014/main" id="{A95E1AE8-D57C-4C0F-9F63-46DA6055C95A}"/>
+              </a:ext>
+            </a:extLst>
+          </p:cNvPr>
+          <p:cNvSpPr txBox="1"/>
+          <p:nvPr/>
+        </p:nvSpPr>
+        <p:spPr>
+          <a:xfrm>
+            <a:off x="4802975" y="420578"/>
+            <a:ext cx="1054211" cy="400110"/>
+          </a:xfrm>
+          <a:prstGeom prst="rect">
+            <a:avLst/>
+          </a:prstGeom>
+          <a:noFill/>
+        </p:spPr>
+        <p:txBody>
+          <a:bodyPr wrap="square" rtlCol="0">
+            <a:spAutoFit/>
+          </a:bodyPr>
+          <a:lstStyle/>
+          <a:p>
+            <a:pPr algn="ctr"/>
+            <a:r>
+              <a:rPr lang="el-GR" altLang="zh-TW" sz="2000" b="1" dirty="0">
+                <a:solidFill>
+                  <a:schemeClr val="accent6">
+                    <a:lumMod val="75000"/>
+                  </a:schemeClr>
+                </a:solidFill>
+              </a:rPr>
+              <a:t>β</a:t>
+            </a:r>
+            <a:r>
+              <a:rPr lang="en-US" altLang="zh-TW" sz="2000" b="1" dirty="0">
+                <a:solidFill>
+                  <a:schemeClr val="accent6">
+                    <a:lumMod val="75000"/>
+                  </a:schemeClr>
+                </a:solidFill>
+              </a:rPr>
+              <a:t>-NTI</a:t>
+            </a:r>
+            <a:endParaRPr lang="zh-TW" altLang="en-US" sz="2000" b="1" dirty="0">
+              <a:solidFill>
+                <a:schemeClr val="accent6">
+                  <a:lumMod val="75000"/>
+                </a:schemeClr>
+              </a:solidFill>
+            </a:endParaRPr>
+          </a:p>
+        </p:txBody>
+      </p:sp>
+      <p:sp>
+        <p:nvSpPr>
+          <p:cNvPr id="16" name="Rectangle 15">
+            <a:extLst>
+              <a:ext uri="{FF2B5EF4-FFF2-40B4-BE49-F238E27FC236}">
+                <a16:creationId xmlns:a16="http://schemas.microsoft.com/office/drawing/2014/main" id="{0266F4BD-9989-4411-9466-B082EB67818B}"/>
+              </a:ext>
+            </a:extLst>
+          </p:cNvPr>
+          <p:cNvSpPr/>
+          <p:nvPr/>
+        </p:nvSpPr>
+        <p:spPr>
+          <a:xfrm>
+            <a:off x="4578857" y="5179645"/>
+            <a:ext cx="2736340" cy="500255"/>
+          </a:xfrm>
+          <a:prstGeom prst="rect">
+            <a:avLst/>
+          </a:prstGeom>
+          <a:solidFill>
+            <a:schemeClr val="bg1"/>
+          </a:solidFill>
+          <a:ln>
+            <a:noFill/>
+          </a:ln>
+        </p:spPr>
+        <p:style>
+          <a:lnRef idx="2">
+            <a:schemeClr val="accent1">
+              <a:shade val="50000"/>
+            </a:schemeClr>
+          </a:lnRef>
+          <a:fillRef idx="1">
+            <a:schemeClr val="accent1"/>
+          </a:fillRef>
+          <a:effectRef idx="0">
+            <a:schemeClr val="accent1"/>
+          </a:effectRef>
+          <a:fontRef idx="minor">
+            <a:schemeClr val="lt1"/>
+          </a:fontRef>
+        </p:style>
+        <p:txBody>
+          <a:bodyPr rot="0" spcFirstLastPara="0" vertOverflow="overflow" horzOverflow="overflow" vert="horz" wrap="square" lIns="91440" tIns="45720" rIns="91440" bIns="45720" numCol="1" spcCol="0" rtlCol="0" fromWordArt="0" anchor="ctr" anchorCtr="0" forceAA="0" compatLnSpc="1">
+            <a:prstTxWarp prst="textNoShape">
+              <a:avLst/>
+            </a:prstTxWarp>
+            <a:noAutofit/>
+          </a:bodyPr>
+          <a:lstStyle/>
+          <a:p>
+            <a:pPr algn="ctr"/>
+            <a:r>
+              <a:rPr lang="en-US" sz="2000" dirty="0">
+                <a:solidFill>
+                  <a:schemeClr val="tx1"/>
+                </a:solidFill>
+              </a:rPr>
+              <a:t>MNTD</a:t>
+            </a:r>
+          </a:p>
+        </p:txBody>
+      </p:sp>
       <p:cxnSp>
         <p:nvCxnSpPr>
-          <p:cNvPr id="14" name="直線接點 13"/>
-          <p:cNvCxnSpPr/>
-          <p:nvPr/>
-        </p:nvCxnSpPr>
-        <p:spPr>
-          <a:xfrm flipV="1">
-            <a:off x="1907663" y="4052932"/>
-            <a:ext cx="3448595" cy="1132114"/>
-          </a:xfrm>
-          <a:prstGeom prst="line">
-            <a:avLst/>
-          </a:prstGeom>
-          <a:ln w="38100">
-            <a:solidFill>
-              <a:schemeClr val="tx1"/>
-            </a:solidFill>
-          </a:ln>
-        </p:spPr>
-        <p:style>
-          <a:lnRef idx="1">
-            <a:schemeClr val="accent1"/>
-          </a:lnRef>
-          <a:fillRef idx="0">
-            <a:schemeClr val="accent1"/>
-          </a:fillRef>
-          <a:effectRef idx="0">
-            <a:schemeClr val="accent1"/>
-          </a:effectRef>
-          <a:fontRef idx="minor">
-            <a:schemeClr val="tx1"/>
-          </a:fontRef>
-        </p:style>
-      </p:cxnSp>
-      <p:sp>
-        <p:nvSpPr>
-          <p:cNvPr id="17" name="矩形 16"/>
-          <p:cNvSpPr/>
-          <p:nvPr/>
-        </p:nvSpPr>
-        <p:spPr>
-          <a:xfrm>
-            <a:off x="2472066" y="5619561"/>
-            <a:ext cx="1972976" cy="317459"/>
-          </a:xfrm>
-          <a:prstGeom prst="rect">
-            <a:avLst/>
-          </a:prstGeom>
-        </p:spPr>
-        <p:txBody>
-          <a:bodyPr wrap="none">
-            <a:spAutoFit/>
-          </a:bodyPr>
-          <a:lstStyle/>
-          <a:p>
-            <a:pPr algn="ctr"/>
-            <a:r>
-              <a:rPr lang="en-US" altLang="zh-TW" dirty="0"/>
-              <a:t>Bacteria (HNF) diversity</a:t>
-            </a:r>
-            <a:endParaRPr lang="zh-TW" altLang="en-US" dirty="0"/>
-          </a:p>
-        </p:txBody>
-      </p:sp>
-      <p:sp>
-        <p:nvSpPr>
-          <p:cNvPr id="20" name="矩形 19"/>
-          <p:cNvSpPr/>
-          <p:nvPr/>
-        </p:nvSpPr>
-        <p:spPr>
-          <a:xfrm rot="-5400000">
-            <a:off x="-207137" y="3991577"/>
-            <a:ext cx="2388474" cy="767711"/>
-          </a:xfrm>
-          <a:prstGeom prst="rect">
-            <a:avLst/>
-          </a:prstGeom>
-        </p:spPr>
-        <p:txBody>
-          <a:bodyPr wrap="none">
-            <a:spAutoFit/>
-          </a:bodyPr>
-          <a:lstStyle/>
-          <a:p>
-            <a:pPr algn="ctr"/>
-            <a:r>
-              <a:rPr lang="en-US" altLang="zh-TW" dirty="0"/>
-              <a:t>Deterministic </a:t>
-            </a:r>
-          </a:p>
-          <a:p>
-            <a:pPr algn="ctr"/>
-            <a:r>
-              <a:rPr lang="en-US" altLang="zh-TW" dirty="0"/>
-              <a:t>assembly processes </a:t>
-            </a:r>
-          </a:p>
-          <a:p>
-            <a:pPr algn="ctr"/>
-            <a:r>
-              <a:rPr lang="en-US" altLang="zh-TW" dirty="0"/>
-              <a:t>of HNF (Bacteria) community</a:t>
-            </a:r>
-            <a:endParaRPr lang="zh-TW" altLang="en-US" dirty="0"/>
-          </a:p>
-        </p:txBody>
-      </p:sp>
-      <p:cxnSp>
-        <p:nvCxnSpPr>
-          <p:cNvPr id="24" name="直線單箭頭接點 11">
+          <p:cNvPr id="18" name="Straight Arrow Connector 17">
             <a:extLst>
               <a:ext uri="{FF2B5EF4-FFF2-40B4-BE49-F238E27FC236}">
-                <a16:creationId xmlns:a16="http://schemas.microsoft.com/office/drawing/2014/main" id="{7DB4E6F1-6E32-4553-A7DF-D1C5A6D92F70}"/>
+                <a16:creationId xmlns:a16="http://schemas.microsoft.com/office/drawing/2014/main" id="{F92B09CE-CB3E-451F-8B3B-2C29F8A4CF6B}"/>
               </a:ext>
             </a:extLst>
           </p:cNvPr>
@@ -10595,18 +11234,21 @@
           <p:nvPr/>
         </p:nvCxnSpPr>
         <p:spPr>
-          <a:xfrm flipH="1" flipV="1">
-            <a:off x="6892544" y="3252035"/>
-            <a:ext cx="17412" cy="2246813"/>
+          <a:xfrm>
+            <a:off x="4707232" y="1091682"/>
+            <a:ext cx="1245698" cy="0"/>
           </a:xfrm>
           <a:prstGeom prst="straightConnector1">
             <a:avLst/>
           </a:prstGeom>
           <a:ln w="38100">
             <a:solidFill>
-              <a:schemeClr val="tx1"/>
-            </a:solidFill>
-            <a:tailEnd type="arrow" w="med" len="lg"/>
+              <a:schemeClr val="accent6">
+                <a:lumMod val="75000"/>
+              </a:schemeClr>
+            </a:solidFill>
+            <a:headEnd type="arrow"/>
+            <a:tailEnd type="arrow"/>
           </a:ln>
         </p:spPr>
         <p:style>
@@ -10624,156 +11266,10 @@
           </a:fontRef>
         </p:style>
       </p:cxnSp>
-      <p:cxnSp>
-        <p:nvCxnSpPr>
-          <p:cNvPr id="25" name="直線單箭頭接點 11">
-            <a:extLst>
-              <a:ext uri="{FF2B5EF4-FFF2-40B4-BE49-F238E27FC236}">
-                <a16:creationId xmlns:a16="http://schemas.microsoft.com/office/drawing/2014/main" id="{7DB4E6F1-6E32-4553-A7DF-D1C5A6D92F70}"/>
-              </a:ext>
-            </a:extLst>
-          </p:cNvPr>
-          <p:cNvCxnSpPr>
-            <a:cxnSpLocks/>
-          </p:cNvCxnSpPr>
-          <p:nvPr/>
-        </p:nvCxnSpPr>
-        <p:spPr>
-          <a:xfrm>
-            <a:off x="6892544" y="5490128"/>
-            <a:ext cx="4007482" cy="0"/>
-          </a:xfrm>
-          <a:prstGeom prst="straightConnector1">
-            <a:avLst/>
-          </a:prstGeom>
-          <a:ln w="38100">
-            <a:solidFill>
-              <a:schemeClr val="tx1"/>
-            </a:solidFill>
-            <a:tailEnd type="arrow" w="med" len="lg"/>
-          </a:ln>
-        </p:spPr>
-        <p:style>
-          <a:lnRef idx="1">
-            <a:schemeClr val="accent1"/>
-          </a:lnRef>
-          <a:fillRef idx="0">
-            <a:schemeClr val="accent1"/>
-          </a:fillRef>
-          <a:effectRef idx="0">
-            <a:schemeClr val="accent1"/>
-          </a:effectRef>
-          <a:fontRef idx="minor">
-            <a:schemeClr val="tx1"/>
-          </a:fontRef>
-        </p:style>
-      </p:cxnSp>
-      <p:cxnSp>
-        <p:nvCxnSpPr>
-          <p:cNvPr id="26" name="直線接點 25"/>
-          <p:cNvCxnSpPr/>
-          <p:nvPr/>
-        </p:nvCxnSpPr>
-        <p:spPr>
-          <a:xfrm flipV="1">
-            <a:off x="7180703" y="4052931"/>
-            <a:ext cx="3448595" cy="1132114"/>
-          </a:xfrm>
-          <a:prstGeom prst="line">
-            <a:avLst/>
-          </a:prstGeom>
-          <a:ln w="38100">
-            <a:solidFill>
-              <a:schemeClr val="tx1"/>
-            </a:solidFill>
-          </a:ln>
-        </p:spPr>
-        <p:style>
-          <a:lnRef idx="1">
-            <a:schemeClr val="accent1"/>
-          </a:lnRef>
-          <a:fillRef idx="0">
-            <a:schemeClr val="accent1"/>
-          </a:fillRef>
-          <a:effectRef idx="0">
-            <a:schemeClr val="accent1"/>
-          </a:effectRef>
-          <a:fontRef idx="minor">
-            <a:schemeClr val="tx1"/>
-          </a:fontRef>
-        </p:style>
-      </p:cxnSp>
-      <p:sp>
-        <p:nvSpPr>
-          <p:cNvPr id="27" name="矩形 26"/>
-          <p:cNvSpPr/>
-          <p:nvPr/>
-        </p:nvSpPr>
-        <p:spPr>
-          <a:xfrm rot="-5400000">
-            <a:off x="5555396" y="4216704"/>
-            <a:ext cx="1972976" cy="317459"/>
-          </a:xfrm>
-          <a:prstGeom prst="rect">
-            <a:avLst/>
-          </a:prstGeom>
-        </p:spPr>
-        <p:txBody>
-          <a:bodyPr wrap="none">
-            <a:spAutoFit/>
-          </a:bodyPr>
-          <a:lstStyle/>
-          <a:p>
-            <a:pPr algn="ctr"/>
-            <a:r>
-              <a:rPr lang="en-US" altLang="zh-TW" dirty="0"/>
-              <a:t>HNF (Bacteria) diversity</a:t>
-            </a:r>
-            <a:endParaRPr lang="zh-TW" altLang="en-US" dirty="0"/>
-          </a:p>
-        </p:txBody>
-      </p:sp>
-      <p:sp>
-        <p:nvSpPr>
-          <p:cNvPr id="37" name="矩形 36"/>
-          <p:cNvSpPr/>
-          <p:nvPr/>
-        </p:nvSpPr>
-        <p:spPr>
-          <a:xfrm>
-            <a:off x="7516693" y="5511290"/>
-            <a:ext cx="2776594" cy="542584"/>
-          </a:xfrm>
-          <a:prstGeom prst="rect">
-            <a:avLst/>
-          </a:prstGeom>
-        </p:spPr>
-        <p:txBody>
-          <a:bodyPr wrap="none">
-            <a:spAutoFit/>
-          </a:bodyPr>
-          <a:lstStyle/>
-          <a:p>
-            <a:pPr algn="ctr"/>
-            <a:r>
-              <a:rPr lang="en-US" altLang="zh-TW" dirty="0"/>
-              <a:t>Deterministic assembly processes </a:t>
-            </a:r>
-          </a:p>
-          <a:p>
-            <a:pPr algn="ctr"/>
-            <a:r>
-              <a:rPr lang="en-US" altLang="zh-TW" dirty="0"/>
-              <a:t>of HNF (Bacteria) community</a:t>
-            </a:r>
-            <a:endParaRPr lang="zh-TW" altLang="en-US" dirty="0"/>
-          </a:p>
-        </p:txBody>
-      </p:sp>
     </p:spTree>
     <p:extLst>
       <p:ext uri="{BB962C8B-B14F-4D97-AF65-F5344CB8AC3E}">
-        <p14:creationId xmlns:p14="http://schemas.microsoft.com/office/powerpoint/2010/main" val="224653392"/>
+        <p14:creationId xmlns:p14="http://schemas.microsoft.com/office/powerpoint/2010/main" val="1291211626"/>
       </p:ext>
     </p:extLst>
   </p:cSld>
@@ -10848,28 +11344,9 @@
                   <a:schemeClr val="tx1"/>
                 </a:solidFill>
               </a:rPr>
-              <a:t>Bacteria </a:t>
-            </a:r>
-          </a:p>
-          <a:p>
-            <a:pPr algn="ctr"/>
-            <a:r>
-              <a:rPr lang="el-GR" altLang="zh-TW" sz="2000" b="1" dirty="0">
-                <a:solidFill>
-                  <a:schemeClr val="tx1"/>
-                </a:solidFill>
-              </a:rPr>
-              <a:t>β</a:t>
-            </a:r>
-            <a:r>
-              <a:rPr lang="en-US" altLang="zh-TW" sz="2000" b="1" dirty="0">
-                <a:solidFill>
-                  <a:schemeClr val="tx1"/>
-                </a:solidFill>
-              </a:rPr>
-              <a:t>-diversity</a:t>
-            </a:r>
-            <a:endParaRPr lang="zh-TW" altLang="en-US" sz="2000" b="1" dirty="0">
+              <a:t>Bacteria diversity</a:t>
+            </a:r>
+            <a:endParaRPr lang="zh-TW" altLang="en-US" sz="2000" dirty="0">
               <a:solidFill>
                 <a:schemeClr val="tx1"/>
               </a:solidFill>
@@ -10941,28 +11418,9 @@
                   <a:schemeClr val="tx1"/>
                 </a:solidFill>
               </a:rPr>
-              <a:t>-flagellate (HNF) </a:t>
-            </a:r>
-          </a:p>
-          <a:p>
-            <a:pPr algn="ctr"/>
-            <a:r>
-              <a:rPr lang="el-GR" altLang="zh-TW" sz="2000" b="1" dirty="0">
-                <a:solidFill>
-                  <a:schemeClr val="tx1"/>
-                </a:solidFill>
-              </a:rPr>
-              <a:t>β</a:t>
-            </a:r>
-            <a:r>
-              <a:rPr lang="en-US" altLang="zh-TW" sz="2000" b="1" dirty="0">
-                <a:solidFill>
-                  <a:schemeClr val="tx1"/>
-                </a:solidFill>
-              </a:rPr>
-              <a:t>-diversity</a:t>
-            </a:r>
-            <a:endParaRPr lang="zh-TW" altLang="en-US" sz="2000" b="1" dirty="0">
+              <a:t>-flagellate (HNF) diversity</a:t>
+            </a:r>
+            <a:endParaRPr lang="zh-TW" altLang="en-US" sz="2000" dirty="0">
               <a:solidFill>
                 <a:schemeClr val="tx1"/>
               </a:solidFill>
@@ -11281,7 +11739,7 @@
         </p:nvCxnSpPr>
         <p:spPr>
           <a:xfrm flipV="1">
-            <a:off x="3181446" y="584904"/>
+            <a:off x="3181447" y="584904"/>
             <a:ext cx="5169599" cy="1869122"/>
           </a:xfrm>
           <a:prstGeom prst="straightConnector1">
@@ -11327,7 +11785,7 @@
         </p:nvCxnSpPr>
         <p:spPr>
           <a:xfrm flipH="1" flipV="1">
-            <a:off x="3181443" y="559228"/>
+            <a:off x="3181443" y="559230"/>
             <a:ext cx="5169600" cy="1890705"/>
           </a:xfrm>
           <a:prstGeom prst="straightConnector1">
@@ -11486,8 +11944,8 @@
         </p:nvSpPr>
         <p:spPr>
           <a:xfrm>
-            <a:off x="2472066" y="5619561"/>
-            <a:ext cx="1972976" cy="317459"/>
+            <a:off x="2472867" y="5619561"/>
+            <a:ext cx="1971374" cy="317331"/>
           </a:xfrm>
           <a:prstGeom prst="rect">
             <a:avLst/>
@@ -11516,8 +11974,8 @@
         </p:nvSpPr>
         <p:spPr>
           <a:xfrm rot="-5400000">
-            <a:off x="-207137" y="3991577"/>
-            <a:ext cx="2388474" cy="767711"/>
+            <a:off x="-206336" y="3991770"/>
+            <a:ext cx="2386872" cy="767326"/>
           </a:xfrm>
           <a:prstGeom prst="rect">
             <a:avLst/>
@@ -11568,7 +12026,7 @@
         </p:nvCxnSpPr>
         <p:spPr>
           <a:xfrm flipH="1" flipV="1">
-            <a:off x="6892544" y="3252035"/>
+            <a:off x="6892544" y="3252037"/>
             <a:ext cx="17412" cy="2246813"/>
           </a:xfrm>
           <a:prstGeom prst="straightConnector1">
@@ -11648,7 +12106,7 @@
         </p:nvCxnSpPr>
         <p:spPr>
           <a:xfrm flipV="1">
-            <a:off x="7180703" y="4052931"/>
+            <a:off x="7180706" y="4052931"/>
             <a:ext cx="3448595" cy="1132114"/>
           </a:xfrm>
           <a:prstGeom prst="line">
@@ -11683,8 +12141,8 @@
         </p:nvSpPr>
         <p:spPr>
           <a:xfrm rot="-5400000">
-            <a:off x="5555396" y="4216704"/>
-            <a:ext cx="1972976" cy="317459"/>
+            <a:off x="5556198" y="4216768"/>
+            <a:ext cx="1971374" cy="317331"/>
           </a:xfrm>
           <a:prstGeom prst="rect">
             <a:avLst/>
@@ -11714,7 +12172,7 @@
         <p:spPr>
           <a:xfrm>
             <a:off x="7516693" y="5511290"/>
-            <a:ext cx="2776594" cy="542584"/>
+            <a:ext cx="2776594" cy="542328"/>
           </a:xfrm>
           <a:prstGeom prst="rect">
             <a:avLst/>
@@ -11745,7 +12203,7 @@
     </p:spTree>
     <p:extLst>
       <p:ext uri="{BB962C8B-B14F-4D97-AF65-F5344CB8AC3E}">
-        <p14:creationId xmlns:p14="http://schemas.microsoft.com/office/powerpoint/2010/main" val="1924561969"/>
+        <p14:creationId xmlns:p14="http://schemas.microsoft.com/office/powerpoint/2010/main" val="224653392"/>
       </p:ext>
     </p:extLst>
   </p:cSld>
@@ -11780,8 +12238,8 @@
         </p:nvSpPr>
         <p:spPr>
           <a:xfrm>
-            <a:off x="1188244" y="1926449"/>
-            <a:ext cx="3060000" cy="720000"/>
+            <a:off x="121443" y="109226"/>
+            <a:ext cx="3060000" cy="900000"/>
           </a:xfrm>
           <a:prstGeom prst="roundRect">
             <a:avLst/>
@@ -11815,14 +12273,33 @@
           <a:p>
             <a:pPr algn="ctr"/>
             <a:r>
-              <a:rPr lang="en-US" altLang="zh-TW" dirty="0">
+              <a:rPr lang="en-US" altLang="zh-TW" sz="2000" dirty="0">
                 <a:solidFill>
                   <a:schemeClr val="tx1"/>
                 </a:solidFill>
               </a:rPr>
-              <a:t>Bacteria species richness</a:t>
-            </a:r>
-            <a:endParaRPr lang="zh-TW" altLang="en-US" dirty="0">
+              <a:t>Bacteria </a:t>
+            </a:r>
+          </a:p>
+          <a:p>
+            <a:pPr algn="ctr"/>
+            <a:r>
+              <a:rPr lang="el-GR" altLang="zh-TW" sz="2000" b="1" dirty="0">
+                <a:solidFill>
+                  <a:schemeClr val="tx1"/>
+                </a:solidFill>
+              </a:rPr>
+              <a:t>β</a:t>
+            </a:r>
+            <a:r>
+              <a:rPr lang="en-US" altLang="zh-TW" sz="2000" b="1" dirty="0">
+                <a:solidFill>
+                  <a:schemeClr val="tx1"/>
+                </a:solidFill>
+              </a:rPr>
+              <a:t>-diversity</a:t>
+            </a:r>
+            <a:endParaRPr lang="zh-TW" altLang="en-US" sz="2000" b="1" dirty="0">
               <a:solidFill>
                 <a:schemeClr val="tx1"/>
               </a:solidFill>
@@ -11838,8 +12315,8 @@
         </p:nvSpPr>
         <p:spPr>
           <a:xfrm>
-            <a:off x="7272244" y="1926000"/>
-            <a:ext cx="3060000" cy="720000"/>
+            <a:off x="8351043" y="127704"/>
+            <a:ext cx="3060000" cy="914400"/>
           </a:xfrm>
           <a:prstGeom prst="roundRect">
             <a:avLst/>
@@ -11873,14 +12350,49 @@
           <a:p>
             <a:pPr algn="ctr"/>
             <a:r>
-              <a:rPr lang="en-US" altLang="zh-TW" dirty="0">
+              <a:rPr lang="en-US" altLang="zh-TW" sz="2000" dirty="0">
                 <a:solidFill>
                   <a:schemeClr val="tx1"/>
                 </a:solidFill>
               </a:rPr>
-              <a:t>HNF species richness</a:t>
-            </a:r>
-            <a:endParaRPr lang="zh-TW" altLang="en-US" dirty="0">
+              <a:t>Hetero-trophic </a:t>
+            </a:r>
+            <a:r>
+              <a:rPr lang="en-US" altLang="zh-TW" sz="2000" dirty="0" err="1">
+                <a:solidFill>
+                  <a:schemeClr val="tx1"/>
+                </a:solidFill>
+              </a:rPr>
+              <a:t>nano</a:t>
+            </a:r>
+            <a:r>
+              <a:rPr lang="en-US" altLang="zh-TW" sz="2000" dirty="0">
+                <a:solidFill>
+                  <a:schemeClr val="tx1"/>
+                </a:solidFill>
+              </a:rPr>
+              <a:t>-flagellate (HNF) </a:t>
+            </a:r>
+          </a:p>
+          <a:p>
+            <a:pPr algn="ctr"/>
+            <a:r>
+              <a:rPr lang="el-GR" altLang="zh-TW" sz="2000" b="1" dirty="0">
+                <a:solidFill>
+                  <a:schemeClr val="tx1"/>
+                </a:solidFill>
+              </a:rPr>
+              <a:t>β</a:t>
+            </a:r>
+            <a:r>
+              <a:rPr lang="en-US" altLang="zh-TW" sz="2000" b="1" dirty="0">
+                <a:solidFill>
+                  <a:schemeClr val="tx1"/>
+                </a:solidFill>
+              </a:rPr>
+              <a:t>-diversity</a:t>
+            </a:r>
+            <a:endParaRPr lang="zh-TW" altLang="en-US" sz="2000" b="1" dirty="0">
               <a:solidFill>
                 <a:schemeClr val="tx1"/>
               </a:solidFill>
@@ -11898,9 +12410,9 @@
           <p:nvPr/>
         </p:nvCxnSpPr>
         <p:spPr>
-          <a:xfrm flipV="1">
-            <a:off x="4248244" y="2286010"/>
-            <a:ext cx="3024000" cy="449"/>
+          <a:xfrm>
+            <a:off x="3181443" y="559226"/>
+            <a:ext cx="5169600" cy="25678"/>
           </a:xfrm>
           <a:prstGeom prst="straightConnector1">
             <a:avLst/>
@@ -11937,8 +12449,8 @@
         </p:nvSpPr>
         <p:spPr>
           <a:xfrm>
-            <a:off x="2268244" y="3366000"/>
-            <a:ext cx="3060000" cy="900000"/>
+            <a:off x="121444" y="1996826"/>
+            <a:ext cx="3060000" cy="914400"/>
           </a:xfrm>
           <a:prstGeom prst="roundRect">
             <a:avLst/>
@@ -11972,25 +12484,36 @@
           <a:p>
             <a:pPr algn="ctr"/>
             <a:r>
-              <a:rPr lang="en-US" altLang="zh-TW" dirty="0">
+              <a:rPr lang="en-US" altLang="zh-TW" sz="2000" dirty="0">
                 <a:solidFill>
                   <a:schemeClr val="tx1"/>
                 </a:solidFill>
               </a:rPr>
-              <a:t>Deterministic assembly processes of </a:t>
+              <a:t>Deterministic </a:t>
             </a:r>
           </a:p>
           <a:p>
             <a:pPr algn="ctr"/>
             <a:r>
-              <a:rPr lang="en-US" altLang="zh-TW" b="1" dirty="0">
+              <a:rPr lang="en-US" altLang="zh-TW" sz="2000" dirty="0">
+                <a:solidFill>
+                  <a:schemeClr val="tx1"/>
+                </a:solidFill>
+              </a:rPr>
+              <a:t>assembly processes of </a:t>
+            </a:r>
+          </a:p>
+          <a:p>
+            <a:pPr algn="ctr"/>
+            <a:r>
+              <a:rPr lang="en-US" altLang="zh-TW" sz="2000" b="1" dirty="0">
                 <a:solidFill>
                   <a:schemeClr val="tx1"/>
                 </a:solidFill>
               </a:rPr>
               <a:t>HNF community</a:t>
             </a:r>
-            <a:endParaRPr lang="zh-TW" altLang="en-US" b="1" dirty="0">
+            <a:endParaRPr lang="zh-TW" altLang="en-US" sz="2000" b="1" dirty="0">
               <a:solidFill>
                 <a:schemeClr val="tx1"/>
               </a:solidFill>
@@ -12010,8 +12533,8 @@
         </p:nvCxnSpPr>
         <p:spPr>
           <a:xfrm>
-            <a:off x="2718244" y="2646459"/>
-            <a:ext cx="1080000" cy="719551"/>
+            <a:off x="1651447" y="1009226"/>
+            <a:ext cx="1" cy="987600"/>
           </a:xfrm>
           <a:prstGeom prst="straightConnector1">
             <a:avLst/>
@@ -12020,7 +12543,6 @@
             <a:solidFill>
               <a:schemeClr val="tx1"/>
             </a:solidFill>
-            <a:prstDash val="sysDot"/>
             <a:tailEnd type="arrow" w="med" len="lg"/>
           </a:ln>
         </p:spPr>
@@ -12053,7 +12575,7 @@
         </p:nvSpPr>
         <p:spPr>
           <a:xfrm>
-            <a:off x="6192244" y="3366000"/>
+            <a:off x="8351043" y="1999931"/>
             <a:ext cx="3060000" cy="900000"/>
           </a:xfrm>
           <a:prstGeom prst="roundRect">
@@ -12088,25 +12610,36 @@
           <a:p>
             <a:pPr algn="ctr"/>
             <a:r>
-              <a:rPr lang="en-US" altLang="zh-TW" dirty="0">
+              <a:rPr lang="en-US" altLang="zh-TW" sz="2000" dirty="0">
                 <a:solidFill>
                   <a:schemeClr val="tx1"/>
                 </a:solidFill>
               </a:rPr>
-              <a:t>Deterministic assembly processes of </a:t>
+              <a:t>Deterministic </a:t>
             </a:r>
           </a:p>
           <a:p>
             <a:pPr algn="ctr"/>
             <a:r>
-              <a:rPr lang="en-US" altLang="zh-TW" b="1" dirty="0">
+              <a:rPr lang="en-US" altLang="zh-TW" sz="2000" dirty="0">
                 <a:solidFill>
                   <a:schemeClr val="tx1"/>
                 </a:solidFill>
               </a:rPr>
-              <a:t>Bacteria community</a:t>
-            </a:r>
-            <a:endParaRPr lang="zh-TW" altLang="en-US" b="1" dirty="0">
+              <a:t>assembly processes of </a:t>
+            </a:r>
+          </a:p>
+          <a:p>
+            <a:pPr algn="ctr"/>
+            <a:r>
+              <a:rPr lang="en-US" altLang="zh-TW" sz="2000" b="1" dirty="0">
+                <a:solidFill>
+                  <a:schemeClr val="tx1"/>
+                </a:solidFill>
+              </a:rPr>
+              <a:t>bacteria community</a:t>
+            </a:r>
+            <a:endParaRPr lang="zh-TW" altLang="en-US" sz="2000" b="1" dirty="0">
               <a:solidFill>
                 <a:schemeClr val="tx1"/>
               </a:solidFill>
@@ -12131,9 +12664,9 @@
           <p:nvPr/>
         </p:nvCxnSpPr>
         <p:spPr>
-          <a:xfrm flipH="1">
-            <a:off x="7722244" y="2646000"/>
-            <a:ext cx="1080000" cy="720000"/>
+          <a:xfrm>
+            <a:off x="9881043" y="1042108"/>
+            <a:ext cx="0" cy="957827"/>
           </a:xfrm>
           <a:prstGeom prst="straightConnector1">
             <a:avLst/>
@@ -12142,7 +12675,6 @@
             <a:solidFill>
               <a:schemeClr val="tx1"/>
             </a:solidFill>
-            <a:prstDash val="sysDot"/>
             <a:tailEnd type="arrow" w="med" len="lg"/>
           </a:ln>
         </p:spPr>
@@ -12179,8 +12711,8 @@
         </p:nvCxnSpPr>
         <p:spPr>
           <a:xfrm flipV="1">
-            <a:off x="5328244" y="2286000"/>
-            <a:ext cx="1944000" cy="1530000"/>
+            <a:off x="3181447" y="584904"/>
+            <a:ext cx="5169599" cy="1869122"/>
           </a:xfrm>
           <a:prstGeom prst="straightConnector1">
             <a:avLst/>
@@ -12189,7 +12721,6 @@
             <a:solidFill>
               <a:schemeClr val="tx1"/>
             </a:solidFill>
-            <a:prstDash val="solid"/>
             <a:tailEnd type="arrow" w="med" len="lg"/>
           </a:ln>
         </p:spPr>
@@ -12226,8 +12757,8 @@
         </p:nvCxnSpPr>
         <p:spPr>
           <a:xfrm flipH="1" flipV="1">
-            <a:off x="4248244" y="2286459"/>
-            <a:ext cx="1944000" cy="1529551"/>
+            <a:off x="3181443" y="559230"/>
+            <a:ext cx="5169600" cy="1890705"/>
           </a:xfrm>
           <a:prstGeom prst="straightConnector1">
             <a:avLst/>
@@ -12236,7 +12767,6 @@
             <a:solidFill>
               <a:schemeClr val="tx1"/>
             </a:solidFill>
-            <a:prstDash val="sysDot"/>
             <a:tailEnd type="arrow" w="med" len="lg"/>
           </a:ln>
         </p:spPr>
@@ -12255,16 +12785,139 @@
           </a:fontRef>
         </p:style>
       </p:cxnSp>
-      <p:sp>
-        <p:nvSpPr>
-          <p:cNvPr id="152" name="矩形 151"/>
+      <p:cxnSp>
+        <p:nvCxnSpPr>
+          <p:cNvPr id="13" name="直線單箭頭接點 11">
+            <a:extLst>
+              <a:ext uri="{FF2B5EF4-FFF2-40B4-BE49-F238E27FC236}">
+                <a16:creationId xmlns:a16="http://schemas.microsoft.com/office/drawing/2014/main" id="{7DB4E6F1-6E32-4553-A7DF-D1C5A6D92F70}"/>
+              </a:ext>
+            </a:extLst>
+          </p:cNvPr>
+          <p:cNvCxnSpPr>
+            <a:cxnSpLocks/>
+          </p:cNvCxnSpPr>
+          <p:nvPr/>
+        </p:nvCxnSpPr>
+        <p:spPr>
+          <a:xfrm flipH="1" flipV="1">
+            <a:off x="1619504" y="3252036"/>
+            <a:ext cx="17412" cy="2246813"/>
+          </a:xfrm>
+          <a:prstGeom prst="straightConnector1">
+            <a:avLst/>
+          </a:prstGeom>
+          <a:ln w="38100">
+            <a:solidFill>
+              <a:schemeClr val="tx1"/>
+            </a:solidFill>
+            <a:tailEnd type="arrow" w="med" len="lg"/>
+          </a:ln>
+        </p:spPr>
+        <p:style>
+          <a:lnRef idx="1">
+            <a:schemeClr val="accent1"/>
+          </a:lnRef>
+          <a:fillRef idx="0">
+            <a:schemeClr val="accent1"/>
+          </a:fillRef>
+          <a:effectRef idx="0">
+            <a:schemeClr val="accent1"/>
+          </a:effectRef>
+          <a:fontRef idx="minor">
+            <a:schemeClr val="tx1"/>
+          </a:fontRef>
+        </p:style>
+      </p:cxnSp>
+      <p:cxnSp>
+        <p:nvCxnSpPr>
+          <p:cNvPr id="15" name="直線單箭頭接點 11">
+            <a:extLst>
+              <a:ext uri="{FF2B5EF4-FFF2-40B4-BE49-F238E27FC236}">
+                <a16:creationId xmlns:a16="http://schemas.microsoft.com/office/drawing/2014/main" id="{7DB4E6F1-6E32-4553-A7DF-D1C5A6D92F70}"/>
+              </a:ext>
+            </a:extLst>
+          </p:cNvPr>
+          <p:cNvCxnSpPr>
+            <a:cxnSpLocks/>
+          </p:cNvCxnSpPr>
+          <p:nvPr/>
+        </p:nvCxnSpPr>
+        <p:spPr>
+          <a:xfrm>
+            <a:off x="1619504" y="5490129"/>
+            <a:ext cx="4007482" cy="0"/>
+          </a:xfrm>
+          <a:prstGeom prst="straightConnector1">
+            <a:avLst/>
+          </a:prstGeom>
+          <a:ln w="38100">
+            <a:solidFill>
+              <a:schemeClr val="tx1"/>
+            </a:solidFill>
+            <a:tailEnd type="arrow" w="med" len="lg"/>
+          </a:ln>
+        </p:spPr>
+        <p:style>
+          <a:lnRef idx="1">
+            <a:schemeClr val="accent1"/>
+          </a:lnRef>
+          <a:fillRef idx="0">
+            <a:schemeClr val="accent1"/>
+          </a:fillRef>
+          <a:effectRef idx="0">
+            <a:schemeClr val="accent1"/>
+          </a:effectRef>
+          <a:fontRef idx="minor">
+            <a:schemeClr val="tx1"/>
+          </a:fontRef>
+        </p:style>
+      </p:cxnSp>
+      <p:cxnSp>
+        <p:nvCxnSpPr>
+          <p:cNvPr id="14" name="直線接點 13"/>
+          <p:cNvCxnSpPr/>
+          <p:nvPr/>
+        </p:nvCxnSpPr>
+        <p:spPr>
+          <a:xfrm flipV="1">
+            <a:off x="1907663" y="4052932"/>
+            <a:ext cx="3448595" cy="1132114"/>
+          </a:xfrm>
+          <a:prstGeom prst="line">
+            <a:avLst/>
+          </a:prstGeom>
+          <a:ln w="38100">
+            <a:solidFill>
+              <a:schemeClr val="tx1"/>
+            </a:solidFill>
+          </a:ln>
+        </p:spPr>
+        <p:style>
+          <a:lnRef idx="1">
+            <a:schemeClr val="accent1"/>
+          </a:lnRef>
+          <a:fillRef idx="0">
+            <a:schemeClr val="accent1"/>
+          </a:fillRef>
+          <a:effectRef idx="0">
+            <a:schemeClr val="accent1"/>
+          </a:effectRef>
+          <a:fontRef idx="minor">
+            <a:schemeClr val="tx1"/>
+          </a:fontRef>
+        </p:style>
+      </p:cxnSp>
+      <p:sp>
+        <p:nvSpPr>
+          <p:cNvPr id="17" name="矩形 16"/>
           <p:cNvSpPr/>
           <p:nvPr/>
         </p:nvSpPr>
         <p:spPr>
           <a:xfrm>
-            <a:off x="6379680" y="2847727"/>
-            <a:ext cx="1370888" cy="317459"/>
+            <a:off x="2472867" y="5619561"/>
+            <a:ext cx="1971374" cy="317331"/>
           </a:xfrm>
           <a:prstGeom prst="rect">
             <a:avLst/>
@@ -12279,7 +12932,7 @@
             <a:pPr algn="ctr"/>
             <a:r>
               <a:rPr lang="en-US" altLang="zh-TW" dirty="0"/>
-              <a:t>0.223 (p = 0.07)</a:t>
+              <a:t>Bacteria (HNF) diversity</a:t>
             </a:r>
             <a:endParaRPr lang="zh-TW" altLang="en-US" dirty="0"/>
           </a:p>
@@ -12287,14 +12940,14 @@
       </p:sp>
       <p:sp>
         <p:nvSpPr>
-          <p:cNvPr id="167" name="矩形 166"/>
+          <p:cNvPr id="20" name="矩形 19"/>
           <p:cNvSpPr/>
           <p:nvPr/>
         </p:nvSpPr>
         <p:spPr>
-          <a:xfrm>
-            <a:off x="5016850" y="1944381"/>
-            <a:ext cx="1370888" cy="317459"/>
+          <a:xfrm rot="-5400000">
+            <a:off x="-206336" y="3991770"/>
+            <a:ext cx="2386872" cy="767326"/>
           </a:xfrm>
           <a:prstGeom prst="rect">
             <a:avLst/>
@@ -12309,7 +12962,211 @@
             <a:pPr algn="ctr"/>
             <a:r>
               <a:rPr lang="en-US" altLang="zh-TW" dirty="0"/>
-              <a:t>0.106 (p = 0.17)</a:t>
+              <a:t>Deterministic </a:t>
+            </a:r>
+          </a:p>
+          <a:p>
+            <a:pPr algn="ctr"/>
+            <a:r>
+              <a:rPr lang="en-US" altLang="zh-TW" dirty="0"/>
+              <a:t>assembly processes </a:t>
+            </a:r>
+          </a:p>
+          <a:p>
+            <a:pPr algn="ctr"/>
+            <a:r>
+              <a:rPr lang="en-US" altLang="zh-TW" dirty="0"/>
+              <a:t>of HNF (Bacteria) community</a:t>
+            </a:r>
+            <a:endParaRPr lang="zh-TW" altLang="en-US" dirty="0"/>
+          </a:p>
+        </p:txBody>
+      </p:sp>
+      <p:cxnSp>
+        <p:nvCxnSpPr>
+          <p:cNvPr id="24" name="直線單箭頭接點 11">
+            <a:extLst>
+              <a:ext uri="{FF2B5EF4-FFF2-40B4-BE49-F238E27FC236}">
+                <a16:creationId xmlns:a16="http://schemas.microsoft.com/office/drawing/2014/main" id="{7DB4E6F1-6E32-4553-A7DF-D1C5A6D92F70}"/>
+              </a:ext>
+            </a:extLst>
+          </p:cNvPr>
+          <p:cNvCxnSpPr>
+            <a:cxnSpLocks/>
+          </p:cNvCxnSpPr>
+          <p:nvPr/>
+        </p:nvCxnSpPr>
+        <p:spPr>
+          <a:xfrm flipH="1" flipV="1">
+            <a:off x="6892544" y="3252037"/>
+            <a:ext cx="17412" cy="2246813"/>
+          </a:xfrm>
+          <a:prstGeom prst="straightConnector1">
+            <a:avLst/>
+          </a:prstGeom>
+          <a:ln w="38100">
+            <a:solidFill>
+              <a:schemeClr val="tx1"/>
+            </a:solidFill>
+            <a:tailEnd type="arrow" w="med" len="lg"/>
+          </a:ln>
+        </p:spPr>
+        <p:style>
+          <a:lnRef idx="1">
+            <a:schemeClr val="accent1"/>
+          </a:lnRef>
+          <a:fillRef idx="0">
+            <a:schemeClr val="accent1"/>
+          </a:fillRef>
+          <a:effectRef idx="0">
+            <a:schemeClr val="accent1"/>
+          </a:effectRef>
+          <a:fontRef idx="minor">
+            <a:schemeClr val="tx1"/>
+          </a:fontRef>
+        </p:style>
+      </p:cxnSp>
+      <p:cxnSp>
+        <p:nvCxnSpPr>
+          <p:cNvPr id="25" name="直線單箭頭接點 11">
+            <a:extLst>
+              <a:ext uri="{FF2B5EF4-FFF2-40B4-BE49-F238E27FC236}">
+                <a16:creationId xmlns:a16="http://schemas.microsoft.com/office/drawing/2014/main" id="{7DB4E6F1-6E32-4553-A7DF-D1C5A6D92F70}"/>
+              </a:ext>
+            </a:extLst>
+          </p:cNvPr>
+          <p:cNvCxnSpPr>
+            <a:cxnSpLocks/>
+          </p:cNvCxnSpPr>
+          <p:nvPr/>
+        </p:nvCxnSpPr>
+        <p:spPr>
+          <a:xfrm>
+            <a:off x="6892544" y="5490128"/>
+            <a:ext cx="4007482" cy="0"/>
+          </a:xfrm>
+          <a:prstGeom prst="straightConnector1">
+            <a:avLst/>
+          </a:prstGeom>
+          <a:ln w="38100">
+            <a:solidFill>
+              <a:schemeClr val="tx1"/>
+            </a:solidFill>
+            <a:tailEnd type="arrow" w="med" len="lg"/>
+          </a:ln>
+        </p:spPr>
+        <p:style>
+          <a:lnRef idx="1">
+            <a:schemeClr val="accent1"/>
+          </a:lnRef>
+          <a:fillRef idx="0">
+            <a:schemeClr val="accent1"/>
+          </a:fillRef>
+          <a:effectRef idx="0">
+            <a:schemeClr val="accent1"/>
+          </a:effectRef>
+          <a:fontRef idx="minor">
+            <a:schemeClr val="tx1"/>
+          </a:fontRef>
+        </p:style>
+      </p:cxnSp>
+      <p:cxnSp>
+        <p:nvCxnSpPr>
+          <p:cNvPr id="26" name="直線接點 25"/>
+          <p:cNvCxnSpPr/>
+          <p:nvPr/>
+        </p:nvCxnSpPr>
+        <p:spPr>
+          <a:xfrm flipV="1">
+            <a:off x="7180706" y="4052931"/>
+            <a:ext cx="3448595" cy="1132114"/>
+          </a:xfrm>
+          <a:prstGeom prst="line">
+            <a:avLst/>
+          </a:prstGeom>
+          <a:ln w="38100">
+            <a:solidFill>
+              <a:schemeClr val="tx1"/>
+            </a:solidFill>
+          </a:ln>
+        </p:spPr>
+        <p:style>
+          <a:lnRef idx="1">
+            <a:schemeClr val="accent1"/>
+          </a:lnRef>
+          <a:fillRef idx="0">
+            <a:schemeClr val="accent1"/>
+          </a:fillRef>
+          <a:effectRef idx="0">
+            <a:schemeClr val="accent1"/>
+          </a:effectRef>
+          <a:fontRef idx="minor">
+            <a:schemeClr val="tx1"/>
+          </a:fontRef>
+        </p:style>
+      </p:cxnSp>
+      <p:sp>
+        <p:nvSpPr>
+          <p:cNvPr id="27" name="矩形 26"/>
+          <p:cNvSpPr/>
+          <p:nvPr/>
+        </p:nvSpPr>
+        <p:spPr>
+          <a:xfrm rot="-5400000">
+            <a:off x="5556198" y="4216768"/>
+            <a:ext cx="1971374" cy="317331"/>
+          </a:xfrm>
+          <a:prstGeom prst="rect">
+            <a:avLst/>
+          </a:prstGeom>
+        </p:spPr>
+        <p:txBody>
+          <a:bodyPr wrap="none">
+            <a:spAutoFit/>
+          </a:bodyPr>
+          <a:lstStyle/>
+          <a:p>
+            <a:pPr algn="ctr"/>
+            <a:r>
+              <a:rPr lang="en-US" altLang="zh-TW" dirty="0"/>
+              <a:t>HNF (Bacteria) diversity</a:t>
+            </a:r>
+            <a:endParaRPr lang="zh-TW" altLang="en-US" dirty="0"/>
+          </a:p>
+        </p:txBody>
+      </p:sp>
+      <p:sp>
+        <p:nvSpPr>
+          <p:cNvPr id="37" name="矩形 36"/>
+          <p:cNvSpPr/>
+          <p:nvPr/>
+        </p:nvSpPr>
+        <p:spPr>
+          <a:xfrm>
+            <a:off x="7516693" y="5511290"/>
+            <a:ext cx="2776594" cy="542328"/>
+          </a:xfrm>
+          <a:prstGeom prst="rect">
+            <a:avLst/>
+          </a:prstGeom>
+        </p:spPr>
+        <p:txBody>
+          <a:bodyPr wrap="none">
+            <a:spAutoFit/>
+          </a:bodyPr>
+          <a:lstStyle/>
+          <a:p>
+            <a:pPr algn="ctr"/>
+            <a:r>
+              <a:rPr lang="en-US" altLang="zh-TW" dirty="0"/>
+              <a:t>Deterministic assembly processes </a:t>
+            </a:r>
+          </a:p>
+          <a:p>
+            <a:pPr algn="ctr"/>
+            <a:r>
+              <a:rPr lang="en-US" altLang="zh-TW" dirty="0"/>
+              <a:t>of HNF (Bacteria) community</a:t>
             </a:r>
             <a:endParaRPr lang="zh-TW" altLang="en-US" dirty="0"/>
           </a:p>
@@ -12318,7 +13175,7 @@
     </p:spTree>
     <p:extLst>
       <p:ext uri="{BB962C8B-B14F-4D97-AF65-F5344CB8AC3E}">
-        <p14:creationId xmlns:p14="http://schemas.microsoft.com/office/powerpoint/2010/main" val="2231113612"/>
+        <p14:creationId xmlns:p14="http://schemas.microsoft.com/office/powerpoint/2010/main" val="1924561969"/>
       </p:ext>
     </p:extLst>
   </p:cSld>
@@ -12472,7 +13329,7 @@
         </p:nvCxnSpPr>
         <p:spPr>
           <a:xfrm flipV="1">
-            <a:off x="4248244" y="2286010"/>
+            <a:off x="4248244" y="2286013"/>
             <a:ext cx="3024000" cy="449"/>
           </a:xfrm>
           <a:prstGeom prst="straightConnector1">
@@ -12799,7 +13656,7 @@
         </p:nvCxnSpPr>
         <p:spPr>
           <a:xfrm flipH="1" flipV="1">
-            <a:off x="4248244" y="2286459"/>
+            <a:off x="4248244" y="2286462"/>
             <a:ext cx="1944000" cy="1529551"/>
           </a:xfrm>
           <a:prstGeom prst="straightConnector1">
@@ -12830,14 +13687,14 @@
       </p:cxnSp>
       <p:sp>
         <p:nvSpPr>
-          <p:cNvPr id="23" name="矩形 22"/>
+          <p:cNvPr id="152" name="矩形 151"/>
           <p:cNvSpPr/>
           <p:nvPr/>
         </p:nvSpPr>
         <p:spPr>
           <a:xfrm>
-            <a:off x="5064147" y="1944381"/>
-            <a:ext cx="1276311" cy="317459"/>
+            <a:off x="6379681" y="2847728"/>
+            <a:ext cx="1370888" cy="317331"/>
           </a:xfrm>
           <a:prstGeom prst="rect">
             <a:avLst/>
@@ -12852,7 +13709,7 @@
             <a:pPr algn="ctr"/>
             <a:r>
               <a:rPr lang="en-US" altLang="zh-TW" dirty="0"/>
-              <a:t>0.09 (p = 0.22)</a:t>
+              <a:t>0.223 (p = 0.07)</a:t>
             </a:r>
             <a:endParaRPr lang="zh-TW" altLang="en-US" dirty="0"/>
           </a:p>
@@ -12860,130 +13717,14 @@
       </p:sp>
       <p:sp>
         <p:nvSpPr>
-          <p:cNvPr id="124" name="圓角矩形 123"/>
+          <p:cNvPr id="167" name="矩形 166"/>
           <p:cNvSpPr/>
           <p:nvPr/>
         </p:nvSpPr>
         <p:spPr>
           <a:xfrm>
-            <a:off x="8262244" y="486000"/>
-            <a:ext cx="3060000" cy="720000"/>
-          </a:xfrm>
-          <a:prstGeom prst="roundRect">
-            <a:avLst/>
-          </a:prstGeom>
-          <a:noFill/>
-          <a:ln w="38100">
-            <a:solidFill>
-              <a:schemeClr val="tx1"/>
-            </a:solidFill>
-          </a:ln>
-        </p:spPr>
-        <p:style>
-          <a:lnRef idx="2">
-            <a:schemeClr val="accent1">
-              <a:shade val="50000"/>
-            </a:schemeClr>
-          </a:lnRef>
-          <a:fillRef idx="1">
-            <a:schemeClr val="accent1"/>
-          </a:fillRef>
-          <a:effectRef idx="0">
-            <a:schemeClr val="accent1"/>
-          </a:effectRef>
-          <a:fontRef idx="minor">
-            <a:schemeClr val="lt1"/>
-          </a:fontRef>
-        </p:style>
-        <p:txBody>
-          <a:bodyPr rtlCol="0" anchor="ctr"/>
-          <a:lstStyle/>
-          <a:p>
-            <a:pPr algn="ctr"/>
-            <a:r>
-              <a:rPr lang="en-US" altLang="zh-TW" dirty="0">
-                <a:solidFill>
-                  <a:schemeClr val="tx1"/>
-                </a:solidFill>
-              </a:rPr>
-              <a:t>HNF biomass</a:t>
-            </a:r>
-            <a:endParaRPr lang="zh-TW" altLang="en-US" dirty="0">
-              <a:solidFill>
-                <a:schemeClr val="tx1"/>
-              </a:solidFill>
-            </a:endParaRPr>
-          </a:p>
-        </p:txBody>
-      </p:sp>
-      <p:sp>
-        <p:nvSpPr>
-          <p:cNvPr id="125" name="圓角矩形 124"/>
-          <p:cNvSpPr/>
-          <p:nvPr/>
-        </p:nvSpPr>
-        <p:spPr>
-          <a:xfrm>
-            <a:off x="108244" y="486414"/>
-            <a:ext cx="3060000" cy="720000"/>
-          </a:xfrm>
-          <a:prstGeom prst="roundRect">
-            <a:avLst/>
-          </a:prstGeom>
-          <a:noFill/>
-          <a:ln w="38100">
-            <a:solidFill>
-              <a:schemeClr val="tx1"/>
-            </a:solidFill>
-          </a:ln>
-        </p:spPr>
-        <p:style>
-          <a:lnRef idx="2">
-            <a:schemeClr val="accent1">
-              <a:shade val="50000"/>
-            </a:schemeClr>
-          </a:lnRef>
-          <a:fillRef idx="1">
-            <a:schemeClr val="accent1"/>
-          </a:fillRef>
-          <a:effectRef idx="0">
-            <a:schemeClr val="accent1"/>
-          </a:effectRef>
-          <a:fontRef idx="minor">
-            <a:schemeClr val="lt1"/>
-          </a:fontRef>
-        </p:style>
-        <p:txBody>
-          <a:bodyPr rtlCol="0" anchor="ctr"/>
-          <a:lstStyle/>
-          <a:p>
-            <a:pPr algn="ctr"/>
-            <a:r>
-              <a:rPr lang="en-US" altLang="zh-TW" dirty="0">
-                <a:solidFill>
-                  <a:schemeClr val="tx1"/>
-                </a:solidFill>
-              </a:rPr>
-              <a:t>Bacteria biomass</a:t>
-            </a:r>
-            <a:endParaRPr lang="zh-TW" altLang="en-US" dirty="0">
-              <a:solidFill>
-                <a:schemeClr val="tx1"/>
-              </a:solidFill>
-            </a:endParaRPr>
-          </a:p>
-        </p:txBody>
-      </p:sp>
-      <p:sp>
-        <p:nvSpPr>
-          <p:cNvPr id="152" name="矩形 151"/>
-          <p:cNvSpPr/>
-          <p:nvPr/>
-        </p:nvSpPr>
-        <p:spPr>
-          <a:xfrm>
-            <a:off x="6379680" y="2847727"/>
-            <a:ext cx="1370888" cy="317459"/>
+            <a:off x="5016850" y="1944382"/>
+            <a:ext cx="1370888" cy="317331"/>
           </a:xfrm>
           <a:prstGeom prst="rect">
             <a:avLst/>
@@ -12998,221 +13739,16 @@
             <a:pPr algn="ctr"/>
             <a:r>
               <a:rPr lang="en-US" altLang="zh-TW" dirty="0"/>
-              <a:t>0.213 (p = 0.08)</a:t>
+              <a:t>0.106 (p = 0.17)</a:t>
             </a:r>
             <a:endParaRPr lang="zh-TW" altLang="en-US" dirty="0"/>
           </a:p>
         </p:txBody>
       </p:sp>
-      <p:cxnSp>
-        <p:nvCxnSpPr>
-          <p:cNvPr id="156" name="直線單箭頭接點 155"/>
-          <p:cNvCxnSpPr>
-            <a:cxnSpLocks/>
-            <a:stCxn id="8" idx="0"/>
-            <a:endCxn id="125" idx="2"/>
-          </p:cNvCxnSpPr>
-          <p:nvPr/>
-        </p:nvCxnSpPr>
-        <p:spPr>
-          <a:xfrm flipH="1" flipV="1">
-            <a:off x="1638244" y="1206418"/>
-            <a:ext cx="1080000" cy="720035"/>
-          </a:xfrm>
-          <a:prstGeom prst="straightConnector1">
-            <a:avLst/>
-          </a:prstGeom>
-          <a:ln w="38100">
-            <a:solidFill>
-              <a:schemeClr val="tx1"/>
-            </a:solidFill>
-            <a:prstDash val="sysDot"/>
-            <a:tailEnd type="arrow" w="med" len="lg"/>
-          </a:ln>
-        </p:spPr>
-        <p:style>
-          <a:lnRef idx="1">
-            <a:schemeClr val="accent1"/>
-          </a:lnRef>
-          <a:fillRef idx="0">
-            <a:schemeClr val="accent1"/>
-          </a:fillRef>
-          <a:effectRef idx="0">
-            <a:schemeClr val="accent1"/>
-          </a:effectRef>
-          <a:fontRef idx="minor">
-            <a:schemeClr val="tx1"/>
-          </a:fontRef>
-        </p:style>
-      </p:cxnSp>
-      <p:cxnSp>
-        <p:nvCxnSpPr>
-          <p:cNvPr id="159" name="直線單箭頭接點 158"/>
-          <p:cNvCxnSpPr>
-            <a:cxnSpLocks/>
-            <a:stCxn id="16" idx="0"/>
-            <a:endCxn id="124" idx="2"/>
-          </p:cNvCxnSpPr>
-          <p:nvPr/>
-        </p:nvCxnSpPr>
-        <p:spPr>
-          <a:xfrm flipV="1">
-            <a:off x="8802244" y="1206000"/>
-            <a:ext cx="990000" cy="720000"/>
-          </a:xfrm>
-          <a:prstGeom prst="straightConnector1">
-            <a:avLst/>
-          </a:prstGeom>
-          <a:ln w="38100">
-            <a:solidFill>
-              <a:schemeClr val="tx1"/>
-            </a:solidFill>
-            <a:prstDash val="sysDot"/>
-            <a:tailEnd type="arrow" w="med" len="lg"/>
-          </a:ln>
-        </p:spPr>
-        <p:style>
-          <a:lnRef idx="1">
-            <a:schemeClr val="accent1"/>
-          </a:lnRef>
-          <a:fillRef idx="0">
-            <a:schemeClr val="accent1"/>
-          </a:fillRef>
-          <a:effectRef idx="0">
-            <a:schemeClr val="accent1"/>
-          </a:effectRef>
-          <a:fontRef idx="minor">
-            <a:schemeClr val="tx1"/>
-          </a:fontRef>
-        </p:style>
-      </p:cxnSp>
-      <p:cxnSp>
-        <p:nvCxnSpPr>
-          <p:cNvPr id="164" name="直線單箭頭接點 163"/>
-          <p:cNvCxnSpPr>
-            <a:cxnSpLocks/>
-            <a:stCxn id="124" idx="1"/>
-            <a:endCxn id="125" idx="3"/>
-          </p:cNvCxnSpPr>
-          <p:nvPr/>
-        </p:nvCxnSpPr>
-        <p:spPr>
-          <a:xfrm flipH="1">
-            <a:off x="3168244" y="846000"/>
-            <a:ext cx="5094000" cy="414"/>
-          </a:xfrm>
-          <a:prstGeom prst="straightConnector1">
-            <a:avLst/>
-          </a:prstGeom>
-          <a:ln w="38100">
-            <a:solidFill>
-              <a:schemeClr val="tx1"/>
-            </a:solidFill>
-            <a:prstDash val="sysDot"/>
-            <a:tailEnd type="arrow" w="med" len="lg"/>
-          </a:ln>
-        </p:spPr>
-        <p:style>
-          <a:lnRef idx="1">
-            <a:schemeClr val="accent1"/>
-          </a:lnRef>
-          <a:fillRef idx="0">
-            <a:schemeClr val="accent1"/>
-          </a:fillRef>
-          <a:effectRef idx="0">
-            <a:schemeClr val="accent1"/>
-          </a:effectRef>
-          <a:fontRef idx="minor">
-            <a:schemeClr val="tx1"/>
-          </a:fontRef>
-        </p:style>
-      </p:cxnSp>
-      <p:cxnSp>
-        <p:nvCxnSpPr>
-          <p:cNvPr id="21" name="直線單箭頭接點 20"/>
-          <p:cNvCxnSpPr>
-            <a:cxnSpLocks/>
-            <a:stCxn id="124" idx="2"/>
-            <a:endCxn id="8" idx="0"/>
-          </p:cNvCxnSpPr>
-          <p:nvPr/>
-        </p:nvCxnSpPr>
-        <p:spPr>
-          <a:xfrm flipH="1">
-            <a:off x="2718244" y="1206004"/>
-            <a:ext cx="7074000" cy="720449"/>
-          </a:xfrm>
-          <a:prstGeom prst="straightConnector1">
-            <a:avLst/>
-          </a:prstGeom>
-          <a:ln w="38100">
-            <a:solidFill>
-              <a:schemeClr val="tx1"/>
-            </a:solidFill>
-            <a:prstDash val="sysDot"/>
-            <a:tailEnd type="arrow" w="med" len="lg"/>
-          </a:ln>
-        </p:spPr>
-        <p:style>
-          <a:lnRef idx="1">
-            <a:schemeClr val="accent1"/>
-          </a:lnRef>
-          <a:fillRef idx="0">
-            <a:schemeClr val="accent1"/>
-          </a:fillRef>
-          <a:effectRef idx="0">
-            <a:schemeClr val="accent1"/>
-          </a:effectRef>
-          <a:fontRef idx="minor">
-            <a:schemeClr val="tx1"/>
-          </a:fontRef>
-        </p:style>
-      </p:cxnSp>
-      <p:cxnSp>
-        <p:nvCxnSpPr>
-          <p:cNvPr id="22" name="直線單箭頭接點 21"/>
-          <p:cNvCxnSpPr>
-            <a:cxnSpLocks/>
-            <a:stCxn id="125" idx="2"/>
-            <a:endCxn id="16" idx="0"/>
-          </p:cNvCxnSpPr>
-          <p:nvPr/>
-        </p:nvCxnSpPr>
-        <p:spPr>
-          <a:xfrm>
-            <a:off x="1638244" y="1206414"/>
-            <a:ext cx="7164000" cy="719586"/>
-          </a:xfrm>
-          <a:prstGeom prst="straightConnector1">
-            <a:avLst/>
-          </a:prstGeom>
-          <a:ln w="38100">
-            <a:solidFill>
-              <a:schemeClr val="tx1"/>
-            </a:solidFill>
-            <a:prstDash val="sysDot"/>
-            <a:tailEnd type="arrow" w="med" len="lg"/>
-          </a:ln>
-        </p:spPr>
-        <p:style>
-          <a:lnRef idx="1">
-            <a:schemeClr val="accent1"/>
-          </a:lnRef>
-          <a:fillRef idx="0">
-            <a:schemeClr val="accent1"/>
-          </a:fillRef>
-          <a:effectRef idx="0">
-            <a:schemeClr val="accent1"/>
-          </a:effectRef>
-          <a:fontRef idx="minor">
-            <a:schemeClr val="tx1"/>
-          </a:fontRef>
-        </p:style>
-      </p:cxnSp>
     </p:spTree>
     <p:extLst>
       <p:ext uri="{BB962C8B-B14F-4D97-AF65-F5344CB8AC3E}">
-        <p14:creationId xmlns:p14="http://schemas.microsoft.com/office/powerpoint/2010/main" val="3249383352"/>
+        <p14:creationId xmlns:p14="http://schemas.microsoft.com/office/powerpoint/2010/main" val="2231113612"/>
       </p:ext>
     </p:extLst>
   </p:cSld>
@@ -13366,7 +13902,7 @@
         </p:nvCxnSpPr>
         <p:spPr>
           <a:xfrm flipV="1">
-            <a:off x="4248244" y="2286010"/>
+            <a:off x="4248244" y="2286013"/>
             <a:ext cx="3024000" cy="449"/>
           </a:xfrm>
           <a:prstGeom prst="straightConnector1">
@@ -13376,7 +13912,7 @@
             <a:solidFill>
               <a:schemeClr val="tx1"/>
             </a:solidFill>
-            <a:prstDash val="solid"/>
+            <a:prstDash val="sysDot"/>
             <a:headEnd type="arrow"/>
             <a:tailEnd type="arrow" w="med" len="lg"/>
           </a:ln>
@@ -13693,7 +14229,7 @@
         </p:nvCxnSpPr>
         <p:spPr>
           <a:xfrm flipH="1" flipV="1">
-            <a:off x="4248244" y="2286459"/>
+            <a:off x="4248244" y="2286462"/>
             <a:ext cx="1944000" cy="1529551"/>
           </a:xfrm>
           <a:prstGeom prst="straightConnector1">
@@ -13730,8 +14266,902 @@
         </p:nvSpPr>
         <p:spPr>
           <a:xfrm>
-            <a:off x="5016850" y="1944381"/>
-            <a:ext cx="1370888" cy="317459"/>
+            <a:off x="5064149" y="1944382"/>
+            <a:ext cx="1276311" cy="317331"/>
+          </a:xfrm>
+          <a:prstGeom prst="rect">
+            <a:avLst/>
+          </a:prstGeom>
+        </p:spPr>
+        <p:txBody>
+          <a:bodyPr wrap="none">
+            <a:spAutoFit/>
+          </a:bodyPr>
+          <a:lstStyle/>
+          <a:p>
+            <a:pPr algn="ctr"/>
+            <a:r>
+              <a:rPr lang="en-US" altLang="zh-TW" dirty="0"/>
+              <a:t>0.09 (p = 0.22)</a:t>
+            </a:r>
+            <a:endParaRPr lang="zh-TW" altLang="en-US" dirty="0"/>
+          </a:p>
+        </p:txBody>
+      </p:sp>
+      <p:sp>
+        <p:nvSpPr>
+          <p:cNvPr id="124" name="圓角矩形 123"/>
+          <p:cNvSpPr/>
+          <p:nvPr/>
+        </p:nvSpPr>
+        <p:spPr>
+          <a:xfrm>
+            <a:off x="8262244" y="486000"/>
+            <a:ext cx="3060000" cy="720000"/>
+          </a:xfrm>
+          <a:prstGeom prst="roundRect">
+            <a:avLst/>
+          </a:prstGeom>
+          <a:noFill/>
+          <a:ln w="38100">
+            <a:solidFill>
+              <a:schemeClr val="tx1"/>
+            </a:solidFill>
+          </a:ln>
+        </p:spPr>
+        <p:style>
+          <a:lnRef idx="2">
+            <a:schemeClr val="accent1">
+              <a:shade val="50000"/>
+            </a:schemeClr>
+          </a:lnRef>
+          <a:fillRef idx="1">
+            <a:schemeClr val="accent1"/>
+          </a:fillRef>
+          <a:effectRef idx="0">
+            <a:schemeClr val="accent1"/>
+          </a:effectRef>
+          <a:fontRef idx="minor">
+            <a:schemeClr val="lt1"/>
+          </a:fontRef>
+        </p:style>
+        <p:txBody>
+          <a:bodyPr rtlCol="0" anchor="ctr"/>
+          <a:lstStyle/>
+          <a:p>
+            <a:pPr algn="ctr"/>
+            <a:r>
+              <a:rPr lang="en-US" altLang="zh-TW" dirty="0">
+                <a:solidFill>
+                  <a:schemeClr val="tx1"/>
+                </a:solidFill>
+              </a:rPr>
+              <a:t>HNF biomass</a:t>
+            </a:r>
+            <a:endParaRPr lang="zh-TW" altLang="en-US" dirty="0">
+              <a:solidFill>
+                <a:schemeClr val="tx1"/>
+              </a:solidFill>
+            </a:endParaRPr>
+          </a:p>
+        </p:txBody>
+      </p:sp>
+      <p:sp>
+        <p:nvSpPr>
+          <p:cNvPr id="125" name="圓角矩形 124"/>
+          <p:cNvSpPr/>
+          <p:nvPr/>
+        </p:nvSpPr>
+        <p:spPr>
+          <a:xfrm>
+            <a:off x="108244" y="486414"/>
+            <a:ext cx="3060000" cy="720000"/>
+          </a:xfrm>
+          <a:prstGeom prst="roundRect">
+            <a:avLst/>
+          </a:prstGeom>
+          <a:noFill/>
+          <a:ln w="38100">
+            <a:solidFill>
+              <a:schemeClr val="tx1"/>
+            </a:solidFill>
+          </a:ln>
+        </p:spPr>
+        <p:style>
+          <a:lnRef idx="2">
+            <a:schemeClr val="accent1">
+              <a:shade val="50000"/>
+            </a:schemeClr>
+          </a:lnRef>
+          <a:fillRef idx="1">
+            <a:schemeClr val="accent1"/>
+          </a:fillRef>
+          <a:effectRef idx="0">
+            <a:schemeClr val="accent1"/>
+          </a:effectRef>
+          <a:fontRef idx="minor">
+            <a:schemeClr val="lt1"/>
+          </a:fontRef>
+        </p:style>
+        <p:txBody>
+          <a:bodyPr rtlCol="0" anchor="ctr"/>
+          <a:lstStyle/>
+          <a:p>
+            <a:pPr algn="ctr"/>
+            <a:r>
+              <a:rPr lang="en-US" altLang="zh-TW" dirty="0">
+                <a:solidFill>
+                  <a:schemeClr val="tx1"/>
+                </a:solidFill>
+              </a:rPr>
+              <a:t>Bacteria biomass</a:t>
+            </a:r>
+            <a:endParaRPr lang="zh-TW" altLang="en-US" dirty="0">
+              <a:solidFill>
+                <a:schemeClr val="tx1"/>
+              </a:solidFill>
+            </a:endParaRPr>
+          </a:p>
+        </p:txBody>
+      </p:sp>
+      <p:sp>
+        <p:nvSpPr>
+          <p:cNvPr id="152" name="矩形 151"/>
+          <p:cNvSpPr/>
+          <p:nvPr/>
+        </p:nvSpPr>
+        <p:spPr>
+          <a:xfrm>
+            <a:off x="6379681" y="2847728"/>
+            <a:ext cx="1370888" cy="317331"/>
+          </a:xfrm>
+          <a:prstGeom prst="rect">
+            <a:avLst/>
+          </a:prstGeom>
+        </p:spPr>
+        <p:txBody>
+          <a:bodyPr wrap="none">
+            <a:spAutoFit/>
+          </a:bodyPr>
+          <a:lstStyle/>
+          <a:p>
+            <a:pPr algn="ctr"/>
+            <a:r>
+              <a:rPr lang="en-US" altLang="zh-TW" dirty="0"/>
+              <a:t>0.213 (p = 0.08)</a:t>
+            </a:r>
+            <a:endParaRPr lang="zh-TW" altLang="en-US" dirty="0"/>
+          </a:p>
+        </p:txBody>
+      </p:sp>
+      <p:cxnSp>
+        <p:nvCxnSpPr>
+          <p:cNvPr id="156" name="直線單箭頭接點 155"/>
+          <p:cNvCxnSpPr>
+            <a:cxnSpLocks/>
+            <a:stCxn id="8" idx="0"/>
+            <a:endCxn id="125" idx="2"/>
+          </p:cNvCxnSpPr>
+          <p:nvPr/>
+        </p:nvCxnSpPr>
+        <p:spPr>
+          <a:xfrm flipH="1" flipV="1">
+            <a:off x="1638244" y="1206418"/>
+            <a:ext cx="1080000" cy="720035"/>
+          </a:xfrm>
+          <a:prstGeom prst="straightConnector1">
+            <a:avLst/>
+          </a:prstGeom>
+          <a:ln w="38100">
+            <a:solidFill>
+              <a:schemeClr val="tx1"/>
+            </a:solidFill>
+            <a:prstDash val="sysDot"/>
+            <a:tailEnd type="arrow" w="med" len="lg"/>
+          </a:ln>
+        </p:spPr>
+        <p:style>
+          <a:lnRef idx="1">
+            <a:schemeClr val="accent1"/>
+          </a:lnRef>
+          <a:fillRef idx="0">
+            <a:schemeClr val="accent1"/>
+          </a:fillRef>
+          <a:effectRef idx="0">
+            <a:schemeClr val="accent1"/>
+          </a:effectRef>
+          <a:fontRef idx="minor">
+            <a:schemeClr val="tx1"/>
+          </a:fontRef>
+        </p:style>
+      </p:cxnSp>
+      <p:cxnSp>
+        <p:nvCxnSpPr>
+          <p:cNvPr id="159" name="直線單箭頭接點 158"/>
+          <p:cNvCxnSpPr>
+            <a:cxnSpLocks/>
+            <a:stCxn id="16" idx="0"/>
+            <a:endCxn id="124" idx="2"/>
+          </p:cNvCxnSpPr>
+          <p:nvPr/>
+        </p:nvCxnSpPr>
+        <p:spPr>
+          <a:xfrm flipV="1">
+            <a:off x="8802244" y="1206000"/>
+            <a:ext cx="990000" cy="720000"/>
+          </a:xfrm>
+          <a:prstGeom prst="straightConnector1">
+            <a:avLst/>
+          </a:prstGeom>
+          <a:ln w="38100">
+            <a:solidFill>
+              <a:schemeClr val="tx1"/>
+            </a:solidFill>
+            <a:prstDash val="sysDot"/>
+            <a:tailEnd type="arrow" w="med" len="lg"/>
+          </a:ln>
+        </p:spPr>
+        <p:style>
+          <a:lnRef idx="1">
+            <a:schemeClr val="accent1"/>
+          </a:lnRef>
+          <a:fillRef idx="0">
+            <a:schemeClr val="accent1"/>
+          </a:fillRef>
+          <a:effectRef idx="0">
+            <a:schemeClr val="accent1"/>
+          </a:effectRef>
+          <a:fontRef idx="minor">
+            <a:schemeClr val="tx1"/>
+          </a:fontRef>
+        </p:style>
+      </p:cxnSp>
+      <p:cxnSp>
+        <p:nvCxnSpPr>
+          <p:cNvPr id="164" name="直線單箭頭接點 163"/>
+          <p:cNvCxnSpPr>
+            <a:cxnSpLocks/>
+            <a:stCxn id="124" idx="1"/>
+            <a:endCxn id="125" idx="3"/>
+          </p:cNvCxnSpPr>
+          <p:nvPr/>
+        </p:nvCxnSpPr>
+        <p:spPr>
+          <a:xfrm flipH="1">
+            <a:off x="3168244" y="846000"/>
+            <a:ext cx="5094000" cy="414"/>
+          </a:xfrm>
+          <a:prstGeom prst="straightConnector1">
+            <a:avLst/>
+          </a:prstGeom>
+          <a:ln w="38100">
+            <a:solidFill>
+              <a:schemeClr val="tx1"/>
+            </a:solidFill>
+            <a:prstDash val="sysDot"/>
+            <a:tailEnd type="arrow" w="med" len="lg"/>
+          </a:ln>
+        </p:spPr>
+        <p:style>
+          <a:lnRef idx="1">
+            <a:schemeClr val="accent1"/>
+          </a:lnRef>
+          <a:fillRef idx="0">
+            <a:schemeClr val="accent1"/>
+          </a:fillRef>
+          <a:effectRef idx="0">
+            <a:schemeClr val="accent1"/>
+          </a:effectRef>
+          <a:fontRef idx="minor">
+            <a:schemeClr val="tx1"/>
+          </a:fontRef>
+        </p:style>
+      </p:cxnSp>
+      <p:cxnSp>
+        <p:nvCxnSpPr>
+          <p:cNvPr id="21" name="直線單箭頭接點 20"/>
+          <p:cNvCxnSpPr>
+            <a:cxnSpLocks/>
+            <a:stCxn id="124" idx="2"/>
+            <a:endCxn id="8" idx="0"/>
+          </p:cNvCxnSpPr>
+          <p:nvPr/>
+        </p:nvCxnSpPr>
+        <p:spPr>
+          <a:xfrm flipH="1">
+            <a:off x="2718244" y="1206007"/>
+            <a:ext cx="7074000" cy="720449"/>
+          </a:xfrm>
+          <a:prstGeom prst="straightConnector1">
+            <a:avLst/>
+          </a:prstGeom>
+          <a:ln w="38100">
+            <a:solidFill>
+              <a:schemeClr val="tx1"/>
+            </a:solidFill>
+            <a:prstDash val="sysDot"/>
+            <a:tailEnd type="arrow" w="med" len="lg"/>
+          </a:ln>
+        </p:spPr>
+        <p:style>
+          <a:lnRef idx="1">
+            <a:schemeClr val="accent1"/>
+          </a:lnRef>
+          <a:fillRef idx="0">
+            <a:schemeClr val="accent1"/>
+          </a:fillRef>
+          <a:effectRef idx="0">
+            <a:schemeClr val="accent1"/>
+          </a:effectRef>
+          <a:fontRef idx="minor">
+            <a:schemeClr val="tx1"/>
+          </a:fontRef>
+        </p:style>
+      </p:cxnSp>
+      <p:cxnSp>
+        <p:nvCxnSpPr>
+          <p:cNvPr id="22" name="直線單箭頭接點 21"/>
+          <p:cNvCxnSpPr>
+            <a:cxnSpLocks/>
+            <a:stCxn id="125" idx="2"/>
+            <a:endCxn id="16" idx="0"/>
+          </p:cNvCxnSpPr>
+          <p:nvPr/>
+        </p:nvCxnSpPr>
+        <p:spPr>
+          <a:xfrm>
+            <a:off x="1638244" y="1206414"/>
+            <a:ext cx="7164000" cy="719586"/>
+          </a:xfrm>
+          <a:prstGeom prst="straightConnector1">
+            <a:avLst/>
+          </a:prstGeom>
+          <a:ln w="38100">
+            <a:solidFill>
+              <a:schemeClr val="tx1"/>
+            </a:solidFill>
+            <a:prstDash val="sysDot"/>
+            <a:tailEnd type="arrow" w="med" len="lg"/>
+          </a:ln>
+        </p:spPr>
+        <p:style>
+          <a:lnRef idx="1">
+            <a:schemeClr val="accent1"/>
+          </a:lnRef>
+          <a:fillRef idx="0">
+            <a:schemeClr val="accent1"/>
+          </a:fillRef>
+          <a:effectRef idx="0">
+            <a:schemeClr val="accent1"/>
+          </a:effectRef>
+          <a:fontRef idx="minor">
+            <a:schemeClr val="tx1"/>
+          </a:fontRef>
+        </p:style>
+      </p:cxnSp>
+    </p:spTree>
+    <p:extLst>
+      <p:ext uri="{BB962C8B-B14F-4D97-AF65-F5344CB8AC3E}">
+        <p14:creationId xmlns:p14="http://schemas.microsoft.com/office/powerpoint/2010/main" val="3249383352"/>
+      </p:ext>
+    </p:extLst>
+  </p:cSld>
+  <p:clrMapOvr>
+    <a:masterClrMapping/>
+  </p:clrMapOvr>
+</p:sld>
+</file>
+
+<file path=ppt/slides/slide8.xml><?xml version="1.0" encoding="utf-8"?>
+<p:sld xmlns:a="http://schemas.openxmlformats.org/drawingml/2006/main" xmlns:r="http://schemas.openxmlformats.org/officeDocument/2006/relationships" xmlns:p="http://schemas.openxmlformats.org/presentationml/2006/main">
+  <p:cSld>
+    <p:spTree>
+      <p:nvGrpSpPr>
+        <p:cNvPr id="1" name=""/>
+        <p:cNvGrpSpPr/>
+        <p:nvPr/>
+      </p:nvGrpSpPr>
+      <p:grpSpPr>
+        <a:xfrm>
+          <a:off x="0" y="0"/>
+          <a:ext cx="0" cy="0"/>
+          <a:chOff x="0" y="0"/>
+          <a:chExt cx="0" cy="0"/>
+        </a:xfrm>
+      </p:grpSpPr>
+      <p:sp>
+        <p:nvSpPr>
+          <p:cNvPr id="8" name="圓角矩形 7"/>
+          <p:cNvSpPr/>
+          <p:nvPr/>
+        </p:nvSpPr>
+        <p:spPr>
+          <a:xfrm>
+            <a:off x="1188244" y="1926449"/>
+            <a:ext cx="3060000" cy="720000"/>
+          </a:xfrm>
+          <a:prstGeom prst="roundRect">
+            <a:avLst/>
+          </a:prstGeom>
+          <a:noFill/>
+          <a:ln w="38100">
+            <a:solidFill>
+              <a:schemeClr val="tx1"/>
+            </a:solidFill>
+          </a:ln>
+        </p:spPr>
+        <p:style>
+          <a:lnRef idx="2">
+            <a:schemeClr val="accent1">
+              <a:shade val="50000"/>
+            </a:schemeClr>
+          </a:lnRef>
+          <a:fillRef idx="1">
+            <a:schemeClr val="accent1"/>
+          </a:fillRef>
+          <a:effectRef idx="0">
+            <a:schemeClr val="accent1"/>
+          </a:effectRef>
+          <a:fontRef idx="minor">
+            <a:schemeClr val="lt1"/>
+          </a:fontRef>
+        </p:style>
+        <p:txBody>
+          <a:bodyPr rtlCol="0" anchor="ctr"/>
+          <a:lstStyle/>
+          <a:p>
+            <a:pPr algn="ctr"/>
+            <a:r>
+              <a:rPr lang="en-US" altLang="zh-TW" dirty="0">
+                <a:solidFill>
+                  <a:schemeClr val="tx1"/>
+                </a:solidFill>
+              </a:rPr>
+              <a:t>Bacteria species richness</a:t>
+            </a:r>
+            <a:endParaRPr lang="zh-TW" altLang="en-US" dirty="0">
+              <a:solidFill>
+                <a:schemeClr val="tx1"/>
+              </a:solidFill>
+            </a:endParaRPr>
+          </a:p>
+        </p:txBody>
+      </p:sp>
+      <p:sp>
+        <p:nvSpPr>
+          <p:cNvPr id="16" name="圓角矩形 15"/>
+          <p:cNvSpPr/>
+          <p:nvPr/>
+        </p:nvSpPr>
+        <p:spPr>
+          <a:xfrm>
+            <a:off x="7272244" y="1926000"/>
+            <a:ext cx="3060000" cy="720000"/>
+          </a:xfrm>
+          <a:prstGeom prst="roundRect">
+            <a:avLst/>
+          </a:prstGeom>
+          <a:noFill/>
+          <a:ln w="38100">
+            <a:solidFill>
+              <a:schemeClr val="tx1"/>
+            </a:solidFill>
+          </a:ln>
+        </p:spPr>
+        <p:style>
+          <a:lnRef idx="2">
+            <a:schemeClr val="accent1">
+              <a:shade val="50000"/>
+            </a:schemeClr>
+          </a:lnRef>
+          <a:fillRef idx="1">
+            <a:schemeClr val="accent1"/>
+          </a:fillRef>
+          <a:effectRef idx="0">
+            <a:schemeClr val="accent1"/>
+          </a:effectRef>
+          <a:fontRef idx="minor">
+            <a:schemeClr val="lt1"/>
+          </a:fontRef>
+        </p:style>
+        <p:txBody>
+          <a:bodyPr rtlCol="0" anchor="ctr"/>
+          <a:lstStyle/>
+          <a:p>
+            <a:pPr algn="ctr"/>
+            <a:r>
+              <a:rPr lang="en-US" altLang="zh-TW" dirty="0">
+                <a:solidFill>
+                  <a:schemeClr val="tx1"/>
+                </a:solidFill>
+              </a:rPr>
+              <a:t>HNF species richness</a:t>
+            </a:r>
+            <a:endParaRPr lang="zh-TW" altLang="en-US" dirty="0">
+              <a:solidFill>
+                <a:schemeClr val="tx1"/>
+              </a:solidFill>
+            </a:endParaRPr>
+          </a:p>
+        </p:txBody>
+      </p:sp>
+      <p:cxnSp>
+        <p:nvCxnSpPr>
+          <p:cNvPr id="10" name="直線單箭頭接點 9"/>
+          <p:cNvCxnSpPr>
+            <a:stCxn id="8" idx="3"/>
+            <a:endCxn id="16" idx="1"/>
+          </p:cNvCxnSpPr>
+          <p:nvPr/>
+        </p:nvCxnSpPr>
+        <p:spPr>
+          <a:xfrm flipV="1">
+            <a:off x="4248244" y="2286013"/>
+            <a:ext cx="3024000" cy="449"/>
+          </a:xfrm>
+          <a:prstGeom prst="straightConnector1">
+            <a:avLst/>
+          </a:prstGeom>
+          <a:ln w="38100">
+            <a:solidFill>
+              <a:schemeClr val="tx1"/>
+            </a:solidFill>
+            <a:prstDash val="solid"/>
+            <a:headEnd type="arrow"/>
+            <a:tailEnd type="arrow" w="med" len="lg"/>
+          </a:ln>
+        </p:spPr>
+        <p:style>
+          <a:lnRef idx="1">
+            <a:schemeClr val="accent1"/>
+          </a:lnRef>
+          <a:fillRef idx="0">
+            <a:schemeClr val="accent1"/>
+          </a:fillRef>
+          <a:effectRef idx="0">
+            <a:schemeClr val="accent1"/>
+          </a:effectRef>
+          <a:fontRef idx="minor">
+            <a:schemeClr val="tx1"/>
+          </a:fontRef>
+        </p:style>
+      </p:cxnSp>
+      <p:sp>
+        <p:nvSpPr>
+          <p:cNvPr id="19" name="圓角矩形 18"/>
+          <p:cNvSpPr/>
+          <p:nvPr/>
+        </p:nvSpPr>
+        <p:spPr>
+          <a:xfrm>
+            <a:off x="2268244" y="3366000"/>
+            <a:ext cx="3060000" cy="900000"/>
+          </a:xfrm>
+          <a:prstGeom prst="roundRect">
+            <a:avLst/>
+          </a:prstGeom>
+          <a:noFill/>
+          <a:ln w="38100">
+            <a:solidFill>
+              <a:schemeClr val="tx1"/>
+            </a:solidFill>
+          </a:ln>
+        </p:spPr>
+        <p:style>
+          <a:lnRef idx="2">
+            <a:schemeClr val="accent1">
+              <a:shade val="50000"/>
+            </a:schemeClr>
+          </a:lnRef>
+          <a:fillRef idx="1">
+            <a:schemeClr val="accent1"/>
+          </a:fillRef>
+          <a:effectRef idx="0">
+            <a:schemeClr val="accent1"/>
+          </a:effectRef>
+          <a:fontRef idx="minor">
+            <a:schemeClr val="lt1"/>
+          </a:fontRef>
+        </p:style>
+        <p:txBody>
+          <a:bodyPr rtlCol="0" anchor="ctr"/>
+          <a:lstStyle/>
+          <a:p>
+            <a:pPr algn="ctr"/>
+            <a:r>
+              <a:rPr lang="en-US" altLang="zh-TW" dirty="0">
+                <a:solidFill>
+                  <a:schemeClr val="tx1"/>
+                </a:solidFill>
+              </a:rPr>
+              <a:t>Deterministic assembly processes of </a:t>
+            </a:r>
+          </a:p>
+          <a:p>
+            <a:pPr algn="ctr"/>
+            <a:r>
+              <a:rPr lang="en-US" altLang="zh-TW" b="1" dirty="0">
+                <a:solidFill>
+                  <a:schemeClr val="tx1"/>
+                </a:solidFill>
+              </a:rPr>
+              <a:t>HNF community</a:t>
+            </a:r>
+            <a:endParaRPr lang="zh-TW" altLang="en-US" b="1" dirty="0">
+              <a:solidFill>
+                <a:schemeClr val="tx1"/>
+              </a:solidFill>
+            </a:endParaRPr>
+          </a:p>
+        </p:txBody>
+      </p:sp>
+      <p:cxnSp>
+        <p:nvCxnSpPr>
+          <p:cNvPr id="12" name="直線單箭頭接點 11"/>
+          <p:cNvCxnSpPr>
+            <a:cxnSpLocks/>
+            <a:stCxn id="8" idx="2"/>
+            <a:endCxn id="19" idx="0"/>
+          </p:cNvCxnSpPr>
+          <p:nvPr/>
+        </p:nvCxnSpPr>
+        <p:spPr>
+          <a:xfrm>
+            <a:off x="2718244" y="2646459"/>
+            <a:ext cx="1080000" cy="719551"/>
+          </a:xfrm>
+          <a:prstGeom prst="straightConnector1">
+            <a:avLst/>
+          </a:prstGeom>
+          <a:ln w="38100">
+            <a:solidFill>
+              <a:schemeClr val="tx1"/>
+            </a:solidFill>
+            <a:prstDash val="sysDot"/>
+            <a:tailEnd type="arrow" w="med" len="lg"/>
+          </a:ln>
+        </p:spPr>
+        <p:style>
+          <a:lnRef idx="1">
+            <a:schemeClr val="accent1"/>
+          </a:lnRef>
+          <a:fillRef idx="0">
+            <a:schemeClr val="accent1"/>
+          </a:fillRef>
+          <a:effectRef idx="0">
+            <a:schemeClr val="accent1"/>
+          </a:effectRef>
+          <a:fontRef idx="minor">
+            <a:schemeClr val="tx1"/>
+          </a:fontRef>
+        </p:style>
+      </p:cxnSp>
+      <p:sp>
+        <p:nvSpPr>
+          <p:cNvPr id="18" name="圓角矩形 18">
+            <a:extLst>
+              <a:ext uri="{FF2B5EF4-FFF2-40B4-BE49-F238E27FC236}">
+                <a16:creationId xmlns:a16="http://schemas.microsoft.com/office/drawing/2014/main" id="{47DE1866-A6CF-489C-848E-A4D8C003E3C0}"/>
+              </a:ext>
+            </a:extLst>
+          </p:cNvPr>
+          <p:cNvSpPr/>
+          <p:nvPr/>
+        </p:nvSpPr>
+        <p:spPr>
+          <a:xfrm>
+            <a:off x="6192244" y="3366000"/>
+            <a:ext cx="3060000" cy="900000"/>
+          </a:xfrm>
+          <a:prstGeom prst="roundRect">
+            <a:avLst/>
+          </a:prstGeom>
+          <a:noFill/>
+          <a:ln w="38100">
+            <a:solidFill>
+              <a:schemeClr val="tx1"/>
+            </a:solidFill>
+          </a:ln>
+        </p:spPr>
+        <p:style>
+          <a:lnRef idx="2">
+            <a:schemeClr val="accent1">
+              <a:shade val="50000"/>
+            </a:schemeClr>
+          </a:lnRef>
+          <a:fillRef idx="1">
+            <a:schemeClr val="accent1"/>
+          </a:fillRef>
+          <a:effectRef idx="0">
+            <a:schemeClr val="accent1"/>
+          </a:effectRef>
+          <a:fontRef idx="minor">
+            <a:schemeClr val="lt1"/>
+          </a:fontRef>
+        </p:style>
+        <p:txBody>
+          <a:bodyPr rtlCol="0" anchor="ctr"/>
+          <a:lstStyle/>
+          <a:p>
+            <a:pPr algn="ctr"/>
+            <a:r>
+              <a:rPr lang="en-US" altLang="zh-TW" dirty="0">
+                <a:solidFill>
+                  <a:schemeClr val="tx1"/>
+                </a:solidFill>
+              </a:rPr>
+              <a:t>Deterministic assembly processes of </a:t>
+            </a:r>
+          </a:p>
+          <a:p>
+            <a:pPr algn="ctr"/>
+            <a:r>
+              <a:rPr lang="en-US" altLang="zh-TW" b="1" dirty="0">
+                <a:solidFill>
+                  <a:schemeClr val="tx1"/>
+                </a:solidFill>
+              </a:rPr>
+              <a:t>Bacteria community</a:t>
+            </a:r>
+            <a:endParaRPr lang="zh-TW" altLang="en-US" b="1" dirty="0">
+              <a:solidFill>
+                <a:schemeClr val="tx1"/>
+              </a:solidFill>
+            </a:endParaRPr>
+          </a:p>
+        </p:txBody>
+      </p:sp>
+      <p:cxnSp>
+        <p:nvCxnSpPr>
+          <p:cNvPr id="28" name="直線單箭頭接點 11">
+            <a:extLst>
+              <a:ext uri="{FF2B5EF4-FFF2-40B4-BE49-F238E27FC236}">
+                <a16:creationId xmlns:a16="http://schemas.microsoft.com/office/drawing/2014/main" id="{2F63CEA1-FDB0-4466-9AF7-10C6638C7A69}"/>
+              </a:ext>
+            </a:extLst>
+          </p:cNvPr>
+          <p:cNvCxnSpPr>
+            <a:cxnSpLocks/>
+            <a:stCxn id="16" idx="2"/>
+            <a:endCxn id="18" idx="0"/>
+          </p:cNvCxnSpPr>
+          <p:nvPr/>
+        </p:nvCxnSpPr>
+        <p:spPr>
+          <a:xfrm flipH="1">
+            <a:off x="7722244" y="2646000"/>
+            <a:ext cx="1080000" cy="720000"/>
+          </a:xfrm>
+          <a:prstGeom prst="straightConnector1">
+            <a:avLst/>
+          </a:prstGeom>
+          <a:ln w="38100">
+            <a:solidFill>
+              <a:schemeClr val="tx1"/>
+            </a:solidFill>
+            <a:prstDash val="sysDot"/>
+            <a:tailEnd type="arrow" w="med" len="lg"/>
+          </a:ln>
+        </p:spPr>
+        <p:style>
+          <a:lnRef idx="1">
+            <a:schemeClr val="accent1"/>
+          </a:lnRef>
+          <a:fillRef idx="0">
+            <a:schemeClr val="accent1"/>
+          </a:fillRef>
+          <a:effectRef idx="0">
+            <a:schemeClr val="accent1"/>
+          </a:effectRef>
+          <a:fontRef idx="minor">
+            <a:schemeClr val="tx1"/>
+          </a:fontRef>
+        </p:style>
+      </p:cxnSp>
+      <p:cxnSp>
+        <p:nvCxnSpPr>
+          <p:cNvPr id="33" name="直線單箭頭接點 11">
+            <a:extLst>
+              <a:ext uri="{FF2B5EF4-FFF2-40B4-BE49-F238E27FC236}">
+                <a16:creationId xmlns:a16="http://schemas.microsoft.com/office/drawing/2014/main" id="{F0875757-B921-4728-87AA-413F44467B51}"/>
+              </a:ext>
+            </a:extLst>
+          </p:cNvPr>
+          <p:cNvCxnSpPr>
+            <a:cxnSpLocks/>
+            <a:stCxn id="19" idx="3"/>
+            <a:endCxn id="16" idx="1"/>
+          </p:cNvCxnSpPr>
+          <p:nvPr/>
+        </p:nvCxnSpPr>
+        <p:spPr>
+          <a:xfrm flipV="1">
+            <a:off x="5328244" y="2286000"/>
+            <a:ext cx="1944000" cy="1530000"/>
+          </a:xfrm>
+          <a:prstGeom prst="straightConnector1">
+            <a:avLst/>
+          </a:prstGeom>
+          <a:ln w="38100">
+            <a:solidFill>
+              <a:schemeClr val="tx1"/>
+            </a:solidFill>
+            <a:prstDash val="solid"/>
+            <a:tailEnd type="arrow" w="med" len="lg"/>
+          </a:ln>
+        </p:spPr>
+        <p:style>
+          <a:lnRef idx="1">
+            <a:schemeClr val="accent1"/>
+          </a:lnRef>
+          <a:fillRef idx="0">
+            <a:schemeClr val="accent1"/>
+          </a:fillRef>
+          <a:effectRef idx="0">
+            <a:schemeClr val="accent1"/>
+          </a:effectRef>
+          <a:fontRef idx="minor">
+            <a:schemeClr val="tx1"/>
+          </a:fontRef>
+        </p:style>
+      </p:cxnSp>
+      <p:cxnSp>
+        <p:nvCxnSpPr>
+          <p:cNvPr id="34" name="直線單箭頭接點 11">
+            <a:extLst>
+              <a:ext uri="{FF2B5EF4-FFF2-40B4-BE49-F238E27FC236}">
+                <a16:creationId xmlns:a16="http://schemas.microsoft.com/office/drawing/2014/main" id="{7DB4E6F1-6E32-4553-A7DF-D1C5A6D92F70}"/>
+              </a:ext>
+            </a:extLst>
+          </p:cNvPr>
+          <p:cNvCxnSpPr>
+            <a:cxnSpLocks/>
+            <a:stCxn id="18" idx="1"/>
+            <a:endCxn id="8" idx="3"/>
+          </p:cNvCxnSpPr>
+          <p:nvPr/>
+        </p:nvCxnSpPr>
+        <p:spPr>
+          <a:xfrm flipH="1" flipV="1">
+            <a:off x="4248244" y="2286462"/>
+            <a:ext cx="1944000" cy="1529551"/>
+          </a:xfrm>
+          <a:prstGeom prst="straightConnector1">
+            <a:avLst/>
+          </a:prstGeom>
+          <a:ln w="38100">
+            <a:solidFill>
+              <a:schemeClr val="tx1"/>
+            </a:solidFill>
+            <a:prstDash val="sysDot"/>
+            <a:tailEnd type="arrow" w="med" len="lg"/>
+          </a:ln>
+        </p:spPr>
+        <p:style>
+          <a:lnRef idx="1">
+            <a:schemeClr val="accent1"/>
+          </a:lnRef>
+          <a:fillRef idx="0">
+            <a:schemeClr val="accent1"/>
+          </a:fillRef>
+          <a:effectRef idx="0">
+            <a:schemeClr val="accent1"/>
+          </a:effectRef>
+          <a:fontRef idx="minor">
+            <a:schemeClr val="tx1"/>
+          </a:fontRef>
+        </p:style>
+      </p:cxnSp>
+      <p:sp>
+        <p:nvSpPr>
+          <p:cNvPr id="23" name="矩形 22"/>
+          <p:cNvSpPr/>
+          <p:nvPr/>
+        </p:nvSpPr>
+        <p:spPr>
+          <a:xfrm>
+            <a:off x="5016850" y="1944382"/>
+            <a:ext cx="1370888" cy="317331"/>
           </a:xfrm>
           <a:prstGeom prst="rect">
             <a:avLst/>
@@ -14413,7 +15843,7 @@
         </p:nvCxnSpPr>
         <p:spPr>
           <a:xfrm flipV="1">
-            <a:off x="6732000" y="4266010"/>
+            <a:off x="6732000" y="4266013"/>
             <a:ext cx="990244" cy="738071"/>
           </a:xfrm>
           <a:prstGeom prst="straightConnector1">
@@ -14450,7 +15880,7 @@
         </p:nvSpPr>
         <p:spPr>
           <a:xfrm>
-            <a:off x="6729284" y="1233996"/>
+            <a:off x="6729287" y="1233996"/>
             <a:ext cx="4734199" cy="3773010"/>
           </a:xfrm>
           <a:custGeom>
@@ -14535,8 +15965,8 @@
         </p:nvSpPr>
         <p:spPr>
           <a:xfrm>
-            <a:off x="6379679" y="2847727"/>
-            <a:ext cx="1370888" cy="317459"/>
+            <a:off x="6379680" y="2847728"/>
+            <a:ext cx="1370888" cy="317331"/>
           </a:xfrm>
           <a:prstGeom prst="rect">
             <a:avLst/>
@@ -14827,549 +16257,6 @@
 </p:sld>
 </file>
 
-<file path=ppt/slides/slide8.xml><?xml version="1.0" encoding="utf-8"?>
-<p:sld xmlns:a="http://schemas.openxmlformats.org/drawingml/2006/main" xmlns:r="http://schemas.openxmlformats.org/officeDocument/2006/relationships" xmlns:p="http://schemas.openxmlformats.org/presentationml/2006/main">
-  <p:cSld>
-    <p:spTree>
-      <p:nvGrpSpPr>
-        <p:cNvPr id="1" name=""/>
-        <p:cNvGrpSpPr/>
-        <p:nvPr/>
-      </p:nvGrpSpPr>
-      <p:grpSpPr>
-        <a:xfrm>
-          <a:off x="0" y="0"/>
-          <a:ext cx="0" cy="0"/>
-          <a:chOff x="0" y="0"/>
-          <a:chExt cx="0" cy="0"/>
-        </a:xfrm>
-      </p:grpSpPr>
-      <p:sp>
-        <p:nvSpPr>
-          <p:cNvPr id="8" name="圓角矩形 7"/>
-          <p:cNvSpPr/>
-          <p:nvPr/>
-        </p:nvSpPr>
-        <p:spPr>
-          <a:xfrm>
-            <a:off x="1188244" y="1926449"/>
-            <a:ext cx="3060000" cy="720000"/>
-          </a:xfrm>
-          <a:prstGeom prst="roundRect">
-            <a:avLst/>
-          </a:prstGeom>
-          <a:noFill/>
-          <a:ln w="38100">
-            <a:solidFill>
-              <a:schemeClr val="tx1"/>
-            </a:solidFill>
-          </a:ln>
-        </p:spPr>
-        <p:style>
-          <a:lnRef idx="2">
-            <a:schemeClr val="accent1">
-              <a:shade val="50000"/>
-            </a:schemeClr>
-          </a:lnRef>
-          <a:fillRef idx="1">
-            <a:schemeClr val="accent1"/>
-          </a:fillRef>
-          <a:effectRef idx="0">
-            <a:schemeClr val="accent1"/>
-          </a:effectRef>
-          <a:fontRef idx="minor">
-            <a:schemeClr val="lt1"/>
-          </a:fontRef>
-        </p:style>
-        <p:txBody>
-          <a:bodyPr rtlCol="0" anchor="ctr"/>
-          <a:lstStyle/>
-          <a:p>
-            <a:pPr algn="ctr"/>
-            <a:r>
-              <a:rPr lang="en-US" altLang="zh-TW" dirty="0">
-                <a:solidFill>
-                  <a:schemeClr val="tx1"/>
-                </a:solidFill>
-              </a:rPr>
-              <a:t>Bacteria species richness</a:t>
-            </a:r>
-            <a:endParaRPr lang="zh-TW" altLang="en-US" dirty="0">
-              <a:solidFill>
-                <a:schemeClr val="tx1"/>
-              </a:solidFill>
-            </a:endParaRPr>
-          </a:p>
-        </p:txBody>
-      </p:sp>
-      <p:sp>
-        <p:nvSpPr>
-          <p:cNvPr id="16" name="圓角矩形 15"/>
-          <p:cNvSpPr/>
-          <p:nvPr/>
-        </p:nvSpPr>
-        <p:spPr>
-          <a:xfrm>
-            <a:off x="7272244" y="1926000"/>
-            <a:ext cx="3060000" cy="720000"/>
-          </a:xfrm>
-          <a:prstGeom prst="roundRect">
-            <a:avLst/>
-          </a:prstGeom>
-          <a:noFill/>
-          <a:ln w="38100">
-            <a:solidFill>
-              <a:schemeClr val="tx1"/>
-            </a:solidFill>
-          </a:ln>
-        </p:spPr>
-        <p:style>
-          <a:lnRef idx="2">
-            <a:schemeClr val="accent1">
-              <a:shade val="50000"/>
-            </a:schemeClr>
-          </a:lnRef>
-          <a:fillRef idx="1">
-            <a:schemeClr val="accent1"/>
-          </a:fillRef>
-          <a:effectRef idx="0">
-            <a:schemeClr val="accent1"/>
-          </a:effectRef>
-          <a:fontRef idx="minor">
-            <a:schemeClr val="lt1"/>
-          </a:fontRef>
-        </p:style>
-        <p:txBody>
-          <a:bodyPr rtlCol="0" anchor="ctr"/>
-          <a:lstStyle/>
-          <a:p>
-            <a:pPr algn="ctr"/>
-            <a:r>
-              <a:rPr lang="en-US" altLang="zh-TW" dirty="0">
-                <a:solidFill>
-                  <a:schemeClr val="tx1"/>
-                </a:solidFill>
-              </a:rPr>
-              <a:t>HNF Shannon diversity</a:t>
-            </a:r>
-            <a:endParaRPr lang="zh-TW" altLang="en-US" dirty="0">
-              <a:solidFill>
-                <a:schemeClr val="tx1"/>
-              </a:solidFill>
-            </a:endParaRPr>
-          </a:p>
-        </p:txBody>
-      </p:sp>
-      <p:cxnSp>
-        <p:nvCxnSpPr>
-          <p:cNvPr id="10" name="直線單箭頭接點 9"/>
-          <p:cNvCxnSpPr>
-            <a:stCxn id="8" idx="3"/>
-            <a:endCxn id="16" idx="1"/>
-          </p:cNvCxnSpPr>
-          <p:nvPr/>
-        </p:nvCxnSpPr>
-        <p:spPr>
-          <a:xfrm flipV="1">
-            <a:off x="4248244" y="2286010"/>
-            <a:ext cx="3024000" cy="449"/>
-          </a:xfrm>
-          <a:prstGeom prst="straightConnector1">
-            <a:avLst/>
-          </a:prstGeom>
-          <a:ln w="38100">
-            <a:solidFill>
-              <a:schemeClr val="tx1"/>
-            </a:solidFill>
-            <a:prstDash val="solid"/>
-            <a:headEnd type="arrow"/>
-            <a:tailEnd type="arrow" w="med" len="lg"/>
-          </a:ln>
-        </p:spPr>
-        <p:style>
-          <a:lnRef idx="1">
-            <a:schemeClr val="accent1"/>
-          </a:lnRef>
-          <a:fillRef idx="0">
-            <a:schemeClr val="accent1"/>
-          </a:fillRef>
-          <a:effectRef idx="0">
-            <a:schemeClr val="accent1"/>
-          </a:effectRef>
-          <a:fontRef idx="minor">
-            <a:schemeClr val="tx1"/>
-          </a:fontRef>
-        </p:style>
-      </p:cxnSp>
-      <p:sp>
-        <p:nvSpPr>
-          <p:cNvPr id="19" name="圓角矩形 18"/>
-          <p:cNvSpPr/>
-          <p:nvPr/>
-        </p:nvSpPr>
-        <p:spPr>
-          <a:xfrm>
-            <a:off x="2268244" y="3366000"/>
-            <a:ext cx="3060000" cy="900000"/>
-          </a:xfrm>
-          <a:prstGeom prst="roundRect">
-            <a:avLst/>
-          </a:prstGeom>
-          <a:noFill/>
-          <a:ln w="38100">
-            <a:solidFill>
-              <a:schemeClr val="tx1"/>
-            </a:solidFill>
-          </a:ln>
-        </p:spPr>
-        <p:style>
-          <a:lnRef idx="2">
-            <a:schemeClr val="accent1">
-              <a:shade val="50000"/>
-            </a:schemeClr>
-          </a:lnRef>
-          <a:fillRef idx="1">
-            <a:schemeClr val="accent1"/>
-          </a:fillRef>
-          <a:effectRef idx="0">
-            <a:schemeClr val="accent1"/>
-          </a:effectRef>
-          <a:fontRef idx="minor">
-            <a:schemeClr val="lt1"/>
-          </a:fontRef>
-        </p:style>
-        <p:txBody>
-          <a:bodyPr rtlCol="0" anchor="ctr"/>
-          <a:lstStyle/>
-          <a:p>
-            <a:pPr algn="ctr"/>
-            <a:r>
-              <a:rPr lang="en-US" altLang="zh-TW" dirty="0">
-                <a:solidFill>
-                  <a:schemeClr val="tx1"/>
-                </a:solidFill>
-              </a:rPr>
-              <a:t>Deterministic assembly processes of </a:t>
-            </a:r>
-          </a:p>
-          <a:p>
-            <a:pPr algn="ctr"/>
-            <a:r>
-              <a:rPr lang="en-US" altLang="zh-TW" b="1" dirty="0">
-                <a:solidFill>
-                  <a:schemeClr val="tx1"/>
-                </a:solidFill>
-              </a:rPr>
-              <a:t>HNF community</a:t>
-            </a:r>
-            <a:endParaRPr lang="zh-TW" altLang="en-US" b="1" dirty="0">
-              <a:solidFill>
-                <a:schemeClr val="tx1"/>
-              </a:solidFill>
-            </a:endParaRPr>
-          </a:p>
-        </p:txBody>
-      </p:sp>
-      <p:cxnSp>
-        <p:nvCxnSpPr>
-          <p:cNvPr id="12" name="直線單箭頭接點 11"/>
-          <p:cNvCxnSpPr>
-            <a:cxnSpLocks/>
-            <a:stCxn id="8" idx="2"/>
-            <a:endCxn id="19" idx="0"/>
-          </p:cNvCxnSpPr>
-          <p:nvPr/>
-        </p:nvCxnSpPr>
-        <p:spPr>
-          <a:xfrm>
-            <a:off x="2718244" y="2646459"/>
-            <a:ext cx="1080000" cy="719551"/>
-          </a:xfrm>
-          <a:prstGeom prst="straightConnector1">
-            <a:avLst/>
-          </a:prstGeom>
-          <a:ln w="38100">
-            <a:solidFill>
-              <a:schemeClr val="tx1"/>
-            </a:solidFill>
-            <a:prstDash val="sysDot"/>
-            <a:tailEnd type="arrow" w="med" len="lg"/>
-          </a:ln>
-        </p:spPr>
-        <p:style>
-          <a:lnRef idx="1">
-            <a:schemeClr val="accent1"/>
-          </a:lnRef>
-          <a:fillRef idx="0">
-            <a:schemeClr val="accent1"/>
-          </a:fillRef>
-          <a:effectRef idx="0">
-            <a:schemeClr val="accent1"/>
-          </a:effectRef>
-          <a:fontRef idx="minor">
-            <a:schemeClr val="tx1"/>
-          </a:fontRef>
-        </p:style>
-      </p:cxnSp>
-      <p:sp>
-        <p:nvSpPr>
-          <p:cNvPr id="18" name="圓角矩形 18">
-            <a:extLst>
-              <a:ext uri="{FF2B5EF4-FFF2-40B4-BE49-F238E27FC236}">
-                <a16:creationId xmlns:a16="http://schemas.microsoft.com/office/drawing/2014/main" id="{47DE1866-A6CF-489C-848E-A4D8C003E3C0}"/>
-              </a:ext>
-            </a:extLst>
-          </p:cNvPr>
-          <p:cNvSpPr/>
-          <p:nvPr/>
-        </p:nvSpPr>
-        <p:spPr>
-          <a:xfrm>
-            <a:off x="6192244" y="3366000"/>
-            <a:ext cx="3060000" cy="900000"/>
-          </a:xfrm>
-          <a:prstGeom prst="roundRect">
-            <a:avLst/>
-          </a:prstGeom>
-          <a:noFill/>
-          <a:ln w="38100">
-            <a:solidFill>
-              <a:schemeClr val="tx1"/>
-            </a:solidFill>
-          </a:ln>
-        </p:spPr>
-        <p:style>
-          <a:lnRef idx="2">
-            <a:schemeClr val="accent1">
-              <a:shade val="50000"/>
-            </a:schemeClr>
-          </a:lnRef>
-          <a:fillRef idx="1">
-            <a:schemeClr val="accent1"/>
-          </a:fillRef>
-          <a:effectRef idx="0">
-            <a:schemeClr val="accent1"/>
-          </a:effectRef>
-          <a:fontRef idx="minor">
-            <a:schemeClr val="lt1"/>
-          </a:fontRef>
-        </p:style>
-        <p:txBody>
-          <a:bodyPr rtlCol="0" anchor="ctr"/>
-          <a:lstStyle/>
-          <a:p>
-            <a:pPr algn="ctr"/>
-            <a:r>
-              <a:rPr lang="en-US" altLang="zh-TW" dirty="0">
-                <a:solidFill>
-                  <a:schemeClr val="tx1"/>
-                </a:solidFill>
-              </a:rPr>
-              <a:t>Deterministic assembly processes of </a:t>
-            </a:r>
-          </a:p>
-          <a:p>
-            <a:pPr algn="ctr"/>
-            <a:r>
-              <a:rPr lang="en-US" altLang="zh-TW" b="1" dirty="0">
-                <a:solidFill>
-                  <a:schemeClr val="tx1"/>
-                </a:solidFill>
-              </a:rPr>
-              <a:t>Bacteria community</a:t>
-            </a:r>
-            <a:endParaRPr lang="zh-TW" altLang="en-US" b="1" dirty="0">
-              <a:solidFill>
-                <a:schemeClr val="tx1"/>
-              </a:solidFill>
-            </a:endParaRPr>
-          </a:p>
-        </p:txBody>
-      </p:sp>
-      <p:cxnSp>
-        <p:nvCxnSpPr>
-          <p:cNvPr id="28" name="直線單箭頭接點 11">
-            <a:extLst>
-              <a:ext uri="{FF2B5EF4-FFF2-40B4-BE49-F238E27FC236}">
-                <a16:creationId xmlns:a16="http://schemas.microsoft.com/office/drawing/2014/main" id="{2F63CEA1-FDB0-4466-9AF7-10C6638C7A69}"/>
-              </a:ext>
-            </a:extLst>
-          </p:cNvPr>
-          <p:cNvCxnSpPr>
-            <a:cxnSpLocks/>
-            <a:stCxn id="16" idx="2"/>
-            <a:endCxn id="18" idx="0"/>
-          </p:cNvCxnSpPr>
-          <p:nvPr/>
-        </p:nvCxnSpPr>
-        <p:spPr>
-          <a:xfrm flipH="1">
-            <a:off x="7722244" y="2646000"/>
-            <a:ext cx="1080000" cy="720000"/>
-          </a:xfrm>
-          <a:prstGeom prst="straightConnector1">
-            <a:avLst/>
-          </a:prstGeom>
-          <a:ln w="38100">
-            <a:solidFill>
-              <a:schemeClr val="tx1"/>
-            </a:solidFill>
-            <a:prstDash val="sysDot"/>
-            <a:tailEnd type="arrow" w="med" len="lg"/>
-          </a:ln>
-        </p:spPr>
-        <p:style>
-          <a:lnRef idx="1">
-            <a:schemeClr val="accent1"/>
-          </a:lnRef>
-          <a:fillRef idx="0">
-            <a:schemeClr val="accent1"/>
-          </a:fillRef>
-          <a:effectRef idx="0">
-            <a:schemeClr val="accent1"/>
-          </a:effectRef>
-          <a:fontRef idx="minor">
-            <a:schemeClr val="tx1"/>
-          </a:fontRef>
-        </p:style>
-      </p:cxnSp>
-      <p:cxnSp>
-        <p:nvCxnSpPr>
-          <p:cNvPr id="33" name="直線單箭頭接點 11">
-            <a:extLst>
-              <a:ext uri="{FF2B5EF4-FFF2-40B4-BE49-F238E27FC236}">
-                <a16:creationId xmlns:a16="http://schemas.microsoft.com/office/drawing/2014/main" id="{F0875757-B921-4728-87AA-413F44467B51}"/>
-              </a:ext>
-            </a:extLst>
-          </p:cNvPr>
-          <p:cNvCxnSpPr>
-            <a:cxnSpLocks/>
-            <a:stCxn id="19" idx="3"/>
-            <a:endCxn id="16" idx="1"/>
-          </p:cNvCxnSpPr>
-          <p:nvPr/>
-        </p:nvCxnSpPr>
-        <p:spPr>
-          <a:xfrm flipV="1">
-            <a:off x="5328244" y="2286000"/>
-            <a:ext cx="1944000" cy="1530000"/>
-          </a:xfrm>
-          <a:prstGeom prst="straightConnector1">
-            <a:avLst/>
-          </a:prstGeom>
-          <a:ln w="38100">
-            <a:solidFill>
-              <a:schemeClr val="tx1"/>
-            </a:solidFill>
-            <a:prstDash val="sysDot"/>
-            <a:tailEnd type="arrow" w="med" len="lg"/>
-          </a:ln>
-        </p:spPr>
-        <p:style>
-          <a:lnRef idx="1">
-            <a:schemeClr val="accent1"/>
-          </a:lnRef>
-          <a:fillRef idx="0">
-            <a:schemeClr val="accent1"/>
-          </a:fillRef>
-          <a:effectRef idx="0">
-            <a:schemeClr val="accent1"/>
-          </a:effectRef>
-          <a:fontRef idx="minor">
-            <a:schemeClr val="tx1"/>
-          </a:fontRef>
-        </p:style>
-      </p:cxnSp>
-      <p:cxnSp>
-        <p:nvCxnSpPr>
-          <p:cNvPr id="34" name="直線單箭頭接點 11">
-            <a:extLst>
-              <a:ext uri="{FF2B5EF4-FFF2-40B4-BE49-F238E27FC236}">
-                <a16:creationId xmlns:a16="http://schemas.microsoft.com/office/drawing/2014/main" id="{7DB4E6F1-6E32-4553-A7DF-D1C5A6D92F70}"/>
-              </a:ext>
-            </a:extLst>
-          </p:cNvPr>
-          <p:cNvCxnSpPr>
-            <a:cxnSpLocks/>
-            <a:stCxn id="18" idx="1"/>
-            <a:endCxn id="8" idx="3"/>
-          </p:cNvCxnSpPr>
-          <p:nvPr/>
-        </p:nvCxnSpPr>
-        <p:spPr>
-          <a:xfrm flipH="1" flipV="1">
-            <a:off x="4248244" y="2286459"/>
-            <a:ext cx="1944000" cy="1529551"/>
-          </a:xfrm>
-          <a:prstGeom prst="straightConnector1">
-            <a:avLst/>
-          </a:prstGeom>
-          <a:ln w="38100">
-            <a:solidFill>
-              <a:schemeClr val="tx1"/>
-            </a:solidFill>
-            <a:prstDash val="sysDot"/>
-            <a:tailEnd type="arrow" w="med" len="lg"/>
-          </a:ln>
-        </p:spPr>
-        <p:style>
-          <a:lnRef idx="1">
-            <a:schemeClr val="accent1"/>
-          </a:lnRef>
-          <a:fillRef idx="0">
-            <a:schemeClr val="accent1"/>
-          </a:fillRef>
-          <a:effectRef idx="0">
-            <a:schemeClr val="accent1"/>
-          </a:effectRef>
-          <a:fontRef idx="minor">
-            <a:schemeClr val="tx1"/>
-          </a:fontRef>
-        </p:style>
-      </p:cxnSp>
-      <p:sp>
-        <p:nvSpPr>
-          <p:cNvPr id="167" name="矩形 166"/>
-          <p:cNvSpPr/>
-          <p:nvPr/>
-        </p:nvSpPr>
-        <p:spPr>
-          <a:xfrm>
-            <a:off x="5016851" y="1944381"/>
-            <a:ext cx="1370888" cy="317459"/>
-          </a:xfrm>
-          <a:prstGeom prst="rect">
-            <a:avLst/>
-          </a:prstGeom>
-        </p:spPr>
-        <p:txBody>
-          <a:bodyPr wrap="none">
-            <a:spAutoFit/>
-          </a:bodyPr>
-          <a:lstStyle/>
-          <a:p>
-            <a:pPr algn="ctr"/>
-            <a:r>
-              <a:rPr lang="en-US" altLang="zh-TW" dirty="0"/>
-              <a:t>0.148 (p = 0.09)</a:t>
-            </a:r>
-            <a:endParaRPr lang="zh-TW" altLang="en-US" dirty="0"/>
-          </a:p>
-        </p:txBody>
-      </p:sp>
-    </p:spTree>
-    <p:extLst>
-      <p:ext uri="{BB962C8B-B14F-4D97-AF65-F5344CB8AC3E}">
-        <p14:creationId xmlns:p14="http://schemas.microsoft.com/office/powerpoint/2010/main" val="562642780"/>
-      </p:ext>
-    </p:extLst>
-  </p:cSld>
-  <p:clrMapOvr>
-    <a:masterClrMapping/>
-  </p:clrMapOvr>
-</p:sld>
-</file>
-
 <file path=ppt/slides/slide9.xml><?xml version="1.0" encoding="utf-8"?>
 <p:sld xmlns:a="http://schemas.openxmlformats.org/drawingml/2006/main" xmlns:r="http://schemas.openxmlformats.org/officeDocument/2006/relationships" xmlns:p="http://schemas.openxmlformats.org/presentationml/2006/main">
   <p:cSld>
@@ -15514,7 +16401,7 @@
         </p:nvCxnSpPr>
         <p:spPr>
           <a:xfrm flipV="1">
-            <a:off x="4248244" y="2286010"/>
+            <a:off x="4248244" y="2286013"/>
             <a:ext cx="3024000" cy="449"/>
           </a:xfrm>
           <a:prstGeom prst="straightConnector1">
@@ -15841,7 +16728,7 @@
         </p:nvCxnSpPr>
         <p:spPr>
           <a:xfrm flipH="1" flipV="1">
-            <a:off x="4248244" y="2286459"/>
+            <a:off x="4248244" y="2286462"/>
             <a:ext cx="1944000" cy="1529551"/>
           </a:xfrm>
           <a:prstGeom prst="straightConnector1">
@@ -15872,14 +16759,14 @@
       </p:cxnSp>
       <p:sp>
         <p:nvSpPr>
-          <p:cNvPr id="23" name="矩形 22"/>
+          <p:cNvPr id="167" name="矩形 166"/>
           <p:cNvSpPr/>
           <p:nvPr/>
         </p:nvSpPr>
         <p:spPr>
           <a:xfrm>
-            <a:off x="5016851" y="1944381"/>
-            <a:ext cx="1370888" cy="317459"/>
+            <a:off x="5016852" y="1944382"/>
+            <a:ext cx="1370888" cy="317331"/>
           </a:xfrm>
           <a:prstGeom prst="rect">
             <a:avLst/>
@@ -15900,331 +16787,10 @@
           </a:p>
         </p:txBody>
       </p:sp>
-      <p:sp>
-        <p:nvSpPr>
-          <p:cNvPr id="124" name="圓角矩形 123"/>
-          <p:cNvSpPr/>
-          <p:nvPr/>
-        </p:nvSpPr>
-        <p:spPr>
-          <a:xfrm>
-            <a:off x="8262244" y="486000"/>
-            <a:ext cx="3060000" cy="720000"/>
-          </a:xfrm>
-          <a:prstGeom prst="roundRect">
-            <a:avLst/>
-          </a:prstGeom>
-          <a:noFill/>
-          <a:ln w="38100">
-            <a:solidFill>
-              <a:schemeClr val="tx1"/>
-            </a:solidFill>
-          </a:ln>
-        </p:spPr>
-        <p:style>
-          <a:lnRef idx="2">
-            <a:schemeClr val="accent1">
-              <a:shade val="50000"/>
-            </a:schemeClr>
-          </a:lnRef>
-          <a:fillRef idx="1">
-            <a:schemeClr val="accent1"/>
-          </a:fillRef>
-          <a:effectRef idx="0">
-            <a:schemeClr val="accent1"/>
-          </a:effectRef>
-          <a:fontRef idx="minor">
-            <a:schemeClr val="lt1"/>
-          </a:fontRef>
-        </p:style>
-        <p:txBody>
-          <a:bodyPr rtlCol="0" anchor="ctr"/>
-          <a:lstStyle/>
-          <a:p>
-            <a:pPr algn="ctr"/>
-            <a:r>
-              <a:rPr lang="en-US" altLang="zh-TW" dirty="0">
-                <a:solidFill>
-                  <a:schemeClr val="tx1"/>
-                </a:solidFill>
-              </a:rPr>
-              <a:t>HNF biomass</a:t>
-            </a:r>
-            <a:endParaRPr lang="zh-TW" altLang="en-US" dirty="0">
-              <a:solidFill>
-                <a:schemeClr val="tx1"/>
-              </a:solidFill>
-            </a:endParaRPr>
-          </a:p>
-        </p:txBody>
-      </p:sp>
-      <p:sp>
-        <p:nvSpPr>
-          <p:cNvPr id="125" name="圓角矩形 124"/>
-          <p:cNvSpPr/>
-          <p:nvPr/>
-        </p:nvSpPr>
-        <p:spPr>
-          <a:xfrm>
-            <a:off x="108244" y="486414"/>
-            <a:ext cx="3060000" cy="720000"/>
-          </a:xfrm>
-          <a:prstGeom prst="roundRect">
-            <a:avLst/>
-          </a:prstGeom>
-          <a:noFill/>
-          <a:ln w="38100">
-            <a:solidFill>
-              <a:schemeClr val="tx1"/>
-            </a:solidFill>
-          </a:ln>
-        </p:spPr>
-        <p:style>
-          <a:lnRef idx="2">
-            <a:schemeClr val="accent1">
-              <a:shade val="50000"/>
-            </a:schemeClr>
-          </a:lnRef>
-          <a:fillRef idx="1">
-            <a:schemeClr val="accent1"/>
-          </a:fillRef>
-          <a:effectRef idx="0">
-            <a:schemeClr val="accent1"/>
-          </a:effectRef>
-          <a:fontRef idx="minor">
-            <a:schemeClr val="lt1"/>
-          </a:fontRef>
-        </p:style>
-        <p:txBody>
-          <a:bodyPr rtlCol="0" anchor="ctr"/>
-          <a:lstStyle/>
-          <a:p>
-            <a:pPr algn="ctr"/>
-            <a:r>
-              <a:rPr lang="en-US" altLang="zh-TW" dirty="0">
-                <a:solidFill>
-                  <a:schemeClr val="tx1"/>
-                </a:solidFill>
-              </a:rPr>
-              <a:t>Bacteria biomass</a:t>
-            </a:r>
-            <a:endParaRPr lang="zh-TW" altLang="en-US" dirty="0">
-              <a:solidFill>
-                <a:schemeClr val="tx1"/>
-              </a:solidFill>
-            </a:endParaRPr>
-          </a:p>
-        </p:txBody>
-      </p:sp>
-      <p:cxnSp>
-        <p:nvCxnSpPr>
-          <p:cNvPr id="156" name="直線單箭頭接點 155"/>
-          <p:cNvCxnSpPr>
-            <a:cxnSpLocks/>
-            <a:stCxn id="8" idx="0"/>
-            <a:endCxn id="125" idx="2"/>
-          </p:cNvCxnSpPr>
-          <p:nvPr/>
-        </p:nvCxnSpPr>
-        <p:spPr>
-          <a:xfrm flipH="1" flipV="1">
-            <a:off x="1638244" y="1206418"/>
-            <a:ext cx="1080000" cy="720035"/>
-          </a:xfrm>
-          <a:prstGeom prst="straightConnector1">
-            <a:avLst/>
-          </a:prstGeom>
-          <a:ln w="38100">
-            <a:solidFill>
-              <a:schemeClr val="tx1"/>
-            </a:solidFill>
-            <a:prstDash val="sysDot"/>
-            <a:tailEnd type="arrow" w="med" len="lg"/>
-          </a:ln>
-        </p:spPr>
-        <p:style>
-          <a:lnRef idx="1">
-            <a:schemeClr val="accent1"/>
-          </a:lnRef>
-          <a:fillRef idx="0">
-            <a:schemeClr val="accent1"/>
-          </a:fillRef>
-          <a:effectRef idx="0">
-            <a:schemeClr val="accent1"/>
-          </a:effectRef>
-          <a:fontRef idx="minor">
-            <a:schemeClr val="tx1"/>
-          </a:fontRef>
-        </p:style>
-      </p:cxnSp>
-      <p:cxnSp>
-        <p:nvCxnSpPr>
-          <p:cNvPr id="159" name="直線單箭頭接點 158"/>
-          <p:cNvCxnSpPr>
-            <a:cxnSpLocks/>
-            <a:stCxn id="16" idx="0"/>
-            <a:endCxn id="124" idx="2"/>
-          </p:cNvCxnSpPr>
-          <p:nvPr/>
-        </p:nvCxnSpPr>
-        <p:spPr>
-          <a:xfrm flipV="1">
-            <a:off x="8802244" y="1206000"/>
-            <a:ext cx="990000" cy="720000"/>
-          </a:xfrm>
-          <a:prstGeom prst="straightConnector1">
-            <a:avLst/>
-          </a:prstGeom>
-          <a:ln w="38100">
-            <a:solidFill>
-              <a:schemeClr val="tx1"/>
-            </a:solidFill>
-            <a:prstDash val="sysDot"/>
-            <a:tailEnd type="arrow" w="med" len="lg"/>
-          </a:ln>
-        </p:spPr>
-        <p:style>
-          <a:lnRef idx="1">
-            <a:schemeClr val="accent1"/>
-          </a:lnRef>
-          <a:fillRef idx="0">
-            <a:schemeClr val="accent1"/>
-          </a:fillRef>
-          <a:effectRef idx="0">
-            <a:schemeClr val="accent1"/>
-          </a:effectRef>
-          <a:fontRef idx="minor">
-            <a:schemeClr val="tx1"/>
-          </a:fontRef>
-        </p:style>
-      </p:cxnSp>
-      <p:cxnSp>
-        <p:nvCxnSpPr>
-          <p:cNvPr id="164" name="直線單箭頭接點 163"/>
-          <p:cNvCxnSpPr>
-            <a:cxnSpLocks/>
-            <a:stCxn id="124" idx="1"/>
-            <a:endCxn id="125" idx="3"/>
-          </p:cNvCxnSpPr>
-          <p:nvPr/>
-        </p:nvCxnSpPr>
-        <p:spPr>
-          <a:xfrm flipH="1">
-            <a:off x="3168244" y="846000"/>
-            <a:ext cx="5094000" cy="414"/>
-          </a:xfrm>
-          <a:prstGeom prst="straightConnector1">
-            <a:avLst/>
-          </a:prstGeom>
-          <a:ln w="38100">
-            <a:solidFill>
-              <a:schemeClr val="tx1"/>
-            </a:solidFill>
-            <a:prstDash val="sysDot"/>
-            <a:tailEnd type="arrow" w="med" len="lg"/>
-          </a:ln>
-        </p:spPr>
-        <p:style>
-          <a:lnRef idx="1">
-            <a:schemeClr val="accent1"/>
-          </a:lnRef>
-          <a:fillRef idx="0">
-            <a:schemeClr val="accent1"/>
-          </a:fillRef>
-          <a:effectRef idx="0">
-            <a:schemeClr val="accent1"/>
-          </a:effectRef>
-          <a:fontRef idx="minor">
-            <a:schemeClr val="tx1"/>
-          </a:fontRef>
-        </p:style>
-      </p:cxnSp>
-      <p:cxnSp>
-        <p:nvCxnSpPr>
-          <p:cNvPr id="21" name="直線單箭頭接點 20"/>
-          <p:cNvCxnSpPr>
-            <a:cxnSpLocks/>
-            <a:stCxn id="124" idx="2"/>
-            <a:endCxn id="8" idx="0"/>
-          </p:cNvCxnSpPr>
-          <p:nvPr/>
-        </p:nvCxnSpPr>
-        <p:spPr>
-          <a:xfrm flipH="1">
-            <a:off x="2718244" y="1206004"/>
-            <a:ext cx="7074000" cy="720449"/>
-          </a:xfrm>
-          <a:prstGeom prst="straightConnector1">
-            <a:avLst/>
-          </a:prstGeom>
-          <a:ln w="38100">
-            <a:solidFill>
-              <a:schemeClr val="tx1"/>
-            </a:solidFill>
-            <a:prstDash val="sysDot"/>
-            <a:tailEnd type="arrow" w="med" len="lg"/>
-          </a:ln>
-        </p:spPr>
-        <p:style>
-          <a:lnRef idx="1">
-            <a:schemeClr val="accent1"/>
-          </a:lnRef>
-          <a:fillRef idx="0">
-            <a:schemeClr val="accent1"/>
-          </a:fillRef>
-          <a:effectRef idx="0">
-            <a:schemeClr val="accent1"/>
-          </a:effectRef>
-          <a:fontRef idx="minor">
-            <a:schemeClr val="tx1"/>
-          </a:fontRef>
-        </p:style>
-      </p:cxnSp>
-      <p:cxnSp>
-        <p:nvCxnSpPr>
-          <p:cNvPr id="20" name="直線單箭頭接點 19"/>
-          <p:cNvCxnSpPr>
-            <a:cxnSpLocks/>
-            <a:stCxn id="125" idx="2"/>
-            <a:endCxn id="16" idx="0"/>
-          </p:cNvCxnSpPr>
-          <p:nvPr/>
-        </p:nvCxnSpPr>
-        <p:spPr>
-          <a:xfrm>
-            <a:off x="1638244" y="1206414"/>
-            <a:ext cx="7164000" cy="719586"/>
-          </a:xfrm>
-          <a:prstGeom prst="straightConnector1">
-            <a:avLst/>
-          </a:prstGeom>
-          <a:ln w="38100">
-            <a:solidFill>
-              <a:schemeClr val="tx1"/>
-            </a:solidFill>
-            <a:prstDash val="sysDot"/>
-            <a:tailEnd type="arrow" w="med" len="lg"/>
-          </a:ln>
-        </p:spPr>
-        <p:style>
-          <a:lnRef idx="1">
-            <a:schemeClr val="accent1"/>
-          </a:lnRef>
-          <a:fillRef idx="0">
-            <a:schemeClr val="accent1"/>
-          </a:fillRef>
-          <a:effectRef idx="0">
-            <a:schemeClr val="accent1"/>
-          </a:effectRef>
-          <a:fontRef idx="minor">
-            <a:schemeClr val="tx1"/>
-          </a:fontRef>
-        </p:style>
-      </p:cxnSp>
     </p:spTree>
     <p:extLst>
       <p:ext uri="{BB962C8B-B14F-4D97-AF65-F5344CB8AC3E}">
-        <p14:creationId xmlns:p14="http://schemas.microsoft.com/office/powerpoint/2010/main" val="3978597908"/>
+        <p14:creationId xmlns:p14="http://schemas.microsoft.com/office/powerpoint/2010/main" val="562642780"/>
       </p:ext>
     </p:extLst>
   </p:cSld>
